--- a/Tutorial.pptx
+++ b/Tutorial.pptx
@@ -5,10 +5,10 @@
     <p:sldMasterId id="2147483834" r:id="rId1"/>
   </p:sldMasterIdLst>
   <p:notesMasterIdLst>
-    <p:notesMasterId r:id="rId23"/>
+    <p:notesMasterId r:id="rId24"/>
   </p:notesMasterIdLst>
   <p:handoutMasterIdLst>
-    <p:handoutMasterId r:id="rId24"/>
+    <p:handoutMasterId r:id="rId25"/>
   </p:handoutMasterIdLst>
   <p:sldIdLst>
     <p:sldId id="256" r:id="rId2"/>
@@ -23,15 +23,16 @@
     <p:sldId id="338" r:id="rId11"/>
     <p:sldId id="340" r:id="rId12"/>
     <p:sldId id="353" r:id="rId13"/>
-    <p:sldId id="354" r:id="rId14"/>
-    <p:sldId id="341" r:id="rId15"/>
-    <p:sldId id="342" r:id="rId16"/>
-    <p:sldId id="355" r:id="rId17"/>
-    <p:sldId id="352" r:id="rId18"/>
-    <p:sldId id="350" r:id="rId19"/>
-    <p:sldId id="346" r:id="rId20"/>
-    <p:sldId id="349" r:id="rId21"/>
-    <p:sldId id="351" r:id="rId22"/>
+    <p:sldId id="356" r:id="rId14"/>
+    <p:sldId id="354" r:id="rId15"/>
+    <p:sldId id="341" r:id="rId16"/>
+    <p:sldId id="342" r:id="rId17"/>
+    <p:sldId id="355" r:id="rId18"/>
+    <p:sldId id="352" r:id="rId19"/>
+    <p:sldId id="350" r:id="rId20"/>
+    <p:sldId id="346" r:id="rId21"/>
+    <p:sldId id="349" r:id="rId22"/>
+    <p:sldId id="351" r:id="rId23"/>
   </p:sldIdLst>
   <p:sldSz cx="9144000" cy="6858000" type="screen4x3"/>
   <p:notesSz cx="6858000" cy="9144000"/>
@@ -734,6 +735,102 @@
 </p:notes>
 </file>
 
+<file path=ppt/notesSlides/notesSlide10.xml><?xml version="1.0" encoding="utf-8"?>
+<p:notes xmlns:a="http://schemas.openxmlformats.org/drawingml/2006/main" xmlns:r="http://schemas.openxmlformats.org/officeDocument/2006/relationships" xmlns:p="http://schemas.openxmlformats.org/presentationml/2006/main">
+  <p:cSld>
+    <p:spTree>
+      <p:nvGrpSpPr>
+        <p:cNvPr id="1" name=""/>
+        <p:cNvGrpSpPr/>
+        <p:nvPr/>
+      </p:nvGrpSpPr>
+      <p:grpSpPr>
+        <a:xfrm>
+          <a:off x="0" y="0"/>
+          <a:ext cx="0" cy="0"/>
+          <a:chOff x="0" y="0"/>
+          <a:chExt cx="0" cy="0"/>
+        </a:xfrm>
+      </p:grpSpPr>
+      <p:sp>
+        <p:nvSpPr>
+          <p:cNvPr id="2" name="Slide Image Placeholder 1"/>
+          <p:cNvSpPr>
+            <a:spLocks noGrp="1" noRot="1" noChangeAspect="1"/>
+          </p:cNvSpPr>
+          <p:nvPr>
+            <p:ph type="sldImg"/>
+          </p:nvPr>
+        </p:nvSpPr>
+        <p:spPr/>
+      </p:sp>
+      <p:sp>
+        <p:nvSpPr>
+          <p:cNvPr id="3" name="Notes Placeholder 2"/>
+          <p:cNvSpPr>
+            <a:spLocks noGrp="1"/>
+          </p:cNvSpPr>
+          <p:nvPr>
+            <p:ph type="body" idx="1"/>
+          </p:nvPr>
+        </p:nvSpPr>
+        <p:spPr/>
+        <p:txBody>
+          <a:bodyPr/>
+          <a:lstStyle/>
+          <a:p>
+            <a:endParaRPr lang="en-US"/>
+          </a:p>
+          <a:p>
+            <a:r>
+              <a:rPr lang="en-US"/>
+              <a:t>----- Meeting Notes (7/11/13 15:50) -----</a:t>
+            </a:r>
+          </a:p>
+          <a:p>
+            <a:r>
+              <a:rPr lang="en-US"/>
+              <a:t>point that Requirements line is our T3 specific just explain that code requires cvmfs mounted.</a:t>
+            </a:r>
+          </a:p>
+        </p:txBody>
+      </p:sp>
+      <p:sp>
+        <p:nvSpPr>
+          <p:cNvPr id="4" name="Slide Number Placeholder 3"/>
+          <p:cNvSpPr>
+            <a:spLocks noGrp="1"/>
+          </p:cNvSpPr>
+          <p:nvPr>
+            <p:ph type="sldNum" sz="quarter" idx="10"/>
+          </p:nvPr>
+        </p:nvSpPr>
+        <p:spPr/>
+        <p:txBody>
+          <a:bodyPr/>
+          <a:lstStyle/>
+          <a:p>
+            <a:fld id="{753C94FA-7D52-8642-AA7C-0AF8468F5D1E}" type="slidenum">
+              <a:rPr lang="en-US" smtClean="0"/>
+              <a:t>16</a:t>
+            </a:fld>
+            <a:endParaRPr lang="en-US"/>
+          </a:p>
+        </p:txBody>
+      </p:sp>
+    </p:spTree>
+    <p:extLst>
+      <p:ext uri="{BB962C8B-B14F-4D97-AF65-F5344CB8AC3E}">
+        <p14:creationId xmlns:p14="http://schemas.microsoft.com/office/powerpoint/2010/main" val="2083955914"/>
+      </p:ext>
+    </p:extLst>
+  </p:cSld>
+  <p:clrMapOvr>
+    <a:masterClrMapping/>
+  </p:clrMapOvr>
+</p:notes>
+</file>
+
 <file path=ppt/notesSlides/notesSlide2.xml><?xml version="1.0" encoding="utf-8"?>
 <p:notes xmlns:a="http://schemas.openxmlformats.org/drawingml/2006/main" xmlns:r="http://schemas.openxmlformats.org/officeDocument/2006/relationships" xmlns:p="http://schemas.openxmlformats.org/presentationml/2006/main">
   <p:cSld>
@@ -778,34 +875,7 @@
           <a:bodyPr/>
           <a:lstStyle/>
           <a:p>
-            <a:endParaRPr lang="en-US"/>
-          </a:p>
-          <a:p>
-            <a:r>
-              <a:rPr lang="en-US"/>
-              <a:t>----- Meeting Notes (7/11/13 15:09) -----</a:t>
-            </a:r>
-          </a:p>
-          <a:p>
-            <a:r>
-              <a:rPr lang="en-US"/>
-              <a:t>replace with tiny url</a:t>
-            </a:r>
-          </a:p>
-          <a:p>
-            <a:r>
-              <a:rPr lang="en-US"/>
-              <a:t>maybe github</a:t>
-            </a:r>
-          </a:p>
-          <a:p>
-            <a:r>
-              <a:rPr lang="en-US"/>
-              <a:t>maybe not at the end of the slide</a:t>
-            </a:r>
-          </a:p>
-          <a:p>
-            <a:endParaRPr lang="en-US"/>
+            <a:endParaRPr lang="en-US" dirty="0"/>
           </a:p>
         </p:txBody>
       </p:sp>
@@ -889,25 +959,7 @@
           <a:bodyPr/>
           <a:lstStyle/>
           <a:p>
-            <a:endParaRPr lang="en-US"/>
-          </a:p>
-          <a:p>
-            <a:r>
-              <a:rPr lang="en-US"/>
-              <a:t>----- Meeting Notes (7/11/13 15:17) -----</a:t>
-            </a:r>
-          </a:p>
-          <a:p>
-            <a:r>
-              <a:rPr lang="en-US"/>
-              <a:t>change to everything from tutorial.tar or put it in github</a:t>
-            </a:r>
-          </a:p>
-          <a:p>
-            <a:r>
-              <a:rPr lang="en-US"/>
-              <a:t>ask them to just execute script in Tutorial</a:t>
-            </a:r>
+            <a:endParaRPr lang="en-US" dirty="0"/>
           </a:p>
         </p:txBody>
       </p:sp>
@@ -1090,19 +1142,19 @@
           <a:bodyPr/>
           <a:lstStyle/>
           <a:p>
-            <a:endParaRPr lang="en-US"/>
-          </a:p>
-          <a:p>
-            <a:r>
-              <a:rPr lang="en-US"/>
-              <a:t>----- Meeting Notes (7/11/13 15:31) -----</a:t>
-            </a:r>
-          </a:p>
-          <a:p>
-            <a:r>
-              <a:rPr lang="en-US"/>
-              <a:t>maybe say source  Tutorial/getROOT.sh</a:t>
-            </a:r>
+            <a:r>
+              <a:rPr lang="en-US" dirty="0" smtClean="0"/>
+              <a:t>say </a:t>
+            </a:r>
+            <a:r>
+              <a:rPr lang="en-US" dirty="0"/>
+              <a:t>source  Tutorial/</a:t>
+            </a:r>
+            <a:r>
+              <a:rPr lang="en-US" dirty="0" err="1"/>
+              <a:t>getROOT.sh</a:t>
+            </a:r>
+            <a:endParaRPr lang="en-US" dirty="0"/>
           </a:p>
         </p:txBody>
       </p:sp>
@@ -1297,28 +1349,7 @@
           <a:bodyPr/>
           <a:lstStyle/>
           <a:p>
-            <a:endParaRPr lang="en-US"/>
-          </a:p>
-          <a:p>
-            <a:r>
-              <a:rPr lang="en-US"/>
-              <a:t>----- Meeting Notes (7/11/13 15:39) -----</a:t>
-            </a:r>
-          </a:p>
-          <a:p>
-            <a:r>
-              <a:rPr lang="en-US"/>
-              <a:t>script is not executable.</a:t>
-            </a:r>
-          </a:p>
-          <a:p>
-            <a:r>
-              <a:rPr lang="en-US"/>
-              <a:t>explain it</a:t>
-            </a:r>
-          </a:p>
-          <a:p>
-            <a:endParaRPr lang="en-US"/>
+            <a:endParaRPr lang="en-US" dirty="0"/>
           </a:p>
         </p:txBody>
       </p:sp>
@@ -1348,7 +1379,7 @@
     </p:spTree>
     <p:extLst>
       <p:ext uri="{BB962C8B-B14F-4D97-AF65-F5344CB8AC3E}">
-        <p14:creationId xmlns:p14="http://schemas.microsoft.com/office/powerpoint/2010/main" val="2531533409"/>
+        <p14:creationId xmlns:p14="http://schemas.microsoft.com/office/powerpoint/2010/main" val="3764935950"/>
       </p:ext>
     </p:extLst>
   </p:cSld>
@@ -1402,19 +1433,7 @@
           <a:bodyPr/>
           <a:lstStyle/>
           <a:p>
-            <a:endParaRPr lang="en-US"/>
-          </a:p>
-          <a:p>
-            <a:r>
-              <a:rPr lang="en-US"/>
-              <a:t>----- Meeting Notes (7/11/13 15:44) -----</a:t>
-            </a:r>
-          </a:p>
-          <a:p>
-            <a:r>
-              <a:rPr lang="en-US"/>
-              <a:t>word wrap`</a:t>
-            </a:r>
+            <a:endParaRPr lang="en-US" dirty="0"/>
           </a:p>
         </p:txBody>
       </p:sp>
@@ -1444,7 +1463,7 @@
     </p:spTree>
     <p:extLst>
       <p:ext uri="{BB962C8B-B14F-4D97-AF65-F5344CB8AC3E}">
-        <p14:creationId xmlns:p14="http://schemas.microsoft.com/office/powerpoint/2010/main" val="4155802097"/>
+        <p14:creationId xmlns:p14="http://schemas.microsoft.com/office/powerpoint/2010/main" val="2531533409"/>
       </p:ext>
     </p:extLst>
   </p:cSld>
@@ -1503,13 +1522,13 @@
           <a:p>
             <a:r>
               <a:rPr lang="en-US"/>
-              <a:t>----- Meeting Notes (7/11/13 15:50) -----</a:t>
+              <a:t>----- Meeting Notes (7/11/13 15:44) -----</a:t>
             </a:r>
           </a:p>
           <a:p>
             <a:r>
               <a:rPr lang="en-US"/>
-              <a:t>point that Requirements line is our T3 specific just explain that code requires cvmfs mounted.</a:t>
+              <a:t>word wrap`</a:t>
             </a:r>
           </a:p>
         </p:txBody>
@@ -1540,7 +1559,7 @@
     </p:spTree>
     <p:extLst>
       <p:ext uri="{BB962C8B-B14F-4D97-AF65-F5344CB8AC3E}">
-        <p14:creationId xmlns:p14="http://schemas.microsoft.com/office/powerpoint/2010/main" val="2083955914"/>
+        <p14:creationId xmlns:p14="http://schemas.microsoft.com/office/powerpoint/2010/main" val="4155802097"/>
       </p:ext>
     </p:extLst>
   </p:cSld>
@@ -16887,19 +16906,15 @@
           <a:p>
             <a:r>
               <a:rPr lang="en-US" dirty="0" smtClean="0"/>
-              <a:t>Setup ROOT any way you like, </a:t>
+              <a:t>Setup ROOT any way you like</a:t>
             </a:r>
             <a:r>
               <a:rPr lang="en-US" dirty="0" smtClean="0"/>
-              <a:t>                                                      open </a:t>
+              <a:t>,                                                       </a:t>
             </a:r>
             <a:r>
               <a:rPr lang="en-US" dirty="0" smtClean="0"/>
-              <a:t>file and list its </a:t>
-            </a:r>
-            <a:r>
-              <a:rPr lang="en-US" dirty="0" smtClean="0"/>
-              <a:t>content</a:t>
+              <a:t>open file and list its content</a:t>
             </a:r>
           </a:p>
           <a:p>
@@ -16937,7 +16952,6 @@
               <a:rPr lang="en-US" dirty="0" smtClean="0"/>
               <a:t>Event picking</a:t>
             </a:r>
-            <a:endParaRPr lang="en-US" dirty="0" smtClean="0"/>
           </a:p>
           <a:p>
             <a:pPr marL="68580" indent="0">
@@ -18326,7 +18340,11 @@
           <a:p>
             <a:r>
               <a:rPr lang="en-US" dirty="0" smtClean="0"/>
-              <a:t>Compiled code</a:t>
+              <a:t>Compiled </a:t>
+            </a:r>
+            <a:r>
+              <a:rPr lang="en-US" dirty="0" smtClean="0"/>
+              <a:t>code - Reading</a:t>
             </a:r>
             <a:endParaRPr lang="en-US" dirty="0"/>
           </a:p>
@@ -18362,11 +18380,7 @@
           <a:p>
             <a:r>
               <a:rPr lang="en-US" dirty="0" smtClean="0"/>
-              <a:t>Compile</a:t>
-            </a:r>
-            <a:r>
-              <a:rPr lang="en-US" dirty="0" smtClean="0"/>
-              <a:t>.  Execute.  Play with parameters</a:t>
+              <a:t>Compile.  Execute.  Play with parameters</a:t>
             </a:r>
           </a:p>
           <a:p>
@@ -18441,7 +18455,7 @@
           <a:p>
             <a:fld id="{7DA83AE1-CB64-784C-9A8F-13236E608BC8}" type="datetime1">
               <a:rPr lang="en-US" smtClean="0"/>
-              <a:t>7/11/13</a:t>
+              <a:t>7/12/13</a:t>
             </a:fld>
             <a:endParaRPr lang="en-US"/>
           </a:p>
@@ -18502,7 +18516,7 @@
         <p:spPr>
           <a:xfrm>
             <a:off x="937596" y="2002735"/>
-            <a:ext cx="7798605" cy="1815882"/>
+            <a:ext cx="7798605" cy="1384995"/>
           </a:xfrm>
           <a:prstGeom prst="rect">
             <a:avLst/>
@@ -18968,7 +18982,17 @@
                 <a:latin typeface="Consolas"/>
                 <a:cs typeface="Consolas"/>
               </a:rPr>
-              <a:t> root://fax.mwt2.org:1094//atlas/dq2/user/</a:t>
+              <a:t> </a:t>
+            </a:r>
+            <a:r>
+              <a:rPr lang="en-US" sz="1400" b="1" dirty="0">
+                <a:solidFill>
+                  <a:srgbClr val="E3A743"/>
+                </a:solidFill>
+                <a:latin typeface="Consolas"/>
+                <a:cs typeface="Consolas"/>
+              </a:rPr>
+              <a:t>root://fax.mwt2.org:1094//atlas/dq2/user/</a:t>
             </a:r>
             <a:r>
               <a:rPr lang="en-US" sz="1400" b="1" dirty="0" err="1">
@@ -18978,7 +19002,7 @@
                 <a:latin typeface="Consolas"/>
                 <a:cs typeface="Consolas"/>
               </a:rPr>
-              <a:t>flegger</a:t>
+              <a:t>ilijav</a:t>
             </a:r>
             <a:r>
               <a:rPr lang="en-US" sz="1400" b="1" dirty="0">
@@ -18988,7 +19012,57 @@
                 <a:latin typeface="Consolas"/>
                 <a:cs typeface="Consolas"/>
               </a:rPr>
-              <a:t>/MWT2/user.flegger.MWT2.data12_8TeV.00212172.physics_Muons.merge.NTUP_SMWZ.f479_m1228_p1067_p1141_tid01007411_00/NTUP_SMWZ.01007411._000113.MWT2.root.1 physics 10 30 </a:t>
+              <a:t>/</a:t>
+            </a:r>
+            <a:r>
+              <a:rPr lang="en-US" sz="1400" b="1" dirty="0" err="1">
+                <a:solidFill>
+                  <a:srgbClr val="E3A743"/>
+                </a:solidFill>
+                <a:latin typeface="Consolas"/>
+                <a:cs typeface="Consolas"/>
+              </a:rPr>
+              <a:t>HCtest</a:t>
+            </a:r>
+            <a:r>
+              <a:rPr lang="en-US" sz="1400" b="1" dirty="0">
+                <a:solidFill>
+                  <a:srgbClr val="E3A743"/>
+                </a:solidFill>
+                <a:latin typeface="Consolas"/>
+                <a:cs typeface="Consolas"/>
+              </a:rPr>
+              <a:t>/user.ilijav.HCtest.1/</a:t>
+            </a:r>
+            <a:r>
+              <a:rPr lang="en-US" sz="1400" b="1" dirty="0" err="1" smtClean="0">
+                <a:solidFill>
+                  <a:srgbClr val="E3A743"/>
+                </a:solidFill>
+                <a:latin typeface="Consolas"/>
+                <a:cs typeface="Consolas"/>
+              </a:rPr>
+              <a:t>group.test.hc.NTUP_SMWZ.root</a:t>
+            </a:r>
+            <a:r>
+              <a:rPr lang="en-US" sz="1400" b="1" dirty="0" smtClean="0">
+                <a:solidFill>
+                  <a:srgbClr val="E3A743"/>
+                </a:solidFill>
+                <a:latin typeface="Consolas"/>
+                <a:cs typeface="Consolas"/>
+              </a:rPr>
+              <a:t> </a:t>
+            </a:r>
+            <a:r>
+              <a:rPr lang="en-US" sz="1400" b="1" dirty="0">
+                <a:solidFill>
+                  <a:srgbClr val="E3A743"/>
+                </a:solidFill>
+                <a:latin typeface="Consolas"/>
+                <a:cs typeface="Consolas"/>
+              </a:rPr>
+              <a:t>physics 10 30 </a:t>
             </a:r>
           </a:p>
         </p:txBody>
@@ -19094,7 +19168,11 @@
           <a:p>
             <a:r>
               <a:rPr lang="en-US" dirty="0" smtClean="0"/>
-              <a:t>Skim slim example</a:t>
+              <a:t>Compiled </a:t>
+            </a:r>
+            <a:r>
+              <a:rPr lang="en-US" dirty="0" smtClean="0"/>
+              <a:t>code - Writing</a:t>
             </a:r>
             <a:endParaRPr lang="en-US" dirty="0"/>
           </a:p>
@@ -19112,9 +19190,14 @@
         </p:nvSpPr>
         <p:spPr>
           <a:xfrm>
-            <a:off x="781852" y="1457386"/>
-            <a:ext cx="7772400" cy="4686367"/>
+            <a:off x="781852" y="1377534"/>
+            <a:ext cx="8133548" cy="5039141"/>
           </a:xfrm>
+          <a:solidFill>
+            <a:schemeClr val="bg1">
+              <a:alpha val="20000"/>
+            </a:schemeClr>
+          </a:solidFill>
         </p:spPr>
         <p:txBody>
           <a:bodyPr>
@@ -19122,43 +19205,108 @@
           </a:bodyPr>
           <a:lstStyle/>
           <a:p>
+            <a:r>
+              <a:rPr lang="en-US" dirty="0" smtClean="0"/>
+              <a:t>Compile</a:t>
+            </a:r>
+            <a:r>
+              <a:rPr lang="en-US" dirty="0" smtClean="0"/>
+              <a:t>.  Execute.  Play with </a:t>
+            </a:r>
+            <a:r>
+              <a:rPr lang="en-US" dirty="0" smtClean="0"/>
+              <a:t>parameters</a:t>
+            </a:r>
+          </a:p>
+          <a:p>
+            <a:endParaRPr lang="en-US" dirty="0"/>
+          </a:p>
+          <a:p>
             <a:endParaRPr lang="en-US" dirty="0" smtClean="0"/>
           </a:p>
           <a:p>
+            <a:endParaRPr lang="en-US" dirty="0"/>
+          </a:p>
+          <a:p>
+            <a:endParaRPr lang="en-US" dirty="0" smtClean="0"/>
+          </a:p>
+          <a:p>
+            <a:endParaRPr lang="en-US" dirty="0"/>
+          </a:p>
+          <a:p>
+            <a:endParaRPr lang="en-US" dirty="0" smtClean="0"/>
+          </a:p>
+          <a:p>
+            <a:endParaRPr lang="en-US" dirty="0"/>
+          </a:p>
+          <a:p>
+            <a:pPr lvl="1"/>
+            <a:endParaRPr lang="en-US" dirty="0" smtClean="0"/>
+          </a:p>
+          <a:p>
+            <a:pPr lvl="1"/>
             <a:r>
               <a:rPr lang="en-US" dirty="0" smtClean="0"/>
-              <a:t>Official </a:t>
-            </a:r>
+              <a:t>A new service</a:t>
+            </a:r>
+          </a:p>
+          <a:p>
+            <a:pPr lvl="1"/>
+            <a:r>
+              <a:rPr lang="en-US" dirty="0" smtClean="0"/>
+              <a:t>100GB / user.   Request it at: </a:t>
+            </a:r>
+            <a:r>
+              <a:rPr lang="en-US" dirty="0" err="1" smtClean="0"/>
+              <a:t>lincolnb@uchicago.edu</a:t>
+            </a:r>
+            <a:endParaRPr lang="en-US" dirty="0" smtClean="0"/>
+          </a:p>
+          <a:p>
+            <a:pPr lvl="1"/>
             <a:r>
               <a:rPr lang="en-US" dirty="0"/>
-              <a:t>skim slim code:  filter-and-merge-</a:t>
+              <a:t>No </a:t>
             </a:r>
             <a:r>
               <a:rPr lang="en-US" dirty="0" smtClean="0"/>
-              <a:t>d3pd.py</a:t>
-            </a:r>
+              <a:t>backup. </a:t>
+            </a:r>
+            <a:r>
+              <a:rPr lang="en-US" dirty="0" smtClean="0"/>
+              <a:t>Think of it as a scratch space accessible from anywhere</a:t>
+            </a:r>
+          </a:p>
+          <a:p>
+            <a:pPr lvl="1"/>
+            <a:r>
+              <a:rPr lang="en-US" dirty="0" smtClean="0"/>
+              <a:t>No Authentication</a:t>
+            </a:r>
+          </a:p>
+          <a:p>
+            <a:endParaRPr lang="en-US" dirty="0" smtClean="0"/>
+          </a:p>
+          <a:p>
             <a:endParaRPr lang="en-US" dirty="0"/>
           </a:p>
           <a:p>
+            <a:endParaRPr lang="en-US" dirty="0" smtClean="0"/>
+          </a:p>
+          <a:p>
             <a:endParaRPr lang="en-US" dirty="0"/>
           </a:p>
           <a:p>
+            <a:endParaRPr lang="en-US" dirty="0" smtClean="0"/>
+          </a:p>
+          <a:p>
             <a:endParaRPr lang="en-US" dirty="0"/>
           </a:p>
           <a:p>
+            <a:endParaRPr lang="en-US" dirty="0" smtClean="0"/>
+          </a:p>
+          <a:p>
             <a:endParaRPr lang="en-US" dirty="0"/>
-          </a:p>
-          <a:p>
-            <a:endParaRPr lang="en-US" dirty="0"/>
-          </a:p>
-          <a:p>
-            <a:endParaRPr lang="en-US" dirty="0"/>
-          </a:p>
-          <a:p>
-            <a:r>
-              <a:rPr lang="en-US" dirty="0" smtClean="0"/>
-              <a:t>Explain it. Check why it does not print manual how to use it.</a:t>
-            </a:r>
           </a:p>
         </p:txBody>
       </p:sp>
@@ -19179,7 +19327,7 @@
           <a:p>
             <a:fld id="{7DA83AE1-CB64-784C-9A8F-13236E608BC8}" type="datetime1">
               <a:rPr lang="en-US" smtClean="0"/>
-              <a:t>7/11/13</a:t>
+              <a:t>7/12/13</a:t>
             </a:fld>
             <a:endParaRPr lang="en-US"/>
           </a:p>
@@ -19239,8 +19387,8 @@
         </p:nvSpPr>
         <p:spPr>
           <a:xfrm>
-            <a:off x="937596" y="2383316"/>
-            <a:ext cx="7798605" cy="1384995"/>
+            <a:off x="937596" y="1909159"/>
+            <a:ext cx="7798605" cy="2462213"/>
           </a:xfrm>
           <a:prstGeom prst="rect">
             <a:avLst/>
@@ -19268,7 +19416,7 @@
           </a:bodyPr>
           <a:lstStyle/>
           <a:p>
-            <a:endParaRPr lang="de-DE" sz="1400" b="1" dirty="0" smtClean="0">
+            <a:endParaRPr lang="en-US" sz="1400" b="1" dirty="0" smtClean="0">
               <a:solidFill>
                 <a:srgbClr val="E3A743"/>
               </a:solidFill>
@@ -19278,283 +19426,138 @@
           </a:p>
           <a:p>
             <a:r>
-              <a:rPr lang="de-DE" sz="1400" b="1" dirty="0" smtClean="0">
-                <a:solidFill>
-                  <a:srgbClr val="E3A743"/>
-                </a:solidFill>
-                <a:latin typeface="Consolas"/>
-                <a:cs typeface="Consolas"/>
-              </a:rPr>
-              <a:t>~&gt;  </a:t>
-            </a:r>
-            <a:r>
-              <a:rPr lang="de-DE" sz="1400" b="1" dirty="0" err="1" smtClean="0">
-                <a:solidFill>
-                  <a:srgbClr val="E3A743"/>
-                </a:solidFill>
-                <a:latin typeface="Consolas"/>
-                <a:cs typeface="Consolas"/>
-              </a:rPr>
-              <a:t>python</a:t>
-            </a:r>
-            <a:r>
-              <a:rPr lang="de-DE" sz="1400" b="1" dirty="0" smtClean="0">
-                <a:solidFill>
-                  <a:srgbClr val="E3A743"/>
-                </a:solidFill>
-                <a:latin typeface="Consolas"/>
-                <a:cs typeface="Consolas"/>
-              </a:rPr>
-              <a:t> </a:t>
-            </a:r>
-            <a:r>
-              <a:rPr lang="de-DE" sz="1400" b="1" dirty="0">
-                <a:solidFill>
-                  <a:srgbClr val="E3A743"/>
-                </a:solidFill>
-                <a:latin typeface="Consolas"/>
-                <a:cs typeface="Consolas"/>
-              </a:rPr>
-              <a:t>filter-and-merge-d3pd.py  </a:t>
-            </a:r>
-            <a:endParaRPr lang="de-DE" sz="1400" b="1" dirty="0" smtClean="0">
-              <a:solidFill>
-                <a:srgbClr val="E3A743"/>
-              </a:solidFill>
-              <a:latin typeface="Consolas"/>
-              <a:cs typeface="Consolas"/>
-            </a:endParaRPr>
-          </a:p>
-          <a:p>
-            <a:r>
-              <a:rPr lang="de-DE" sz="1400" b="1" dirty="0" smtClean="0">
-                <a:solidFill>
-                  <a:srgbClr val="E3A743"/>
-                </a:solidFill>
-                <a:latin typeface="Consolas"/>
-                <a:cs typeface="Consolas"/>
-              </a:rPr>
-              <a:t>-</a:t>
-            </a:r>
-            <a:r>
-              <a:rPr lang="de-DE" sz="1400" b="1" dirty="0">
-                <a:solidFill>
-                  <a:srgbClr val="E3A743"/>
-                </a:solidFill>
-                <a:latin typeface="Consolas"/>
-                <a:cs typeface="Consolas"/>
-              </a:rPr>
-              <a:t>-in=</a:t>
-            </a:r>
-            <a:r>
-              <a:rPr lang="de-DE" sz="1400" b="1" dirty="0" err="1">
-                <a:solidFill>
-                  <a:srgbClr val="E3A743"/>
-                </a:solidFill>
-                <a:latin typeface="Consolas"/>
-                <a:cs typeface="Consolas"/>
-              </a:rPr>
-              <a:t>inputFileList</a:t>
-            </a:r>
-            <a:r>
-              <a:rPr lang="de-DE" sz="1400" b="1" dirty="0">
-                <a:solidFill>
-                  <a:srgbClr val="E3A743"/>
-                </a:solidFill>
-                <a:latin typeface="Consolas"/>
-                <a:cs typeface="Consolas"/>
-              </a:rPr>
-              <a:t> </a:t>
-            </a:r>
-            <a:endParaRPr lang="de-DE" sz="1400" b="1" dirty="0" smtClean="0">
-              <a:solidFill>
-                <a:srgbClr val="E3A743"/>
-              </a:solidFill>
-              <a:latin typeface="Consolas"/>
-              <a:cs typeface="Consolas"/>
-            </a:endParaRPr>
-          </a:p>
-          <a:p>
-            <a:r>
-              <a:rPr lang="de-DE" sz="1400" b="1" dirty="0" smtClean="0">
-                <a:solidFill>
-                  <a:srgbClr val="E3A743"/>
-                </a:solidFill>
-                <a:latin typeface="Consolas"/>
-                <a:cs typeface="Consolas"/>
-              </a:rPr>
-              <a:t>-</a:t>
-            </a:r>
-            <a:r>
-              <a:rPr lang="de-DE" sz="1400" b="1" dirty="0">
-                <a:solidFill>
-                  <a:srgbClr val="E3A743"/>
-                </a:solidFill>
-                <a:latin typeface="Consolas"/>
-                <a:cs typeface="Consolas"/>
-              </a:rPr>
-              <a:t>-out=</a:t>
-            </a:r>
-            <a:r>
-              <a:rPr lang="de-DE" sz="1400" b="1" dirty="0" err="1">
-                <a:solidFill>
-                  <a:srgbClr val="E3A743"/>
-                </a:solidFill>
-                <a:latin typeface="Consolas"/>
-                <a:cs typeface="Consolas"/>
-              </a:rPr>
-              <a:t>SkimmedSlimmed.root</a:t>
-            </a:r>
-            <a:r>
-              <a:rPr lang="de-DE" sz="1400" b="1" dirty="0">
-                <a:solidFill>
-                  <a:srgbClr val="E3A743"/>
-                </a:solidFill>
-                <a:latin typeface="Consolas"/>
-                <a:cs typeface="Consolas"/>
-              </a:rPr>
-              <a:t> </a:t>
-            </a:r>
-            <a:endParaRPr lang="de-DE" sz="1400" b="1" dirty="0" smtClean="0">
-              <a:solidFill>
-                <a:srgbClr val="E3A743"/>
-              </a:solidFill>
-              <a:latin typeface="Consolas"/>
-              <a:cs typeface="Consolas"/>
-            </a:endParaRPr>
-          </a:p>
-          <a:p>
-            <a:r>
-              <a:rPr lang="de-DE" sz="1400" b="1" dirty="0" smtClean="0">
-                <a:solidFill>
-                  <a:srgbClr val="E3A743"/>
-                </a:solidFill>
-                <a:latin typeface="Consolas"/>
-                <a:cs typeface="Consolas"/>
-              </a:rPr>
-              <a:t>-</a:t>
-            </a:r>
-            <a:r>
-              <a:rPr lang="de-DE" sz="1400" b="1" dirty="0">
-                <a:solidFill>
-                  <a:srgbClr val="E3A743"/>
-                </a:solidFill>
-                <a:latin typeface="Consolas"/>
-                <a:cs typeface="Consolas"/>
-              </a:rPr>
-              <a:t>-</a:t>
-            </a:r>
-            <a:r>
-              <a:rPr lang="de-DE" sz="1400" b="1" dirty="0" err="1">
-                <a:solidFill>
-                  <a:srgbClr val="E3A743"/>
-                </a:solidFill>
-                <a:latin typeface="Consolas"/>
-                <a:cs typeface="Consolas"/>
-              </a:rPr>
-              <a:t>tree</a:t>
-            </a:r>
-            <a:r>
-              <a:rPr lang="de-DE" sz="1400" b="1" dirty="0">
-                <a:solidFill>
-                  <a:srgbClr val="E3A743"/>
-                </a:solidFill>
-                <a:latin typeface="Consolas"/>
-                <a:cs typeface="Consolas"/>
-              </a:rPr>
-              <a:t>=</a:t>
-            </a:r>
-            <a:r>
-              <a:rPr lang="de-DE" sz="1400" b="1" dirty="0" err="1">
-                <a:solidFill>
-                  <a:srgbClr val="E3A743"/>
-                </a:solidFill>
-                <a:latin typeface="Consolas"/>
-                <a:cs typeface="Consolas"/>
-              </a:rPr>
-              <a:t>physics</a:t>
-            </a:r>
-            <a:r>
-              <a:rPr lang="de-DE" sz="1400" b="1" dirty="0">
-                <a:solidFill>
-                  <a:srgbClr val="E3A743"/>
-                </a:solidFill>
-                <a:latin typeface="Consolas"/>
-                <a:cs typeface="Consolas"/>
-              </a:rPr>
-              <a:t> --</a:t>
-            </a:r>
-            <a:r>
-              <a:rPr lang="de-DE" sz="1400" b="1" dirty="0" err="1">
-                <a:solidFill>
-                  <a:srgbClr val="E3A743"/>
-                </a:solidFill>
-                <a:latin typeface="Consolas"/>
-                <a:cs typeface="Consolas"/>
-              </a:rPr>
-              <a:t>var</a:t>
-            </a:r>
-            <a:r>
-              <a:rPr lang="de-DE" sz="1400" b="1" dirty="0">
-                <a:solidFill>
-                  <a:srgbClr val="E3A743"/>
-                </a:solidFill>
-                <a:latin typeface="Consolas"/>
-                <a:cs typeface="Consolas"/>
-              </a:rPr>
-              <a:t>=</a:t>
-            </a:r>
-            <a:r>
-              <a:rPr lang="de-DE" sz="1400" b="1" dirty="0" err="1">
-                <a:solidFill>
-                  <a:srgbClr val="E3A743"/>
-                </a:solidFill>
-                <a:latin typeface="Consolas"/>
-                <a:cs typeface="Consolas"/>
-              </a:rPr>
-              <a:t>branchesList</a:t>
-            </a:r>
-            <a:r>
-              <a:rPr lang="de-DE" sz="1400" b="1" dirty="0">
-                <a:solidFill>
-                  <a:srgbClr val="E3A743"/>
-                </a:solidFill>
-                <a:latin typeface="Consolas"/>
-                <a:cs typeface="Consolas"/>
-              </a:rPr>
-              <a:t> --</a:t>
-            </a:r>
-            <a:r>
-              <a:rPr lang="de-DE" sz="1400" b="1" dirty="0" err="1">
-                <a:solidFill>
-                  <a:srgbClr val="E3A743"/>
-                </a:solidFill>
-                <a:latin typeface="Consolas"/>
-                <a:cs typeface="Consolas"/>
-              </a:rPr>
-              <a:t>selection</a:t>
-            </a:r>
-            <a:r>
-              <a:rPr lang="de-DE" sz="1400" b="1" dirty="0">
-                <a:solidFill>
-                  <a:srgbClr val="E3A743"/>
-                </a:solidFill>
-                <a:latin typeface="Consolas"/>
-                <a:cs typeface="Consolas"/>
-              </a:rPr>
-              <a:t>=</a:t>
-            </a:r>
-            <a:r>
-              <a:rPr lang="de-DE" sz="1400" b="1" dirty="0" err="1" smtClean="0">
-                <a:solidFill>
-                  <a:srgbClr val="E3A743"/>
-                </a:solidFill>
-                <a:latin typeface="Consolas"/>
-                <a:cs typeface="Consolas"/>
-              </a:rPr>
-              <a:t>file:cutCode</a:t>
-            </a:r>
-            <a:endParaRPr lang="de-DE" sz="1400" b="1" dirty="0" smtClean="0">
+              <a:rPr lang="en-US" sz="1400" b="1" dirty="0" smtClean="0">
+                <a:solidFill>
+                  <a:srgbClr val="E3A743"/>
+                </a:solidFill>
+                <a:latin typeface="Consolas"/>
+                <a:cs typeface="Consolas"/>
+              </a:rPr>
+              <a:t>./</a:t>
+            </a:r>
+            <a:r>
+              <a:rPr lang="en-US" sz="1400" b="1" dirty="0" err="1">
+                <a:solidFill>
+                  <a:srgbClr val="E3A743"/>
+                </a:solidFill>
+                <a:latin typeface="Consolas"/>
+                <a:cs typeface="Consolas"/>
+              </a:rPr>
+              <a:t>readWrite</a:t>
+            </a:r>
+            <a:r>
+              <a:rPr lang="en-US" sz="1400" b="1" dirty="0">
+                <a:solidFill>
+                  <a:srgbClr val="E3A743"/>
+                </a:solidFill>
+                <a:latin typeface="Consolas"/>
+                <a:cs typeface="Consolas"/>
+              </a:rPr>
+              <a:t>   </a:t>
+            </a:r>
+          </a:p>
+          <a:p>
+            <a:r>
+              <a:rPr lang="en-US" sz="1400" b="1" dirty="0" smtClean="0">
+                <a:solidFill>
+                  <a:srgbClr val="E3A743"/>
+                </a:solidFill>
+                <a:latin typeface="Consolas"/>
+                <a:cs typeface="Consolas"/>
+              </a:rPr>
+              <a:t>usage</a:t>
+            </a:r>
+            <a:r>
+              <a:rPr lang="en-US" sz="1400" b="1" dirty="0">
+                <a:solidFill>
+                  <a:srgbClr val="E3A743"/>
+                </a:solidFill>
+                <a:latin typeface="Consolas"/>
+                <a:cs typeface="Consolas"/>
+              </a:rPr>
+              <a:t>: read &lt;</a:t>
+            </a:r>
+            <a:r>
+              <a:rPr lang="en-US" sz="1400" b="1" dirty="0" err="1">
+                <a:solidFill>
+                  <a:srgbClr val="E3A743"/>
+                </a:solidFill>
+                <a:latin typeface="Consolas"/>
+                <a:cs typeface="Consolas"/>
+              </a:rPr>
+              <a:t>infilename</a:t>
+            </a:r>
+            <a:r>
+              <a:rPr lang="en-US" sz="1400" b="1" dirty="0">
+                <a:solidFill>
+                  <a:srgbClr val="E3A743"/>
+                </a:solidFill>
+                <a:latin typeface="Consolas"/>
+                <a:cs typeface="Consolas"/>
+              </a:rPr>
+              <a:t>&gt; &lt;</a:t>
+            </a:r>
+            <a:r>
+              <a:rPr lang="en-US" sz="1400" b="1" dirty="0" err="1">
+                <a:solidFill>
+                  <a:srgbClr val="E3A743"/>
+                </a:solidFill>
+                <a:latin typeface="Consolas"/>
+                <a:cs typeface="Consolas"/>
+              </a:rPr>
+              <a:t>outfilename</a:t>
+            </a:r>
+            <a:r>
+              <a:rPr lang="en-US" sz="1400" b="1" dirty="0">
+                <a:solidFill>
+                  <a:srgbClr val="E3A743"/>
+                </a:solidFill>
+                <a:latin typeface="Consolas"/>
+                <a:cs typeface="Consolas"/>
+              </a:rPr>
+              <a:t>&gt; &lt;</a:t>
+            </a:r>
+            <a:r>
+              <a:rPr lang="en-US" sz="1400" b="1" dirty="0" err="1">
+                <a:solidFill>
+                  <a:srgbClr val="E3A743"/>
+                </a:solidFill>
+                <a:latin typeface="Consolas"/>
+                <a:cs typeface="Consolas"/>
+              </a:rPr>
+              <a:t>treename</a:t>
+            </a:r>
+            <a:r>
+              <a:rPr lang="en-US" sz="1400" b="1" dirty="0">
+                <a:solidFill>
+                  <a:srgbClr val="E3A743"/>
+                </a:solidFill>
+                <a:latin typeface="Consolas"/>
+                <a:cs typeface="Consolas"/>
+              </a:rPr>
+              <a:t>&gt; &lt;percentage of events to read&gt; &lt;</a:t>
+            </a:r>
+            <a:r>
+              <a:rPr lang="en-US" sz="1400" b="1" dirty="0" err="1">
+                <a:solidFill>
+                  <a:srgbClr val="E3A743"/>
+                </a:solidFill>
+                <a:latin typeface="Consolas"/>
+                <a:cs typeface="Consolas"/>
+              </a:rPr>
+              <a:t>TTreeCache</a:t>
+            </a:r>
+            <a:r>
+              <a:rPr lang="en-US" sz="1400" b="1" dirty="0">
+                <a:solidFill>
+                  <a:srgbClr val="E3A743"/>
+                </a:solidFill>
+                <a:latin typeface="Consolas"/>
+                <a:cs typeface="Consolas"/>
+              </a:rPr>
+              <a:t> size&gt; [file containing branches to be read]</a:t>
+            </a:r>
+            <a:endParaRPr lang="de-DE" sz="1400" b="1" dirty="0">
               <a:solidFill>
                 <a:srgbClr val="E3A743"/>
               </a:solidFill>
@@ -19571,6 +19574,183 @@
               <a:cs typeface="Consolas"/>
             </a:endParaRPr>
           </a:p>
+          <a:p>
+            <a:r>
+              <a:rPr lang="en-US" sz="1400" b="1" dirty="0">
+                <a:solidFill>
+                  <a:srgbClr val="E3A743"/>
+                </a:solidFill>
+                <a:latin typeface="Consolas"/>
+                <a:cs typeface="Consolas"/>
+              </a:rPr>
+              <a:t>./</a:t>
+            </a:r>
+            <a:r>
+              <a:rPr lang="en-US" sz="1400" b="1" dirty="0" err="1">
+                <a:solidFill>
+                  <a:srgbClr val="E3A743"/>
+                </a:solidFill>
+                <a:latin typeface="Consolas"/>
+                <a:cs typeface="Consolas"/>
+              </a:rPr>
+              <a:t>readWrite</a:t>
+            </a:r>
+            <a:r>
+              <a:rPr lang="en-US" sz="1400" b="1" dirty="0">
+                <a:solidFill>
+                  <a:srgbClr val="E3A743"/>
+                </a:solidFill>
+                <a:latin typeface="Consolas"/>
+                <a:cs typeface="Consolas"/>
+              </a:rPr>
+              <a:t> \</a:t>
+            </a:r>
+          </a:p>
+          <a:p>
+            <a:r>
+              <a:rPr lang="en-US" sz="1400" b="1" dirty="0">
+                <a:solidFill>
+                  <a:srgbClr val="E3A743"/>
+                </a:solidFill>
+                <a:latin typeface="Consolas"/>
+                <a:cs typeface="Consolas"/>
+              </a:rPr>
+              <a:t>root://fax.mwt2.org:1094//atlas/dq2/user/</a:t>
+            </a:r>
+            <a:r>
+              <a:rPr lang="en-US" sz="1400" b="1" dirty="0" err="1">
+                <a:solidFill>
+                  <a:srgbClr val="E3A743"/>
+                </a:solidFill>
+                <a:latin typeface="Consolas"/>
+                <a:cs typeface="Consolas"/>
+              </a:rPr>
+              <a:t>ilijav</a:t>
+            </a:r>
+            <a:r>
+              <a:rPr lang="en-US" sz="1400" b="1" dirty="0">
+                <a:solidFill>
+                  <a:srgbClr val="E3A743"/>
+                </a:solidFill>
+                <a:latin typeface="Consolas"/>
+                <a:cs typeface="Consolas"/>
+              </a:rPr>
+              <a:t>/</a:t>
+            </a:r>
+            <a:r>
+              <a:rPr lang="en-US" sz="1400" b="1" dirty="0" err="1">
+                <a:solidFill>
+                  <a:srgbClr val="E3A743"/>
+                </a:solidFill>
+                <a:latin typeface="Consolas"/>
+                <a:cs typeface="Consolas"/>
+              </a:rPr>
+              <a:t>HCtest</a:t>
+            </a:r>
+            <a:r>
+              <a:rPr lang="en-US" sz="1400" b="1" dirty="0">
+                <a:solidFill>
+                  <a:srgbClr val="E3A743"/>
+                </a:solidFill>
+                <a:latin typeface="Consolas"/>
+                <a:cs typeface="Consolas"/>
+              </a:rPr>
+              <a:t>/user.ilijav.HCtest.1/</a:t>
+            </a:r>
+            <a:r>
+              <a:rPr lang="en-US" sz="1400" b="1" dirty="0" err="1">
+                <a:solidFill>
+                  <a:srgbClr val="E3A743"/>
+                </a:solidFill>
+                <a:latin typeface="Consolas"/>
+                <a:cs typeface="Consolas"/>
+              </a:rPr>
+              <a:t>group.test.hc.NTUP_SMWZ.root</a:t>
+            </a:r>
+            <a:r>
+              <a:rPr lang="en-US" sz="1400" b="1" dirty="0">
+                <a:solidFill>
+                  <a:srgbClr val="E3A743"/>
+                </a:solidFill>
+                <a:latin typeface="Consolas"/>
+                <a:cs typeface="Consolas"/>
+              </a:rPr>
+              <a:t> \</a:t>
+            </a:r>
+          </a:p>
+          <a:p>
+            <a:r>
+              <a:rPr lang="en-US" sz="1400" b="1" dirty="0">
+                <a:solidFill>
+                  <a:srgbClr val="E3A743"/>
+                </a:solidFill>
+                <a:latin typeface="Consolas"/>
+                <a:cs typeface="Consolas"/>
+              </a:rPr>
+              <a:t>root://faxbox.mwt2.org:1094//user/</a:t>
+            </a:r>
+            <a:r>
+              <a:rPr lang="en-US" sz="1400" b="1" dirty="0" err="1">
+                <a:solidFill>
+                  <a:srgbClr val="E3A743"/>
+                </a:solidFill>
+                <a:latin typeface="Consolas"/>
+                <a:cs typeface="Consolas"/>
+              </a:rPr>
+              <a:t>ilijav</a:t>
+            </a:r>
+            <a:r>
+              <a:rPr lang="en-US" sz="1400" b="1" dirty="0" smtClean="0">
+                <a:solidFill>
+                  <a:srgbClr val="E3A743"/>
+                </a:solidFill>
+                <a:latin typeface="Consolas"/>
+                <a:cs typeface="Consolas"/>
+              </a:rPr>
+              <a:t>/</a:t>
+            </a:r>
+            <a:r>
+              <a:rPr lang="en-US" sz="1400" b="1" dirty="0" err="1" smtClean="0">
+                <a:solidFill>
+                  <a:srgbClr val="E3A743"/>
+                </a:solidFill>
+                <a:latin typeface="Consolas"/>
+                <a:cs typeface="Consolas"/>
+              </a:rPr>
+              <a:t>out.root</a:t>
+            </a:r>
+            <a:r>
+              <a:rPr lang="en-US" sz="1400" b="1" dirty="0" smtClean="0">
+                <a:solidFill>
+                  <a:srgbClr val="E3A743"/>
+                </a:solidFill>
+                <a:latin typeface="Consolas"/>
+                <a:cs typeface="Consolas"/>
+              </a:rPr>
+              <a:t> \</a:t>
+            </a:r>
+          </a:p>
+          <a:p>
+            <a:r>
+              <a:rPr lang="en-US" sz="1400" b="1" dirty="0" smtClean="0">
+                <a:solidFill>
+                  <a:srgbClr val="E3A743"/>
+                </a:solidFill>
+                <a:latin typeface="Consolas"/>
+                <a:cs typeface="Consolas"/>
+              </a:rPr>
+              <a:t>Physics  10 30</a:t>
+            </a:r>
+          </a:p>
+          <a:p>
+            <a:endParaRPr lang="en-US" sz="1400" b="1" dirty="0">
+              <a:solidFill>
+                <a:srgbClr val="E3A743"/>
+              </a:solidFill>
+              <a:latin typeface="Consolas"/>
+              <a:cs typeface="Consolas"/>
+            </a:endParaRPr>
+          </a:p>
         </p:txBody>
       </p:sp>
       <p:sp>
@@ -19581,8 +19761,8 @@
         </p:nvSpPr>
         <p:spPr>
           <a:xfrm>
-            <a:off x="7346888" y="0"/>
-            <a:ext cx="1797112" cy="369332"/>
+            <a:off x="6364860" y="11982"/>
+            <a:ext cx="2742082" cy="369332"/>
           </a:xfrm>
           <a:prstGeom prst="rect">
             <a:avLst/>
@@ -19614,16 +19794,93 @@
             </a:r>
             <a:r>
               <a:rPr lang="en-US" dirty="0" err="1"/>
-              <a:t>SkimSlim</a:t>
+              <a:t>ReadingWritingFile</a:t>
             </a:r>
             <a:endParaRPr lang="en-US" dirty="0"/>
+          </a:p>
+        </p:txBody>
+      </p:sp>
+      <p:sp>
+        <p:nvSpPr>
+          <p:cNvPr id="9" name="Rectangle 8"/>
+          <p:cNvSpPr>
+            <a:spLocks noChangeAspect="1"/>
+          </p:cNvSpPr>
+          <p:nvPr/>
+        </p:nvSpPr>
+        <p:spPr>
+          <a:xfrm>
+            <a:off x="1390316" y="4356452"/>
+            <a:ext cx="6563896" cy="523220"/>
+          </a:xfrm>
+          <a:prstGeom prst="rect">
+            <a:avLst/>
+          </a:prstGeom>
+          <a:noFill/>
+        </p:spPr>
+        <p:txBody>
+          <a:bodyPr wrap="square" lIns="91440" tIns="45720" rIns="91440" bIns="45720">
+            <a:spAutoFit/>
+          </a:bodyPr>
+          <a:lstStyle/>
+          <a:p>
+            <a:pPr algn="ctr"/>
+            <a:r>
+              <a:rPr lang="en-US" sz="2800" b="1" i="1" dirty="0" smtClean="0">
+                <a:ln w="19050">
+                  <a:solidFill>
+                    <a:schemeClr val="tx2">
+                      <a:tint val="1000"/>
+                    </a:schemeClr>
+                  </a:solidFill>
+                  <a:prstDash val="solid"/>
+                </a:ln>
+                <a:solidFill>
+                  <a:schemeClr val="accent3"/>
+                </a:solidFill>
+                <a:effectLst>
+                  <a:outerShdw blurRad="50000" dist="50800" dir="7500000" algn="tl">
+                    <a:srgbClr val="000000">
+                      <a:shade val="5000"/>
+                      <a:alpha val="35000"/>
+                    </a:srgbClr>
+                  </a:outerShdw>
+                </a:effectLst>
+                <a:latin typeface="Andale Mono"/>
+                <a:cs typeface="Andale Mono"/>
+              </a:rPr>
+              <a:t>ROOT://FAXBOX.MWT2.ORG</a:t>
+            </a:r>
+            <a:endParaRPr lang="en-US" sz="2800" b="1" i="1" dirty="0">
+              <a:ln w="19050">
+                <a:solidFill>
+                  <a:schemeClr val="tx2">
+                    <a:tint val="1000"/>
+                  </a:schemeClr>
+                </a:solidFill>
+                <a:prstDash val="solid"/>
+              </a:ln>
+              <a:solidFill>
+                <a:schemeClr val="accent3"/>
+              </a:solidFill>
+              <a:effectLst>
+                <a:outerShdw blurRad="50000" dist="50800" dir="7500000" algn="tl">
+                  <a:srgbClr val="000000">
+                    <a:shade val="5000"/>
+                    <a:alpha val="35000"/>
+                  </a:srgbClr>
+                </a:outerShdw>
+              </a:effectLst>
+              <a:latin typeface="Andale Mono"/>
+              <a:cs typeface="Andale Mono"/>
+            </a:endParaRPr>
           </a:p>
         </p:txBody>
       </p:sp>
     </p:spTree>
     <p:extLst>
       <p:ext uri="{BB962C8B-B14F-4D97-AF65-F5344CB8AC3E}">
-        <p14:creationId xmlns:p14="http://schemas.microsoft.com/office/powerpoint/2010/main" val="1793071152"/>
+        <p14:creationId xmlns:p14="http://schemas.microsoft.com/office/powerpoint/2010/main" val="3922193870"/>
       </p:ext>
     </p:extLst>
   </p:cSld>
@@ -19669,14 +19926,12 @@
         </p:nvSpPr>
         <p:spPr/>
         <p:txBody>
-          <a:bodyPr>
-            <a:normAutofit/>
-          </a:bodyPr>
+          <a:bodyPr/>
           <a:lstStyle/>
           <a:p>
             <a:r>
               <a:rPr lang="en-US" dirty="0" smtClean="0"/>
-              <a:t>Using Tier3</a:t>
+              <a:t>Skim slim example</a:t>
             </a:r>
             <a:endParaRPr lang="en-US" dirty="0"/>
           </a:p>
@@ -19692,54 +19947,71 @@
             <p:ph idx="1"/>
           </p:nvPr>
         </p:nvSpPr>
-        <p:spPr/>
+        <p:spPr>
+          <a:xfrm>
+            <a:off x="781852" y="1457386"/>
+            <a:ext cx="7772400" cy="4686367"/>
+          </a:xfrm>
+        </p:spPr>
         <p:txBody>
-          <a:bodyPr/>
+          <a:bodyPr>
+            <a:normAutofit/>
+          </a:bodyPr>
           <a:lstStyle/>
           <a:p>
+            <a:endParaRPr lang="en-US" dirty="0" smtClean="0"/>
+          </a:p>
+          <a:p>
             <a:r>
               <a:rPr lang="en-US" dirty="0" smtClean="0"/>
-              <a:t>We use Condor to submit jobs</a:t>
-            </a:r>
-          </a:p>
-          <a:p>
+              <a:t>Official </a:t>
+            </a:r>
+            <a:r>
+              <a:rPr lang="en-US" dirty="0"/>
+              <a:t>skim slim code:  filter-and-merge-</a:t>
+            </a:r>
             <a:r>
               <a:rPr lang="en-US" dirty="0" smtClean="0"/>
-              <a:t>Requires a submit script like this:</a:t>
+              <a:t>d3pd.py</a:t>
             </a:r>
           </a:p>
           <a:p>
             <a:endParaRPr lang="en-US" dirty="0"/>
           </a:p>
           <a:p>
+            <a:endParaRPr lang="en-US" dirty="0"/>
+          </a:p>
+          <a:p>
+            <a:endParaRPr lang="en-US" dirty="0"/>
+          </a:p>
+          <a:p>
+            <a:endParaRPr lang="en-US" dirty="0"/>
+          </a:p>
+          <a:p>
+            <a:endParaRPr lang="en-US" dirty="0"/>
+          </a:p>
+          <a:p>
+            <a:pPr marL="68580" indent="0">
+              <a:buNone/>
+            </a:pPr>
+            <a:endParaRPr lang="en-US" dirty="0"/>
+          </a:p>
+          <a:p>
+            <a:r>
+              <a:rPr lang="en-US" dirty="0" smtClean="0"/>
+              <a:t>Don’t write your own. </a:t>
+            </a:r>
+          </a:p>
+          <a:p>
+            <a:r>
+              <a:rPr lang="en-US" dirty="0" smtClean="0"/>
+              <a:t>This one has a</a:t>
+            </a:r>
+            <a:r>
+              <a:rPr lang="en-US" dirty="0" smtClean="0"/>
+              <a:t> lot of options.  </a:t>
+            </a:r>
             <a:endParaRPr lang="en-US" dirty="0" smtClean="0"/>
-          </a:p>
-          <a:p>
-            <a:endParaRPr lang="en-US" dirty="0"/>
-          </a:p>
-          <a:p>
-            <a:endParaRPr lang="en-US" dirty="0" smtClean="0"/>
-          </a:p>
-          <a:p>
-            <a:endParaRPr lang="en-US" dirty="0"/>
-          </a:p>
-          <a:p>
-            <a:endParaRPr lang="en-US" dirty="0" smtClean="0"/>
-          </a:p>
-          <a:p>
-            <a:r>
-              <a:rPr lang="en-US" dirty="0" smtClean="0"/>
-              <a:t>Basic commands:</a:t>
-            </a:r>
-          </a:p>
-          <a:p>
-            <a:endParaRPr lang="en-US" dirty="0" smtClean="0"/>
-          </a:p>
-          <a:p>
-            <a:endParaRPr lang="en-US" dirty="0" smtClean="0"/>
-          </a:p>
-          <a:p>
-            <a:endParaRPr lang="en-US" dirty="0"/>
           </a:p>
         </p:txBody>
       </p:sp>
@@ -19758,7 +20030,7 @@
           <a:bodyPr/>
           <a:lstStyle/>
           <a:p>
-            <a:fld id="{75BE49D8-2F20-4D48-A630-E158AC0D08EF}" type="datetime1">
+            <a:fld id="{7DA83AE1-CB64-784C-9A8F-13236E608BC8}" type="datetime1">
               <a:rPr lang="en-US" smtClean="0"/>
               <a:t>7/11/13</a:t>
             </a:fld>
@@ -19814,14 +20086,14 @@
       </p:sp>
       <p:sp>
         <p:nvSpPr>
-          <p:cNvPr id="8" name="Rectangle 7"/>
+          <p:cNvPr id="7" name="Rectangle 6"/>
           <p:cNvSpPr/>
           <p:nvPr/>
         </p:nvSpPr>
         <p:spPr>
           <a:xfrm>
-            <a:off x="946447" y="2442192"/>
-            <a:ext cx="7763265" cy="2031325"/>
+            <a:off x="937596" y="2383316"/>
+            <a:ext cx="7798605" cy="1815882"/>
           </a:xfrm>
           <a:prstGeom prst="rect">
             <a:avLst/>
@@ -19849,584 +20121,6 @@
           </a:bodyPr>
           <a:lstStyle/>
           <a:p>
-            <a:r>
-              <a:rPr lang="de-DE" sz="1400" b="1" dirty="0" err="1">
-                <a:solidFill>
-                  <a:srgbClr val="E3A743"/>
-                </a:solidFill>
-                <a:latin typeface="Consolas"/>
-                <a:cs typeface="Consolas"/>
-              </a:rPr>
-              <a:t>executable</a:t>
-            </a:r>
-            <a:r>
-              <a:rPr lang="de-DE" sz="1400" b="1" dirty="0">
-                <a:solidFill>
-                  <a:srgbClr val="E3A743"/>
-                </a:solidFill>
-                <a:latin typeface="Consolas"/>
-                <a:cs typeface="Consolas"/>
-              </a:rPr>
-              <a:t>     = </a:t>
-            </a:r>
-            <a:r>
-              <a:rPr lang="de-DE" sz="1400" b="1" dirty="0" err="1">
-                <a:solidFill>
-                  <a:srgbClr val="E3A743"/>
-                </a:solidFill>
-                <a:latin typeface="Consolas"/>
-                <a:cs typeface="Consolas"/>
-              </a:rPr>
-              <a:t>SkimSlim.sh</a:t>
-            </a:r>
-            <a:endParaRPr lang="de-DE" sz="1400" b="1" dirty="0">
-              <a:solidFill>
-                <a:srgbClr val="E3A743"/>
-              </a:solidFill>
-              <a:latin typeface="Consolas"/>
-              <a:cs typeface="Consolas"/>
-            </a:endParaRPr>
-          </a:p>
-          <a:p>
-            <a:r>
-              <a:rPr lang="de-DE" sz="1400" b="1" dirty="0" err="1">
-                <a:solidFill>
-                  <a:srgbClr val="E3A743"/>
-                </a:solidFill>
-                <a:latin typeface="Consolas"/>
-                <a:cs typeface="Consolas"/>
-              </a:rPr>
-              <a:t>output</a:t>
-            </a:r>
-            <a:r>
-              <a:rPr lang="de-DE" sz="1400" b="1" dirty="0">
-                <a:solidFill>
-                  <a:srgbClr val="E3A743"/>
-                </a:solidFill>
-                <a:latin typeface="Consolas"/>
-                <a:cs typeface="Consolas"/>
-              </a:rPr>
-              <a:t>         = </a:t>
-            </a:r>
-            <a:r>
-              <a:rPr lang="de-DE" sz="1400" b="1" dirty="0" err="1">
-                <a:solidFill>
-                  <a:srgbClr val="E3A743"/>
-                </a:solidFill>
-                <a:latin typeface="Consolas"/>
-                <a:cs typeface="Consolas"/>
-              </a:rPr>
-              <a:t>SkimSlim.out</a:t>
-            </a:r>
-            <a:endParaRPr lang="de-DE" sz="1400" b="1" dirty="0">
-              <a:solidFill>
-                <a:srgbClr val="E3A743"/>
-              </a:solidFill>
-              <a:latin typeface="Consolas"/>
-              <a:cs typeface="Consolas"/>
-            </a:endParaRPr>
-          </a:p>
-          <a:p>
-            <a:r>
-              <a:rPr lang="de-DE" sz="1400" b="1" dirty="0" err="1">
-                <a:solidFill>
-                  <a:srgbClr val="E3A743"/>
-                </a:solidFill>
-                <a:latin typeface="Consolas"/>
-                <a:cs typeface="Consolas"/>
-              </a:rPr>
-              <a:t>error</a:t>
-            </a:r>
-            <a:r>
-              <a:rPr lang="de-DE" sz="1400" b="1" dirty="0">
-                <a:solidFill>
-                  <a:srgbClr val="E3A743"/>
-                </a:solidFill>
-                <a:latin typeface="Consolas"/>
-                <a:cs typeface="Consolas"/>
-              </a:rPr>
-              <a:t>          = </a:t>
-            </a:r>
-            <a:r>
-              <a:rPr lang="de-DE" sz="1400" b="1" dirty="0" err="1">
-                <a:solidFill>
-                  <a:srgbClr val="E3A743"/>
-                </a:solidFill>
-                <a:latin typeface="Consolas"/>
-                <a:cs typeface="Consolas"/>
-              </a:rPr>
-              <a:t>SkimSlim.error</a:t>
-            </a:r>
-            <a:endParaRPr lang="de-DE" sz="1400" b="1" dirty="0">
-              <a:solidFill>
-                <a:srgbClr val="E3A743"/>
-              </a:solidFill>
-              <a:latin typeface="Consolas"/>
-              <a:cs typeface="Consolas"/>
-            </a:endParaRPr>
-          </a:p>
-          <a:p>
-            <a:r>
-              <a:rPr lang="de-DE" sz="1400" b="1" dirty="0">
-                <a:solidFill>
-                  <a:srgbClr val="E3A743"/>
-                </a:solidFill>
-                <a:latin typeface="Consolas"/>
-                <a:cs typeface="Consolas"/>
-              </a:rPr>
-              <a:t>log            = </a:t>
-            </a:r>
-            <a:r>
-              <a:rPr lang="de-DE" sz="1400" b="1" dirty="0" err="1">
-                <a:solidFill>
-                  <a:srgbClr val="E3A743"/>
-                </a:solidFill>
-                <a:latin typeface="Consolas"/>
-                <a:cs typeface="Consolas"/>
-              </a:rPr>
-              <a:t>SkimSlim.log</a:t>
-            </a:r>
-            <a:endParaRPr lang="de-DE" sz="1400" b="1" dirty="0">
-              <a:solidFill>
-                <a:srgbClr val="E3A743"/>
-              </a:solidFill>
-              <a:latin typeface="Consolas"/>
-              <a:cs typeface="Consolas"/>
-            </a:endParaRPr>
-          </a:p>
-          <a:p>
-            <a:r>
-              <a:rPr lang="de-DE" sz="1400" b="1" dirty="0" err="1">
-                <a:solidFill>
-                  <a:srgbClr val="E3A743"/>
-                </a:solidFill>
-                <a:latin typeface="Consolas"/>
-                <a:cs typeface="Consolas"/>
-              </a:rPr>
-              <a:t>transfer_input_files</a:t>
-            </a:r>
-            <a:r>
-              <a:rPr lang="de-DE" sz="1400" b="1" dirty="0">
-                <a:solidFill>
-                  <a:srgbClr val="E3A743"/>
-                </a:solidFill>
-                <a:latin typeface="Consolas"/>
-                <a:cs typeface="Consolas"/>
-              </a:rPr>
-              <a:t> = filter-and-merge-d3pd.py,/</a:t>
-            </a:r>
-            <a:r>
-              <a:rPr lang="de-DE" sz="1400" b="1" dirty="0" err="1">
-                <a:solidFill>
-                  <a:srgbClr val="E3A743"/>
-                </a:solidFill>
-                <a:latin typeface="Consolas"/>
-                <a:cs typeface="Consolas"/>
-              </a:rPr>
-              <a:t>tmp</a:t>
-            </a:r>
-            <a:r>
-              <a:rPr lang="de-DE" sz="1400" b="1" dirty="0">
-                <a:solidFill>
-                  <a:srgbClr val="E3A743"/>
-                </a:solidFill>
-                <a:latin typeface="Consolas"/>
-                <a:cs typeface="Consolas"/>
-              </a:rPr>
-              <a:t>/x509up_u20074,inputFileList,branchesList,cutCode</a:t>
-            </a:r>
-          </a:p>
-          <a:p>
-            <a:r>
-              <a:rPr lang="de-DE" sz="1400" b="1" dirty="0" err="1">
-                <a:solidFill>
-                  <a:srgbClr val="E3A743"/>
-                </a:solidFill>
-                <a:latin typeface="Consolas"/>
-                <a:cs typeface="Consolas"/>
-              </a:rPr>
-              <a:t>universe</a:t>
-            </a:r>
-            <a:r>
-              <a:rPr lang="de-DE" sz="1400" b="1" dirty="0">
-                <a:solidFill>
-                  <a:srgbClr val="E3A743"/>
-                </a:solidFill>
-                <a:latin typeface="Consolas"/>
-                <a:cs typeface="Consolas"/>
-              </a:rPr>
-              <a:t>       = </a:t>
-            </a:r>
-            <a:r>
-              <a:rPr lang="de-DE" sz="1400" b="1" dirty="0" err="1">
-                <a:solidFill>
-                  <a:srgbClr val="E3A743"/>
-                </a:solidFill>
-                <a:latin typeface="Consolas"/>
-                <a:cs typeface="Consolas"/>
-              </a:rPr>
-              <a:t>vanilla</a:t>
-            </a:r>
-            <a:endParaRPr lang="de-DE" sz="1400" b="1" dirty="0">
-              <a:solidFill>
-                <a:srgbClr val="E3A743"/>
-              </a:solidFill>
-              <a:latin typeface="Consolas"/>
-              <a:cs typeface="Consolas"/>
-            </a:endParaRPr>
-          </a:p>
-          <a:p>
-            <a:r>
-              <a:rPr lang="de-DE" sz="1400" b="1" dirty="0" err="1">
-                <a:solidFill>
-                  <a:srgbClr val="E3A743"/>
-                </a:solidFill>
-                <a:latin typeface="Consolas"/>
-                <a:cs typeface="Consolas"/>
-              </a:rPr>
-              <a:t>Requirements</a:t>
-            </a:r>
-            <a:r>
-              <a:rPr lang="de-DE" sz="1400" b="1" dirty="0">
-                <a:solidFill>
-                  <a:srgbClr val="E3A743"/>
-                </a:solidFill>
-                <a:latin typeface="Consolas"/>
-                <a:cs typeface="Consolas"/>
-              </a:rPr>
-              <a:t>   = HAS_CVMFS =?= True</a:t>
-            </a:r>
-          </a:p>
-          <a:p>
-            <a:r>
-              <a:rPr lang="de-DE" sz="1400" b="1" dirty="0" err="1">
-                <a:solidFill>
-                  <a:srgbClr val="E3A743"/>
-                </a:solidFill>
-                <a:latin typeface="Consolas"/>
-                <a:cs typeface="Consolas"/>
-              </a:rPr>
-              <a:t>queue</a:t>
-            </a:r>
-            <a:r>
-              <a:rPr lang="de-DE" sz="1400" b="1" dirty="0">
-                <a:solidFill>
-                  <a:srgbClr val="E3A743"/>
-                </a:solidFill>
-                <a:latin typeface="Consolas"/>
-                <a:cs typeface="Consolas"/>
-              </a:rPr>
-              <a:t> 1</a:t>
-            </a:r>
-          </a:p>
-        </p:txBody>
-      </p:sp>
-      <p:sp>
-        <p:nvSpPr>
-          <p:cNvPr id="10" name="Rectangle 9"/>
-          <p:cNvSpPr/>
-          <p:nvPr/>
-        </p:nvSpPr>
-        <p:spPr>
-          <a:xfrm>
-            <a:off x="946447" y="5334001"/>
-            <a:ext cx="7763265" cy="738664"/>
-          </a:xfrm>
-          <a:prstGeom prst="rect">
-            <a:avLst/>
-          </a:prstGeom>
-        </p:spPr>
-        <p:style>
-          <a:lnRef idx="2">
-            <a:schemeClr val="dk1">
-              <a:shade val="50000"/>
-            </a:schemeClr>
-          </a:lnRef>
-          <a:fillRef idx="1">
-            <a:schemeClr val="dk1"/>
-          </a:fillRef>
-          <a:effectRef idx="0">
-            <a:schemeClr val="dk1"/>
-          </a:effectRef>
-          <a:fontRef idx="minor">
-            <a:schemeClr val="lt1"/>
-          </a:fontRef>
-        </p:style>
-        <p:txBody>
-          <a:bodyPr wrap="square">
-            <a:spAutoFit/>
-          </a:bodyPr>
-          <a:lstStyle/>
-          <a:p>
-            <a:r>
-              <a:rPr lang="de-DE" sz="1400" b="1" dirty="0" err="1">
-                <a:solidFill>
-                  <a:srgbClr val="E3A743"/>
-                </a:solidFill>
-                <a:latin typeface="Consolas"/>
-                <a:cs typeface="Consolas"/>
-              </a:rPr>
-              <a:t>c</a:t>
-            </a:r>
-            <a:r>
-              <a:rPr lang="de-DE" sz="1400" b="1" dirty="0" err="1" smtClean="0">
-                <a:solidFill>
-                  <a:srgbClr val="E3A743"/>
-                </a:solidFill>
-                <a:latin typeface="Consolas"/>
-                <a:cs typeface="Consolas"/>
-              </a:rPr>
-              <a:t>ondor_submit</a:t>
-            </a:r>
-            <a:r>
-              <a:rPr lang="de-DE" sz="1400" b="1" dirty="0" smtClean="0">
-                <a:solidFill>
-                  <a:srgbClr val="E3A743"/>
-                </a:solidFill>
-                <a:latin typeface="Consolas"/>
-                <a:cs typeface="Consolas"/>
-              </a:rPr>
-              <a:t> </a:t>
-            </a:r>
-            <a:r>
-              <a:rPr lang="de-DE" sz="1400" b="1" dirty="0" err="1" smtClean="0">
-                <a:solidFill>
-                  <a:srgbClr val="E3A743"/>
-                </a:solidFill>
-                <a:latin typeface="Consolas"/>
-                <a:cs typeface="Consolas"/>
-              </a:rPr>
-              <a:t>job.submit</a:t>
-            </a:r>
-            <a:r>
-              <a:rPr lang="de-DE" sz="1400" b="1" dirty="0" smtClean="0">
-                <a:solidFill>
-                  <a:srgbClr val="E3A743"/>
-                </a:solidFill>
-                <a:latin typeface="Consolas"/>
-                <a:cs typeface="Consolas"/>
-              </a:rPr>
-              <a:t>   # </a:t>
-            </a:r>
-            <a:r>
-              <a:rPr lang="de-DE" sz="1400" b="1" dirty="0" err="1" smtClean="0">
-                <a:solidFill>
-                  <a:srgbClr val="E3A743"/>
-                </a:solidFill>
-                <a:latin typeface="Consolas"/>
-                <a:cs typeface="Consolas"/>
-              </a:rPr>
-              <a:t>that</a:t>
-            </a:r>
-            <a:r>
-              <a:rPr lang="de-DE" sz="1400" b="1" dirty="0" smtClean="0">
-                <a:solidFill>
-                  <a:srgbClr val="E3A743"/>
-                </a:solidFill>
-                <a:latin typeface="Consolas"/>
-                <a:cs typeface="Consolas"/>
-              </a:rPr>
-              <a:t> </a:t>
-            </a:r>
-            <a:r>
-              <a:rPr lang="de-DE" sz="1400" b="1" dirty="0" err="1" smtClean="0">
-                <a:solidFill>
-                  <a:srgbClr val="E3A743"/>
-                </a:solidFill>
-                <a:latin typeface="Consolas"/>
-                <a:cs typeface="Consolas"/>
-              </a:rPr>
-              <a:t>how</a:t>
-            </a:r>
-            <a:r>
-              <a:rPr lang="de-DE" sz="1400" b="1" dirty="0" smtClean="0">
-                <a:solidFill>
-                  <a:srgbClr val="E3A743"/>
-                </a:solidFill>
-                <a:latin typeface="Consolas"/>
-                <a:cs typeface="Consolas"/>
-              </a:rPr>
-              <a:t> </a:t>
-            </a:r>
-            <a:r>
-              <a:rPr lang="de-DE" sz="1400" b="1" dirty="0" err="1" smtClean="0">
-                <a:solidFill>
-                  <a:srgbClr val="E3A743"/>
-                </a:solidFill>
-                <a:latin typeface="Consolas"/>
-                <a:cs typeface="Consolas"/>
-              </a:rPr>
-              <a:t>you</a:t>
-            </a:r>
-            <a:r>
-              <a:rPr lang="de-DE" sz="1400" b="1" dirty="0" smtClean="0">
-                <a:solidFill>
-                  <a:srgbClr val="E3A743"/>
-                </a:solidFill>
-                <a:latin typeface="Consolas"/>
-                <a:cs typeface="Consolas"/>
-              </a:rPr>
-              <a:t> </a:t>
-            </a:r>
-            <a:r>
-              <a:rPr lang="de-DE" sz="1400" b="1" dirty="0" err="1" smtClean="0">
-                <a:solidFill>
-                  <a:srgbClr val="E3A743"/>
-                </a:solidFill>
-                <a:latin typeface="Consolas"/>
-                <a:cs typeface="Consolas"/>
-              </a:rPr>
-              <a:t>submit</a:t>
-            </a:r>
-            <a:r>
-              <a:rPr lang="de-DE" sz="1400" b="1" dirty="0" smtClean="0">
-                <a:solidFill>
-                  <a:srgbClr val="E3A743"/>
-                </a:solidFill>
-                <a:latin typeface="Consolas"/>
-                <a:cs typeface="Consolas"/>
-              </a:rPr>
-              <a:t> </a:t>
-            </a:r>
-            <a:r>
-              <a:rPr lang="de-DE" sz="1400" b="1" dirty="0" err="1" smtClean="0">
-                <a:solidFill>
-                  <a:srgbClr val="E3A743"/>
-                </a:solidFill>
-                <a:latin typeface="Consolas"/>
-                <a:cs typeface="Consolas"/>
-              </a:rPr>
-              <a:t>job</a:t>
-            </a:r>
-            <a:endParaRPr lang="de-DE" sz="1400" b="1" dirty="0">
-              <a:solidFill>
-                <a:srgbClr val="E3A743"/>
-              </a:solidFill>
-              <a:latin typeface="Consolas"/>
-              <a:cs typeface="Consolas"/>
-            </a:endParaRPr>
-          </a:p>
-          <a:p>
-            <a:r>
-              <a:rPr lang="de-DE" sz="1400" b="1" dirty="0" err="1">
-                <a:solidFill>
-                  <a:srgbClr val="E3A743"/>
-                </a:solidFill>
-                <a:latin typeface="Consolas"/>
-                <a:cs typeface="Consolas"/>
-              </a:rPr>
-              <a:t>c</a:t>
-            </a:r>
-            <a:r>
-              <a:rPr lang="de-DE" sz="1400" b="1" dirty="0" err="1" smtClean="0">
-                <a:solidFill>
-                  <a:srgbClr val="E3A743"/>
-                </a:solidFill>
-                <a:latin typeface="Consolas"/>
-                <a:cs typeface="Consolas"/>
-              </a:rPr>
-              <a:t>ondor_q</a:t>
-            </a:r>
-            <a:r>
-              <a:rPr lang="de-DE" sz="1400" b="1" dirty="0" smtClean="0">
-                <a:solidFill>
-                  <a:srgbClr val="E3A743"/>
-                </a:solidFill>
-                <a:latin typeface="Consolas"/>
-                <a:cs typeface="Consolas"/>
-              </a:rPr>
-              <a:t> </a:t>
-            </a:r>
-            <a:r>
-              <a:rPr lang="de-DE" sz="1400" b="1" dirty="0" err="1" smtClean="0">
-                <a:solidFill>
-                  <a:srgbClr val="E3A743"/>
-                </a:solidFill>
-                <a:latin typeface="Consolas"/>
-                <a:cs typeface="Consolas"/>
-              </a:rPr>
-              <a:t>yourUsername</a:t>
-            </a:r>
-            <a:r>
-              <a:rPr lang="de-DE" sz="1400" b="1" dirty="0" smtClean="0">
-                <a:solidFill>
-                  <a:srgbClr val="E3A743"/>
-                </a:solidFill>
-                <a:latin typeface="Consolas"/>
-                <a:cs typeface="Consolas"/>
-              </a:rPr>
-              <a:t>      # check </a:t>
-            </a:r>
-            <a:r>
-              <a:rPr lang="de-DE" sz="1400" b="1" dirty="0" err="1" smtClean="0">
-                <a:solidFill>
-                  <a:srgbClr val="E3A743"/>
-                </a:solidFill>
-                <a:latin typeface="Consolas"/>
-                <a:cs typeface="Consolas"/>
-              </a:rPr>
-              <a:t>status</a:t>
-            </a:r>
-            <a:r>
-              <a:rPr lang="de-DE" sz="1400" b="1" dirty="0" smtClean="0">
-                <a:solidFill>
-                  <a:srgbClr val="E3A743"/>
-                </a:solidFill>
-                <a:latin typeface="Consolas"/>
-                <a:cs typeface="Consolas"/>
-              </a:rPr>
-              <a:t> </a:t>
-            </a:r>
-            <a:r>
-              <a:rPr lang="de-DE" sz="1400" b="1" dirty="0" err="1" smtClean="0">
-                <a:solidFill>
-                  <a:srgbClr val="E3A743"/>
-                </a:solidFill>
-                <a:latin typeface="Consolas"/>
-                <a:cs typeface="Consolas"/>
-              </a:rPr>
-              <a:t>of</a:t>
-            </a:r>
-            <a:r>
-              <a:rPr lang="de-DE" sz="1400" b="1" dirty="0" smtClean="0">
-                <a:solidFill>
-                  <a:srgbClr val="E3A743"/>
-                </a:solidFill>
-                <a:latin typeface="Consolas"/>
-                <a:cs typeface="Consolas"/>
-              </a:rPr>
-              <a:t> </a:t>
-            </a:r>
-            <a:r>
-              <a:rPr lang="de-DE" sz="1400" b="1" dirty="0" err="1" smtClean="0">
-                <a:solidFill>
-                  <a:srgbClr val="E3A743"/>
-                </a:solidFill>
-                <a:latin typeface="Consolas"/>
-                <a:cs typeface="Consolas"/>
-              </a:rPr>
-              <a:t>your</a:t>
-            </a:r>
-            <a:r>
-              <a:rPr lang="de-DE" sz="1400" b="1" dirty="0" smtClean="0">
-                <a:solidFill>
-                  <a:srgbClr val="E3A743"/>
-                </a:solidFill>
-                <a:latin typeface="Consolas"/>
-                <a:cs typeface="Consolas"/>
-              </a:rPr>
-              <a:t> </a:t>
-            </a:r>
-            <a:r>
-              <a:rPr lang="de-DE" sz="1400" b="1" dirty="0" err="1" smtClean="0">
-                <a:solidFill>
-                  <a:srgbClr val="E3A743"/>
-                </a:solidFill>
-                <a:latin typeface="Consolas"/>
-                <a:cs typeface="Consolas"/>
-              </a:rPr>
-              <a:t>jobs</a:t>
-            </a:r>
             <a:endParaRPr lang="de-DE" sz="1400" b="1" dirty="0" smtClean="0">
               <a:solidFill>
                 <a:srgbClr val="E3A743"/>
@@ -20444,7 +20138,7 @@
                 <a:latin typeface="Consolas"/>
                 <a:cs typeface="Consolas"/>
               </a:rPr>
-              <a:t>condor_ssh_to_job</a:t>
+              <a:t>python</a:t>
             </a:r>
             <a:r>
               <a:rPr lang="de-DE" sz="1400" b="1" dirty="0" smtClean="0">
@@ -20457,176 +20151,16 @@
               <a:t> </a:t>
             </a:r>
             <a:r>
-              <a:rPr lang="de-DE" sz="1400" b="1" dirty="0" err="1" smtClean="0">
-                <a:solidFill>
-                  <a:srgbClr val="E3A743"/>
-                </a:solidFill>
-                <a:latin typeface="Consolas"/>
-                <a:cs typeface="Consolas"/>
-              </a:rPr>
-              <a:t>jobID</a:t>
-            </a:r>
-            <a:r>
-              <a:rPr lang="de-DE" sz="1400" b="1" dirty="0" smtClean="0">
-                <a:solidFill>
-                  <a:srgbClr val="E3A743"/>
-                </a:solidFill>
-                <a:latin typeface="Consolas"/>
-                <a:cs typeface="Consolas"/>
-              </a:rPr>
-              <a:t>    # </a:t>
-            </a:r>
-            <a:r>
-              <a:rPr lang="de-DE" sz="1400" b="1" dirty="0" err="1" smtClean="0">
-                <a:solidFill>
-                  <a:srgbClr val="E3A743"/>
-                </a:solidFill>
-                <a:latin typeface="Consolas"/>
-                <a:cs typeface="Consolas"/>
-              </a:rPr>
-              <a:t>logging</a:t>
-            </a:r>
-            <a:r>
-              <a:rPr lang="de-DE" sz="1400" b="1" dirty="0" smtClean="0">
-                <a:solidFill>
-                  <a:srgbClr val="E3A743"/>
-                </a:solidFill>
-                <a:latin typeface="Consolas"/>
-                <a:cs typeface="Consolas"/>
-              </a:rPr>
-              <a:t> </a:t>
-            </a:r>
-            <a:r>
-              <a:rPr lang="de-DE" sz="1400" b="1" dirty="0" err="1" smtClean="0">
-                <a:solidFill>
-                  <a:srgbClr val="E3A743"/>
-                </a:solidFill>
-                <a:latin typeface="Consolas"/>
-                <a:cs typeface="Consolas"/>
-              </a:rPr>
-              <a:t>at</a:t>
-            </a:r>
-            <a:r>
-              <a:rPr lang="de-DE" sz="1400" b="1" dirty="0" smtClean="0">
-                <a:solidFill>
-                  <a:srgbClr val="E3A743"/>
-                </a:solidFill>
-                <a:latin typeface="Consolas"/>
-                <a:cs typeface="Consolas"/>
-              </a:rPr>
-              <a:t> a </a:t>
-            </a:r>
-            <a:r>
-              <a:rPr lang="de-DE" sz="1400" b="1" dirty="0" err="1" smtClean="0">
-                <a:solidFill>
-                  <a:srgbClr val="E3A743"/>
-                </a:solidFill>
-                <a:latin typeface="Consolas"/>
-                <a:cs typeface="Consolas"/>
-              </a:rPr>
-              <a:t>node</a:t>
-            </a:r>
-            <a:r>
-              <a:rPr lang="de-DE" sz="1400" b="1" dirty="0" smtClean="0">
-                <a:solidFill>
-                  <a:srgbClr val="E3A743"/>
-                </a:solidFill>
-                <a:latin typeface="Consolas"/>
-                <a:cs typeface="Consolas"/>
-              </a:rPr>
-              <a:t> </a:t>
-            </a:r>
-            <a:r>
-              <a:rPr lang="de-DE" sz="1400" b="1" dirty="0" err="1" smtClean="0">
-                <a:solidFill>
-                  <a:srgbClr val="E3A743"/>
-                </a:solidFill>
-                <a:latin typeface="Consolas"/>
-                <a:cs typeface="Consolas"/>
-              </a:rPr>
-              <a:t>where</a:t>
-            </a:r>
-            <a:r>
-              <a:rPr lang="de-DE" sz="1400" b="1" dirty="0" smtClean="0">
-                <a:solidFill>
-                  <a:srgbClr val="E3A743"/>
-                </a:solidFill>
-                <a:latin typeface="Consolas"/>
-                <a:cs typeface="Consolas"/>
-              </a:rPr>
-              <a:t> </a:t>
-            </a:r>
-            <a:r>
-              <a:rPr lang="de-DE" sz="1400" b="1" dirty="0" err="1" smtClean="0">
-                <a:solidFill>
-                  <a:srgbClr val="E3A743"/>
-                </a:solidFill>
-                <a:latin typeface="Consolas"/>
-                <a:cs typeface="Consolas"/>
-              </a:rPr>
-              <a:t>your</a:t>
-            </a:r>
-            <a:r>
-              <a:rPr lang="de-DE" sz="1400" b="1" dirty="0" smtClean="0">
-                <a:solidFill>
-                  <a:srgbClr val="E3A743"/>
-                </a:solidFill>
-                <a:latin typeface="Consolas"/>
-                <a:cs typeface="Consolas"/>
-              </a:rPr>
-              <a:t> </a:t>
-            </a:r>
-            <a:r>
-              <a:rPr lang="de-DE" sz="1400" b="1" dirty="0" err="1" smtClean="0">
-                <a:solidFill>
-                  <a:srgbClr val="E3A743"/>
-                </a:solidFill>
-                <a:latin typeface="Consolas"/>
-                <a:cs typeface="Consolas"/>
-              </a:rPr>
-              <a:t>jobs</a:t>
-            </a:r>
-            <a:r>
-              <a:rPr lang="de-DE" sz="1400" b="1" dirty="0" smtClean="0">
-                <a:solidFill>
-                  <a:srgbClr val="E3A743"/>
-                </a:solidFill>
-                <a:latin typeface="Consolas"/>
-                <a:cs typeface="Consolas"/>
-              </a:rPr>
-              <a:t> </a:t>
-            </a:r>
-            <a:r>
-              <a:rPr lang="de-DE" sz="1400" b="1" dirty="0" err="1" smtClean="0">
-                <a:solidFill>
-                  <a:srgbClr val="E3A743"/>
-                </a:solidFill>
-                <a:latin typeface="Consolas"/>
-                <a:cs typeface="Consolas"/>
-              </a:rPr>
-              <a:t>is</a:t>
-            </a:r>
-            <a:r>
-              <a:rPr lang="de-DE" sz="1400" b="1" dirty="0" smtClean="0">
-                <a:solidFill>
-                  <a:srgbClr val="E3A743"/>
-                </a:solidFill>
-                <a:latin typeface="Consolas"/>
-                <a:cs typeface="Consolas"/>
-              </a:rPr>
-              <a:t> </a:t>
-            </a:r>
-            <a:r>
-              <a:rPr lang="de-DE" sz="1400" b="1" dirty="0" err="1" smtClean="0">
-                <a:solidFill>
-                  <a:srgbClr val="E3A743"/>
-                </a:solidFill>
-                <a:latin typeface="Consolas"/>
-                <a:cs typeface="Consolas"/>
-              </a:rPr>
-              <a:t>executed</a:t>
-            </a:r>
-            <a:endParaRPr lang="de-DE" sz="1400" b="1" dirty="0">
+              <a:rPr lang="de-DE" sz="1400" b="1" dirty="0">
+                <a:solidFill>
+                  <a:srgbClr val="E3A743"/>
+                </a:solidFill>
+                <a:latin typeface="Consolas"/>
+                <a:cs typeface="Consolas"/>
+              </a:rPr>
+              <a:t>filter-and-merge-d3pd.py  </a:t>
+            </a:r>
+            <a:endParaRPr lang="de-DE" sz="1400" b="1" dirty="0" smtClean="0">
               <a:solidFill>
                 <a:srgbClr val="E3A743"/>
               </a:solidFill>
@@ -20634,18 +20168,322 @@
               <a:cs typeface="Consolas"/>
             </a:endParaRPr>
           </a:p>
+          <a:p>
+            <a:r>
+              <a:rPr lang="de-DE" sz="1400" b="1" dirty="0" smtClean="0">
+                <a:solidFill>
+                  <a:srgbClr val="E3A743"/>
+                </a:solidFill>
+                <a:latin typeface="Consolas"/>
+                <a:cs typeface="Consolas"/>
+              </a:rPr>
+              <a:t>-</a:t>
+            </a:r>
+            <a:r>
+              <a:rPr lang="de-DE" sz="1400" b="1" dirty="0">
+                <a:solidFill>
+                  <a:srgbClr val="E3A743"/>
+                </a:solidFill>
+                <a:latin typeface="Consolas"/>
+                <a:cs typeface="Consolas"/>
+              </a:rPr>
+              <a:t>-in=</a:t>
+            </a:r>
+            <a:r>
+              <a:rPr lang="de-DE" sz="1400" b="1" dirty="0" err="1">
+                <a:solidFill>
+                  <a:srgbClr val="E3A743"/>
+                </a:solidFill>
+                <a:latin typeface="Consolas"/>
+                <a:cs typeface="Consolas"/>
+              </a:rPr>
+              <a:t>inputFileList</a:t>
+            </a:r>
+            <a:r>
+              <a:rPr lang="de-DE" sz="1400" b="1" dirty="0">
+                <a:solidFill>
+                  <a:srgbClr val="E3A743"/>
+                </a:solidFill>
+                <a:latin typeface="Consolas"/>
+                <a:cs typeface="Consolas"/>
+              </a:rPr>
+              <a:t> </a:t>
+            </a:r>
+            <a:endParaRPr lang="de-DE" sz="1400" b="1" dirty="0" smtClean="0">
+              <a:solidFill>
+                <a:srgbClr val="E3A743"/>
+              </a:solidFill>
+              <a:latin typeface="Consolas"/>
+              <a:cs typeface="Consolas"/>
+            </a:endParaRPr>
+          </a:p>
+          <a:p>
+            <a:r>
+              <a:rPr lang="de-DE" sz="1400" b="1" dirty="0" smtClean="0">
+                <a:solidFill>
+                  <a:srgbClr val="E3A743"/>
+                </a:solidFill>
+                <a:latin typeface="Consolas"/>
+                <a:cs typeface="Consolas"/>
+              </a:rPr>
+              <a:t>-</a:t>
+            </a:r>
+            <a:r>
+              <a:rPr lang="de-DE" sz="1400" b="1" dirty="0">
+                <a:solidFill>
+                  <a:srgbClr val="E3A743"/>
+                </a:solidFill>
+                <a:latin typeface="Consolas"/>
+                <a:cs typeface="Consolas"/>
+              </a:rPr>
+              <a:t>-out=</a:t>
+            </a:r>
+            <a:r>
+              <a:rPr lang="de-DE" sz="1400" b="1" dirty="0" err="1">
+                <a:solidFill>
+                  <a:srgbClr val="E3A743"/>
+                </a:solidFill>
+                <a:latin typeface="Consolas"/>
+                <a:cs typeface="Consolas"/>
+              </a:rPr>
+              <a:t>SkimmedSlimmed.root</a:t>
+            </a:r>
+            <a:r>
+              <a:rPr lang="de-DE" sz="1400" b="1" dirty="0">
+                <a:solidFill>
+                  <a:srgbClr val="E3A743"/>
+                </a:solidFill>
+                <a:latin typeface="Consolas"/>
+                <a:cs typeface="Consolas"/>
+              </a:rPr>
+              <a:t> </a:t>
+            </a:r>
+            <a:endParaRPr lang="de-DE" sz="1400" b="1" dirty="0" smtClean="0">
+              <a:solidFill>
+                <a:srgbClr val="E3A743"/>
+              </a:solidFill>
+              <a:latin typeface="Consolas"/>
+              <a:cs typeface="Consolas"/>
+            </a:endParaRPr>
+          </a:p>
+          <a:p>
+            <a:r>
+              <a:rPr lang="de-DE" sz="1400" b="1" dirty="0" smtClean="0">
+                <a:solidFill>
+                  <a:srgbClr val="E3A743"/>
+                </a:solidFill>
+                <a:latin typeface="Consolas"/>
+                <a:cs typeface="Consolas"/>
+              </a:rPr>
+              <a:t>-</a:t>
+            </a:r>
+            <a:r>
+              <a:rPr lang="de-DE" sz="1400" b="1" dirty="0">
+                <a:solidFill>
+                  <a:srgbClr val="E3A743"/>
+                </a:solidFill>
+                <a:latin typeface="Consolas"/>
+                <a:cs typeface="Consolas"/>
+              </a:rPr>
+              <a:t>-</a:t>
+            </a:r>
+            <a:r>
+              <a:rPr lang="de-DE" sz="1400" b="1" dirty="0" err="1">
+                <a:solidFill>
+                  <a:srgbClr val="E3A743"/>
+                </a:solidFill>
+                <a:latin typeface="Consolas"/>
+                <a:cs typeface="Consolas"/>
+              </a:rPr>
+              <a:t>tree</a:t>
+            </a:r>
+            <a:r>
+              <a:rPr lang="de-DE" sz="1400" b="1" dirty="0">
+                <a:solidFill>
+                  <a:srgbClr val="E3A743"/>
+                </a:solidFill>
+                <a:latin typeface="Consolas"/>
+                <a:cs typeface="Consolas"/>
+              </a:rPr>
+              <a:t>=</a:t>
+            </a:r>
+            <a:r>
+              <a:rPr lang="de-DE" sz="1400" b="1" dirty="0" err="1">
+                <a:solidFill>
+                  <a:srgbClr val="E3A743"/>
+                </a:solidFill>
+                <a:latin typeface="Consolas"/>
+                <a:cs typeface="Consolas"/>
+              </a:rPr>
+              <a:t>physics</a:t>
+            </a:r>
+            <a:r>
+              <a:rPr lang="de-DE" sz="1400" b="1" dirty="0">
+                <a:solidFill>
+                  <a:srgbClr val="E3A743"/>
+                </a:solidFill>
+                <a:latin typeface="Consolas"/>
+                <a:cs typeface="Consolas"/>
+              </a:rPr>
+              <a:t> </a:t>
+            </a:r>
+            <a:endParaRPr lang="de-DE" sz="1400" b="1" dirty="0" smtClean="0">
+              <a:solidFill>
+                <a:srgbClr val="E3A743"/>
+              </a:solidFill>
+              <a:latin typeface="Consolas"/>
+              <a:cs typeface="Consolas"/>
+            </a:endParaRPr>
+          </a:p>
+          <a:p>
+            <a:r>
+              <a:rPr lang="de-DE" sz="1400" b="1" dirty="0" smtClean="0">
+                <a:solidFill>
+                  <a:srgbClr val="E3A743"/>
+                </a:solidFill>
+                <a:latin typeface="Consolas"/>
+                <a:cs typeface="Consolas"/>
+              </a:rPr>
+              <a:t>-</a:t>
+            </a:r>
+            <a:r>
+              <a:rPr lang="de-DE" sz="1400" b="1" dirty="0">
+                <a:solidFill>
+                  <a:srgbClr val="E3A743"/>
+                </a:solidFill>
+                <a:latin typeface="Consolas"/>
+                <a:cs typeface="Consolas"/>
+              </a:rPr>
+              <a:t>-</a:t>
+            </a:r>
+            <a:r>
+              <a:rPr lang="de-DE" sz="1400" b="1" dirty="0" err="1">
+                <a:solidFill>
+                  <a:srgbClr val="E3A743"/>
+                </a:solidFill>
+                <a:latin typeface="Consolas"/>
+                <a:cs typeface="Consolas"/>
+              </a:rPr>
+              <a:t>var</a:t>
+            </a:r>
+            <a:r>
+              <a:rPr lang="de-DE" sz="1400" b="1" dirty="0">
+                <a:solidFill>
+                  <a:srgbClr val="E3A743"/>
+                </a:solidFill>
+                <a:latin typeface="Consolas"/>
+                <a:cs typeface="Consolas"/>
+              </a:rPr>
+              <a:t>=</a:t>
+            </a:r>
+            <a:r>
+              <a:rPr lang="de-DE" sz="1400" b="1" dirty="0" err="1">
+                <a:solidFill>
+                  <a:srgbClr val="E3A743"/>
+                </a:solidFill>
+                <a:latin typeface="Consolas"/>
+                <a:cs typeface="Consolas"/>
+              </a:rPr>
+              <a:t>branchesList</a:t>
+            </a:r>
+            <a:r>
+              <a:rPr lang="de-DE" sz="1400" b="1" dirty="0">
+                <a:solidFill>
+                  <a:srgbClr val="E3A743"/>
+                </a:solidFill>
+                <a:latin typeface="Consolas"/>
+                <a:cs typeface="Consolas"/>
+              </a:rPr>
+              <a:t> </a:t>
+            </a:r>
+            <a:endParaRPr lang="de-DE" sz="1400" b="1" dirty="0" smtClean="0">
+              <a:solidFill>
+                <a:srgbClr val="E3A743"/>
+              </a:solidFill>
+              <a:latin typeface="Consolas"/>
+              <a:cs typeface="Consolas"/>
+            </a:endParaRPr>
+          </a:p>
+          <a:p>
+            <a:r>
+              <a:rPr lang="de-DE" sz="1400" b="1" dirty="0" smtClean="0">
+                <a:solidFill>
+                  <a:srgbClr val="E3A743"/>
+                </a:solidFill>
+                <a:latin typeface="Consolas"/>
+                <a:cs typeface="Consolas"/>
+              </a:rPr>
+              <a:t>-</a:t>
+            </a:r>
+            <a:r>
+              <a:rPr lang="de-DE" sz="1400" b="1" dirty="0">
+                <a:solidFill>
+                  <a:srgbClr val="E3A743"/>
+                </a:solidFill>
+                <a:latin typeface="Consolas"/>
+                <a:cs typeface="Consolas"/>
+              </a:rPr>
+              <a:t>-</a:t>
+            </a:r>
+            <a:r>
+              <a:rPr lang="de-DE" sz="1400" b="1" dirty="0" err="1">
+                <a:solidFill>
+                  <a:srgbClr val="E3A743"/>
+                </a:solidFill>
+                <a:latin typeface="Consolas"/>
+                <a:cs typeface="Consolas"/>
+              </a:rPr>
+              <a:t>selection</a:t>
+            </a:r>
+            <a:r>
+              <a:rPr lang="de-DE" sz="1400" b="1" dirty="0">
+                <a:solidFill>
+                  <a:srgbClr val="E3A743"/>
+                </a:solidFill>
+                <a:latin typeface="Consolas"/>
+                <a:cs typeface="Consolas"/>
+              </a:rPr>
+              <a:t>=</a:t>
+            </a:r>
+            <a:r>
+              <a:rPr lang="de-DE" sz="1400" b="1" dirty="0" err="1" smtClean="0">
+                <a:solidFill>
+                  <a:srgbClr val="E3A743"/>
+                </a:solidFill>
+                <a:latin typeface="Consolas"/>
+                <a:cs typeface="Consolas"/>
+              </a:rPr>
+              <a:t>file:cutCode</a:t>
+            </a:r>
+            <a:endParaRPr lang="de-DE" sz="1400" b="1" dirty="0" smtClean="0">
+              <a:solidFill>
+                <a:srgbClr val="E3A743"/>
+              </a:solidFill>
+              <a:latin typeface="Consolas"/>
+              <a:cs typeface="Consolas"/>
+            </a:endParaRPr>
+          </a:p>
+          <a:p>
+            <a:endParaRPr lang="en-US" sz="1400" b="1" dirty="0">
+              <a:solidFill>
+                <a:srgbClr val="E3A743"/>
+              </a:solidFill>
+              <a:latin typeface="Consolas"/>
+              <a:cs typeface="Consolas"/>
+            </a:endParaRPr>
+          </a:p>
         </p:txBody>
       </p:sp>
       <p:sp>
         <p:nvSpPr>
-          <p:cNvPr id="13" name="Rectangle 12"/>
+          <p:cNvPr id="8" name="Rectangle 7"/>
           <p:cNvSpPr/>
           <p:nvPr/>
         </p:nvSpPr>
         <p:spPr>
           <a:xfrm>
-            <a:off x="5671328" y="9288"/>
-            <a:ext cx="3439313" cy="369332"/>
+            <a:off x="7346888" y="0"/>
+            <a:ext cx="1797112" cy="369332"/>
           </a:xfrm>
           <a:prstGeom prst="rect">
             <a:avLst/>
@@ -20672,20 +20510,21 @@
           <a:lstStyle/>
           <a:p>
             <a:r>
-              <a:rPr lang="en-US" dirty="0" smtClean="0"/>
-              <a:t>Tutorial</a:t>
-            </a:r>
-            <a:r>
               <a:rPr lang="en-US" dirty="0"/>
-              <a:t>/SkimSlimT3/skimSlimT3.sh</a:t>
-            </a:r>
+              <a:t>Tutorial/</a:t>
+            </a:r>
+            <a:r>
+              <a:rPr lang="en-US" dirty="0" err="1"/>
+              <a:t>SkimSlim</a:t>
+            </a:r>
+            <a:endParaRPr lang="en-US" dirty="0"/>
           </a:p>
         </p:txBody>
       </p:sp>
     </p:spTree>
     <p:extLst>
       <p:ext uri="{BB962C8B-B14F-4D97-AF65-F5344CB8AC3E}">
-        <p14:creationId xmlns:p14="http://schemas.microsoft.com/office/powerpoint/2010/main" val="2467347542"/>
+        <p14:creationId xmlns:p14="http://schemas.microsoft.com/office/powerpoint/2010/main" val="1793071152"/>
       </p:ext>
     </p:extLst>
   </p:cSld>
@@ -20729,12 +20568,7 @@
             <p:ph type="title"/>
           </p:nvPr>
         </p:nvSpPr>
-        <p:spPr>
-          <a:xfrm>
-            <a:off x="685800" y="265694"/>
-            <a:ext cx="7772400" cy="1143000"/>
-          </a:xfrm>
-        </p:spPr>
+        <p:spPr/>
         <p:txBody>
           <a:bodyPr>
             <a:normAutofit/>
@@ -20743,7 +20577,7 @@
           <a:p>
             <a:r>
               <a:rPr lang="en-US" dirty="0" smtClean="0"/>
-              <a:t>Large scale Tier3</a:t>
+              <a:t>Using Tier3</a:t>
             </a:r>
             <a:endParaRPr lang="en-US" dirty="0"/>
           </a:p>
@@ -20766,15 +20600,44 @@
           <a:p>
             <a:r>
               <a:rPr lang="en-US" dirty="0" smtClean="0"/>
-              <a:t>Skims Slims 100 files spread over 3 different sites</a:t>
+              <a:t>We use Condor to submit jobs</a:t>
             </a:r>
           </a:p>
           <a:p>
             <a:r>
               <a:rPr lang="en-US" dirty="0" smtClean="0"/>
-              <a:t>Outputs files of optimal size (&gt;1GB)</a:t>
-            </a:r>
+              <a:t>Requires a submit script like this:</a:t>
+            </a:r>
+          </a:p>
+          <a:p>
             <a:endParaRPr lang="en-US" dirty="0"/>
+          </a:p>
+          <a:p>
+            <a:endParaRPr lang="en-US" dirty="0" smtClean="0"/>
+          </a:p>
+          <a:p>
+            <a:endParaRPr lang="en-US" dirty="0"/>
+          </a:p>
+          <a:p>
+            <a:endParaRPr lang="en-US" dirty="0" smtClean="0"/>
+          </a:p>
+          <a:p>
+            <a:endParaRPr lang="en-US" dirty="0"/>
+          </a:p>
+          <a:p>
+            <a:endParaRPr lang="en-US" dirty="0" smtClean="0"/>
+          </a:p>
+          <a:p>
+            <a:r>
+              <a:rPr lang="en-US" dirty="0" smtClean="0"/>
+              <a:t>Basic commands:</a:t>
+            </a:r>
+          </a:p>
+          <a:p>
+            <a:endParaRPr lang="en-US" dirty="0" smtClean="0"/>
+          </a:p>
+          <a:p>
+            <a:endParaRPr lang="en-US" dirty="0" smtClean="0"/>
           </a:p>
           <a:p>
             <a:endParaRPr lang="en-US" dirty="0"/>
@@ -20796,7 +20659,7 @@
           <a:bodyPr/>
           <a:lstStyle/>
           <a:p>
-            <a:fld id="{6BFAC227-F055-EF47-8A9B-BE5B836CAA5B}" type="datetime1">
+            <a:fld id="{75BE49D8-2F20-4D48-A630-E158AC0D08EF}" type="datetime1">
               <a:rPr lang="en-US" smtClean="0"/>
               <a:t>7/11/13</a:t>
             </a:fld>
@@ -20852,65 +20715,14 @@
       </p:sp>
       <p:sp>
         <p:nvSpPr>
-          <p:cNvPr id="7" name="Rectangle 6"/>
-          <p:cNvSpPr/>
-          <p:nvPr/>
-        </p:nvSpPr>
-        <p:spPr>
-          <a:xfrm>
-            <a:off x="5151270" y="33710"/>
-            <a:ext cx="3956094" cy="369332"/>
-          </a:xfrm>
-          <a:prstGeom prst="rect">
-            <a:avLst/>
-          </a:prstGeom>
-        </p:spPr>
-        <p:style>
-          <a:lnRef idx="1">
-            <a:schemeClr val="dk1"/>
-          </a:lnRef>
-          <a:fillRef idx="2">
-            <a:schemeClr val="dk1"/>
-          </a:fillRef>
-          <a:effectRef idx="1">
-            <a:schemeClr val="dk1"/>
-          </a:effectRef>
-          <a:fontRef idx="minor">
-            <a:schemeClr val="dk1"/>
-          </a:fontRef>
-        </p:style>
-        <p:txBody>
-          <a:bodyPr wrap="none">
-            <a:spAutoFit/>
-          </a:bodyPr>
-          <a:lstStyle/>
-          <a:p>
-            <a:r>
-              <a:rPr lang="en-US" dirty="0" smtClean="0"/>
-              <a:t>Tutorial</a:t>
-            </a:r>
-            <a:r>
-              <a:rPr lang="en-US" dirty="0"/>
-              <a:t>/SkimSlimT3/</a:t>
-            </a:r>
-            <a:r>
-              <a:rPr lang="en-US" dirty="0" smtClean="0"/>
-              <a:t>skimSlimT3Large.sh</a:t>
-            </a:r>
-            <a:endParaRPr lang="en-US" dirty="0"/>
-          </a:p>
-        </p:txBody>
-      </p:sp>
-      <p:sp>
-        <p:nvSpPr>
           <p:cNvPr id="8" name="Rectangle 7"/>
           <p:cNvSpPr/>
           <p:nvPr/>
         </p:nvSpPr>
         <p:spPr>
           <a:xfrm>
-            <a:off x="946447" y="2681832"/>
-            <a:ext cx="7763265" cy="2677656"/>
+            <a:off x="946447" y="2442192"/>
+            <a:ext cx="7763265" cy="2031325"/>
           </a:xfrm>
           <a:prstGeom prst="rect">
             <a:avLst/>
@@ -20939,6 +20751,16 @@
           <a:lstStyle/>
           <a:p>
             <a:r>
+              <a:rPr lang="de-DE" sz="1400" b="1" dirty="0" err="1">
+                <a:solidFill>
+                  <a:srgbClr val="E3A743"/>
+                </a:solidFill>
+                <a:latin typeface="Consolas"/>
+                <a:cs typeface="Consolas"/>
+              </a:rPr>
+              <a:t>executable</a:t>
+            </a:r>
+            <a:r>
               <a:rPr lang="de-DE" sz="1400" b="1" dirty="0">
                 <a:solidFill>
                   <a:srgbClr val="E3A743"/>
@@ -20946,10 +20768,8 @@
                 <a:latin typeface="Consolas"/>
                 <a:cs typeface="Consolas"/>
               </a:rPr>
-              <a:t>Jobs = 10</a:t>
-            </a:r>
-          </a:p>
-          <a:p>
+              <a:t>     = </a:t>
+            </a:r>
             <a:r>
               <a:rPr lang="de-DE" sz="1400" b="1" dirty="0" err="1">
                 <a:solidFill>
@@ -20958,27 +20778,7 @@
                 <a:latin typeface="Consolas"/>
                 <a:cs typeface="Consolas"/>
               </a:rPr>
-              <a:t>getenv</a:t>
-            </a:r>
-            <a:r>
-              <a:rPr lang="de-DE" sz="1400" b="1" dirty="0">
-                <a:solidFill>
-                  <a:srgbClr val="E3A743"/>
-                </a:solidFill>
-                <a:latin typeface="Consolas"/>
-                <a:cs typeface="Consolas"/>
-              </a:rPr>
-              <a:t>         = </a:t>
-            </a:r>
-            <a:r>
-              <a:rPr lang="de-DE" sz="1400" b="1" dirty="0" err="1">
-                <a:solidFill>
-                  <a:srgbClr val="E3A743"/>
-                </a:solidFill>
-                <a:latin typeface="Consolas"/>
-                <a:cs typeface="Consolas"/>
-              </a:rPr>
-              <a:t>False</a:t>
+              <a:t>SkimSlim.sh</a:t>
             </a:r>
             <a:endParaRPr lang="de-DE" sz="1400" b="1" dirty="0">
               <a:solidFill>
@@ -20997,7 +20797,7 @@
                 <a:latin typeface="Consolas"/>
                 <a:cs typeface="Consolas"/>
               </a:rPr>
-              <a:t>executable</a:t>
+              <a:t>output</a:t>
             </a:r>
             <a:r>
               <a:rPr lang="de-DE" sz="1400" b="1" dirty="0">
@@ -21007,7 +20807,7 @@
                 <a:latin typeface="Consolas"/>
                 <a:cs typeface="Consolas"/>
               </a:rPr>
-              <a:t>     = </a:t>
+              <a:t>         = </a:t>
             </a:r>
             <a:r>
               <a:rPr lang="de-DE" sz="1400" b="1" dirty="0" err="1">
@@ -21017,7 +20817,7 @@
                 <a:latin typeface="Consolas"/>
                 <a:cs typeface="Consolas"/>
               </a:rPr>
-              <a:t>SkimSlimLarge.sh</a:t>
+              <a:t>SkimSlim.out</a:t>
             </a:r>
             <a:endParaRPr lang="de-DE" sz="1400" b="1" dirty="0">
               <a:solidFill>
@@ -21036,7 +20836,7 @@
                 <a:latin typeface="Consolas"/>
                 <a:cs typeface="Consolas"/>
               </a:rPr>
-              <a:t>output</a:t>
+              <a:t>error</a:t>
             </a:r>
             <a:r>
               <a:rPr lang="de-DE" sz="1400" b="1" dirty="0">
@@ -21046,7 +20846,7 @@
                 <a:latin typeface="Consolas"/>
                 <a:cs typeface="Consolas"/>
               </a:rPr>
-              <a:t>         = </a:t>
+              <a:t>          = </a:t>
             </a:r>
             <a:r>
               <a:rPr lang="de-DE" sz="1400" b="1" dirty="0" err="1">
@@ -21056,277 +20856,7 @@
                 <a:latin typeface="Consolas"/>
                 <a:cs typeface="Consolas"/>
               </a:rPr>
-              <a:t>SkimSlimLarge.out</a:t>
-            </a:r>
-            <a:r>
-              <a:rPr lang="de-DE" sz="1400" b="1" dirty="0">
-                <a:solidFill>
-                  <a:srgbClr val="E3A743"/>
-                </a:solidFill>
-                <a:latin typeface="Consolas"/>
-                <a:cs typeface="Consolas"/>
-              </a:rPr>
-              <a:t>.$(</a:t>
-            </a:r>
-            <a:r>
-              <a:rPr lang="de-DE" sz="1400" b="1" dirty="0" err="1">
-                <a:solidFill>
-                  <a:srgbClr val="E3A743"/>
-                </a:solidFill>
-                <a:latin typeface="Consolas"/>
-                <a:cs typeface="Consolas"/>
-              </a:rPr>
-              <a:t>Process</a:t>
-            </a:r>
-            <a:r>
-              <a:rPr lang="de-DE" sz="1400" b="1" dirty="0">
-                <a:solidFill>
-                  <a:srgbClr val="E3A743"/>
-                </a:solidFill>
-                <a:latin typeface="Consolas"/>
-                <a:cs typeface="Consolas"/>
-              </a:rPr>
-              <a:t>)</a:t>
-            </a:r>
-          </a:p>
-          <a:p>
-            <a:r>
-              <a:rPr lang="de-DE" sz="1400" b="1" dirty="0" err="1">
-                <a:solidFill>
-                  <a:srgbClr val="E3A743"/>
-                </a:solidFill>
-                <a:latin typeface="Consolas"/>
-                <a:cs typeface="Consolas"/>
-              </a:rPr>
-              <a:t>error</a:t>
-            </a:r>
-            <a:r>
-              <a:rPr lang="de-DE" sz="1400" b="1" dirty="0">
-                <a:solidFill>
-                  <a:srgbClr val="E3A743"/>
-                </a:solidFill>
-                <a:latin typeface="Consolas"/>
-                <a:cs typeface="Consolas"/>
-              </a:rPr>
-              <a:t>          = </a:t>
-            </a:r>
-            <a:r>
-              <a:rPr lang="de-DE" sz="1400" b="1" dirty="0" err="1">
-                <a:solidFill>
-                  <a:srgbClr val="E3A743"/>
-                </a:solidFill>
-                <a:latin typeface="Consolas"/>
-                <a:cs typeface="Consolas"/>
-              </a:rPr>
-              <a:t>SkimSlimLarge.error</a:t>
-            </a:r>
-            <a:r>
-              <a:rPr lang="de-DE" sz="1400" b="1" dirty="0">
-                <a:solidFill>
-                  <a:srgbClr val="E3A743"/>
-                </a:solidFill>
-                <a:latin typeface="Consolas"/>
-                <a:cs typeface="Consolas"/>
-              </a:rPr>
-              <a:t>.$(</a:t>
-            </a:r>
-            <a:r>
-              <a:rPr lang="de-DE" sz="1400" b="1" dirty="0" err="1">
-                <a:solidFill>
-                  <a:srgbClr val="E3A743"/>
-                </a:solidFill>
-                <a:latin typeface="Consolas"/>
-                <a:cs typeface="Consolas"/>
-              </a:rPr>
-              <a:t>Process</a:t>
-            </a:r>
-            <a:r>
-              <a:rPr lang="de-DE" sz="1400" b="1" dirty="0">
-                <a:solidFill>
-                  <a:srgbClr val="E3A743"/>
-                </a:solidFill>
-                <a:latin typeface="Consolas"/>
-                <a:cs typeface="Consolas"/>
-              </a:rPr>
-              <a:t>)</a:t>
-            </a:r>
-          </a:p>
-          <a:p>
-            <a:r>
-              <a:rPr lang="de-DE" sz="1400" b="1" dirty="0">
-                <a:solidFill>
-                  <a:srgbClr val="E3A743"/>
-                </a:solidFill>
-                <a:latin typeface="Consolas"/>
-                <a:cs typeface="Consolas"/>
-              </a:rPr>
-              <a:t>log            = </a:t>
-            </a:r>
-            <a:r>
-              <a:rPr lang="de-DE" sz="1400" b="1" dirty="0" err="1">
-                <a:solidFill>
-                  <a:srgbClr val="E3A743"/>
-                </a:solidFill>
-                <a:latin typeface="Consolas"/>
-                <a:cs typeface="Consolas"/>
-              </a:rPr>
-              <a:t>SkimSlimLarge.log</a:t>
-            </a:r>
-            <a:r>
-              <a:rPr lang="de-DE" sz="1400" b="1" dirty="0">
-                <a:solidFill>
-                  <a:srgbClr val="E3A743"/>
-                </a:solidFill>
-                <a:latin typeface="Consolas"/>
-                <a:cs typeface="Consolas"/>
-              </a:rPr>
-              <a:t>.$(</a:t>
-            </a:r>
-            <a:r>
-              <a:rPr lang="de-DE" sz="1400" b="1" dirty="0" err="1">
-                <a:solidFill>
-                  <a:srgbClr val="E3A743"/>
-                </a:solidFill>
-                <a:latin typeface="Consolas"/>
-                <a:cs typeface="Consolas"/>
-              </a:rPr>
-              <a:t>Process</a:t>
-            </a:r>
-            <a:r>
-              <a:rPr lang="de-DE" sz="1400" b="1" dirty="0">
-                <a:solidFill>
-                  <a:srgbClr val="E3A743"/>
-                </a:solidFill>
-                <a:latin typeface="Consolas"/>
-                <a:cs typeface="Consolas"/>
-              </a:rPr>
-              <a:t>)</a:t>
-            </a:r>
-          </a:p>
-          <a:p>
-            <a:r>
-              <a:rPr lang="de-DE" sz="1400" b="1" dirty="0" err="1">
-                <a:solidFill>
-                  <a:srgbClr val="E3A743"/>
-                </a:solidFill>
-                <a:latin typeface="Consolas"/>
-                <a:cs typeface="Consolas"/>
-              </a:rPr>
-              <a:t>arguments</a:t>
-            </a:r>
-            <a:r>
-              <a:rPr lang="de-DE" sz="1400" b="1" dirty="0">
-                <a:solidFill>
-                  <a:srgbClr val="E3A743"/>
-                </a:solidFill>
-                <a:latin typeface="Consolas"/>
-                <a:cs typeface="Consolas"/>
-              </a:rPr>
-              <a:t> = $(</a:t>
-            </a:r>
-            <a:r>
-              <a:rPr lang="de-DE" sz="1400" b="1" dirty="0" err="1">
-                <a:solidFill>
-                  <a:srgbClr val="E3A743"/>
-                </a:solidFill>
-                <a:latin typeface="Consolas"/>
-                <a:cs typeface="Consolas"/>
-              </a:rPr>
-              <a:t>Process</a:t>
-            </a:r>
-            <a:r>
-              <a:rPr lang="de-DE" sz="1400" b="1" dirty="0">
-                <a:solidFill>
-                  <a:srgbClr val="E3A743"/>
-                </a:solidFill>
-                <a:latin typeface="Consolas"/>
-                <a:cs typeface="Consolas"/>
-              </a:rPr>
-              <a:t>) $(Jobs)</a:t>
-            </a:r>
-          </a:p>
-          <a:p>
-            <a:r>
-              <a:rPr lang="de-DE" sz="1400" b="1" dirty="0" err="1">
-                <a:solidFill>
-                  <a:srgbClr val="E3A743"/>
-                </a:solidFill>
-                <a:latin typeface="Consolas"/>
-                <a:cs typeface="Consolas"/>
-              </a:rPr>
-              <a:t>transfer_input_files</a:t>
-            </a:r>
-            <a:r>
-              <a:rPr lang="de-DE" sz="1400" b="1" dirty="0">
-                <a:solidFill>
-                  <a:srgbClr val="E3A743"/>
-                </a:solidFill>
-                <a:latin typeface="Consolas"/>
-                <a:cs typeface="Consolas"/>
-              </a:rPr>
-              <a:t> = filter-and-merge-d3pd.py</a:t>
-            </a:r>
-            <a:r>
-              <a:rPr lang="de-DE" sz="1400" b="1" dirty="0" smtClean="0">
-                <a:solidFill>
-                  <a:srgbClr val="E3A743"/>
-                </a:solidFill>
-                <a:latin typeface="Consolas"/>
-                <a:cs typeface="Consolas"/>
-              </a:rPr>
-              <a:t>,/</a:t>
-            </a:r>
-            <a:r>
-              <a:rPr lang="de-DE" sz="1400" b="1" dirty="0" err="1">
-                <a:solidFill>
-                  <a:srgbClr val="E3A743"/>
-                </a:solidFill>
-                <a:latin typeface="Consolas"/>
-                <a:cs typeface="Consolas"/>
-              </a:rPr>
-              <a:t>tmp</a:t>
-            </a:r>
-            <a:r>
-              <a:rPr lang="de-DE" sz="1400" b="1" dirty="0">
-                <a:solidFill>
-                  <a:srgbClr val="E3A743"/>
-                </a:solidFill>
-                <a:latin typeface="Consolas"/>
-                <a:cs typeface="Consolas"/>
-              </a:rPr>
-              <a:t>/x509up_u20074,inputFileListLarge,branchesList,cutCode</a:t>
-            </a:r>
-          </a:p>
-          <a:p>
-            <a:r>
-              <a:rPr lang="de-DE" sz="1400" b="1" dirty="0" err="1">
-                <a:solidFill>
-                  <a:srgbClr val="E3A743"/>
-                </a:solidFill>
-                <a:latin typeface="Consolas"/>
-                <a:cs typeface="Consolas"/>
-              </a:rPr>
-              <a:t>universe</a:t>
-            </a:r>
-            <a:r>
-              <a:rPr lang="de-DE" sz="1400" b="1" dirty="0">
-                <a:solidFill>
-                  <a:srgbClr val="E3A743"/>
-                </a:solidFill>
-                <a:latin typeface="Consolas"/>
-                <a:cs typeface="Consolas"/>
-              </a:rPr>
-              <a:t>       = </a:t>
-            </a:r>
-            <a:r>
-              <a:rPr lang="de-DE" sz="1400" b="1" dirty="0" err="1">
-                <a:solidFill>
-                  <a:srgbClr val="E3A743"/>
-                </a:solidFill>
-                <a:latin typeface="Consolas"/>
-                <a:cs typeface="Consolas"/>
-              </a:rPr>
-              <a:t>vanilla</a:t>
+              <a:t>SkimSlim.error</a:t>
             </a:r>
             <a:endParaRPr lang="de-DE" sz="1400" b="1" dirty="0">
               <a:solidFill>
@@ -21338,6 +20868,16 @@
           </a:p>
           <a:p>
             <a:r>
+              <a:rPr lang="de-DE" sz="1400" b="1" dirty="0">
+                <a:solidFill>
+                  <a:srgbClr val="E3A743"/>
+                </a:solidFill>
+                <a:latin typeface="Consolas"/>
+                <a:cs typeface="Consolas"/>
+              </a:rPr>
+              <a:t>log            = </a:t>
+            </a:r>
+            <a:r>
               <a:rPr lang="de-DE" sz="1400" b="1" dirty="0" err="1">
                 <a:solidFill>
                   <a:srgbClr val="E3A743"/>
@@ -21345,39 +20885,7 @@
                 <a:latin typeface="Consolas"/>
                 <a:cs typeface="Consolas"/>
               </a:rPr>
-              <a:t>Requirements</a:t>
-            </a:r>
-            <a:r>
-              <a:rPr lang="de-DE" sz="1400" b="1" dirty="0">
-                <a:solidFill>
-                  <a:srgbClr val="E3A743"/>
-                </a:solidFill>
-                <a:latin typeface="Consolas"/>
-                <a:cs typeface="Consolas"/>
-              </a:rPr>
-              <a:t>   = HAS_CVMFS =?= True</a:t>
-            </a:r>
-          </a:p>
-          <a:p>
-            <a:r>
-              <a:rPr lang="de-DE" sz="1400" b="1" dirty="0" err="1">
-                <a:solidFill>
-                  <a:srgbClr val="E3A743"/>
-                </a:solidFill>
-                <a:latin typeface="Consolas"/>
-                <a:cs typeface="Consolas"/>
-              </a:rPr>
-              <a:t>queue</a:t>
-            </a:r>
-            <a:r>
-              <a:rPr lang="de-DE" sz="1400" b="1" dirty="0">
-                <a:solidFill>
-                  <a:srgbClr val="E3A743"/>
-                </a:solidFill>
-                <a:latin typeface="Consolas"/>
-                <a:cs typeface="Consolas"/>
-              </a:rPr>
-              <a:t> $(Jobs)</a:t>
+              <a:t>SkimSlim.log</a:t>
             </a:r>
             <a:endParaRPr lang="de-DE" sz="1400" b="1" dirty="0">
               <a:solidFill>
@@ -21387,12 +20895,698 @@
               <a:cs typeface="Consolas"/>
             </a:endParaRPr>
           </a:p>
+          <a:p>
+            <a:r>
+              <a:rPr lang="de-DE" sz="1400" b="1" dirty="0" err="1">
+                <a:solidFill>
+                  <a:srgbClr val="E3A743"/>
+                </a:solidFill>
+                <a:latin typeface="Consolas"/>
+                <a:cs typeface="Consolas"/>
+              </a:rPr>
+              <a:t>transfer_input_files</a:t>
+            </a:r>
+            <a:r>
+              <a:rPr lang="de-DE" sz="1400" b="1" dirty="0">
+                <a:solidFill>
+                  <a:srgbClr val="E3A743"/>
+                </a:solidFill>
+                <a:latin typeface="Consolas"/>
+                <a:cs typeface="Consolas"/>
+              </a:rPr>
+              <a:t> = filter-and-merge-d3pd.py,/</a:t>
+            </a:r>
+            <a:r>
+              <a:rPr lang="de-DE" sz="1400" b="1" dirty="0" err="1">
+                <a:solidFill>
+                  <a:srgbClr val="E3A743"/>
+                </a:solidFill>
+                <a:latin typeface="Consolas"/>
+                <a:cs typeface="Consolas"/>
+              </a:rPr>
+              <a:t>tmp</a:t>
+            </a:r>
+            <a:r>
+              <a:rPr lang="de-DE" sz="1400" b="1" dirty="0">
+                <a:solidFill>
+                  <a:srgbClr val="E3A743"/>
+                </a:solidFill>
+                <a:latin typeface="Consolas"/>
+                <a:cs typeface="Consolas"/>
+              </a:rPr>
+              <a:t>/x509up_u20074,inputFileList,branchesList,cutCode</a:t>
+            </a:r>
+          </a:p>
+          <a:p>
+            <a:r>
+              <a:rPr lang="de-DE" sz="1400" b="1" dirty="0" err="1">
+                <a:solidFill>
+                  <a:srgbClr val="E3A743"/>
+                </a:solidFill>
+                <a:latin typeface="Consolas"/>
+                <a:cs typeface="Consolas"/>
+              </a:rPr>
+              <a:t>universe</a:t>
+            </a:r>
+            <a:r>
+              <a:rPr lang="de-DE" sz="1400" b="1" dirty="0">
+                <a:solidFill>
+                  <a:srgbClr val="E3A743"/>
+                </a:solidFill>
+                <a:latin typeface="Consolas"/>
+                <a:cs typeface="Consolas"/>
+              </a:rPr>
+              <a:t>       = </a:t>
+            </a:r>
+            <a:r>
+              <a:rPr lang="de-DE" sz="1400" b="1" dirty="0" err="1">
+                <a:solidFill>
+                  <a:srgbClr val="E3A743"/>
+                </a:solidFill>
+                <a:latin typeface="Consolas"/>
+                <a:cs typeface="Consolas"/>
+              </a:rPr>
+              <a:t>vanilla</a:t>
+            </a:r>
+            <a:endParaRPr lang="de-DE" sz="1400" b="1" dirty="0">
+              <a:solidFill>
+                <a:srgbClr val="E3A743"/>
+              </a:solidFill>
+              <a:latin typeface="Consolas"/>
+              <a:cs typeface="Consolas"/>
+            </a:endParaRPr>
+          </a:p>
+          <a:p>
+            <a:r>
+              <a:rPr lang="de-DE" sz="1400" b="1" dirty="0" err="1">
+                <a:solidFill>
+                  <a:srgbClr val="E3A743"/>
+                </a:solidFill>
+                <a:latin typeface="Consolas"/>
+                <a:cs typeface="Consolas"/>
+              </a:rPr>
+              <a:t>Requirements</a:t>
+            </a:r>
+            <a:r>
+              <a:rPr lang="de-DE" sz="1400" b="1" dirty="0">
+                <a:solidFill>
+                  <a:srgbClr val="E3A743"/>
+                </a:solidFill>
+                <a:latin typeface="Consolas"/>
+                <a:cs typeface="Consolas"/>
+              </a:rPr>
+              <a:t>   = HAS_CVMFS =?= True</a:t>
+            </a:r>
+          </a:p>
+          <a:p>
+            <a:r>
+              <a:rPr lang="de-DE" sz="1400" b="1" dirty="0" err="1">
+                <a:solidFill>
+                  <a:srgbClr val="E3A743"/>
+                </a:solidFill>
+                <a:latin typeface="Consolas"/>
+                <a:cs typeface="Consolas"/>
+              </a:rPr>
+              <a:t>queue</a:t>
+            </a:r>
+            <a:r>
+              <a:rPr lang="de-DE" sz="1400" b="1" dirty="0">
+                <a:solidFill>
+                  <a:srgbClr val="E3A743"/>
+                </a:solidFill>
+                <a:latin typeface="Consolas"/>
+                <a:cs typeface="Consolas"/>
+              </a:rPr>
+              <a:t> 1</a:t>
+            </a:r>
+          </a:p>
+        </p:txBody>
+      </p:sp>
+      <p:sp>
+        <p:nvSpPr>
+          <p:cNvPr id="10" name="Rectangle 9"/>
+          <p:cNvSpPr/>
+          <p:nvPr/>
+        </p:nvSpPr>
+        <p:spPr>
+          <a:xfrm>
+            <a:off x="946447" y="5334001"/>
+            <a:ext cx="7763265" cy="738664"/>
+          </a:xfrm>
+          <a:prstGeom prst="rect">
+            <a:avLst/>
+          </a:prstGeom>
+        </p:spPr>
+        <p:style>
+          <a:lnRef idx="2">
+            <a:schemeClr val="dk1">
+              <a:shade val="50000"/>
+            </a:schemeClr>
+          </a:lnRef>
+          <a:fillRef idx="1">
+            <a:schemeClr val="dk1"/>
+          </a:fillRef>
+          <a:effectRef idx="0">
+            <a:schemeClr val="dk1"/>
+          </a:effectRef>
+          <a:fontRef idx="minor">
+            <a:schemeClr val="lt1"/>
+          </a:fontRef>
+        </p:style>
+        <p:txBody>
+          <a:bodyPr wrap="square">
+            <a:spAutoFit/>
+          </a:bodyPr>
+          <a:lstStyle/>
+          <a:p>
+            <a:r>
+              <a:rPr lang="de-DE" sz="1400" b="1" dirty="0" err="1">
+                <a:solidFill>
+                  <a:srgbClr val="E3A743"/>
+                </a:solidFill>
+                <a:latin typeface="Consolas"/>
+                <a:cs typeface="Consolas"/>
+              </a:rPr>
+              <a:t>c</a:t>
+            </a:r>
+            <a:r>
+              <a:rPr lang="de-DE" sz="1400" b="1" dirty="0" err="1" smtClean="0">
+                <a:solidFill>
+                  <a:srgbClr val="E3A743"/>
+                </a:solidFill>
+                <a:latin typeface="Consolas"/>
+                <a:cs typeface="Consolas"/>
+              </a:rPr>
+              <a:t>ondor_submit</a:t>
+            </a:r>
+            <a:r>
+              <a:rPr lang="de-DE" sz="1400" b="1" dirty="0" smtClean="0">
+                <a:solidFill>
+                  <a:srgbClr val="E3A743"/>
+                </a:solidFill>
+                <a:latin typeface="Consolas"/>
+                <a:cs typeface="Consolas"/>
+              </a:rPr>
+              <a:t> </a:t>
+            </a:r>
+            <a:r>
+              <a:rPr lang="de-DE" sz="1400" b="1" dirty="0" err="1" smtClean="0">
+                <a:solidFill>
+                  <a:srgbClr val="E3A743"/>
+                </a:solidFill>
+                <a:latin typeface="Consolas"/>
+                <a:cs typeface="Consolas"/>
+              </a:rPr>
+              <a:t>job.submit</a:t>
+            </a:r>
+            <a:r>
+              <a:rPr lang="de-DE" sz="1400" b="1" dirty="0" smtClean="0">
+                <a:solidFill>
+                  <a:srgbClr val="E3A743"/>
+                </a:solidFill>
+                <a:latin typeface="Consolas"/>
+                <a:cs typeface="Consolas"/>
+              </a:rPr>
+              <a:t>   # </a:t>
+            </a:r>
+            <a:r>
+              <a:rPr lang="de-DE" sz="1400" b="1" dirty="0" err="1" smtClean="0">
+                <a:solidFill>
+                  <a:srgbClr val="E3A743"/>
+                </a:solidFill>
+                <a:latin typeface="Consolas"/>
+                <a:cs typeface="Consolas"/>
+              </a:rPr>
+              <a:t>that</a:t>
+            </a:r>
+            <a:r>
+              <a:rPr lang="de-DE" sz="1400" b="1" dirty="0" smtClean="0">
+                <a:solidFill>
+                  <a:srgbClr val="E3A743"/>
+                </a:solidFill>
+                <a:latin typeface="Consolas"/>
+                <a:cs typeface="Consolas"/>
+              </a:rPr>
+              <a:t> </a:t>
+            </a:r>
+            <a:r>
+              <a:rPr lang="de-DE" sz="1400" b="1" dirty="0" err="1" smtClean="0">
+                <a:solidFill>
+                  <a:srgbClr val="E3A743"/>
+                </a:solidFill>
+                <a:latin typeface="Consolas"/>
+                <a:cs typeface="Consolas"/>
+              </a:rPr>
+              <a:t>how</a:t>
+            </a:r>
+            <a:r>
+              <a:rPr lang="de-DE" sz="1400" b="1" dirty="0" smtClean="0">
+                <a:solidFill>
+                  <a:srgbClr val="E3A743"/>
+                </a:solidFill>
+                <a:latin typeface="Consolas"/>
+                <a:cs typeface="Consolas"/>
+              </a:rPr>
+              <a:t> </a:t>
+            </a:r>
+            <a:r>
+              <a:rPr lang="de-DE" sz="1400" b="1" dirty="0" err="1" smtClean="0">
+                <a:solidFill>
+                  <a:srgbClr val="E3A743"/>
+                </a:solidFill>
+                <a:latin typeface="Consolas"/>
+                <a:cs typeface="Consolas"/>
+              </a:rPr>
+              <a:t>you</a:t>
+            </a:r>
+            <a:r>
+              <a:rPr lang="de-DE" sz="1400" b="1" dirty="0" smtClean="0">
+                <a:solidFill>
+                  <a:srgbClr val="E3A743"/>
+                </a:solidFill>
+                <a:latin typeface="Consolas"/>
+                <a:cs typeface="Consolas"/>
+              </a:rPr>
+              <a:t> </a:t>
+            </a:r>
+            <a:r>
+              <a:rPr lang="de-DE" sz="1400" b="1" dirty="0" err="1" smtClean="0">
+                <a:solidFill>
+                  <a:srgbClr val="E3A743"/>
+                </a:solidFill>
+                <a:latin typeface="Consolas"/>
+                <a:cs typeface="Consolas"/>
+              </a:rPr>
+              <a:t>submit</a:t>
+            </a:r>
+            <a:r>
+              <a:rPr lang="de-DE" sz="1400" b="1" dirty="0" smtClean="0">
+                <a:solidFill>
+                  <a:srgbClr val="E3A743"/>
+                </a:solidFill>
+                <a:latin typeface="Consolas"/>
+                <a:cs typeface="Consolas"/>
+              </a:rPr>
+              <a:t> </a:t>
+            </a:r>
+            <a:r>
+              <a:rPr lang="de-DE" sz="1400" b="1" dirty="0" err="1" smtClean="0">
+                <a:solidFill>
+                  <a:srgbClr val="E3A743"/>
+                </a:solidFill>
+                <a:latin typeface="Consolas"/>
+                <a:cs typeface="Consolas"/>
+              </a:rPr>
+              <a:t>job</a:t>
+            </a:r>
+            <a:endParaRPr lang="de-DE" sz="1400" b="1" dirty="0">
+              <a:solidFill>
+                <a:srgbClr val="E3A743"/>
+              </a:solidFill>
+              <a:latin typeface="Consolas"/>
+              <a:cs typeface="Consolas"/>
+            </a:endParaRPr>
+          </a:p>
+          <a:p>
+            <a:r>
+              <a:rPr lang="de-DE" sz="1400" b="1" dirty="0" err="1">
+                <a:solidFill>
+                  <a:srgbClr val="E3A743"/>
+                </a:solidFill>
+                <a:latin typeface="Consolas"/>
+                <a:cs typeface="Consolas"/>
+              </a:rPr>
+              <a:t>c</a:t>
+            </a:r>
+            <a:r>
+              <a:rPr lang="de-DE" sz="1400" b="1" dirty="0" err="1" smtClean="0">
+                <a:solidFill>
+                  <a:srgbClr val="E3A743"/>
+                </a:solidFill>
+                <a:latin typeface="Consolas"/>
+                <a:cs typeface="Consolas"/>
+              </a:rPr>
+              <a:t>ondor_q</a:t>
+            </a:r>
+            <a:r>
+              <a:rPr lang="de-DE" sz="1400" b="1" dirty="0" smtClean="0">
+                <a:solidFill>
+                  <a:srgbClr val="E3A743"/>
+                </a:solidFill>
+                <a:latin typeface="Consolas"/>
+                <a:cs typeface="Consolas"/>
+              </a:rPr>
+              <a:t> </a:t>
+            </a:r>
+            <a:r>
+              <a:rPr lang="de-DE" sz="1400" b="1" dirty="0" err="1" smtClean="0">
+                <a:solidFill>
+                  <a:srgbClr val="E3A743"/>
+                </a:solidFill>
+                <a:latin typeface="Consolas"/>
+                <a:cs typeface="Consolas"/>
+              </a:rPr>
+              <a:t>yourUsername</a:t>
+            </a:r>
+            <a:r>
+              <a:rPr lang="de-DE" sz="1400" b="1" dirty="0" smtClean="0">
+                <a:solidFill>
+                  <a:srgbClr val="E3A743"/>
+                </a:solidFill>
+                <a:latin typeface="Consolas"/>
+                <a:cs typeface="Consolas"/>
+              </a:rPr>
+              <a:t>      # check </a:t>
+            </a:r>
+            <a:r>
+              <a:rPr lang="de-DE" sz="1400" b="1" dirty="0" err="1" smtClean="0">
+                <a:solidFill>
+                  <a:srgbClr val="E3A743"/>
+                </a:solidFill>
+                <a:latin typeface="Consolas"/>
+                <a:cs typeface="Consolas"/>
+              </a:rPr>
+              <a:t>status</a:t>
+            </a:r>
+            <a:r>
+              <a:rPr lang="de-DE" sz="1400" b="1" dirty="0" smtClean="0">
+                <a:solidFill>
+                  <a:srgbClr val="E3A743"/>
+                </a:solidFill>
+                <a:latin typeface="Consolas"/>
+                <a:cs typeface="Consolas"/>
+              </a:rPr>
+              <a:t> </a:t>
+            </a:r>
+            <a:r>
+              <a:rPr lang="de-DE" sz="1400" b="1" dirty="0" err="1" smtClean="0">
+                <a:solidFill>
+                  <a:srgbClr val="E3A743"/>
+                </a:solidFill>
+                <a:latin typeface="Consolas"/>
+                <a:cs typeface="Consolas"/>
+              </a:rPr>
+              <a:t>of</a:t>
+            </a:r>
+            <a:r>
+              <a:rPr lang="de-DE" sz="1400" b="1" dirty="0" smtClean="0">
+                <a:solidFill>
+                  <a:srgbClr val="E3A743"/>
+                </a:solidFill>
+                <a:latin typeface="Consolas"/>
+                <a:cs typeface="Consolas"/>
+              </a:rPr>
+              <a:t> </a:t>
+            </a:r>
+            <a:r>
+              <a:rPr lang="de-DE" sz="1400" b="1" dirty="0" err="1" smtClean="0">
+                <a:solidFill>
+                  <a:srgbClr val="E3A743"/>
+                </a:solidFill>
+                <a:latin typeface="Consolas"/>
+                <a:cs typeface="Consolas"/>
+              </a:rPr>
+              <a:t>your</a:t>
+            </a:r>
+            <a:r>
+              <a:rPr lang="de-DE" sz="1400" b="1" dirty="0" smtClean="0">
+                <a:solidFill>
+                  <a:srgbClr val="E3A743"/>
+                </a:solidFill>
+                <a:latin typeface="Consolas"/>
+                <a:cs typeface="Consolas"/>
+              </a:rPr>
+              <a:t> </a:t>
+            </a:r>
+            <a:r>
+              <a:rPr lang="de-DE" sz="1400" b="1" dirty="0" err="1" smtClean="0">
+                <a:solidFill>
+                  <a:srgbClr val="E3A743"/>
+                </a:solidFill>
+                <a:latin typeface="Consolas"/>
+                <a:cs typeface="Consolas"/>
+              </a:rPr>
+              <a:t>jobs</a:t>
+            </a:r>
+            <a:endParaRPr lang="de-DE" sz="1400" b="1" dirty="0" smtClean="0">
+              <a:solidFill>
+                <a:srgbClr val="E3A743"/>
+              </a:solidFill>
+              <a:latin typeface="Consolas"/>
+              <a:cs typeface="Consolas"/>
+            </a:endParaRPr>
+          </a:p>
+          <a:p>
+            <a:r>
+              <a:rPr lang="de-DE" sz="1400" b="1" dirty="0" err="1" smtClean="0">
+                <a:solidFill>
+                  <a:srgbClr val="E3A743"/>
+                </a:solidFill>
+                <a:latin typeface="Consolas"/>
+                <a:cs typeface="Consolas"/>
+              </a:rPr>
+              <a:t>condor_ssh_to_job</a:t>
+            </a:r>
+            <a:r>
+              <a:rPr lang="de-DE" sz="1400" b="1" dirty="0" smtClean="0">
+                <a:solidFill>
+                  <a:srgbClr val="E3A743"/>
+                </a:solidFill>
+                <a:latin typeface="Consolas"/>
+                <a:cs typeface="Consolas"/>
+              </a:rPr>
+              <a:t> </a:t>
+            </a:r>
+            <a:r>
+              <a:rPr lang="de-DE" sz="1400" b="1" dirty="0" err="1" smtClean="0">
+                <a:solidFill>
+                  <a:srgbClr val="E3A743"/>
+                </a:solidFill>
+                <a:latin typeface="Consolas"/>
+                <a:cs typeface="Consolas"/>
+              </a:rPr>
+              <a:t>jobID</a:t>
+            </a:r>
+            <a:r>
+              <a:rPr lang="de-DE" sz="1400" b="1" dirty="0" smtClean="0">
+                <a:solidFill>
+                  <a:srgbClr val="E3A743"/>
+                </a:solidFill>
+                <a:latin typeface="Consolas"/>
+                <a:cs typeface="Consolas"/>
+              </a:rPr>
+              <a:t>    # </a:t>
+            </a:r>
+            <a:r>
+              <a:rPr lang="de-DE" sz="1400" b="1" dirty="0" err="1" smtClean="0">
+                <a:solidFill>
+                  <a:srgbClr val="E3A743"/>
+                </a:solidFill>
+                <a:latin typeface="Consolas"/>
+                <a:cs typeface="Consolas"/>
+              </a:rPr>
+              <a:t>logging</a:t>
+            </a:r>
+            <a:r>
+              <a:rPr lang="de-DE" sz="1400" b="1" dirty="0" smtClean="0">
+                <a:solidFill>
+                  <a:srgbClr val="E3A743"/>
+                </a:solidFill>
+                <a:latin typeface="Consolas"/>
+                <a:cs typeface="Consolas"/>
+              </a:rPr>
+              <a:t> </a:t>
+            </a:r>
+            <a:r>
+              <a:rPr lang="de-DE" sz="1400" b="1" dirty="0" err="1" smtClean="0">
+                <a:solidFill>
+                  <a:srgbClr val="E3A743"/>
+                </a:solidFill>
+                <a:latin typeface="Consolas"/>
+                <a:cs typeface="Consolas"/>
+              </a:rPr>
+              <a:t>at</a:t>
+            </a:r>
+            <a:r>
+              <a:rPr lang="de-DE" sz="1400" b="1" dirty="0" smtClean="0">
+                <a:solidFill>
+                  <a:srgbClr val="E3A743"/>
+                </a:solidFill>
+                <a:latin typeface="Consolas"/>
+                <a:cs typeface="Consolas"/>
+              </a:rPr>
+              <a:t> a </a:t>
+            </a:r>
+            <a:r>
+              <a:rPr lang="de-DE" sz="1400" b="1" dirty="0" err="1" smtClean="0">
+                <a:solidFill>
+                  <a:srgbClr val="E3A743"/>
+                </a:solidFill>
+                <a:latin typeface="Consolas"/>
+                <a:cs typeface="Consolas"/>
+              </a:rPr>
+              <a:t>node</a:t>
+            </a:r>
+            <a:r>
+              <a:rPr lang="de-DE" sz="1400" b="1" dirty="0" smtClean="0">
+                <a:solidFill>
+                  <a:srgbClr val="E3A743"/>
+                </a:solidFill>
+                <a:latin typeface="Consolas"/>
+                <a:cs typeface="Consolas"/>
+              </a:rPr>
+              <a:t> </a:t>
+            </a:r>
+            <a:r>
+              <a:rPr lang="de-DE" sz="1400" b="1" dirty="0" err="1" smtClean="0">
+                <a:solidFill>
+                  <a:srgbClr val="E3A743"/>
+                </a:solidFill>
+                <a:latin typeface="Consolas"/>
+                <a:cs typeface="Consolas"/>
+              </a:rPr>
+              <a:t>where</a:t>
+            </a:r>
+            <a:r>
+              <a:rPr lang="de-DE" sz="1400" b="1" dirty="0" smtClean="0">
+                <a:solidFill>
+                  <a:srgbClr val="E3A743"/>
+                </a:solidFill>
+                <a:latin typeface="Consolas"/>
+                <a:cs typeface="Consolas"/>
+              </a:rPr>
+              <a:t> </a:t>
+            </a:r>
+            <a:r>
+              <a:rPr lang="de-DE" sz="1400" b="1" dirty="0" err="1" smtClean="0">
+                <a:solidFill>
+                  <a:srgbClr val="E3A743"/>
+                </a:solidFill>
+                <a:latin typeface="Consolas"/>
+                <a:cs typeface="Consolas"/>
+              </a:rPr>
+              <a:t>your</a:t>
+            </a:r>
+            <a:r>
+              <a:rPr lang="de-DE" sz="1400" b="1" dirty="0" smtClean="0">
+                <a:solidFill>
+                  <a:srgbClr val="E3A743"/>
+                </a:solidFill>
+                <a:latin typeface="Consolas"/>
+                <a:cs typeface="Consolas"/>
+              </a:rPr>
+              <a:t> </a:t>
+            </a:r>
+            <a:r>
+              <a:rPr lang="de-DE" sz="1400" b="1" dirty="0" err="1" smtClean="0">
+                <a:solidFill>
+                  <a:srgbClr val="E3A743"/>
+                </a:solidFill>
+                <a:latin typeface="Consolas"/>
+                <a:cs typeface="Consolas"/>
+              </a:rPr>
+              <a:t>jobs</a:t>
+            </a:r>
+            <a:r>
+              <a:rPr lang="de-DE" sz="1400" b="1" dirty="0" smtClean="0">
+                <a:solidFill>
+                  <a:srgbClr val="E3A743"/>
+                </a:solidFill>
+                <a:latin typeface="Consolas"/>
+                <a:cs typeface="Consolas"/>
+              </a:rPr>
+              <a:t> </a:t>
+            </a:r>
+            <a:r>
+              <a:rPr lang="de-DE" sz="1400" b="1" dirty="0" err="1" smtClean="0">
+                <a:solidFill>
+                  <a:srgbClr val="E3A743"/>
+                </a:solidFill>
+                <a:latin typeface="Consolas"/>
+                <a:cs typeface="Consolas"/>
+              </a:rPr>
+              <a:t>is</a:t>
+            </a:r>
+            <a:r>
+              <a:rPr lang="de-DE" sz="1400" b="1" dirty="0" smtClean="0">
+                <a:solidFill>
+                  <a:srgbClr val="E3A743"/>
+                </a:solidFill>
+                <a:latin typeface="Consolas"/>
+                <a:cs typeface="Consolas"/>
+              </a:rPr>
+              <a:t> </a:t>
+            </a:r>
+            <a:r>
+              <a:rPr lang="de-DE" sz="1400" b="1" dirty="0" err="1" smtClean="0">
+                <a:solidFill>
+                  <a:srgbClr val="E3A743"/>
+                </a:solidFill>
+                <a:latin typeface="Consolas"/>
+                <a:cs typeface="Consolas"/>
+              </a:rPr>
+              <a:t>executed</a:t>
+            </a:r>
+            <a:endParaRPr lang="de-DE" sz="1400" b="1" dirty="0">
+              <a:solidFill>
+                <a:srgbClr val="E3A743"/>
+              </a:solidFill>
+              <a:latin typeface="Consolas"/>
+              <a:cs typeface="Consolas"/>
+            </a:endParaRPr>
+          </a:p>
+        </p:txBody>
+      </p:sp>
+      <p:sp>
+        <p:nvSpPr>
+          <p:cNvPr id="13" name="Rectangle 12"/>
+          <p:cNvSpPr/>
+          <p:nvPr/>
+        </p:nvSpPr>
+        <p:spPr>
+          <a:xfrm>
+            <a:off x="5671328" y="9288"/>
+            <a:ext cx="3439313" cy="369332"/>
+          </a:xfrm>
+          <a:prstGeom prst="rect">
+            <a:avLst/>
+          </a:prstGeom>
+        </p:spPr>
+        <p:style>
+          <a:lnRef idx="1">
+            <a:schemeClr val="dk1"/>
+          </a:lnRef>
+          <a:fillRef idx="2">
+            <a:schemeClr val="dk1"/>
+          </a:fillRef>
+          <a:effectRef idx="1">
+            <a:schemeClr val="dk1"/>
+          </a:effectRef>
+          <a:fontRef idx="minor">
+            <a:schemeClr val="dk1"/>
+          </a:fontRef>
+        </p:style>
+        <p:txBody>
+          <a:bodyPr wrap="none">
+            <a:spAutoFit/>
+          </a:bodyPr>
+          <a:lstStyle/>
+          <a:p>
+            <a:r>
+              <a:rPr lang="en-US" dirty="0" smtClean="0"/>
+              <a:t>Tutorial</a:t>
+            </a:r>
+            <a:r>
+              <a:rPr lang="en-US" dirty="0"/>
+              <a:t>/SkimSlimT3/skimSlimT3.sh</a:t>
+            </a:r>
+          </a:p>
         </p:txBody>
       </p:sp>
     </p:spTree>
     <p:extLst>
       <p:ext uri="{BB962C8B-B14F-4D97-AF65-F5344CB8AC3E}">
-        <p14:creationId xmlns:p14="http://schemas.microsoft.com/office/powerpoint/2010/main" val="609577475"/>
+        <p14:creationId xmlns:p14="http://schemas.microsoft.com/office/powerpoint/2010/main" val="2467347542"/>
       </p:ext>
     </p:extLst>
   </p:cSld>
@@ -21466,69 +21660,25 @@
             <p:ph idx="1"/>
           </p:nvPr>
         </p:nvSpPr>
-        <p:spPr>
-          <a:xfrm>
-            <a:off x="685800" y="1600201"/>
-            <a:ext cx="7772400" cy="4816474"/>
-          </a:xfrm>
-        </p:spPr>
+        <p:spPr/>
         <p:txBody>
-          <a:bodyPr>
-            <a:normAutofit/>
-          </a:bodyPr>
+          <a:bodyPr/>
           <a:lstStyle/>
           <a:p>
             <a:r>
               <a:rPr lang="en-US" dirty="0" smtClean="0"/>
-              <a:t>Splitting up th</a:t>
-            </a:r>
+              <a:t>Skims Slims 100 files spread over 3 different sites</a:t>
+            </a:r>
+          </a:p>
+          <a:p>
             <a:r>
               <a:rPr lang="en-US" dirty="0" smtClean="0"/>
-              <a:t>e task. </a:t>
-            </a:r>
-          </a:p>
-          <a:p>
-            <a:r>
-              <a:rPr lang="en-US" dirty="0" smtClean="0"/>
-              <a:t>Output </a:t>
-            </a:r>
-            <a:r>
-              <a:rPr lang="en-US" dirty="0"/>
-              <a:t>files are automatically transferred back to you submission directory</a:t>
-            </a:r>
-          </a:p>
-          <a:p>
-            <a:endParaRPr lang="en-US" dirty="0" smtClean="0"/>
-          </a:p>
-          <a:p>
+              <a:t>Outputs files of optimal size (&gt;1GB)</a:t>
+            </a:r>
             <a:endParaRPr lang="en-US" dirty="0"/>
           </a:p>
           <a:p>
-            <a:endParaRPr lang="en-US" dirty="0" smtClean="0"/>
-          </a:p>
-          <a:p>
             <a:endParaRPr lang="en-US" dirty="0"/>
-          </a:p>
-          <a:p>
-            <a:endParaRPr lang="en-US" dirty="0" smtClean="0"/>
-          </a:p>
-          <a:p>
-            <a:endParaRPr lang="en-US" dirty="0"/>
-          </a:p>
-          <a:p>
-            <a:endParaRPr lang="en-US" dirty="0" smtClean="0"/>
-          </a:p>
-          <a:p>
-            <a:endParaRPr lang="en-US" dirty="0"/>
-          </a:p>
-          <a:p>
-            <a:endParaRPr lang="en-US" dirty="0" smtClean="0"/>
-          </a:p>
-          <a:p>
-            <a:endParaRPr lang="en-US" dirty="0"/>
-          </a:p>
-          <a:p>
-            <a:endParaRPr lang="en-US" dirty="0" smtClean="0"/>
           </a:p>
         </p:txBody>
       </p:sp>
@@ -21660,8 +21810,8 @@
         </p:nvSpPr>
         <p:spPr>
           <a:xfrm>
-            <a:off x="482134" y="2969393"/>
-            <a:ext cx="8229600" cy="3539431"/>
+            <a:off x="946447" y="2681832"/>
+            <a:ext cx="7763265" cy="2677656"/>
           </a:xfrm>
           <a:prstGeom prst="rect">
             <a:avLst/>
@@ -21697,8 +21847,10 @@
                 <a:latin typeface="Consolas"/>
                 <a:cs typeface="Consolas"/>
               </a:rPr>
-              <a:t>#!/bin/</a:t>
-            </a:r>
+              <a:t>Jobs = 10</a:t>
+            </a:r>
+          </a:p>
+          <a:p>
             <a:r>
               <a:rPr lang="de-DE" sz="1400" b="1" dirty="0" err="1">
                 <a:solidFill>
@@ -21707,7 +21859,27 @@
                 <a:latin typeface="Consolas"/>
                 <a:cs typeface="Consolas"/>
               </a:rPr>
-              <a:t>zsh</a:t>
+              <a:t>getenv</a:t>
+            </a:r>
+            <a:r>
+              <a:rPr lang="de-DE" sz="1400" b="1" dirty="0">
+                <a:solidFill>
+                  <a:srgbClr val="E3A743"/>
+                </a:solidFill>
+                <a:latin typeface="Consolas"/>
+                <a:cs typeface="Consolas"/>
+              </a:rPr>
+              <a:t>         = </a:t>
+            </a:r>
+            <a:r>
+              <a:rPr lang="de-DE" sz="1400" b="1" dirty="0" err="1">
+                <a:solidFill>
+                  <a:srgbClr val="E3A743"/>
+                </a:solidFill>
+                <a:latin typeface="Consolas"/>
+                <a:cs typeface="Consolas"/>
+              </a:rPr>
+              <a:t>False</a:t>
             </a:r>
             <a:endParaRPr lang="de-DE" sz="1400" b="1" dirty="0">
               <a:solidFill>
@@ -21726,7 +21898,7 @@
                 <a:latin typeface="Consolas"/>
                 <a:cs typeface="Consolas"/>
               </a:rPr>
-              <a:t>export</a:t>
+              <a:t>executable</a:t>
             </a:r>
             <a:r>
               <a:rPr lang="de-DE" sz="1400" b="1" dirty="0">
@@ -21736,7 +21908,7 @@
                 <a:latin typeface="Consolas"/>
                 <a:cs typeface="Consolas"/>
               </a:rPr>
-              <a:t> ATLAS_LOCAL_ROOT_BASE=/</a:t>
+              <a:t>     = </a:t>
             </a:r>
             <a:r>
               <a:rPr lang="de-DE" sz="1400" b="1" dirty="0" err="1">
@@ -21746,67 +21918,7 @@
                 <a:latin typeface="Consolas"/>
                 <a:cs typeface="Consolas"/>
               </a:rPr>
-              <a:t>cvmfs</a:t>
-            </a:r>
-            <a:r>
-              <a:rPr lang="de-DE" sz="1400" b="1" dirty="0">
-                <a:solidFill>
-                  <a:srgbClr val="E3A743"/>
-                </a:solidFill>
-                <a:latin typeface="Consolas"/>
-                <a:cs typeface="Consolas"/>
-              </a:rPr>
-              <a:t>/</a:t>
-            </a:r>
-            <a:r>
-              <a:rPr lang="de-DE" sz="1400" b="1" dirty="0" err="1">
-                <a:solidFill>
-                  <a:srgbClr val="E3A743"/>
-                </a:solidFill>
-                <a:latin typeface="Consolas"/>
-                <a:cs typeface="Consolas"/>
-              </a:rPr>
-              <a:t>atlas.cern.ch</a:t>
-            </a:r>
-            <a:r>
-              <a:rPr lang="de-DE" sz="1400" b="1" dirty="0">
-                <a:solidFill>
-                  <a:srgbClr val="E3A743"/>
-                </a:solidFill>
-                <a:latin typeface="Consolas"/>
-                <a:cs typeface="Consolas"/>
-              </a:rPr>
-              <a:t>/</a:t>
-            </a:r>
-            <a:r>
-              <a:rPr lang="de-DE" sz="1400" b="1" dirty="0" err="1">
-                <a:solidFill>
-                  <a:srgbClr val="E3A743"/>
-                </a:solidFill>
-                <a:latin typeface="Consolas"/>
-                <a:cs typeface="Consolas"/>
-              </a:rPr>
-              <a:t>repo</a:t>
-            </a:r>
-            <a:r>
-              <a:rPr lang="de-DE" sz="1400" b="1" dirty="0">
-                <a:solidFill>
-                  <a:srgbClr val="E3A743"/>
-                </a:solidFill>
-                <a:latin typeface="Consolas"/>
-                <a:cs typeface="Consolas"/>
-              </a:rPr>
-              <a:t>/</a:t>
-            </a:r>
-            <a:r>
-              <a:rPr lang="de-DE" sz="1400" b="1" dirty="0" err="1">
-                <a:solidFill>
-                  <a:srgbClr val="E3A743"/>
-                </a:solidFill>
-                <a:latin typeface="Consolas"/>
-                <a:cs typeface="Consolas"/>
-              </a:rPr>
-              <a:t>ATLASLocalRootBase</a:t>
+              <a:t>SkimSlimLarge.sh</a:t>
             </a:r>
             <a:endParaRPr lang="de-DE" sz="1400" b="1" dirty="0">
               <a:solidFill>
@@ -21825,7 +21937,7 @@
                 <a:latin typeface="Consolas"/>
                 <a:cs typeface="Consolas"/>
               </a:rPr>
-              <a:t>source</a:t>
+              <a:t>output</a:t>
             </a:r>
             <a:r>
               <a:rPr lang="de-DE" sz="1400" b="1" dirty="0">
@@ -21835,7 +21947,7 @@
                 <a:latin typeface="Consolas"/>
                 <a:cs typeface="Consolas"/>
               </a:rPr>
-              <a:t> ${ATLAS_LOCAL_ROOT_BASE}/</a:t>
+              <a:t>         = </a:t>
             </a:r>
             <a:r>
               <a:rPr lang="de-DE" sz="1400" b="1" dirty="0" err="1">
@@ -21845,7 +21957,7 @@
                 <a:latin typeface="Consolas"/>
                 <a:cs typeface="Consolas"/>
               </a:rPr>
-              <a:t>user</a:t>
+              <a:t>SkimSlimLarge.out</a:t>
             </a:r>
             <a:r>
               <a:rPr lang="de-DE" sz="1400" b="1" dirty="0">
@@ -21855,7 +21967,7 @@
                 <a:latin typeface="Consolas"/>
                 <a:cs typeface="Consolas"/>
               </a:rPr>
-              <a:t>/</a:t>
+              <a:t>.$(</a:t>
             </a:r>
             <a:r>
               <a:rPr lang="de-DE" sz="1400" b="1" dirty="0" err="1">
@@ -21865,7 +21977,257 @@
                 <a:latin typeface="Consolas"/>
                 <a:cs typeface="Consolas"/>
               </a:rPr>
-              <a:t>atlasLocalSetup.sh</a:t>
+              <a:t>Process</a:t>
+            </a:r>
+            <a:r>
+              <a:rPr lang="de-DE" sz="1400" b="1" dirty="0">
+                <a:solidFill>
+                  <a:srgbClr val="E3A743"/>
+                </a:solidFill>
+                <a:latin typeface="Consolas"/>
+                <a:cs typeface="Consolas"/>
+              </a:rPr>
+              <a:t>)</a:t>
+            </a:r>
+          </a:p>
+          <a:p>
+            <a:r>
+              <a:rPr lang="de-DE" sz="1400" b="1" dirty="0" err="1">
+                <a:solidFill>
+                  <a:srgbClr val="E3A743"/>
+                </a:solidFill>
+                <a:latin typeface="Consolas"/>
+                <a:cs typeface="Consolas"/>
+              </a:rPr>
+              <a:t>error</a:t>
+            </a:r>
+            <a:r>
+              <a:rPr lang="de-DE" sz="1400" b="1" dirty="0">
+                <a:solidFill>
+                  <a:srgbClr val="E3A743"/>
+                </a:solidFill>
+                <a:latin typeface="Consolas"/>
+                <a:cs typeface="Consolas"/>
+              </a:rPr>
+              <a:t>          = </a:t>
+            </a:r>
+            <a:r>
+              <a:rPr lang="de-DE" sz="1400" b="1" dirty="0" err="1">
+                <a:solidFill>
+                  <a:srgbClr val="E3A743"/>
+                </a:solidFill>
+                <a:latin typeface="Consolas"/>
+                <a:cs typeface="Consolas"/>
+              </a:rPr>
+              <a:t>SkimSlimLarge.error</a:t>
+            </a:r>
+            <a:r>
+              <a:rPr lang="de-DE" sz="1400" b="1" dirty="0">
+                <a:solidFill>
+                  <a:srgbClr val="E3A743"/>
+                </a:solidFill>
+                <a:latin typeface="Consolas"/>
+                <a:cs typeface="Consolas"/>
+              </a:rPr>
+              <a:t>.$(</a:t>
+            </a:r>
+            <a:r>
+              <a:rPr lang="de-DE" sz="1400" b="1" dirty="0" err="1">
+                <a:solidFill>
+                  <a:srgbClr val="E3A743"/>
+                </a:solidFill>
+                <a:latin typeface="Consolas"/>
+                <a:cs typeface="Consolas"/>
+              </a:rPr>
+              <a:t>Process</a:t>
+            </a:r>
+            <a:r>
+              <a:rPr lang="de-DE" sz="1400" b="1" dirty="0">
+                <a:solidFill>
+                  <a:srgbClr val="E3A743"/>
+                </a:solidFill>
+                <a:latin typeface="Consolas"/>
+                <a:cs typeface="Consolas"/>
+              </a:rPr>
+              <a:t>)</a:t>
+            </a:r>
+          </a:p>
+          <a:p>
+            <a:r>
+              <a:rPr lang="de-DE" sz="1400" b="1" dirty="0">
+                <a:solidFill>
+                  <a:srgbClr val="E3A743"/>
+                </a:solidFill>
+                <a:latin typeface="Consolas"/>
+                <a:cs typeface="Consolas"/>
+              </a:rPr>
+              <a:t>log            = </a:t>
+            </a:r>
+            <a:r>
+              <a:rPr lang="de-DE" sz="1400" b="1" dirty="0" err="1">
+                <a:solidFill>
+                  <a:srgbClr val="E3A743"/>
+                </a:solidFill>
+                <a:latin typeface="Consolas"/>
+                <a:cs typeface="Consolas"/>
+              </a:rPr>
+              <a:t>SkimSlimLarge.log</a:t>
+            </a:r>
+            <a:r>
+              <a:rPr lang="de-DE" sz="1400" b="1" dirty="0">
+                <a:solidFill>
+                  <a:srgbClr val="E3A743"/>
+                </a:solidFill>
+                <a:latin typeface="Consolas"/>
+                <a:cs typeface="Consolas"/>
+              </a:rPr>
+              <a:t>.$(</a:t>
+            </a:r>
+            <a:r>
+              <a:rPr lang="de-DE" sz="1400" b="1" dirty="0" err="1">
+                <a:solidFill>
+                  <a:srgbClr val="E3A743"/>
+                </a:solidFill>
+                <a:latin typeface="Consolas"/>
+                <a:cs typeface="Consolas"/>
+              </a:rPr>
+              <a:t>Process</a:t>
+            </a:r>
+            <a:r>
+              <a:rPr lang="de-DE" sz="1400" b="1" dirty="0">
+                <a:solidFill>
+                  <a:srgbClr val="E3A743"/>
+                </a:solidFill>
+                <a:latin typeface="Consolas"/>
+                <a:cs typeface="Consolas"/>
+              </a:rPr>
+              <a:t>)</a:t>
+            </a:r>
+          </a:p>
+          <a:p>
+            <a:r>
+              <a:rPr lang="de-DE" sz="1400" b="1" dirty="0" err="1">
+                <a:solidFill>
+                  <a:srgbClr val="E3A743"/>
+                </a:solidFill>
+                <a:latin typeface="Consolas"/>
+                <a:cs typeface="Consolas"/>
+              </a:rPr>
+              <a:t>arguments</a:t>
+            </a:r>
+            <a:r>
+              <a:rPr lang="de-DE" sz="1400" b="1" dirty="0">
+                <a:solidFill>
+                  <a:srgbClr val="E3A743"/>
+                </a:solidFill>
+                <a:latin typeface="Consolas"/>
+                <a:cs typeface="Consolas"/>
+              </a:rPr>
+              <a:t> = $(</a:t>
+            </a:r>
+            <a:r>
+              <a:rPr lang="de-DE" sz="1400" b="1" dirty="0" err="1">
+                <a:solidFill>
+                  <a:srgbClr val="E3A743"/>
+                </a:solidFill>
+                <a:latin typeface="Consolas"/>
+                <a:cs typeface="Consolas"/>
+              </a:rPr>
+              <a:t>Process</a:t>
+            </a:r>
+            <a:r>
+              <a:rPr lang="de-DE" sz="1400" b="1" dirty="0">
+                <a:solidFill>
+                  <a:srgbClr val="E3A743"/>
+                </a:solidFill>
+                <a:latin typeface="Consolas"/>
+                <a:cs typeface="Consolas"/>
+              </a:rPr>
+              <a:t>) $(Jobs)</a:t>
+            </a:r>
+          </a:p>
+          <a:p>
+            <a:r>
+              <a:rPr lang="de-DE" sz="1400" b="1" dirty="0" err="1">
+                <a:solidFill>
+                  <a:srgbClr val="E3A743"/>
+                </a:solidFill>
+                <a:latin typeface="Consolas"/>
+                <a:cs typeface="Consolas"/>
+              </a:rPr>
+              <a:t>transfer_input_files</a:t>
+            </a:r>
+            <a:r>
+              <a:rPr lang="de-DE" sz="1400" b="1" dirty="0">
+                <a:solidFill>
+                  <a:srgbClr val="E3A743"/>
+                </a:solidFill>
+                <a:latin typeface="Consolas"/>
+                <a:cs typeface="Consolas"/>
+              </a:rPr>
+              <a:t> = filter-and-merge-d3pd.py</a:t>
+            </a:r>
+            <a:r>
+              <a:rPr lang="de-DE" sz="1400" b="1" dirty="0" smtClean="0">
+                <a:solidFill>
+                  <a:srgbClr val="E3A743"/>
+                </a:solidFill>
+                <a:latin typeface="Consolas"/>
+                <a:cs typeface="Consolas"/>
+              </a:rPr>
+              <a:t>,/</a:t>
+            </a:r>
+            <a:r>
+              <a:rPr lang="de-DE" sz="1400" b="1" dirty="0" err="1">
+                <a:solidFill>
+                  <a:srgbClr val="E3A743"/>
+                </a:solidFill>
+                <a:latin typeface="Consolas"/>
+                <a:cs typeface="Consolas"/>
+              </a:rPr>
+              <a:t>tmp</a:t>
+            </a:r>
+            <a:r>
+              <a:rPr lang="de-DE" sz="1400" b="1" dirty="0">
+                <a:solidFill>
+                  <a:srgbClr val="E3A743"/>
+                </a:solidFill>
+                <a:latin typeface="Consolas"/>
+                <a:cs typeface="Consolas"/>
+              </a:rPr>
+              <a:t>/x509up_u20074,inputFileListLarge,branchesList,cutCode</a:t>
+            </a:r>
+          </a:p>
+          <a:p>
+            <a:r>
+              <a:rPr lang="de-DE" sz="1400" b="1" dirty="0" err="1">
+                <a:solidFill>
+                  <a:srgbClr val="E3A743"/>
+                </a:solidFill>
+                <a:latin typeface="Consolas"/>
+                <a:cs typeface="Consolas"/>
+              </a:rPr>
+              <a:t>universe</a:t>
+            </a:r>
+            <a:r>
+              <a:rPr lang="de-DE" sz="1400" b="1" dirty="0">
+                <a:solidFill>
+                  <a:srgbClr val="E3A743"/>
+                </a:solidFill>
+                <a:latin typeface="Consolas"/>
+                <a:cs typeface="Consolas"/>
+              </a:rPr>
+              <a:t>       = </a:t>
+            </a:r>
+            <a:r>
+              <a:rPr lang="de-DE" sz="1400" b="1" dirty="0" err="1">
+                <a:solidFill>
+                  <a:srgbClr val="E3A743"/>
+                </a:solidFill>
+                <a:latin typeface="Consolas"/>
+                <a:cs typeface="Consolas"/>
+              </a:rPr>
+              <a:t>vanilla</a:t>
             </a:r>
             <a:endParaRPr lang="de-DE" sz="1400" b="1" dirty="0">
               <a:solidFill>
@@ -21884,7 +22246,7 @@
                 <a:latin typeface="Consolas"/>
                 <a:cs typeface="Consolas"/>
               </a:rPr>
-              <a:t>source</a:t>
+              <a:t>Requirements</a:t>
             </a:r>
             <a:r>
               <a:rPr lang="de-DE" sz="1400" b="1" dirty="0">
@@ -21894,8 +22256,10 @@
                 <a:latin typeface="Consolas"/>
                 <a:cs typeface="Consolas"/>
               </a:rPr>
-              <a:t> $</a:t>
-            </a:r>
+              <a:t>   = HAS_CVMFS =?= True</a:t>
+            </a:r>
+          </a:p>
+          <a:p>
             <a:r>
               <a:rPr lang="de-DE" sz="1400" b="1" dirty="0" err="1">
                 <a:solidFill>
@@ -21904,7 +22268,7 @@
                 <a:latin typeface="Consolas"/>
                 <a:cs typeface="Consolas"/>
               </a:rPr>
-              <a:t>AtlasSetup</a:t>
+              <a:t>queue</a:t>
             </a:r>
             <a:r>
               <a:rPr lang="de-DE" sz="1400" b="1" dirty="0">
@@ -21914,745 +22278,15 @@
                 <a:latin typeface="Consolas"/>
                 <a:cs typeface="Consolas"/>
               </a:rPr>
-              <a:t>/</a:t>
-            </a:r>
-            <a:r>
-              <a:rPr lang="de-DE" sz="1400" b="1" dirty="0" err="1">
-                <a:solidFill>
-                  <a:srgbClr val="E3A743"/>
-                </a:solidFill>
-                <a:latin typeface="Consolas"/>
-                <a:cs typeface="Consolas"/>
-              </a:rPr>
-              <a:t>scripts</a:t>
-            </a:r>
-            <a:r>
-              <a:rPr lang="de-DE" sz="1400" b="1" dirty="0">
-                <a:solidFill>
-                  <a:srgbClr val="E3A743"/>
-                </a:solidFill>
-                <a:latin typeface="Consolas"/>
-                <a:cs typeface="Consolas"/>
-              </a:rPr>
-              <a:t>/</a:t>
-            </a:r>
-            <a:r>
-              <a:rPr lang="de-DE" sz="1400" b="1" dirty="0" err="1">
-                <a:solidFill>
-                  <a:srgbClr val="E3A743"/>
-                </a:solidFill>
-                <a:latin typeface="Consolas"/>
-                <a:cs typeface="Consolas"/>
-              </a:rPr>
-              <a:t>asetup.sh</a:t>
-            </a:r>
-            <a:r>
-              <a:rPr lang="de-DE" sz="1400" b="1" dirty="0">
-                <a:solidFill>
-                  <a:srgbClr val="E3A743"/>
-                </a:solidFill>
-                <a:latin typeface="Consolas"/>
-                <a:cs typeface="Consolas"/>
-              </a:rPr>
-              <a:t> 17.6.0,noTest</a:t>
-            </a:r>
-          </a:p>
-          <a:p>
-            <a:r>
-              <a:rPr lang="de-DE" sz="1400" b="1" dirty="0" err="1">
-                <a:solidFill>
-                  <a:srgbClr val="E3A743"/>
-                </a:solidFill>
-                <a:latin typeface="Consolas"/>
-                <a:cs typeface="Consolas"/>
-              </a:rPr>
-              <a:t>export</a:t>
-            </a:r>
-            <a:r>
-              <a:rPr lang="de-DE" sz="1400" b="1" dirty="0">
-                <a:solidFill>
-                  <a:srgbClr val="E3A743"/>
-                </a:solidFill>
-                <a:latin typeface="Consolas"/>
-                <a:cs typeface="Consolas"/>
-              </a:rPr>
-              <a:t> X509_USER_PROXY=x509up_u20074</a:t>
-            </a:r>
-          </a:p>
-          <a:p>
-            <a:endParaRPr lang="de-DE" sz="1400" b="1" dirty="0" smtClean="0">
-              <a:solidFill>
-                <a:srgbClr val="E3A743"/>
-              </a:solidFill>
-              <a:latin typeface="Consolas"/>
-              <a:cs typeface="Consolas"/>
-            </a:endParaRPr>
-          </a:p>
-          <a:p>
-            <a:r>
-              <a:rPr lang="de-DE" sz="1400" b="1" dirty="0" smtClean="0">
-                <a:solidFill>
-                  <a:srgbClr val="E3A743"/>
-                </a:solidFill>
-                <a:latin typeface="Consolas"/>
-                <a:cs typeface="Consolas"/>
-              </a:rPr>
-              <a:t>echo </a:t>
-            </a:r>
-            <a:r>
-              <a:rPr lang="de-DE" sz="1400" b="1" dirty="0">
-                <a:solidFill>
-                  <a:srgbClr val="E3A743"/>
-                </a:solidFill>
-                <a:latin typeface="Consolas"/>
-                <a:cs typeface="Consolas"/>
-              </a:rPr>
-              <a:t>'</a:t>
-            </a:r>
-            <a:r>
-              <a:rPr lang="de-DE" sz="1400" b="1" dirty="0" err="1">
-                <a:solidFill>
-                  <a:srgbClr val="E3A743"/>
-                </a:solidFill>
-                <a:latin typeface="Consolas"/>
-                <a:cs typeface="Consolas"/>
-              </a:rPr>
-              <a:t>job</a:t>
-            </a:r>
-            <a:r>
-              <a:rPr lang="de-DE" sz="1400" b="1" dirty="0">
-                <a:solidFill>
-                  <a:srgbClr val="E3A743"/>
-                </a:solidFill>
-                <a:latin typeface="Consolas"/>
-                <a:cs typeface="Consolas"/>
-              </a:rPr>
-              <a:t>:' $1, '</a:t>
-            </a:r>
-            <a:r>
-              <a:rPr lang="de-DE" sz="1400" b="1" dirty="0" err="1">
-                <a:solidFill>
-                  <a:srgbClr val="E3A743"/>
-                </a:solidFill>
-                <a:latin typeface="Consolas"/>
-                <a:cs typeface="Consolas"/>
-              </a:rPr>
-              <a:t>from</a:t>
-            </a:r>
-            <a:r>
-              <a:rPr lang="de-DE" sz="1400" b="1" dirty="0">
-                <a:solidFill>
-                  <a:srgbClr val="E3A743"/>
-                </a:solidFill>
-                <a:latin typeface="Consolas"/>
-                <a:cs typeface="Consolas"/>
-              </a:rPr>
-              <a:t>:' $2</a:t>
-            </a:r>
-          </a:p>
-          <a:p>
-            <a:r>
-              <a:rPr lang="de-DE" sz="1400" b="1" dirty="0" err="1">
-                <a:solidFill>
-                  <a:srgbClr val="E3A743"/>
-                </a:solidFill>
-                <a:latin typeface="Consolas"/>
-                <a:cs typeface="Consolas"/>
-              </a:rPr>
-              <a:t>files</a:t>
-            </a:r>
-            <a:r>
-              <a:rPr lang="de-DE" sz="1400" b="1" dirty="0">
-                <a:solidFill>
-                  <a:srgbClr val="E3A743"/>
-                </a:solidFill>
-                <a:latin typeface="Consolas"/>
-                <a:cs typeface="Consolas"/>
-              </a:rPr>
-              <a:t>=$(</a:t>
-            </a:r>
-            <a:r>
-              <a:rPr lang="de-DE" sz="1400" b="1" dirty="0" err="1">
-                <a:solidFill>
-                  <a:srgbClr val="E3A743"/>
-                </a:solidFill>
-                <a:latin typeface="Consolas"/>
-                <a:cs typeface="Consolas"/>
-              </a:rPr>
-              <a:t>wc</a:t>
-            </a:r>
-            <a:r>
-              <a:rPr lang="de-DE" sz="1400" b="1" dirty="0">
-                <a:solidFill>
-                  <a:srgbClr val="E3A743"/>
-                </a:solidFill>
-                <a:latin typeface="Consolas"/>
-                <a:cs typeface="Consolas"/>
-              </a:rPr>
-              <a:t> -l &lt;</a:t>
-            </a:r>
-            <a:r>
-              <a:rPr lang="de-DE" sz="1400" b="1" dirty="0" err="1">
-                <a:solidFill>
-                  <a:srgbClr val="E3A743"/>
-                </a:solidFill>
-                <a:latin typeface="Consolas"/>
-                <a:cs typeface="Consolas"/>
-              </a:rPr>
-              <a:t>inputFileListLarge</a:t>
-            </a:r>
-            <a:r>
-              <a:rPr lang="de-DE" sz="1400" b="1" dirty="0">
-                <a:solidFill>
-                  <a:srgbClr val="E3A743"/>
-                </a:solidFill>
-                <a:latin typeface="Consolas"/>
-                <a:cs typeface="Consolas"/>
-              </a:rPr>
-              <a:t>)</a:t>
-            </a:r>
-          </a:p>
-          <a:p>
-            <a:r>
-              <a:rPr lang="de-DE" sz="1400" b="1" dirty="0">
-                <a:solidFill>
-                  <a:srgbClr val="E3A743"/>
-                </a:solidFill>
-                <a:latin typeface="Consolas"/>
-                <a:cs typeface="Consolas"/>
-              </a:rPr>
-              <a:t>echo '</a:t>
-            </a:r>
-            <a:r>
-              <a:rPr lang="de-DE" sz="1400" b="1" dirty="0" err="1">
-                <a:solidFill>
-                  <a:srgbClr val="E3A743"/>
-                </a:solidFill>
-                <a:latin typeface="Consolas"/>
-                <a:cs typeface="Consolas"/>
-              </a:rPr>
-              <a:t>input</a:t>
-            </a:r>
-            <a:r>
-              <a:rPr lang="de-DE" sz="1400" b="1" dirty="0">
-                <a:solidFill>
-                  <a:srgbClr val="E3A743"/>
-                </a:solidFill>
-                <a:latin typeface="Consolas"/>
-                <a:cs typeface="Consolas"/>
-              </a:rPr>
-              <a:t> </a:t>
-            </a:r>
-            <a:r>
-              <a:rPr lang="de-DE" sz="1400" b="1" dirty="0" err="1">
-                <a:solidFill>
-                  <a:srgbClr val="E3A743"/>
-                </a:solidFill>
-                <a:latin typeface="Consolas"/>
-                <a:cs typeface="Consolas"/>
-              </a:rPr>
-              <a:t>files</a:t>
-            </a:r>
-            <a:r>
-              <a:rPr lang="de-DE" sz="1400" b="1" dirty="0">
-                <a:solidFill>
-                  <a:srgbClr val="E3A743"/>
-                </a:solidFill>
-                <a:latin typeface="Consolas"/>
-                <a:cs typeface="Consolas"/>
-              </a:rPr>
-              <a:t>:' $</a:t>
-            </a:r>
-            <a:r>
-              <a:rPr lang="de-DE" sz="1400" b="1" dirty="0" err="1">
-                <a:solidFill>
-                  <a:srgbClr val="E3A743"/>
-                </a:solidFill>
-                <a:latin typeface="Consolas"/>
-                <a:cs typeface="Consolas"/>
-              </a:rPr>
-              <a:t>files</a:t>
-            </a:r>
-            <a:endParaRPr lang="de-DE" sz="1400" b="1" dirty="0">
-              <a:solidFill>
-                <a:srgbClr val="E3A743"/>
-              </a:solidFill>
-              <a:latin typeface="Consolas"/>
-              <a:cs typeface="Consolas"/>
-            </a:endParaRPr>
-          </a:p>
-          <a:p>
-            <a:r>
-              <a:rPr lang="de-DE" sz="1400" b="1" dirty="0" err="1">
-                <a:solidFill>
-                  <a:srgbClr val="E3A743"/>
-                </a:solidFill>
-                <a:latin typeface="Consolas"/>
-                <a:cs typeface="Consolas"/>
-              </a:rPr>
-              <a:t>awk</a:t>
-            </a:r>
-            <a:r>
-              <a:rPr lang="de-DE" sz="1400" b="1" dirty="0">
-                <a:solidFill>
-                  <a:srgbClr val="E3A743"/>
-                </a:solidFill>
-                <a:latin typeface="Consolas"/>
-                <a:cs typeface="Consolas"/>
-              </a:rPr>
-              <a:t> -v </a:t>
-            </a:r>
-            <a:r>
-              <a:rPr lang="de-DE" sz="1400" b="1" dirty="0" err="1">
-                <a:solidFill>
-                  <a:srgbClr val="E3A743"/>
-                </a:solidFill>
-                <a:latin typeface="Consolas"/>
-                <a:cs typeface="Consolas"/>
-              </a:rPr>
-              <a:t>jo</a:t>
-            </a:r>
-            <a:r>
-              <a:rPr lang="de-DE" sz="1400" b="1" dirty="0">
-                <a:solidFill>
-                  <a:srgbClr val="E3A743"/>
-                </a:solidFill>
-                <a:latin typeface="Consolas"/>
-                <a:cs typeface="Consolas"/>
-              </a:rPr>
-              <a:t>=$1 -v </a:t>
-            </a:r>
-            <a:r>
-              <a:rPr lang="de-DE" sz="1400" b="1" dirty="0" err="1">
-                <a:solidFill>
-                  <a:srgbClr val="E3A743"/>
-                </a:solidFill>
-                <a:latin typeface="Consolas"/>
-                <a:cs typeface="Consolas"/>
-              </a:rPr>
-              <a:t>totjobs</a:t>
-            </a:r>
-            <a:r>
-              <a:rPr lang="de-DE" sz="1400" b="1" dirty="0">
-                <a:solidFill>
-                  <a:srgbClr val="E3A743"/>
-                </a:solidFill>
-                <a:latin typeface="Consolas"/>
-                <a:cs typeface="Consolas"/>
-              </a:rPr>
-              <a:t>=$2 -v </a:t>
-            </a:r>
-            <a:r>
-              <a:rPr lang="de-DE" sz="1400" b="1" dirty="0" err="1">
-                <a:solidFill>
-                  <a:srgbClr val="E3A743"/>
-                </a:solidFill>
-                <a:latin typeface="Consolas"/>
-                <a:cs typeface="Consolas"/>
-              </a:rPr>
-              <a:t>len</a:t>
-            </a:r>
-            <a:r>
-              <a:rPr lang="de-DE" sz="1400" b="1" dirty="0">
-                <a:solidFill>
-                  <a:srgbClr val="E3A743"/>
-                </a:solidFill>
-                <a:latin typeface="Consolas"/>
-                <a:cs typeface="Consolas"/>
-              </a:rPr>
-              <a:t>=$</a:t>
-            </a:r>
-            <a:r>
-              <a:rPr lang="de-DE" sz="1400" b="1" dirty="0" err="1">
-                <a:solidFill>
-                  <a:srgbClr val="E3A743"/>
-                </a:solidFill>
-                <a:latin typeface="Consolas"/>
-                <a:cs typeface="Consolas"/>
-              </a:rPr>
-              <a:t>files</a:t>
-            </a:r>
-            <a:r>
-              <a:rPr lang="de-DE" sz="1400" b="1" dirty="0">
-                <a:solidFill>
-                  <a:srgbClr val="E3A743"/>
-                </a:solidFill>
-                <a:latin typeface="Consolas"/>
-                <a:cs typeface="Consolas"/>
-              </a:rPr>
-              <a:t> 'BEGIN {slice = </a:t>
-            </a:r>
-            <a:r>
-              <a:rPr lang="de-DE" sz="1400" b="1" dirty="0" err="1">
-                <a:solidFill>
-                  <a:srgbClr val="E3A743"/>
-                </a:solidFill>
-                <a:latin typeface="Consolas"/>
-                <a:cs typeface="Consolas"/>
-              </a:rPr>
-              <a:t>len</a:t>
-            </a:r>
-            <a:r>
-              <a:rPr lang="de-DE" sz="1400" b="1" dirty="0">
-                <a:solidFill>
-                  <a:srgbClr val="E3A743"/>
-                </a:solidFill>
-                <a:latin typeface="Consolas"/>
-                <a:cs typeface="Consolas"/>
-              </a:rPr>
-              <a:t>/</a:t>
-            </a:r>
-            <a:r>
-              <a:rPr lang="de-DE" sz="1400" b="1" dirty="0" err="1">
-                <a:solidFill>
-                  <a:srgbClr val="E3A743"/>
-                </a:solidFill>
-                <a:latin typeface="Consolas"/>
-                <a:cs typeface="Consolas"/>
-              </a:rPr>
-              <a:t>totjobs</a:t>
-            </a:r>
-            <a:r>
-              <a:rPr lang="de-DE" sz="1400" b="1" dirty="0">
-                <a:solidFill>
-                  <a:srgbClr val="E3A743"/>
-                </a:solidFill>
-                <a:latin typeface="Consolas"/>
-                <a:cs typeface="Consolas"/>
-              </a:rPr>
-              <a:t>; </a:t>
-            </a:r>
-            <a:r>
-              <a:rPr lang="de-DE" sz="1400" b="1" dirty="0" err="1">
-                <a:solidFill>
-                  <a:srgbClr val="E3A743"/>
-                </a:solidFill>
-                <a:latin typeface="Consolas"/>
-                <a:cs typeface="Consolas"/>
-              </a:rPr>
-              <a:t>start</a:t>
-            </a:r>
-            <a:r>
-              <a:rPr lang="de-DE" sz="1400" b="1" dirty="0">
-                <a:solidFill>
-                  <a:srgbClr val="E3A743"/>
-                </a:solidFill>
-                <a:latin typeface="Consolas"/>
-                <a:cs typeface="Consolas"/>
-              </a:rPr>
-              <a:t> = </a:t>
-            </a:r>
-            <a:r>
-              <a:rPr lang="de-DE" sz="1400" b="1" dirty="0" err="1">
-                <a:solidFill>
-                  <a:srgbClr val="E3A743"/>
-                </a:solidFill>
-                <a:latin typeface="Consolas"/>
-                <a:cs typeface="Consolas"/>
-              </a:rPr>
-              <a:t>jo</a:t>
-            </a:r>
-            <a:r>
-              <a:rPr lang="de-DE" sz="1400" b="1" dirty="0">
-                <a:solidFill>
-                  <a:srgbClr val="E3A743"/>
-                </a:solidFill>
-                <a:latin typeface="Consolas"/>
-                <a:cs typeface="Consolas"/>
-              </a:rPr>
-              <a:t>*slice; end = (jo+1)*slice;} NR &gt; </a:t>
-            </a:r>
-            <a:r>
-              <a:rPr lang="de-DE" sz="1400" b="1" dirty="0" err="1">
-                <a:solidFill>
-                  <a:srgbClr val="E3A743"/>
-                </a:solidFill>
-                <a:latin typeface="Consolas"/>
-                <a:cs typeface="Consolas"/>
-              </a:rPr>
-              <a:t>start</a:t>
-            </a:r>
-            <a:r>
-              <a:rPr lang="de-DE" sz="1400" b="1" dirty="0">
-                <a:solidFill>
-                  <a:srgbClr val="E3A743"/>
-                </a:solidFill>
-                <a:latin typeface="Consolas"/>
-                <a:cs typeface="Consolas"/>
-              </a:rPr>
-              <a:t> &amp;&amp; NR &lt;= end {</a:t>
-            </a:r>
-            <a:r>
-              <a:rPr lang="de-DE" sz="1400" b="1" dirty="0" err="1">
-                <a:solidFill>
-                  <a:srgbClr val="E3A743"/>
-                </a:solidFill>
-                <a:latin typeface="Consolas"/>
-                <a:cs typeface="Consolas"/>
-              </a:rPr>
-              <a:t>print</a:t>
-            </a:r>
-            <a:r>
-              <a:rPr lang="de-DE" sz="1400" b="1" dirty="0">
-                <a:solidFill>
-                  <a:srgbClr val="E3A743"/>
-                </a:solidFill>
-                <a:latin typeface="Consolas"/>
-                <a:cs typeface="Consolas"/>
-              </a:rPr>
-              <a:t>}' </a:t>
-            </a:r>
-            <a:r>
-              <a:rPr lang="de-DE" sz="1400" b="1" dirty="0" err="1">
-                <a:solidFill>
-                  <a:srgbClr val="E3A743"/>
-                </a:solidFill>
-                <a:latin typeface="Consolas"/>
-                <a:cs typeface="Consolas"/>
-              </a:rPr>
-              <a:t>inputFileListLarge</a:t>
-            </a:r>
-            <a:r>
-              <a:rPr lang="de-DE" sz="1400" b="1" dirty="0">
-                <a:solidFill>
-                  <a:srgbClr val="E3A743"/>
-                </a:solidFill>
-                <a:latin typeface="Consolas"/>
-                <a:cs typeface="Consolas"/>
-              </a:rPr>
-              <a:t> &gt; </a:t>
-            </a:r>
-            <a:r>
-              <a:rPr lang="de-DE" sz="1400" b="1" dirty="0" err="1">
-                <a:solidFill>
-                  <a:srgbClr val="E3A743"/>
-                </a:solidFill>
-                <a:latin typeface="Consolas"/>
-                <a:cs typeface="Consolas"/>
-              </a:rPr>
-              <a:t>inputFileList</a:t>
-            </a:r>
-            <a:endParaRPr lang="de-DE" sz="1400" b="1" dirty="0">
-              <a:solidFill>
-                <a:srgbClr val="E3A743"/>
-              </a:solidFill>
-              <a:latin typeface="Consolas"/>
-              <a:cs typeface="Consolas"/>
-            </a:endParaRPr>
-          </a:p>
-          <a:p>
-            <a:r>
-              <a:rPr lang="de-DE" sz="1400" b="1" dirty="0" err="1">
-                <a:solidFill>
-                  <a:srgbClr val="E3A743"/>
-                </a:solidFill>
-                <a:latin typeface="Consolas"/>
-                <a:cs typeface="Consolas"/>
-              </a:rPr>
-              <a:t>cat</a:t>
-            </a:r>
-            <a:r>
-              <a:rPr lang="de-DE" sz="1400" b="1" dirty="0">
-                <a:solidFill>
-                  <a:srgbClr val="E3A743"/>
-                </a:solidFill>
-                <a:latin typeface="Consolas"/>
-                <a:cs typeface="Consolas"/>
-              </a:rPr>
-              <a:t> </a:t>
-            </a:r>
-            <a:r>
-              <a:rPr lang="de-DE" sz="1400" b="1" dirty="0" err="1" smtClean="0">
-                <a:solidFill>
-                  <a:srgbClr val="E3A743"/>
-                </a:solidFill>
-                <a:latin typeface="Consolas"/>
-                <a:cs typeface="Consolas"/>
-              </a:rPr>
-              <a:t>inputFileList</a:t>
-            </a:r>
-            <a:endParaRPr lang="de-DE" sz="1400" b="1" dirty="0" smtClean="0">
-              <a:solidFill>
-                <a:srgbClr val="E3A743"/>
-              </a:solidFill>
-              <a:latin typeface="Consolas"/>
-              <a:cs typeface="Consolas"/>
-            </a:endParaRPr>
-          </a:p>
-          <a:p>
-            <a:endParaRPr lang="de-DE" sz="1400" b="1" dirty="0">
-              <a:solidFill>
-                <a:srgbClr val="E3A743"/>
-              </a:solidFill>
-              <a:latin typeface="Consolas"/>
-              <a:cs typeface="Consolas"/>
-            </a:endParaRPr>
-          </a:p>
-          <a:p>
-            <a:r>
-              <a:rPr lang="de-DE" sz="1400" b="1" dirty="0" err="1">
-                <a:solidFill>
-                  <a:srgbClr val="E3A743"/>
-                </a:solidFill>
-                <a:latin typeface="Consolas"/>
-                <a:cs typeface="Consolas"/>
-              </a:rPr>
-              <a:t>python</a:t>
-            </a:r>
-            <a:r>
-              <a:rPr lang="de-DE" sz="1400" b="1" dirty="0">
-                <a:solidFill>
-                  <a:srgbClr val="E3A743"/>
-                </a:solidFill>
-                <a:latin typeface="Consolas"/>
-                <a:cs typeface="Consolas"/>
-              </a:rPr>
-              <a:t> filter-and-merge-d3pd.py  --in=</a:t>
-            </a:r>
-            <a:r>
-              <a:rPr lang="de-DE" sz="1400" b="1" dirty="0" err="1">
-                <a:solidFill>
-                  <a:srgbClr val="E3A743"/>
-                </a:solidFill>
-                <a:latin typeface="Consolas"/>
-                <a:cs typeface="Consolas"/>
-              </a:rPr>
-              <a:t>inputFileList</a:t>
-            </a:r>
-            <a:r>
-              <a:rPr lang="de-DE" sz="1400" b="1" dirty="0">
-                <a:solidFill>
-                  <a:srgbClr val="E3A743"/>
-                </a:solidFill>
-                <a:latin typeface="Consolas"/>
-                <a:cs typeface="Consolas"/>
-              </a:rPr>
-              <a:t> --out=SkimmedSlimmed_$1.root --</a:t>
-            </a:r>
-            <a:r>
-              <a:rPr lang="de-DE" sz="1400" b="1" dirty="0" err="1">
-                <a:solidFill>
-                  <a:srgbClr val="E3A743"/>
-                </a:solidFill>
-                <a:latin typeface="Consolas"/>
-                <a:cs typeface="Consolas"/>
-              </a:rPr>
-              <a:t>tree</a:t>
-            </a:r>
-            <a:r>
-              <a:rPr lang="de-DE" sz="1400" b="1" dirty="0">
-                <a:solidFill>
-                  <a:srgbClr val="E3A743"/>
-                </a:solidFill>
-                <a:latin typeface="Consolas"/>
-                <a:cs typeface="Consolas"/>
-              </a:rPr>
-              <a:t>=</a:t>
-            </a:r>
-            <a:r>
-              <a:rPr lang="de-DE" sz="1400" b="1" dirty="0" err="1">
-                <a:solidFill>
-                  <a:srgbClr val="E3A743"/>
-                </a:solidFill>
-                <a:latin typeface="Consolas"/>
-                <a:cs typeface="Consolas"/>
-              </a:rPr>
-              <a:t>physics</a:t>
-            </a:r>
-            <a:r>
-              <a:rPr lang="de-DE" sz="1400" b="1" dirty="0">
-                <a:solidFill>
-                  <a:srgbClr val="E3A743"/>
-                </a:solidFill>
-                <a:latin typeface="Consolas"/>
-                <a:cs typeface="Consolas"/>
-              </a:rPr>
-              <a:t> --</a:t>
-            </a:r>
-            <a:r>
-              <a:rPr lang="de-DE" sz="1400" b="1" dirty="0" err="1">
-                <a:solidFill>
-                  <a:srgbClr val="E3A743"/>
-                </a:solidFill>
-                <a:latin typeface="Consolas"/>
-                <a:cs typeface="Consolas"/>
-              </a:rPr>
-              <a:t>var</a:t>
-            </a:r>
-            <a:r>
-              <a:rPr lang="de-DE" sz="1400" b="1" dirty="0">
-                <a:solidFill>
-                  <a:srgbClr val="E3A743"/>
-                </a:solidFill>
-                <a:latin typeface="Consolas"/>
-                <a:cs typeface="Consolas"/>
-              </a:rPr>
-              <a:t>=</a:t>
-            </a:r>
-            <a:r>
-              <a:rPr lang="de-DE" sz="1400" b="1" dirty="0" err="1">
-                <a:solidFill>
-                  <a:srgbClr val="E3A743"/>
-                </a:solidFill>
-                <a:latin typeface="Consolas"/>
-                <a:cs typeface="Consolas"/>
-              </a:rPr>
-              <a:t>branchesList</a:t>
-            </a:r>
-            <a:r>
-              <a:rPr lang="de-DE" sz="1400" b="1" dirty="0">
-                <a:solidFill>
-                  <a:srgbClr val="E3A743"/>
-                </a:solidFill>
-                <a:latin typeface="Consolas"/>
-                <a:cs typeface="Consolas"/>
-              </a:rPr>
-              <a:t> --</a:t>
-            </a:r>
-            <a:r>
-              <a:rPr lang="de-DE" sz="1400" b="1" dirty="0" err="1">
-                <a:solidFill>
-                  <a:srgbClr val="E3A743"/>
-                </a:solidFill>
-                <a:latin typeface="Consolas"/>
-                <a:cs typeface="Consolas"/>
-              </a:rPr>
-              <a:t>selection</a:t>
-            </a:r>
-            <a:r>
-              <a:rPr lang="de-DE" sz="1400" b="1" dirty="0">
-                <a:solidFill>
-                  <a:srgbClr val="E3A743"/>
-                </a:solidFill>
-                <a:latin typeface="Consolas"/>
-                <a:cs typeface="Consolas"/>
-              </a:rPr>
-              <a:t>=</a:t>
-            </a:r>
-            <a:r>
-              <a:rPr lang="de-DE" sz="1400" b="1" dirty="0" err="1">
-                <a:solidFill>
-                  <a:srgbClr val="E3A743"/>
-                </a:solidFill>
-                <a:latin typeface="Consolas"/>
-                <a:cs typeface="Consolas"/>
-              </a:rPr>
-              <a:t>file:cutCode</a:t>
-            </a:r>
-            <a:endParaRPr lang="de-DE" sz="1400" b="1" dirty="0">
-              <a:solidFill>
-                <a:srgbClr val="E3A743"/>
-              </a:solidFill>
-              <a:latin typeface="Consolas"/>
-              <a:cs typeface="Consolas"/>
-            </a:endParaRPr>
+              <a:t> $(Jobs)</a:t>
+            </a:r>
           </a:p>
         </p:txBody>
       </p:sp>
     </p:spTree>
     <p:extLst>
       <p:ext uri="{BB962C8B-B14F-4D97-AF65-F5344CB8AC3E}">
-        <p14:creationId xmlns:p14="http://schemas.microsoft.com/office/powerpoint/2010/main" val="2205797143"/>
+        <p14:creationId xmlns:p14="http://schemas.microsoft.com/office/powerpoint/2010/main" val="609577475"/>
       </p:ext>
     </p:extLst>
   </p:cSld>
@@ -22696,14 +22330,21 @@
             <p:ph type="title"/>
           </p:nvPr>
         </p:nvSpPr>
-        <p:spPr/>
+        <p:spPr>
+          <a:xfrm>
+            <a:off x="685800" y="265694"/>
+            <a:ext cx="7772400" cy="1143000"/>
+          </a:xfrm>
+        </p:spPr>
         <p:txBody>
-          <a:bodyPr/>
+          <a:bodyPr>
+            <a:normAutofit/>
+          </a:bodyPr>
           <a:lstStyle/>
           <a:p>
             <a:r>
               <a:rPr lang="en-US" dirty="0" smtClean="0"/>
-              <a:t>FOR REFERENCE</a:t>
+              <a:t>Large scale Tier3</a:t>
             </a:r>
             <a:endParaRPr lang="en-US" dirty="0"/>
           </a:p>
@@ -22719,168 +22360,65 @@
             <p:ph idx="1"/>
           </p:nvPr>
         </p:nvSpPr>
-        <p:spPr/>
+        <p:spPr>
+          <a:xfrm>
+            <a:off x="685800" y="1600201"/>
+            <a:ext cx="7772400" cy="4816474"/>
+          </a:xfrm>
+        </p:spPr>
         <p:txBody>
-          <a:bodyPr/>
+          <a:bodyPr>
+            <a:normAutofit/>
+          </a:bodyPr>
           <a:lstStyle/>
           <a:p>
             <a:r>
               <a:rPr lang="en-US" dirty="0" smtClean="0"/>
-              <a:t>Short </a:t>
+              <a:t>Splitting up the task. </a:t>
+            </a:r>
+          </a:p>
+          <a:p>
+            <a:r>
+              <a:rPr lang="en-US" dirty="0" smtClean="0"/>
+              <a:t>Output </a:t>
             </a:r>
             <a:r>
               <a:rPr lang="en-US" dirty="0"/>
-              <a:t>users instructions </a:t>
-            </a:r>
-            <a:r>
-              <a:rPr lang="en-US" dirty="0">
-                <a:hlinkClick r:id="rId2"/>
-              </a:rPr>
-              <a:t>https://twiki.cern.ch/twiki/bin/view/Atlas/</a:t>
-            </a:r>
-            <a:r>
-              <a:rPr lang="en-US" dirty="0" smtClean="0">
-                <a:hlinkClick r:id="rId2"/>
-              </a:rPr>
-              <a:t>UsingFAXforEndUsers</a:t>
-            </a:r>
+              <a:t>files are automatically transferred back to you submission directory</a:t>
+            </a:r>
+          </a:p>
+          <a:p>
             <a:endParaRPr lang="en-US" dirty="0" smtClean="0"/>
           </a:p>
           <a:p>
-            <a:r>
-              <a:rPr lang="en-US" dirty="0" smtClean="0"/>
-              <a:t>Example codes and scripts </a:t>
-            </a:r>
-            <a:r>
-              <a:rPr lang="en-US" dirty="0" smtClean="0">
-                <a:solidFill>
-                  <a:schemeClr val="bg1"/>
-                </a:solidFill>
-                <a:cs typeface="Consolas"/>
-                <a:hlinkClick r:id="rId3"/>
-              </a:rPr>
-              <a:t>http</a:t>
-            </a:r>
-            <a:r>
-              <a:rPr lang="en-US" dirty="0">
-                <a:solidFill>
-                  <a:schemeClr val="bg1"/>
-                </a:solidFill>
-                <a:cs typeface="Consolas"/>
-                <a:hlinkClick r:id="rId3"/>
-              </a:rPr>
-              <a:t>://</a:t>
-            </a:r>
-            <a:r>
-              <a:rPr lang="en-US" dirty="0" err="1">
-                <a:solidFill>
-                  <a:schemeClr val="bg1"/>
-                </a:solidFill>
-                <a:cs typeface="Consolas"/>
-                <a:hlinkClick r:id="rId3"/>
-              </a:rPr>
-              <a:t>ivukotic.web.cern.ch</a:t>
-            </a:r>
-            <a:r>
-              <a:rPr lang="en-US" dirty="0">
-                <a:solidFill>
-                  <a:schemeClr val="bg1"/>
-                </a:solidFill>
-                <a:cs typeface="Consolas"/>
-                <a:hlinkClick r:id="rId3"/>
-              </a:rPr>
-              <a:t>/</a:t>
-            </a:r>
-            <a:r>
-              <a:rPr lang="en-US" dirty="0" err="1">
-                <a:solidFill>
-                  <a:schemeClr val="bg1"/>
-                </a:solidFill>
-                <a:cs typeface="Consolas"/>
-                <a:hlinkClick r:id="rId3"/>
-              </a:rPr>
-              <a:t>ivukotic</a:t>
-            </a:r>
-            <a:r>
-              <a:rPr lang="en-US" dirty="0">
-                <a:solidFill>
-                  <a:schemeClr val="bg1"/>
-                </a:solidFill>
-                <a:cs typeface="Consolas"/>
-                <a:hlinkClick r:id="rId3"/>
-              </a:rPr>
-              <a:t>/</a:t>
-            </a:r>
-            <a:r>
-              <a:rPr lang="en-US" dirty="0" err="1">
-                <a:solidFill>
-                  <a:schemeClr val="bg1"/>
-                </a:solidFill>
-                <a:cs typeface="Consolas"/>
-                <a:hlinkClick r:id="rId3"/>
-              </a:rPr>
-              <a:t>dropbox</a:t>
-            </a:r>
-            <a:r>
-              <a:rPr lang="en-US" dirty="0">
-                <a:solidFill>
-                  <a:schemeClr val="bg1"/>
-                </a:solidFill>
-                <a:cs typeface="Consolas"/>
-                <a:hlinkClick r:id="rId3"/>
-              </a:rPr>
-              <a:t>/</a:t>
-            </a:r>
-            <a:r>
-              <a:rPr lang="en-US" dirty="0" err="1">
-                <a:solidFill>
-                  <a:schemeClr val="bg1"/>
-                </a:solidFill>
-                <a:cs typeface="Consolas"/>
-                <a:hlinkClick r:id="rId3"/>
-              </a:rPr>
-              <a:t>Tutorial.tar</a:t>
-            </a:r>
-            <a:r>
-              <a:rPr lang="en-US" dirty="0">
-                <a:solidFill>
-                  <a:schemeClr val="bg1"/>
-                </a:solidFill>
-                <a:cs typeface="Consolas"/>
-              </a:rPr>
-              <a:t> </a:t>
-            </a:r>
+            <a:endParaRPr lang="en-US" dirty="0"/>
+          </a:p>
+          <a:p>
             <a:endParaRPr lang="en-US" dirty="0" smtClean="0"/>
           </a:p>
           <a:p>
-            <a:r>
-              <a:rPr lang="en-US" dirty="0" smtClean="0"/>
-              <a:t>Questions, problems, ideas                 </a:t>
-            </a:r>
-            <a:r>
-              <a:rPr lang="en-US" dirty="0" smtClean="0">
-                <a:hlinkClick r:id="rId4"/>
-              </a:rPr>
-              <a:t>https://its.cern.ch/jira/browse/FAX</a:t>
-            </a:r>
-            <a:r>
-              <a:rPr lang="en-US" dirty="0" smtClean="0"/>
-              <a:t> or mail </a:t>
-            </a:r>
-            <a:r>
-              <a:rPr lang="en-US" dirty="0" err="1" smtClean="0"/>
-              <a:t>to</a:t>
-            </a:r>
-            <a:r>
-              <a:rPr lang="en-US" dirty="0" err="1" smtClean="0">
-                <a:hlinkClick r:id="rId5"/>
-              </a:rPr>
-              <a:t>atlas-adc-federated-xrootd@cern.ch</a:t>
-            </a:r>
+            <a:endParaRPr lang="en-US" dirty="0"/>
+          </a:p>
+          <a:p>
             <a:endParaRPr lang="en-US" dirty="0" smtClean="0"/>
           </a:p>
           <a:p>
             <a:endParaRPr lang="en-US" dirty="0"/>
+          </a:p>
+          <a:p>
+            <a:endParaRPr lang="en-US" dirty="0" smtClean="0"/>
+          </a:p>
+          <a:p>
+            <a:endParaRPr lang="en-US" dirty="0"/>
+          </a:p>
+          <a:p>
+            <a:endParaRPr lang="en-US" dirty="0" smtClean="0"/>
+          </a:p>
+          <a:p>
+            <a:endParaRPr lang="en-US" dirty="0"/>
+          </a:p>
+          <a:p>
+            <a:endParaRPr lang="en-US" dirty="0" smtClean="0"/>
           </a:p>
         </p:txBody>
       </p:sp>
@@ -22899,7 +22437,7 @@
           <a:bodyPr/>
           <a:lstStyle/>
           <a:p>
-            <a:fld id="{7DA83AE1-CB64-784C-9A8F-13236E608BC8}" type="datetime1">
+            <a:fld id="{6BFAC227-F055-EF47-8A9B-BE5B836CAA5B}" type="datetime1">
               <a:rPr lang="en-US" smtClean="0"/>
               <a:t>7/11/13</a:t>
             </a:fld>
@@ -22953,10 +22491,1058 @@
           </a:p>
         </p:txBody>
       </p:sp>
+      <p:sp>
+        <p:nvSpPr>
+          <p:cNvPr id="7" name="Rectangle 6"/>
+          <p:cNvSpPr/>
+          <p:nvPr/>
+        </p:nvSpPr>
+        <p:spPr>
+          <a:xfrm>
+            <a:off x="5151270" y="33710"/>
+            <a:ext cx="3956094" cy="369332"/>
+          </a:xfrm>
+          <a:prstGeom prst="rect">
+            <a:avLst/>
+          </a:prstGeom>
+        </p:spPr>
+        <p:style>
+          <a:lnRef idx="1">
+            <a:schemeClr val="dk1"/>
+          </a:lnRef>
+          <a:fillRef idx="2">
+            <a:schemeClr val="dk1"/>
+          </a:fillRef>
+          <a:effectRef idx="1">
+            <a:schemeClr val="dk1"/>
+          </a:effectRef>
+          <a:fontRef idx="minor">
+            <a:schemeClr val="dk1"/>
+          </a:fontRef>
+        </p:style>
+        <p:txBody>
+          <a:bodyPr wrap="none">
+            <a:spAutoFit/>
+          </a:bodyPr>
+          <a:lstStyle/>
+          <a:p>
+            <a:r>
+              <a:rPr lang="en-US" dirty="0" smtClean="0"/>
+              <a:t>Tutorial</a:t>
+            </a:r>
+            <a:r>
+              <a:rPr lang="en-US" dirty="0"/>
+              <a:t>/SkimSlimT3/</a:t>
+            </a:r>
+            <a:r>
+              <a:rPr lang="en-US" dirty="0" smtClean="0"/>
+              <a:t>skimSlimT3Large.sh</a:t>
+            </a:r>
+            <a:endParaRPr lang="en-US" dirty="0"/>
+          </a:p>
+        </p:txBody>
+      </p:sp>
+      <p:sp>
+        <p:nvSpPr>
+          <p:cNvPr id="8" name="Rectangle 7"/>
+          <p:cNvSpPr/>
+          <p:nvPr/>
+        </p:nvSpPr>
+        <p:spPr>
+          <a:xfrm>
+            <a:off x="482134" y="2969393"/>
+            <a:ext cx="8229600" cy="3539431"/>
+          </a:xfrm>
+          <a:prstGeom prst="rect">
+            <a:avLst/>
+          </a:prstGeom>
+        </p:spPr>
+        <p:style>
+          <a:lnRef idx="2">
+            <a:schemeClr val="dk1">
+              <a:shade val="50000"/>
+            </a:schemeClr>
+          </a:lnRef>
+          <a:fillRef idx="1">
+            <a:schemeClr val="dk1"/>
+          </a:fillRef>
+          <a:effectRef idx="0">
+            <a:schemeClr val="dk1"/>
+          </a:effectRef>
+          <a:fontRef idx="minor">
+            <a:schemeClr val="lt1"/>
+          </a:fontRef>
+        </p:style>
+        <p:txBody>
+          <a:bodyPr wrap="square">
+            <a:spAutoFit/>
+          </a:bodyPr>
+          <a:lstStyle/>
+          <a:p>
+            <a:r>
+              <a:rPr lang="de-DE" sz="1400" b="1" dirty="0">
+                <a:solidFill>
+                  <a:srgbClr val="E3A743"/>
+                </a:solidFill>
+                <a:latin typeface="Consolas"/>
+                <a:cs typeface="Consolas"/>
+              </a:rPr>
+              <a:t>#!/bin/</a:t>
+            </a:r>
+            <a:r>
+              <a:rPr lang="de-DE" sz="1400" b="1" dirty="0" err="1">
+                <a:solidFill>
+                  <a:srgbClr val="E3A743"/>
+                </a:solidFill>
+                <a:latin typeface="Consolas"/>
+                <a:cs typeface="Consolas"/>
+              </a:rPr>
+              <a:t>zsh</a:t>
+            </a:r>
+            <a:endParaRPr lang="de-DE" sz="1400" b="1" dirty="0">
+              <a:solidFill>
+                <a:srgbClr val="E3A743"/>
+              </a:solidFill>
+              <a:latin typeface="Consolas"/>
+              <a:cs typeface="Consolas"/>
+            </a:endParaRPr>
+          </a:p>
+          <a:p>
+            <a:r>
+              <a:rPr lang="de-DE" sz="1400" b="1" dirty="0" err="1">
+                <a:solidFill>
+                  <a:srgbClr val="E3A743"/>
+                </a:solidFill>
+                <a:latin typeface="Consolas"/>
+                <a:cs typeface="Consolas"/>
+              </a:rPr>
+              <a:t>export</a:t>
+            </a:r>
+            <a:r>
+              <a:rPr lang="de-DE" sz="1400" b="1" dirty="0">
+                <a:solidFill>
+                  <a:srgbClr val="E3A743"/>
+                </a:solidFill>
+                <a:latin typeface="Consolas"/>
+                <a:cs typeface="Consolas"/>
+              </a:rPr>
+              <a:t> ATLAS_LOCAL_ROOT_BASE=/</a:t>
+            </a:r>
+            <a:r>
+              <a:rPr lang="de-DE" sz="1400" b="1" dirty="0" err="1">
+                <a:solidFill>
+                  <a:srgbClr val="E3A743"/>
+                </a:solidFill>
+                <a:latin typeface="Consolas"/>
+                <a:cs typeface="Consolas"/>
+              </a:rPr>
+              <a:t>cvmfs</a:t>
+            </a:r>
+            <a:r>
+              <a:rPr lang="de-DE" sz="1400" b="1" dirty="0">
+                <a:solidFill>
+                  <a:srgbClr val="E3A743"/>
+                </a:solidFill>
+                <a:latin typeface="Consolas"/>
+                <a:cs typeface="Consolas"/>
+              </a:rPr>
+              <a:t>/</a:t>
+            </a:r>
+            <a:r>
+              <a:rPr lang="de-DE" sz="1400" b="1" dirty="0" err="1">
+                <a:solidFill>
+                  <a:srgbClr val="E3A743"/>
+                </a:solidFill>
+                <a:latin typeface="Consolas"/>
+                <a:cs typeface="Consolas"/>
+              </a:rPr>
+              <a:t>atlas.cern.ch</a:t>
+            </a:r>
+            <a:r>
+              <a:rPr lang="de-DE" sz="1400" b="1" dirty="0">
+                <a:solidFill>
+                  <a:srgbClr val="E3A743"/>
+                </a:solidFill>
+                <a:latin typeface="Consolas"/>
+                <a:cs typeface="Consolas"/>
+              </a:rPr>
+              <a:t>/</a:t>
+            </a:r>
+            <a:r>
+              <a:rPr lang="de-DE" sz="1400" b="1" dirty="0" err="1">
+                <a:solidFill>
+                  <a:srgbClr val="E3A743"/>
+                </a:solidFill>
+                <a:latin typeface="Consolas"/>
+                <a:cs typeface="Consolas"/>
+              </a:rPr>
+              <a:t>repo</a:t>
+            </a:r>
+            <a:r>
+              <a:rPr lang="de-DE" sz="1400" b="1" dirty="0">
+                <a:solidFill>
+                  <a:srgbClr val="E3A743"/>
+                </a:solidFill>
+                <a:latin typeface="Consolas"/>
+                <a:cs typeface="Consolas"/>
+              </a:rPr>
+              <a:t>/</a:t>
+            </a:r>
+            <a:r>
+              <a:rPr lang="de-DE" sz="1400" b="1" dirty="0" err="1">
+                <a:solidFill>
+                  <a:srgbClr val="E3A743"/>
+                </a:solidFill>
+                <a:latin typeface="Consolas"/>
+                <a:cs typeface="Consolas"/>
+              </a:rPr>
+              <a:t>ATLASLocalRootBase</a:t>
+            </a:r>
+            <a:endParaRPr lang="de-DE" sz="1400" b="1" dirty="0">
+              <a:solidFill>
+                <a:srgbClr val="E3A743"/>
+              </a:solidFill>
+              <a:latin typeface="Consolas"/>
+              <a:cs typeface="Consolas"/>
+            </a:endParaRPr>
+          </a:p>
+          <a:p>
+            <a:r>
+              <a:rPr lang="de-DE" sz="1400" b="1" dirty="0" err="1">
+                <a:solidFill>
+                  <a:srgbClr val="E3A743"/>
+                </a:solidFill>
+                <a:latin typeface="Consolas"/>
+                <a:cs typeface="Consolas"/>
+              </a:rPr>
+              <a:t>source</a:t>
+            </a:r>
+            <a:r>
+              <a:rPr lang="de-DE" sz="1400" b="1" dirty="0">
+                <a:solidFill>
+                  <a:srgbClr val="E3A743"/>
+                </a:solidFill>
+                <a:latin typeface="Consolas"/>
+                <a:cs typeface="Consolas"/>
+              </a:rPr>
+              <a:t> ${ATLAS_LOCAL_ROOT_BASE}/</a:t>
+            </a:r>
+            <a:r>
+              <a:rPr lang="de-DE" sz="1400" b="1" dirty="0" err="1">
+                <a:solidFill>
+                  <a:srgbClr val="E3A743"/>
+                </a:solidFill>
+                <a:latin typeface="Consolas"/>
+                <a:cs typeface="Consolas"/>
+              </a:rPr>
+              <a:t>user</a:t>
+            </a:r>
+            <a:r>
+              <a:rPr lang="de-DE" sz="1400" b="1" dirty="0">
+                <a:solidFill>
+                  <a:srgbClr val="E3A743"/>
+                </a:solidFill>
+                <a:latin typeface="Consolas"/>
+                <a:cs typeface="Consolas"/>
+              </a:rPr>
+              <a:t>/</a:t>
+            </a:r>
+            <a:r>
+              <a:rPr lang="de-DE" sz="1400" b="1" dirty="0" err="1">
+                <a:solidFill>
+                  <a:srgbClr val="E3A743"/>
+                </a:solidFill>
+                <a:latin typeface="Consolas"/>
+                <a:cs typeface="Consolas"/>
+              </a:rPr>
+              <a:t>atlasLocalSetup.sh</a:t>
+            </a:r>
+            <a:endParaRPr lang="de-DE" sz="1400" b="1" dirty="0">
+              <a:solidFill>
+                <a:srgbClr val="E3A743"/>
+              </a:solidFill>
+              <a:latin typeface="Consolas"/>
+              <a:cs typeface="Consolas"/>
+            </a:endParaRPr>
+          </a:p>
+          <a:p>
+            <a:r>
+              <a:rPr lang="de-DE" sz="1400" b="1" dirty="0" err="1">
+                <a:solidFill>
+                  <a:srgbClr val="E3A743"/>
+                </a:solidFill>
+                <a:latin typeface="Consolas"/>
+                <a:cs typeface="Consolas"/>
+              </a:rPr>
+              <a:t>source</a:t>
+            </a:r>
+            <a:r>
+              <a:rPr lang="de-DE" sz="1400" b="1" dirty="0">
+                <a:solidFill>
+                  <a:srgbClr val="E3A743"/>
+                </a:solidFill>
+                <a:latin typeface="Consolas"/>
+                <a:cs typeface="Consolas"/>
+              </a:rPr>
+              <a:t> $</a:t>
+            </a:r>
+            <a:r>
+              <a:rPr lang="de-DE" sz="1400" b="1" dirty="0" err="1">
+                <a:solidFill>
+                  <a:srgbClr val="E3A743"/>
+                </a:solidFill>
+                <a:latin typeface="Consolas"/>
+                <a:cs typeface="Consolas"/>
+              </a:rPr>
+              <a:t>AtlasSetup</a:t>
+            </a:r>
+            <a:r>
+              <a:rPr lang="de-DE" sz="1400" b="1" dirty="0">
+                <a:solidFill>
+                  <a:srgbClr val="E3A743"/>
+                </a:solidFill>
+                <a:latin typeface="Consolas"/>
+                <a:cs typeface="Consolas"/>
+              </a:rPr>
+              <a:t>/</a:t>
+            </a:r>
+            <a:r>
+              <a:rPr lang="de-DE" sz="1400" b="1" dirty="0" err="1">
+                <a:solidFill>
+                  <a:srgbClr val="E3A743"/>
+                </a:solidFill>
+                <a:latin typeface="Consolas"/>
+                <a:cs typeface="Consolas"/>
+              </a:rPr>
+              <a:t>scripts</a:t>
+            </a:r>
+            <a:r>
+              <a:rPr lang="de-DE" sz="1400" b="1" dirty="0">
+                <a:solidFill>
+                  <a:srgbClr val="E3A743"/>
+                </a:solidFill>
+                <a:latin typeface="Consolas"/>
+                <a:cs typeface="Consolas"/>
+              </a:rPr>
+              <a:t>/</a:t>
+            </a:r>
+            <a:r>
+              <a:rPr lang="de-DE" sz="1400" b="1" dirty="0" err="1">
+                <a:solidFill>
+                  <a:srgbClr val="E3A743"/>
+                </a:solidFill>
+                <a:latin typeface="Consolas"/>
+                <a:cs typeface="Consolas"/>
+              </a:rPr>
+              <a:t>asetup.sh</a:t>
+            </a:r>
+            <a:r>
+              <a:rPr lang="de-DE" sz="1400" b="1" dirty="0">
+                <a:solidFill>
+                  <a:srgbClr val="E3A743"/>
+                </a:solidFill>
+                <a:latin typeface="Consolas"/>
+                <a:cs typeface="Consolas"/>
+              </a:rPr>
+              <a:t> 17.6.0,noTest</a:t>
+            </a:r>
+          </a:p>
+          <a:p>
+            <a:r>
+              <a:rPr lang="de-DE" sz="1400" b="1" dirty="0" err="1">
+                <a:solidFill>
+                  <a:srgbClr val="E3A743"/>
+                </a:solidFill>
+                <a:latin typeface="Consolas"/>
+                <a:cs typeface="Consolas"/>
+              </a:rPr>
+              <a:t>export</a:t>
+            </a:r>
+            <a:r>
+              <a:rPr lang="de-DE" sz="1400" b="1" dirty="0">
+                <a:solidFill>
+                  <a:srgbClr val="E3A743"/>
+                </a:solidFill>
+                <a:latin typeface="Consolas"/>
+                <a:cs typeface="Consolas"/>
+              </a:rPr>
+              <a:t> X509_USER_PROXY=x509up_u20074</a:t>
+            </a:r>
+          </a:p>
+          <a:p>
+            <a:endParaRPr lang="de-DE" sz="1400" b="1" dirty="0" smtClean="0">
+              <a:solidFill>
+                <a:srgbClr val="E3A743"/>
+              </a:solidFill>
+              <a:latin typeface="Consolas"/>
+              <a:cs typeface="Consolas"/>
+            </a:endParaRPr>
+          </a:p>
+          <a:p>
+            <a:r>
+              <a:rPr lang="de-DE" sz="1400" b="1" dirty="0" smtClean="0">
+                <a:solidFill>
+                  <a:srgbClr val="E3A743"/>
+                </a:solidFill>
+                <a:latin typeface="Consolas"/>
+                <a:cs typeface="Consolas"/>
+              </a:rPr>
+              <a:t>echo </a:t>
+            </a:r>
+            <a:r>
+              <a:rPr lang="de-DE" sz="1400" b="1" dirty="0">
+                <a:solidFill>
+                  <a:srgbClr val="E3A743"/>
+                </a:solidFill>
+                <a:latin typeface="Consolas"/>
+                <a:cs typeface="Consolas"/>
+              </a:rPr>
+              <a:t>'</a:t>
+            </a:r>
+            <a:r>
+              <a:rPr lang="de-DE" sz="1400" b="1" dirty="0" err="1">
+                <a:solidFill>
+                  <a:srgbClr val="E3A743"/>
+                </a:solidFill>
+                <a:latin typeface="Consolas"/>
+                <a:cs typeface="Consolas"/>
+              </a:rPr>
+              <a:t>job</a:t>
+            </a:r>
+            <a:r>
+              <a:rPr lang="de-DE" sz="1400" b="1" dirty="0">
+                <a:solidFill>
+                  <a:srgbClr val="E3A743"/>
+                </a:solidFill>
+                <a:latin typeface="Consolas"/>
+                <a:cs typeface="Consolas"/>
+              </a:rPr>
+              <a:t>:' $1, '</a:t>
+            </a:r>
+            <a:r>
+              <a:rPr lang="de-DE" sz="1400" b="1" dirty="0" err="1">
+                <a:solidFill>
+                  <a:srgbClr val="E3A743"/>
+                </a:solidFill>
+                <a:latin typeface="Consolas"/>
+                <a:cs typeface="Consolas"/>
+              </a:rPr>
+              <a:t>from</a:t>
+            </a:r>
+            <a:r>
+              <a:rPr lang="de-DE" sz="1400" b="1" dirty="0">
+                <a:solidFill>
+                  <a:srgbClr val="E3A743"/>
+                </a:solidFill>
+                <a:latin typeface="Consolas"/>
+                <a:cs typeface="Consolas"/>
+              </a:rPr>
+              <a:t>:' $2</a:t>
+            </a:r>
+          </a:p>
+          <a:p>
+            <a:r>
+              <a:rPr lang="de-DE" sz="1400" b="1" dirty="0" err="1">
+                <a:solidFill>
+                  <a:srgbClr val="E3A743"/>
+                </a:solidFill>
+                <a:latin typeface="Consolas"/>
+                <a:cs typeface="Consolas"/>
+              </a:rPr>
+              <a:t>files</a:t>
+            </a:r>
+            <a:r>
+              <a:rPr lang="de-DE" sz="1400" b="1" dirty="0">
+                <a:solidFill>
+                  <a:srgbClr val="E3A743"/>
+                </a:solidFill>
+                <a:latin typeface="Consolas"/>
+                <a:cs typeface="Consolas"/>
+              </a:rPr>
+              <a:t>=$(</a:t>
+            </a:r>
+            <a:r>
+              <a:rPr lang="de-DE" sz="1400" b="1" dirty="0" err="1">
+                <a:solidFill>
+                  <a:srgbClr val="E3A743"/>
+                </a:solidFill>
+                <a:latin typeface="Consolas"/>
+                <a:cs typeface="Consolas"/>
+              </a:rPr>
+              <a:t>wc</a:t>
+            </a:r>
+            <a:r>
+              <a:rPr lang="de-DE" sz="1400" b="1" dirty="0">
+                <a:solidFill>
+                  <a:srgbClr val="E3A743"/>
+                </a:solidFill>
+                <a:latin typeface="Consolas"/>
+                <a:cs typeface="Consolas"/>
+              </a:rPr>
+              <a:t> -l &lt;</a:t>
+            </a:r>
+            <a:r>
+              <a:rPr lang="de-DE" sz="1400" b="1" dirty="0" err="1">
+                <a:solidFill>
+                  <a:srgbClr val="E3A743"/>
+                </a:solidFill>
+                <a:latin typeface="Consolas"/>
+                <a:cs typeface="Consolas"/>
+              </a:rPr>
+              <a:t>inputFileListLarge</a:t>
+            </a:r>
+            <a:r>
+              <a:rPr lang="de-DE" sz="1400" b="1" dirty="0">
+                <a:solidFill>
+                  <a:srgbClr val="E3A743"/>
+                </a:solidFill>
+                <a:latin typeface="Consolas"/>
+                <a:cs typeface="Consolas"/>
+              </a:rPr>
+              <a:t>)</a:t>
+            </a:r>
+          </a:p>
+          <a:p>
+            <a:r>
+              <a:rPr lang="de-DE" sz="1400" b="1" dirty="0">
+                <a:solidFill>
+                  <a:srgbClr val="E3A743"/>
+                </a:solidFill>
+                <a:latin typeface="Consolas"/>
+                <a:cs typeface="Consolas"/>
+              </a:rPr>
+              <a:t>echo '</a:t>
+            </a:r>
+            <a:r>
+              <a:rPr lang="de-DE" sz="1400" b="1" dirty="0" err="1">
+                <a:solidFill>
+                  <a:srgbClr val="E3A743"/>
+                </a:solidFill>
+                <a:latin typeface="Consolas"/>
+                <a:cs typeface="Consolas"/>
+              </a:rPr>
+              <a:t>input</a:t>
+            </a:r>
+            <a:r>
+              <a:rPr lang="de-DE" sz="1400" b="1" dirty="0">
+                <a:solidFill>
+                  <a:srgbClr val="E3A743"/>
+                </a:solidFill>
+                <a:latin typeface="Consolas"/>
+                <a:cs typeface="Consolas"/>
+              </a:rPr>
+              <a:t> </a:t>
+            </a:r>
+            <a:r>
+              <a:rPr lang="de-DE" sz="1400" b="1" dirty="0" err="1">
+                <a:solidFill>
+                  <a:srgbClr val="E3A743"/>
+                </a:solidFill>
+                <a:latin typeface="Consolas"/>
+                <a:cs typeface="Consolas"/>
+              </a:rPr>
+              <a:t>files</a:t>
+            </a:r>
+            <a:r>
+              <a:rPr lang="de-DE" sz="1400" b="1" dirty="0">
+                <a:solidFill>
+                  <a:srgbClr val="E3A743"/>
+                </a:solidFill>
+                <a:latin typeface="Consolas"/>
+                <a:cs typeface="Consolas"/>
+              </a:rPr>
+              <a:t>:' $</a:t>
+            </a:r>
+            <a:r>
+              <a:rPr lang="de-DE" sz="1400" b="1" dirty="0" err="1">
+                <a:solidFill>
+                  <a:srgbClr val="E3A743"/>
+                </a:solidFill>
+                <a:latin typeface="Consolas"/>
+                <a:cs typeface="Consolas"/>
+              </a:rPr>
+              <a:t>files</a:t>
+            </a:r>
+            <a:endParaRPr lang="de-DE" sz="1400" b="1" dirty="0">
+              <a:solidFill>
+                <a:srgbClr val="E3A743"/>
+              </a:solidFill>
+              <a:latin typeface="Consolas"/>
+              <a:cs typeface="Consolas"/>
+            </a:endParaRPr>
+          </a:p>
+          <a:p>
+            <a:r>
+              <a:rPr lang="de-DE" sz="1400" b="1" dirty="0" err="1">
+                <a:solidFill>
+                  <a:srgbClr val="E3A743"/>
+                </a:solidFill>
+                <a:latin typeface="Consolas"/>
+                <a:cs typeface="Consolas"/>
+              </a:rPr>
+              <a:t>awk</a:t>
+            </a:r>
+            <a:r>
+              <a:rPr lang="de-DE" sz="1400" b="1" dirty="0">
+                <a:solidFill>
+                  <a:srgbClr val="E3A743"/>
+                </a:solidFill>
+                <a:latin typeface="Consolas"/>
+                <a:cs typeface="Consolas"/>
+              </a:rPr>
+              <a:t> -v </a:t>
+            </a:r>
+            <a:r>
+              <a:rPr lang="de-DE" sz="1400" b="1" dirty="0" err="1">
+                <a:solidFill>
+                  <a:srgbClr val="E3A743"/>
+                </a:solidFill>
+                <a:latin typeface="Consolas"/>
+                <a:cs typeface="Consolas"/>
+              </a:rPr>
+              <a:t>jo</a:t>
+            </a:r>
+            <a:r>
+              <a:rPr lang="de-DE" sz="1400" b="1" dirty="0">
+                <a:solidFill>
+                  <a:srgbClr val="E3A743"/>
+                </a:solidFill>
+                <a:latin typeface="Consolas"/>
+                <a:cs typeface="Consolas"/>
+              </a:rPr>
+              <a:t>=$1 -v </a:t>
+            </a:r>
+            <a:r>
+              <a:rPr lang="de-DE" sz="1400" b="1" dirty="0" err="1">
+                <a:solidFill>
+                  <a:srgbClr val="E3A743"/>
+                </a:solidFill>
+                <a:latin typeface="Consolas"/>
+                <a:cs typeface="Consolas"/>
+              </a:rPr>
+              <a:t>totjobs</a:t>
+            </a:r>
+            <a:r>
+              <a:rPr lang="de-DE" sz="1400" b="1" dirty="0">
+                <a:solidFill>
+                  <a:srgbClr val="E3A743"/>
+                </a:solidFill>
+                <a:latin typeface="Consolas"/>
+                <a:cs typeface="Consolas"/>
+              </a:rPr>
+              <a:t>=$2 -v </a:t>
+            </a:r>
+            <a:r>
+              <a:rPr lang="de-DE" sz="1400" b="1" dirty="0" err="1">
+                <a:solidFill>
+                  <a:srgbClr val="E3A743"/>
+                </a:solidFill>
+                <a:latin typeface="Consolas"/>
+                <a:cs typeface="Consolas"/>
+              </a:rPr>
+              <a:t>len</a:t>
+            </a:r>
+            <a:r>
+              <a:rPr lang="de-DE" sz="1400" b="1" dirty="0">
+                <a:solidFill>
+                  <a:srgbClr val="E3A743"/>
+                </a:solidFill>
+                <a:latin typeface="Consolas"/>
+                <a:cs typeface="Consolas"/>
+              </a:rPr>
+              <a:t>=$</a:t>
+            </a:r>
+            <a:r>
+              <a:rPr lang="de-DE" sz="1400" b="1" dirty="0" err="1">
+                <a:solidFill>
+                  <a:srgbClr val="E3A743"/>
+                </a:solidFill>
+                <a:latin typeface="Consolas"/>
+                <a:cs typeface="Consolas"/>
+              </a:rPr>
+              <a:t>files</a:t>
+            </a:r>
+            <a:r>
+              <a:rPr lang="de-DE" sz="1400" b="1" dirty="0">
+                <a:solidFill>
+                  <a:srgbClr val="E3A743"/>
+                </a:solidFill>
+                <a:latin typeface="Consolas"/>
+                <a:cs typeface="Consolas"/>
+              </a:rPr>
+              <a:t> 'BEGIN {slice = </a:t>
+            </a:r>
+            <a:r>
+              <a:rPr lang="de-DE" sz="1400" b="1" dirty="0" err="1">
+                <a:solidFill>
+                  <a:srgbClr val="E3A743"/>
+                </a:solidFill>
+                <a:latin typeface="Consolas"/>
+                <a:cs typeface="Consolas"/>
+              </a:rPr>
+              <a:t>len</a:t>
+            </a:r>
+            <a:r>
+              <a:rPr lang="de-DE" sz="1400" b="1" dirty="0">
+                <a:solidFill>
+                  <a:srgbClr val="E3A743"/>
+                </a:solidFill>
+                <a:latin typeface="Consolas"/>
+                <a:cs typeface="Consolas"/>
+              </a:rPr>
+              <a:t>/</a:t>
+            </a:r>
+            <a:r>
+              <a:rPr lang="de-DE" sz="1400" b="1" dirty="0" err="1">
+                <a:solidFill>
+                  <a:srgbClr val="E3A743"/>
+                </a:solidFill>
+                <a:latin typeface="Consolas"/>
+                <a:cs typeface="Consolas"/>
+              </a:rPr>
+              <a:t>totjobs</a:t>
+            </a:r>
+            <a:r>
+              <a:rPr lang="de-DE" sz="1400" b="1" dirty="0">
+                <a:solidFill>
+                  <a:srgbClr val="E3A743"/>
+                </a:solidFill>
+                <a:latin typeface="Consolas"/>
+                <a:cs typeface="Consolas"/>
+              </a:rPr>
+              <a:t>; </a:t>
+            </a:r>
+            <a:r>
+              <a:rPr lang="de-DE" sz="1400" b="1" dirty="0" err="1">
+                <a:solidFill>
+                  <a:srgbClr val="E3A743"/>
+                </a:solidFill>
+                <a:latin typeface="Consolas"/>
+                <a:cs typeface="Consolas"/>
+              </a:rPr>
+              <a:t>start</a:t>
+            </a:r>
+            <a:r>
+              <a:rPr lang="de-DE" sz="1400" b="1" dirty="0">
+                <a:solidFill>
+                  <a:srgbClr val="E3A743"/>
+                </a:solidFill>
+                <a:latin typeface="Consolas"/>
+                <a:cs typeface="Consolas"/>
+              </a:rPr>
+              <a:t> = </a:t>
+            </a:r>
+            <a:r>
+              <a:rPr lang="de-DE" sz="1400" b="1" dirty="0" err="1">
+                <a:solidFill>
+                  <a:srgbClr val="E3A743"/>
+                </a:solidFill>
+                <a:latin typeface="Consolas"/>
+                <a:cs typeface="Consolas"/>
+              </a:rPr>
+              <a:t>jo</a:t>
+            </a:r>
+            <a:r>
+              <a:rPr lang="de-DE" sz="1400" b="1" dirty="0">
+                <a:solidFill>
+                  <a:srgbClr val="E3A743"/>
+                </a:solidFill>
+                <a:latin typeface="Consolas"/>
+                <a:cs typeface="Consolas"/>
+              </a:rPr>
+              <a:t>*slice; end = (jo+1)*slice;} NR &gt; </a:t>
+            </a:r>
+            <a:r>
+              <a:rPr lang="de-DE" sz="1400" b="1" dirty="0" err="1">
+                <a:solidFill>
+                  <a:srgbClr val="E3A743"/>
+                </a:solidFill>
+                <a:latin typeface="Consolas"/>
+                <a:cs typeface="Consolas"/>
+              </a:rPr>
+              <a:t>start</a:t>
+            </a:r>
+            <a:r>
+              <a:rPr lang="de-DE" sz="1400" b="1" dirty="0">
+                <a:solidFill>
+                  <a:srgbClr val="E3A743"/>
+                </a:solidFill>
+                <a:latin typeface="Consolas"/>
+                <a:cs typeface="Consolas"/>
+              </a:rPr>
+              <a:t> &amp;&amp; NR &lt;= end {</a:t>
+            </a:r>
+            <a:r>
+              <a:rPr lang="de-DE" sz="1400" b="1" dirty="0" err="1">
+                <a:solidFill>
+                  <a:srgbClr val="E3A743"/>
+                </a:solidFill>
+                <a:latin typeface="Consolas"/>
+                <a:cs typeface="Consolas"/>
+              </a:rPr>
+              <a:t>print</a:t>
+            </a:r>
+            <a:r>
+              <a:rPr lang="de-DE" sz="1400" b="1" dirty="0">
+                <a:solidFill>
+                  <a:srgbClr val="E3A743"/>
+                </a:solidFill>
+                <a:latin typeface="Consolas"/>
+                <a:cs typeface="Consolas"/>
+              </a:rPr>
+              <a:t>}' </a:t>
+            </a:r>
+            <a:r>
+              <a:rPr lang="de-DE" sz="1400" b="1" dirty="0" err="1">
+                <a:solidFill>
+                  <a:srgbClr val="E3A743"/>
+                </a:solidFill>
+                <a:latin typeface="Consolas"/>
+                <a:cs typeface="Consolas"/>
+              </a:rPr>
+              <a:t>inputFileListLarge</a:t>
+            </a:r>
+            <a:r>
+              <a:rPr lang="de-DE" sz="1400" b="1" dirty="0">
+                <a:solidFill>
+                  <a:srgbClr val="E3A743"/>
+                </a:solidFill>
+                <a:latin typeface="Consolas"/>
+                <a:cs typeface="Consolas"/>
+              </a:rPr>
+              <a:t> &gt; </a:t>
+            </a:r>
+            <a:r>
+              <a:rPr lang="de-DE" sz="1400" b="1" dirty="0" err="1">
+                <a:solidFill>
+                  <a:srgbClr val="E3A743"/>
+                </a:solidFill>
+                <a:latin typeface="Consolas"/>
+                <a:cs typeface="Consolas"/>
+              </a:rPr>
+              <a:t>inputFileList</a:t>
+            </a:r>
+            <a:endParaRPr lang="de-DE" sz="1400" b="1" dirty="0">
+              <a:solidFill>
+                <a:srgbClr val="E3A743"/>
+              </a:solidFill>
+              <a:latin typeface="Consolas"/>
+              <a:cs typeface="Consolas"/>
+            </a:endParaRPr>
+          </a:p>
+          <a:p>
+            <a:r>
+              <a:rPr lang="de-DE" sz="1400" b="1" dirty="0" err="1">
+                <a:solidFill>
+                  <a:srgbClr val="E3A743"/>
+                </a:solidFill>
+                <a:latin typeface="Consolas"/>
+                <a:cs typeface="Consolas"/>
+              </a:rPr>
+              <a:t>cat</a:t>
+            </a:r>
+            <a:r>
+              <a:rPr lang="de-DE" sz="1400" b="1" dirty="0">
+                <a:solidFill>
+                  <a:srgbClr val="E3A743"/>
+                </a:solidFill>
+                <a:latin typeface="Consolas"/>
+                <a:cs typeface="Consolas"/>
+              </a:rPr>
+              <a:t> </a:t>
+            </a:r>
+            <a:r>
+              <a:rPr lang="de-DE" sz="1400" b="1" dirty="0" err="1" smtClean="0">
+                <a:solidFill>
+                  <a:srgbClr val="E3A743"/>
+                </a:solidFill>
+                <a:latin typeface="Consolas"/>
+                <a:cs typeface="Consolas"/>
+              </a:rPr>
+              <a:t>inputFileList</a:t>
+            </a:r>
+            <a:endParaRPr lang="de-DE" sz="1400" b="1" dirty="0" smtClean="0">
+              <a:solidFill>
+                <a:srgbClr val="E3A743"/>
+              </a:solidFill>
+              <a:latin typeface="Consolas"/>
+              <a:cs typeface="Consolas"/>
+            </a:endParaRPr>
+          </a:p>
+          <a:p>
+            <a:endParaRPr lang="de-DE" sz="1400" b="1" dirty="0">
+              <a:solidFill>
+                <a:srgbClr val="E3A743"/>
+              </a:solidFill>
+              <a:latin typeface="Consolas"/>
+              <a:cs typeface="Consolas"/>
+            </a:endParaRPr>
+          </a:p>
+          <a:p>
+            <a:r>
+              <a:rPr lang="de-DE" sz="1400" b="1" dirty="0" err="1">
+                <a:solidFill>
+                  <a:srgbClr val="E3A743"/>
+                </a:solidFill>
+                <a:latin typeface="Consolas"/>
+                <a:cs typeface="Consolas"/>
+              </a:rPr>
+              <a:t>python</a:t>
+            </a:r>
+            <a:r>
+              <a:rPr lang="de-DE" sz="1400" b="1" dirty="0">
+                <a:solidFill>
+                  <a:srgbClr val="E3A743"/>
+                </a:solidFill>
+                <a:latin typeface="Consolas"/>
+                <a:cs typeface="Consolas"/>
+              </a:rPr>
+              <a:t> filter-and-merge-d3pd.py  --in=</a:t>
+            </a:r>
+            <a:r>
+              <a:rPr lang="de-DE" sz="1400" b="1" dirty="0" err="1">
+                <a:solidFill>
+                  <a:srgbClr val="E3A743"/>
+                </a:solidFill>
+                <a:latin typeface="Consolas"/>
+                <a:cs typeface="Consolas"/>
+              </a:rPr>
+              <a:t>inputFileList</a:t>
+            </a:r>
+            <a:r>
+              <a:rPr lang="de-DE" sz="1400" b="1" dirty="0">
+                <a:solidFill>
+                  <a:srgbClr val="E3A743"/>
+                </a:solidFill>
+                <a:latin typeface="Consolas"/>
+                <a:cs typeface="Consolas"/>
+              </a:rPr>
+              <a:t> --out=SkimmedSlimmed_$1.root --</a:t>
+            </a:r>
+            <a:r>
+              <a:rPr lang="de-DE" sz="1400" b="1" dirty="0" err="1">
+                <a:solidFill>
+                  <a:srgbClr val="E3A743"/>
+                </a:solidFill>
+                <a:latin typeface="Consolas"/>
+                <a:cs typeface="Consolas"/>
+              </a:rPr>
+              <a:t>tree</a:t>
+            </a:r>
+            <a:r>
+              <a:rPr lang="de-DE" sz="1400" b="1" dirty="0">
+                <a:solidFill>
+                  <a:srgbClr val="E3A743"/>
+                </a:solidFill>
+                <a:latin typeface="Consolas"/>
+                <a:cs typeface="Consolas"/>
+              </a:rPr>
+              <a:t>=</a:t>
+            </a:r>
+            <a:r>
+              <a:rPr lang="de-DE" sz="1400" b="1" dirty="0" err="1">
+                <a:solidFill>
+                  <a:srgbClr val="E3A743"/>
+                </a:solidFill>
+                <a:latin typeface="Consolas"/>
+                <a:cs typeface="Consolas"/>
+              </a:rPr>
+              <a:t>physics</a:t>
+            </a:r>
+            <a:r>
+              <a:rPr lang="de-DE" sz="1400" b="1" dirty="0">
+                <a:solidFill>
+                  <a:srgbClr val="E3A743"/>
+                </a:solidFill>
+                <a:latin typeface="Consolas"/>
+                <a:cs typeface="Consolas"/>
+              </a:rPr>
+              <a:t> --</a:t>
+            </a:r>
+            <a:r>
+              <a:rPr lang="de-DE" sz="1400" b="1" dirty="0" err="1">
+                <a:solidFill>
+                  <a:srgbClr val="E3A743"/>
+                </a:solidFill>
+                <a:latin typeface="Consolas"/>
+                <a:cs typeface="Consolas"/>
+              </a:rPr>
+              <a:t>var</a:t>
+            </a:r>
+            <a:r>
+              <a:rPr lang="de-DE" sz="1400" b="1" dirty="0">
+                <a:solidFill>
+                  <a:srgbClr val="E3A743"/>
+                </a:solidFill>
+                <a:latin typeface="Consolas"/>
+                <a:cs typeface="Consolas"/>
+              </a:rPr>
+              <a:t>=</a:t>
+            </a:r>
+            <a:r>
+              <a:rPr lang="de-DE" sz="1400" b="1" dirty="0" err="1">
+                <a:solidFill>
+                  <a:srgbClr val="E3A743"/>
+                </a:solidFill>
+                <a:latin typeface="Consolas"/>
+                <a:cs typeface="Consolas"/>
+              </a:rPr>
+              <a:t>branchesList</a:t>
+            </a:r>
+            <a:r>
+              <a:rPr lang="de-DE" sz="1400" b="1" dirty="0">
+                <a:solidFill>
+                  <a:srgbClr val="E3A743"/>
+                </a:solidFill>
+                <a:latin typeface="Consolas"/>
+                <a:cs typeface="Consolas"/>
+              </a:rPr>
+              <a:t> --</a:t>
+            </a:r>
+            <a:r>
+              <a:rPr lang="de-DE" sz="1400" b="1" dirty="0" err="1">
+                <a:solidFill>
+                  <a:srgbClr val="E3A743"/>
+                </a:solidFill>
+                <a:latin typeface="Consolas"/>
+                <a:cs typeface="Consolas"/>
+              </a:rPr>
+              <a:t>selection</a:t>
+            </a:r>
+            <a:r>
+              <a:rPr lang="de-DE" sz="1400" b="1" dirty="0">
+                <a:solidFill>
+                  <a:srgbClr val="E3A743"/>
+                </a:solidFill>
+                <a:latin typeface="Consolas"/>
+                <a:cs typeface="Consolas"/>
+              </a:rPr>
+              <a:t>=</a:t>
+            </a:r>
+            <a:r>
+              <a:rPr lang="de-DE" sz="1400" b="1" dirty="0" err="1">
+                <a:solidFill>
+                  <a:srgbClr val="E3A743"/>
+                </a:solidFill>
+                <a:latin typeface="Consolas"/>
+                <a:cs typeface="Consolas"/>
+              </a:rPr>
+              <a:t>file:cutCode</a:t>
+            </a:r>
+            <a:endParaRPr lang="de-DE" sz="1400" b="1" dirty="0">
+              <a:solidFill>
+                <a:srgbClr val="E3A743"/>
+              </a:solidFill>
+              <a:latin typeface="Consolas"/>
+              <a:cs typeface="Consolas"/>
+            </a:endParaRPr>
+          </a:p>
+        </p:txBody>
+      </p:sp>
     </p:spTree>
     <p:extLst>
       <p:ext uri="{BB962C8B-B14F-4D97-AF65-F5344CB8AC3E}">
-        <p14:creationId xmlns:p14="http://schemas.microsoft.com/office/powerpoint/2010/main" val="249802815"/>
+        <p14:creationId xmlns:p14="http://schemas.microsoft.com/office/powerpoint/2010/main" val="2205797143"/>
       </p:ext>
     </p:extLst>
   </p:cSld>
@@ -23006,9 +23592,10 @@
           <a:lstStyle/>
           <a:p>
             <a:r>
-              <a:rPr lang="en-US" dirty="0"/>
-              <a:t>Reserve</a:t>
-            </a:r>
+              <a:rPr lang="en-US" dirty="0" smtClean="0"/>
+              <a:t>FOR REFERENCE</a:t>
+            </a:r>
+            <a:endParaRPr lang="en-US" dirty="0"/>
           </a:p>
         </p:txBody>
       </p:sp>
@@ -23027,7 +23614,163 @@
           <a:bodyPr/>
           <a:lstStyle/>
           <a:p>
-            <a:endParaRPr lang="en-US"/>
+            <a:r>
+              <a:rPr lang="en-US" dirty="0" smtClean="0"/>
+              <a:t>Short </a:t>
+            </a:r>
+            <a:r>
+              <a:rPr lang="en-US" dirty="0"/>
+              <a:t>users instructions </a:t>
+            </a:r>
+            <a:r>
+              <a:rPr lang="en-US" dirty="0">
+                <a:hlinkClick r:id="rId2"/>
+              </a:rPr>
+              <a:t>https://twiki.cern.ch/twiki/bin/view/Atlas/</a:t>
+            </a:r>
+            <a:r>
+              <a:rPr lang="en-US" dirty="0" smtClean="0">
+                <a:hlinkClick r:id="rId2"/>
+              </a:rPr>
+              <a:t>UsingFAXforEndUsers</a:t>
+            </a:r>
+            <a:endParaRPr lang="en-US" dirty="0" smtClean="0"/>
+          </a:p>
+          <a:p>
+            <a:r>
+              <a:rPr lang="en-US" dirty="0" smtClean="0"/>
+              <a:t>Example codes and scripts </a:t>
+            </a:r>
+            <a:r>
+              <a:rPr lang="en-US" dirty="0" smtClean="0">
+                <a:solidFill>
+                  <a:schemeClr val="bg1"/>
+                </a:solidFill>
+                <a:cs typeface="Consolas"/>
+                <a:hlinkClick r:id="rId3"/>
+              </a:rPr>
+              <a:t>http</a:t>
+            </a:r>
+            <a:r>
+              <a:rPr lang="en-US" dirty="0">
+                <a:solidFill>
+                  <a:schemeClr val="bg1"/>
+                </a:solidFill>
+                <a:cs typeface="Consolas"/>
+                <a:hlinkClick r:id="rId3"/>
+              </a:rPr>
+              <a:t>://</a:t>
+            </a:r>
+            <a:r>
+              <a:rPr lang="en-US" dirty="0" err="1">
+                <a:solidFill>
+                  <a:schemeClr val="bg1"/>
+                </a:solidFill>
+                <a:cs typeface="Consolas"/>
+                <a:hlinkClick r:id="rId3"/>
+              </a:rPr>
+              <a:t>ivukotic.web.cern.ch</a:t>
+            </a:r>
+            <a:r>
+              <a:rPr lang="en-US" dirty="0">
+                <a:solidFill>
+                  <a:schemeClr val="bg1"/>
+                </a:solidFill>
+                <a:cs typeface="Consolas"/>
+                <a:hlinkClick r:id="rId3"/>
+              </a:rPr>
+              <a:t>/</a:t>
+            </a:r>
+            <a:r>
+              <a:rPr lang="en-US" dirty="0" err="1">
+                <a:solidFill>
+                  <a:schemeClr val="bg1"/>
+                </a:solidFill>
+                <a:cs typeface="Consolas"/>
+                <a:hlinkClick r:id="rId3"/>
+              </a:rPr>
+              <a:t>ivukotic</a:t>
+            </a:r>
+            <a:r>
+              <a:rPr lang="en-US" dirty="0">
+                <a:solidFill>
+                  <a:schemeClr val="bg1"/>
+                </a:solidFill>
+                <a:cs typeface="Consolas"/>
+                <a:hlinkClick r:id="rId3"/>
+              </a:rPr>
+              <a:t>/</a:t>
+            </a:r>
+            <a:r>
+              <a:rPr lang="en-US" dirty="0" err="1">
+                <a:solidFill>
+                  <a:schemeClr val="bg1"/>
+                </a:solidFill>
+                <a:cs typeface="Consolas"/>
+                <a:hlinkClick r:id="rId3"/>
+              </a:rPr>
+              <a:t>dropbox</a:t>
+            </a:r>
+            <a:r>
+              <a:rPr lang="en-US" dirty="0">
+                <a:solidFill>
+                  <a:schemeClr val="bg1"/>
+                </a:solidFill>
+                <a:cs typeface="Consolas"/>
+                <a:hlinkClick r:id="rId3"/>
+              </a:rPr>
+              <a:t>/</a:t>
+            </a:r>
+            <a:r>
+              <a:rPr lang="en-US" dirty="0" err="1">
+                <a:solidFill>
+                  <a:schemeClr val="bg1"/>
+                </a:solidFill>
+                <a:cs typeface="Consolas"/>
+                <a:hlinkClick r:id="rId3"/>
+              </a:rPr>
+              <a:t>Tutorial.tar</a:t>
+            </a:r>
+            <a:r>
+              <a:rPr lang="en-US" dirty="0">
+                <a:solidFill>
+                  <a:schemeClr val="bg1"/>
+                </a:solidFill>
+                <a:cs typeface="Consolas"/>
+              </a:rPr>
+              <a:t> </a:t>
+            </a:r>
+            <a:endParaRPr lang="en-US" dirty="0" smtClean="0"/>
+          </a:p>
+          <a:p>
+            <a:r>
+              <a:rPr lang="en-US" dirty="0" smtClean="0"/>
+              <a:t>Questions, problems, ideas                 </a:t>
+            </a:r>
+            <a:r>
+              <a:rPr lang="en-US" dirty="0" smtClean="0">
+                <a:hlinkClick r:id="rId4"/>
+              </a:rPr>
+              <a:t>https://its.cern.ch/jira/browse/FAX</a:t>
+            </a:r>
+            <a:r>
+              <a:rPr lang="en-US" dirty="0" smtClean="0"/>
+              <a:t> or mail </a:t>
+            </a:r>
+            <a:r>
+              <a:rPr lang="en-US" dirty="0" err="1" smtClean="0"/>
+              <a:t>to</a:t>
+            </a:r>
+            <a:r>
+              <a:rPr lang="en-US" dirty="0" err="1" smtClean="0">
+                <a:hlinkClick r:id="rId5"/>
+              </a:rPr>
+              <a:t>atlas-adc-federated-xrootd@cern.ch</a:t>
+            </a:r>
+            <a:endParaRPr lang="en-US" dirty="0" smtClean="0"/>
+          </a:p>
+          <a:p>
+            <a:endParaRPr lang="en-US" dirty="0"/>
           </a:p>
         </p:txBody>
       </p:sp>
@@ -23103,7 +23846,7 @@
     </p:spTree>
     <p:extLst>
       <p:ext uri="{BB962C8B-B14F-4D97-AF65-F5344CB8AC3E}">
-        <p14:creationId xmlns:p14="http://schemas.microsoft.com/office/powerpoint/2010/main" val="3951611835"/>
+        <p14:creationId xmlns:p14="http://schemas.microsoft.com/office/powerpoint/2010/main" val="249802815"/>
       </p:ext>
     </p:extLst>
   </p:cSld>
@@ -23152,7 +23895,10 @@
           <a:bodyPr/>
           <a:lstStyle/>
           <a:p>
-            <a:endParaRPr lang="en-US" dirty="0"/>
+            <a:r>
+              <a:rPr lang="en-US" dirty="0"/>
+              <a:t>Reserve</a:t>
+            </a:r>
           </a:p>
         </p:txBody>
       </p:sp>
@@ -23171,34 +23917,7 @@
           <a:bodyPr/>
           <a:lstStyle/>
           <a:p>
-            <a:r>
-              <a:rPr lang="en-US" dirty="0" smtClean="0"/>
-              <a:t>Setting proxy from AFS</a:t>
-            </a:r>
-          </a:p>
-          <a:p>
-            <a:endParaRPr lang="en-US" dirty="0"/>
-          </a:p>
-          <a:p>
-            <a:endParaRPr lang="en-US" dirty="0" smtClean="0"/>
-          </a:p>
-          <a:p>
-            <a:r>
-              <a:rPr lang="en-US" dirty="0" smtClean="0"/>
-              <a:t>Making proxy valid for 96 hours and not ask for password</a:t>
-            </a:r>
-          </a:p>
-          <a:p>
-            <a:endParaRPr lang="en-US" dirty="0"/>
-          </a:p>
-          <a:p>
-            <a:r>
-              <a:rPr lang="en-US" dirty="0" smtClean="0"/>
-              <a:t>Setting dq2 from AFS</a:t>
-            </a:r>
-          </a:p>
-          <a:p>
-            <a:endParaRPr lang="en-US" dirty="0"/>
+            <a:endParaRPr lang="en-US"/>
           </a:p>
         </p:txBody>
       </p:sp>
@@ -23271,553 +23990,10 @@
           </a:p>
         </p:txBody>
       </p:sp>
-      <p:sp>
-        <p:nvSpPr>
-          <p:cNvPr id="8" name="Rectangle 7"/>
-          <p:cNvSpPr/>
-          <p:nvPr/>
-        </p:nvSpPr>
-        <p:spPr>
-          <a:xfrm>
-            <a:off x="988456" y="2048195"/>
-            <a:ext cx="7926944" cy="523220"/>
-          </a:xfrm>
-          <a:prstGeom prst="rect">
-            <a:avLst/>
-          </a:prstGeom>
-        </p:spPr>
-        <p:style>
-          <a:lnRef idx="2">
-            <a:schemeClr val="dk1">
-              <a:shade val="50000"/>
-            </a:schemeClr>
-          </a:lnRef>
-          <a:fillRef idx="1">
-            <a:schemeClr val="dk1"/>
-          </a:fillRef>
-          <a:effectRef idx="0">
-            <a:schemeClr val="dk1"/>
-          </a:effectRef>
-          <a:fontRef idx="minor">
-            <a:schemeClr val="lt1"/>
-          </a:fontRef>
-        </p:style>
-        <p:txBody>
-          <a:bodyPr wrap="square">
-            <a:spAutoFit/>
-          </a:bodyPr>
-          <a:lstStyle/>
-          <a:p>
-            <a:r>
-              <a:rPr lang="en-US" sz="1400" b="1" dirty="0">
-                <a:solidFill>
-                  <a:srgbClr val="008000"/>
-                </a:solidFill>
-                <a:latin typeface="Consolas"/>
-                <a:cs typeface="Consolas"/>
-              </a:rPr>
-              <a:t>source /</a:t>
-            </a:r>
-            <a:r>
-              <a:rPr lang="en-US" sz="1400" b="1" dirty="0" err="1">
-                <a:solidFill>
-                  <a:srgbClr val="008000"/>
-                </a:solidFill>
-                <a:latin typeface="Consolas"/>
-                <a:cs typeface="Consolas"/>
-              </a:rPr>
-              <a:t>afs</a:t>
-            </a:r>
-            <a:r>
-              <a:rPr lang="en-US" sz="1400" b="1" dirty="0">
-                <a:solidFill>
-                  <a:srgbClr val="008000"/>
-                </a:solidFill>
-                <a:latin typeface="Consolas"/>
-                <a:cs typeface="Consolas"/>
-              </a:rPr>
-              <a:t>/</a:t>
-            </a:r>
-            <a:r>
-              <a:rPr lang="en-US" sz="1400" b="1" dirty="0" err="1">
-                <a:solidFill>
-                  <a:srgbClr val="008000"/>
-                </a:solidFill>
-                <a:latin typeface="Consolas"/>
-                <a:cs typeface="Consolas"/>
-              </a:rPr>
-              <a:t>cern.ch</a:t>
-            </a:r>
-            <a:r>
-              <a:rPr lang="en-US" sz="1400" b="1" dirty="0">
-                <a:solidFill>
-                  <a:srgbClr val="008000"/>
-                </a:solidFill>
-                <a:latin typeface="Consolas"/>
-                <a:cs typeface="Consolas"/>
-              </a:rPr>
-              <a:t>/project/</a:t>
-            </a:r>
-            <a:r>
-              <a:rPr lang="en-US" sz="1400" b="1" dirty="0" err="1">
-                <a:solidFill>
-                  <a:srgbClr val="008000"/>
-                </a:solidFill>
-                <a:latin typeface="Consolas"/>
-                <a:cs typeface="Consolas"/>
-              </a:rPr>
-              <a:t>gd</a:t>
-            </a:r>
-            <a:r>
-              <a:rPr lang="en-US" sz="1400" b="1" dirty="0">
-                <a:solidFill>
-                  <a:srgbClr val="008000"/>
-                </a:solidFill>
-                <a:latin typeface="Consolas"/>
-                <a:cs typeface="Consolas"/>
-              </a:rPr>
-              <a:t>/LCG-share/current_3.2/</a:t>
-            </a:r>
-            <a:r>
-              <a:rPr lang="en-US" sz="1400" b="1" dirty="0" err="1">
-                <a:solidFill>
-                  <a:srgbClr val="008000"/>
-                </a:solidFill>
-                <a:latin typeface="Consolas"/>
-                <a:cs typeface="Consolas"/>
-              </a:rPr>
-              <a:t>etc</a:t>
-            </a:r>
-            <a:r>
-              <a:rPr lang="en-US" sz="1400" b="1" dirty="0">
-                <a:solidFill>
-                  <a:srgbClr val="008000"/>
-                </a:solidFill>
-                <a:latin typeface="Consolas"/>
-                <a:cs typeface="Consolas"/>
-              </a:rPr>
-              <a:t>/</a:t>
-            </a:r>
-            <a:r>
-              <a:rPr lang="en-US" sz="1400" b="1" dirty="0" err="1">
-                <a:solidFill>
-                  <a:srgbClr val="008000"/>
-                </a:solidFill>
-                <a:latin typeface="Consolas"/>
-                <a:cs typeface="Consolas"/>
-              </a:rPr>
-              <a:t>profile.d</a:t>
-            </a:r>
-            <a:r>
-              <a:rPr lang="en-US" sz="1400" b="1" dirty="0">
-                <a:solidFill>
-                  <a:srgbClr val="008000"/>
-                </a:solidFill>
-                <a:latin typeface="Consolas"/>
-                <a:cs typeface="Consolas"/>
-              </a:rPr>
-              <a:t>/</a:t>
-            </a:r>
-            <a:r>
-              <a:rPr lang="en-US" sz="1400" b="1" dirty="0" err="1" smtClean="0">
-                <a:solidFill>
-                  <a:srgbClr val="008000"/>
-                </a:solidFill>
-                <a:latin typeface="Consolas"/>
-                <a:cs typeface="Consolas"/>
-              </a:rPr>
-              <a:t>grid_env.sh</a:t>
-            </a:r>
-            <a:endParaRPr lang="en-US" sz="1400" b="1" dirty="0">
-              <a:solidFill>
-                <a:srgbClr val="008000"/>
-              </a:solidFill>
-              <a:latin typeface="Consolas"/>
-              <a:cs typeface="Consolas"/>
-            </a:endParaRPr>
-          </a:p>
-          <a:p>
-            <a:r>
-              <a:rPr lang="en-US" sz="1400" b="1" dirty="0" err="1">
-                <a:solidFill>
-                  <a:srgbClr val="008000"/>
-                </a:solidFill>
-                <a:latin typeface="Consolas"/>
-                <a:cs typeface="Consolas"/>
-              </a:rPr>
-              <a:t>voms</a:t>
-            </a:r>
-            <a:r>
-              <a:rPr lang="en-US" sz="1400" b="1" dirty="0">
-                <a:solidFill>
-                  <a:srgbClr val="008000"/>
-                </a:solidFill>
-                <a:latin typeface="Consolas"/>
-                <a:cs typeface="Consolas"/>
-              </a:rPr>
-              <a:t>-proxy-</a:t>
-            </a:r>
-            <a:r>
-              <a:rPr lang="en-US" sz="1400" b="1" dirty="0" err="1">
-                <a:solidFill>
-                  <a:srgbClr val="008000"/>
-                </a:solidFill>
-                <a:latin typeface="Consolas"/>
-                <a:cs typeface="Consolas"/>
-              </a:rPr>
-              <a:t>init</a:t>
-            </a:r>
-            <a:r>
-              <a:rPr lang="en-US" sz="1400" b="1" dirty="0">
-                <a:solidFill>
-                  <a:srgbClr val="008000"/>
-                </a:solidFill>
-                <a:latin typeface="Consolas"/>
-                <a:cs typeface="Consolas"/>
-              </a:rPr>
-              <a:t> -</a:t>
-            </a:r>
-            <a:r>
-              <a:rPr lang="en-US" sz="1400" b="1" dirty="0" err="1">
-                <a:solidFill>
-                  <a:srgbClr val="008000"/>
-                </a:solidFill>
-                <a:latin typeface="Consolas"/>
-                <a:cs typeface="Consolas"/>
-              </a:rPr>
-              <a:t>voms</a:t>
-            </a:r>
-            <a:r>
-              <a:rPr lang="en-US" sz="1400" b="1" dirty="0">
-                <a:solidFill>
-                  <a:srgbClr val="008000"/>
-                </a:solidFill>
-                <a:latin typeface="Consolas"/>
-                <a:cs typeface="Consolas"/>
-              </a:rPr>
-              <a:t> atlas</a:t>
-            </a:r>
-          </a:p>
-        </p:txBody>
-      </p:sp>
-      <p:sp>
-        <p:nvSpPr>
-          <p:cNvPr id="9" name="Rectangle 8"/>
-          <p:cNvSpPr/>
-          <p:nvPr/>
-        </p:nvSpPr>
-        <p:spPr>
-          <a:xfrm>
-            <a:off x="988456" y="3229774"/>
-            <a:ext cx="7926944" cy="307777"/>
-          </a:xfrm>
-          <a:prstGeom prst="rect">
-            <a:avLst/>
-          </a:prstGeom>
-        </p:spPr>
-        <p:style>
-          <a:lnRef idx="2">
-            <a:schemeClr val="dk1">
-              <a:shade val="50000"/>
-            </a:schemeClr>
-          </a:lnRef>
-          <a:fillRef idx="1">
-            <a:schemeClr val="dk1"/>
-          </a:fillRef>
-          <a:effectRef idx="0">
-            <a:schemeClr val="dk1"/>
-          </a:effectRef>
-          <a:fontRef idx="minor">
-            <a:schemeClr val="lt1"/>
-          </a:fontRef>
-        </p:style>
-        <p:txBody>
-          <a:bodyPr wrap="square">
-            <a:spAutoFit/>
-          </a:bodyPr>
-          <a:lstStyle/>
-          <a:p>
-            <a:r>
-              <a:rPr lang="en-US" sz="1400" b="1" dirty="0" err="1" smtClean="0">
-                <a:solidFill>
-                  <a:srgbClr val="008000"/>
-                </a:solidFill>
-                <a:latin typeface="Consolas"/>
-                <a:cs typeface="Consolas"/>
-              </a:rPr>
-              <a:t>voms</a:t>
-            </a:r>
-            <a:r>
-              <a:rPr lang="en-US" sz="1400" b="1" dirty="0">
-                <a:solidFill>
-                  <a:srgbClr val="008000"/>
-                </a:solidFill>
-                <a:latin typeface="Consolas"/>
-                <a:cs typeface="Consolas"/>
-              </a:rPr>
-              <a:t>-proxy-</a:t>
-            </a:r>
-            <a:r>
-              <a:rPr lang="en-US" sz="1400" b="1" dirty="0" err="1">
-                <a:solidFill>
-                  <a:srgbClr val="008000"/>
-                </a:solidFill>
-                <a:latin typeface="Consolas"/>
-                <a:cs typeface="Consolas"/>
-              </a:rPr>
-              <a:t>init</a:t>
-            </a:r>
-            <a:r>
-              <a:rPr lang="en-US" sz="1400" b="1" dirty="0">
-                <a:solidFill>
-                  <a:srgbClr val="008000"/>
-                </a:solidFill>
-                <a:latin typeface="Consolas"/>
-                <a:cs typeface="Consolas"/>
-              </a:rPr>
-              <a:t> -</a:t>
-            </a:r>
-            <a:r>
-              <a:rPr lang="en-US" sz="1400" b="1" dirty="0" err="1">
-                <a:solidFill>
-                  <a:srgbClr val="008000"/>
-                </a:solidFill>
-                <a:latin typeface="Consolas"/>
-                <a:cs typeface="Consolas"/>
-              </a:rPr>
-              <a:t>voms</a:t>
-            </a:r>
-            <a:r>
-              <a:rPr lang="en-US" sz="1400" b="1" dirty="0">
-                <a:solidFill>
-                  <a:srgbClr val="008000"/>
-                </a:solidFill>
-                <a:latin typeface="Consolas"/>
-                <a:cs typeface="Consolas"/>
-              </a:rPr>
-              <a:t> </a:t>
-            </a:r>
-            <a:r>
-              <a:rPr lang="en-US" sz="1400" b="1" dirty="0" smtClean="0">
-                <a:solidFill>
-                  <a:srgbClr val="008000"/>
-                </a:solidFill>
-                <a:latin typeface="Consolas"/>
-                <a:cs typeface="Consolas"/>
-              </a:rPr>
-              <a:t>atlas </a:t>
-            </a:r>
-            <a:r>
-              <a:rPr lang="es-ES_tradnl" sz="1400" b="1" dirty="0">
-                <a:solidFill>
-                  <a:srgbClr val="008000"/>
-                </a:solidFill>
-                <a:latin typeface="Consolas"/>
-                <a:cs typeface="Consolas"/>
-              </a:rPr>
-              <a:t>-</a:t>
-            </a:r>
-            <a:r>
-              <a:rPr lang="es-ES_tradnl" sz="1400" b="1" dirty="0" err="1">
-                <a:solidFill>
-                  <a:srgbClr val="008000"/>
-                </a:solidFill>
-                <a:latin typeface="Consolas"/>
-                <a:cs typeface="Consolas"/>
-              </a:rPr>
-              <a:t>valid</a:t>
-            </a:r>
-            <a:r>
-              <a:rPr lang="es-ES_tradnl" sz="1400" b="1" dirty="0">
-                <a:solidFill>
-                  <a:srgbClr val="008000"/>
-                </a:solidFill>
-                <a:latin typeface="Consolas"/>
-                <a:cs typeface="Consolas"/>
-              </a:rPr>
-              <a:t> 96:0 -</a:t>
-            </a:r>
-            <a:r>
-              <a:rPr lang="es-ES_tradnl" sz="1400" b="1" dirty="0" err="1">
-                <a:solidFill>
-                  <a:srgbClr val="008000"/>
-                </a:solidFill>
-                <a:latin typeface="Consolas"/>
-                <a:cs typeface="Consolas"/>
-              </a:rPr>
-              <a:t>pwstdin</a:t>
-            </a:r>
-            <a:r>
-              <a:rPr lang="es-ES_tradnl" sz="1400" b="1" dirty="0">
-                <a:solidFill>
-                  <a:srgbClr val="008000"/>
-                </a:solidFill>
-                <a:latin typeface="Consolas"/>
-                <a:cs typeface="Consolas"/>
-              </a:rPr>
-              <a:t> &lt; </a:t>
-            </a:r>
-            <a:r>
-              <a:rPr lang="es-ES_tradnl" sz="1400" b="1" dirty="0" smtClean="0">
-                <a:solidFill>
-                  <a:srgbClr val="008000"/>
-                </a:solidFill>
-                <a:latin typeface="Consolas"/>
-                <a:cs typeface="Consolas"/>
-              </a:rPr>
-              <a:t>$HOME/.</a:t>
-            </a:r>
-            <a:r>
-              <a:rPr lang="es-ES_tradnl" sz="1400" b="1" dirty="0" err="1" smtClean="0">
-                <a:solidFill>
-                  <a:srgbClr val="008000"/>
-                </a:solidFill>
-                <a:latin typeface="Consolas"/>
-                <a:cs typeface="Consolas"/>
-              </a:rPr>
-              <a:t>myPassword</a:t>
-            </a:r>
-            <a:endParaRPr lang="en-US" sz="1400" b="1" dirty="0">
-              <a:solidFill>
-                <a:srgbClr val="008000"/>
-              </a:solidFill>
-              <a:latin typeface="Consolas"/>
-              <a:cs typeface="Consolas"/>
-            </a:endParaRPr>
-          </a:p>
-        </p:txBody>
-      </p:sp>
-      <p:sp>
-        <p:nvSpPr>
-          <p:cNvPr id="11" name="Rectangle 10"/>
-          <p:cNvSpPr/>
-          <p:nvPr/>
-        </p:nvSpPr>
-        <p:spPr>
-          <a:xfrm>
-            <a:off x="988456" y="4050045"/>
-            <a:ext cx="7926944" cy="307777"/>
-          </a:xfrm>
-          <a:prstGeom prst="rect">
-            <a:avLst/>
-          </a:prstGeom>
-        </p:spPr>
-        <p:style>
-          <a:lnRef idx="2">
-            <a:schemeClr val="dk1">
-              <a:shade val="50000"/>
-            </a:schemeClr>
-          </a:lnRef>
-          <a:fillRef idx="1">
-            <a:schemeClr val="dk1"/>
-          </a:fillRef>
-          <a:effectRef idx="0">
-            <a:schemeClr val="dk1"/>
-          </a:effectRef>
-          <a:fontRef idx="minor">
-            <a:schemeClr val="lt1"/>
-          </a:fontRef>
-        </p:style>
-        <p:txBody>
-          <a:bodyPr wrap="square">
-            <a:spAutoFit/>
-          </a:bodyPr>
-          <a:lstStyle/>
-          <a:p>
-            <a:r>
-              <a:rPr lang="en-US" sz="1400" b="1" dirty="0">
-                <a:solidFill>
-                  <a:srgbClr val="008000"/>
-                </a:solidFill>
-                <a:latin typeface="Consolas"/>
-                <a:cs typeface="Consolas"/>
-              </a:rPr>
-              <a:t>source /</a:t>
-            </a:r>
-            <a:r>
-              <a:rPr lang="en-US" sz="1400" b="1" dirty="0" err="1">
-                <a:solidFill>
-                  <a:srgbClr val="008000"/>
-                </a:solidFill>
-                <a:latin typeface="Consolas"/>
-                <a:cs typeface="Consolas"/>
-              </a:rPr>
-              <a:t>afs</a:t>
-            </a:r>
-            <a:r>
-              <a:rPr lang="en-US" sz="1400" b="1" dirty="0">
-                <a:solidFill>
-                  <a:srgbClr val="008000"/>
-                </a:solidFill>
-                <a:latin typeface="Consolas"/>
-                <a:cs typeface="Consolas"/>
-              </a:rPr>
-              <a:t>/</a:t>
-            </a:r>
-            <a:r>
-              <a:rPr lang="en-US" sz="1400" b="1" dirty="0" err="1">
-                <a:solidFill>
-                  <a:srgbClr val="008000"/>
-                </a:solidFill>
-                <a:latin typeface="Consolas"/>
-                <a:cs typeface="Consolas"/>
-              </a:rPr>
-              <a:t>cern.ch</a:t>
-            </a:r>
-            <a:r>
-              <a:rPr lang="en-US" sz="1400" b="1" dirty="0">
-                <a:solidFill>
-                  <a:srgbClr val="008000"/>
-                </a:solidFill>
-                <a:latin typeface="Consolas"/>
-                <a:cs typeface="Consolas"/>
-              </a:rPr>
-              <a:t>/atlas/offline/external/GRID/</a:t>
-            </a:r>
-            <a:r>
-              <a:rPr lang="en-US" sz="1400" b="1" dirty="0" err="1">
-                <a:solidFill>
-                  <a:srgbClr val="008000"/>
-                </a:solidFill>
-                <a:latin typeface="Consolas"/>
-                <a:cs typeface="Consolas"/>
-              </a:rPr>
-              <a:t>ddm</a:t>
-            </a:r>
-            <a:r>
-              <a:rPr lang="en-US" sz="1400" b="1" dirty="0">
-                <a:solidFill>
-                  <a:srgbClr val="008000"/>
-                </a:solidFill>
-                <a:latin typeface="Consolas"/>
-                <a:cs typeface="Consolas"/>
-              </a:rPr>
-              <a:t>/DQ2Clients/</a:t>
-            </a:r>
-            <a:r>
-              <a:rPr lang="en-US" sz="1400" b="1" dirty="0" err="1">
-                <a:solidFill>
-                  <a:srgbClr val="008000"/>
-                </a:solidFill>
-                <a:latin typeface="Consolas"/>
-                <a:cs typeface="Consolas"/>
-              </a:rPr>
-              <a:t>setup.zsh</a:t>
-            </a:r>
-            <a:endParaRPr lang="en-US" sz="1400" b="1" dirty="0">
-              <a:solidFill>
-                <a:srgbClr val="008000"/>
-              </a:solidFill>
-              <a:latin typeface="Consolas"/>
-              <a:cs typeface="Consolas"/>
-            </a:endParaRPr>
-          </a:p>
-        </p:txBody>
-      </p:sp>
     </p:spTree>
     <p:extLst>
       <p:ext uri="{BB962C8B-B14F-4D97-AF65-F5344CB8AC3E}">
-        <p14:creationId xmlns:p14="http://schemas.microsoft.com/office/powerpoint/2010/main" val="3836362796"/>
+        <p14:creationId xmlns:p14="http://schemas.microsoft.com/office/powerpoint/2010/main" val="3951611835"/>
       </p:ext>
     </p:extLst>
   </p:cSld>
@@ -24059,14 +24235,6 @@
           <a:bodyPr/>
           <a:lstStyle/>
           <a:p>
-            <a:r>
-              <a:rPr lang="en-US" dirty="0" err="1" smtClean="0"/>
-              <a:t>Ttreecache</a:t>
-            </a:r>
-            <a:r>
-              <a:rPr lang="en-US" dirty="0" smtClean="0"/>
-              <a:t> longer story</a:t>
-            </a:r>
             <a:endParaRPr lang="en-US" dirty="0"/>
           </a:p>
         </p:txBody>
@@ -24087,55 +24255,32 @@
           <a:lstStyle/>
           <a:p>
             <a:r>
-              <a:rPr lang="en-US" dirty="0" err="1" smtClean="0"/>
-              <a:t>TTreeCache</a:t>
-            </a:r>
-            <a:r>
               <a:rPr lang="en-US" dirty="0" smtClean="0"/>
-              <a:t> tries to guess which </a:t>
-            </a:r>
-            <a:r>
-              <a:rPr lang="en-US" dirty="0" err="1" smtClean="0"/>
-              <a:t>TBranches</a:t>
-            </a:r>
+              <a:t>Setting proxy from AFS</a:t>
+            </a:r>
+          </a:p>
+          <a:p>
+            <a:endParaRPr lang="en-US" dirty="0"/>
+          </a:p>
+          <a:p>
+            <a:endParaRPr lang="en-US" dirty="0" smtClean="0"/>
+          </a:p>
+          <a:p>
             <a:r>
               <a:rPr lang="en-US" dirty="0" smtClean="0"/>
-              <a:t> you want and read only these and in large chunks.</a:t>
-            </a:r>
+              <a:t>Making proxy valid for 96 hours and not ask for password</a:t>
+            </a:r>
+          </a:p>
+          <a:p>
+            <a:endParaRPr lang="en-US" dirty="0"/>
           </a:p>
           <a:p>
             <a:r>
               <a:rPr lang="en-US" dirty="0" smtClean="0"/>
-              <a:t>During first 100 events it learns which variables you read</a:t>
-            </a:r>
-          </a:p>
-          <a:p>
-            <a:pPr lvl="1"/>
-            <a:r>
-              <a:rPr lang="en-US" dirty="0" smtClean="0"/>
-              <a:t>Learning phase can still be expensive. </a:t>
-            </a:r>
-          </a:p>
-          <a:p>
-            <a:pPr lvl="1"/>
-            <a:r>
-              <a:rPr lang="en-US" dirty="0" smtClean="0"/>
-              <a:t>If you know what branches you’ll need, enable them only and turn it off. </a:t>
-            </a:r>
-          </a:p>
-          <a:p>
-            <a:r>
-              <a:rPr lang="en-US" dirty="0" smtClean="0"/>
-              <a:t>If you do tree-&gt;</a:t>
-            </a:r>
-            <a:r>
-              <a:rPr lang="en-US" dirty="0" err="1" smtClean="0"/>
-              <a:t>GetEvent</a:t>
-            </a:r>
-            <a:r>
-              <a:rPr lang="en-US" dirty="0" smtClean="0"/>
-              <a:t>() it learns that you want to read all branches.</a:t>
-            </a:r>
+              <a:t>Setting dq2 from AFS</a:t>
+            </a:r>
+          </a:p>
+          <a:p>
             <a:endParaRPr lang="en-US" dirty="0"/>
           </a:p>
         </p:txBody>
@@ -24209,16 +24354,566 @@
           </a:p>
         </p:txBody>
       </p:sp>
+      <p:sp>
+        <p:nvSpPr>
+          <p:cNvPr id="8" name="Rectangle 7"/>
+          <p:cNvSpPr/>
+          <p:nvPr/>
+        </p:nvSpPr>
+        <p:spPr>
+          <a:xfrm>
+            <a:off x="988456" y="2048195"/>
+            <a:ext cx="7926944" cy="523220"/>
+          </a:xfrm>
+          <a:prstGeom prst="rect">
+            <a:avLst/>
+          </a:prstGeom>
+        </p:spPr>
+        <p:style>
+          <a:lnRef idx="2">
+            <a:schemeClr val="dk1">
+              <a:shade val="50000"/>
+            </a:schemeClr>
+          </a:lnRef>
+          <a:fillRef idx="1">
+            <a:schemeClr val="dk1"/>
+          </a:fillRef>
+          <a:effectRef idx="0">
+            <a:schemeClr val="dk1"/>
+          </a:effectRef>
+          <a:fontRef idx="minor">
+            <a:schemeClr val="lt1"/>
+          </a:fontRef>
+        </p:style>
+        <p:txBody>
+          <a:bodyPr wrap="square">
+            <a:spAutoFit/>
+          </a:bodyPr>
+          <a:lstStyle/>
+          <a:p>
+            <a:r>
+              <a:rPr lang="en-US" sz="1400" b="1" dirty="0">
+                <a:solidFill>
+                  <a:srgbClr val="008000"/>
+                </a:solidFill>
+                <a:latin typeface="Consolas"/>
+                <a:cs typeface="Consolas"/>
+              </a:rPr>
+              <a:t>source /</a:t>
+            </a:r>
+            <a:r>
+              <a:rPr lang="en-US" sz="1400" b="1" dirty="0" err="1">
+                <a:solidFill>
+                  <a:srgbClr val="008000"/>
+                </a:solidFill>
+                <a:latin typeface="Consolas"/>
+                <a:cs typeface="Consolas"/>
+              </a:rPr>
+              <a:t>afs</a:t>
+            </a:r>
+            <a:r>
+              <a:rPr lang="en-US" sz="1400" b="1" dirty="0">
+                <a:solidFill>
+                  <a:srgbClr val="008000"/>
+                </a:solidFill>
+                <a:latin typeface="Consolas"/>
+                <a:cs typeface="Consolas"/>
+              </a:rPr>
+              <a:t>/</a:t>
+            </a:r>
+            <a:r>
+              <a:rPr lang="en-US" sz="1400" b="1" dirty="0" err="1">
+                <a:solidFill>
+                  <a:srgbClr val="008000"/>
+                </a:solidFill>
+                <a:latin typeface="Consolas"/>
+                <a:cs typeface="Consolas"/>
+              </a:rPr>
+              <a:t>cern.ch</a:t>
+            </a:r>
+            <a:r>
+              <a:rPr lang="en-US" sz="1400" b="1" dirty="0">
+                <a:solidFill>
+                  <a:srgbClr val="008000"/>
+                </a:solidFill>
+                <a:latin typeface="Consolas"/>
+                <a:cs typeface="Consolas"/>
+              </a:rPr>
+              <a:t>/project/</a:t>
+            </a:r>
+            <a:r>
+              <a:rPr lang="en-US" sz="1400" b="1" dirty="0" err="1">
+                <a:solidFill>
+                  <a:srgbClr val="008000"/>
+                </a:solidFill>
+                <a:latin typeface="Consolas"/>
+                <a:cs typeface="Consolas"/>
+              </a:rPr>
+              <a:t>gd</a:t>
+            </a:r>
+            <a:r>
+              <a:rPr lang="en-US" sz="1400" b="1" dirty="0">
+                <a:solidFill>
+                  <a:srgbClr val="008000"/>
+                </a:solidFill>
+                <a:latin typeface="Consolas"/>
+                <a:cs typeface="Consolas"/>
+              </a:rPr>
+              <a:t>/LCG-share/current_3.2/</a:t>
+            </a:r>
+            <a:r>
+              <a:rPr lang="en-US" sz="1400" b="1" dirty="0" err="1">
+                <a:solidFill>
+                  <a:srgbClr val="008000"/>
+                </a:solidFill>
+                <a:latin typeface="Consolas"/>
+                <a:cs typeface="Consolas"/>
+              </a:rPr>
+              <a:t>etc</a:t>
+            </a:r>
+            <a:r>
+              <a:rPr lang="en-US" sz="1400" b="1" dirty="0">
+                <a:solidFill>
+                  <a:srgbClr val="008000"/>
+                </a:solidFill>
+                <a:latin typeface="Consolas"/>
+                <a:cs typeface="Consolas"/>
+              </a:rPr>
+              <a:t>/</a:t>
+            </a:r>
+            <a:r>
+              <a:rPr lang="en-US" sz="1400" b="1" dirty="0" err="1">
+                <a:solidFill>
+                  <a:srgbClr val="008000"/>
+                </a:solidFill>
+                <a:latin typeface="Consolas"/>
+                <a:cs typeface="Consolas"/>
+              </a:rPr>
+              <a:t>profile.d</a:t>
+            </a:r>
+            <a:r>
+              <a:rPr lang="en-US" sz="1400" b="1" dirty="0">
+                <a:solidFill>
+                  <a:srgbClr val="008000"/>
+                </a:solidFill>
+                <a:latin typeface="Consolas"/>
+                <a:cs typeface="Consolas"/>
+              </a:rPr>
+              <a:t>/</a:t>
+            </a:r>
+            <a:r>
+              <a:rPr lang="en-US" sz="1400" b="1" dirty="0" err="1" smtClean="0">
+                <a:solidFill>
+                  <a:srgbClr val="008000"/>
+                </a:solidFill>
+                <a:latin typeface="Consolas"/>
+                <a:cs typeface="Consolas"/>
+              </a:rPr>
+              <a:t>grid_env.sh</a:t>
+            </a:r>
+            <a:endParaRPr lang="en-US" sz="1400" b="1" dirty="0">
+              <a:solidFill>
+                <a:srgbClr val="008000"/>
+              </a:solidFill>
+              <a:latin typeface="Consolas"/>
+              <a:cs typeface="Consolas"/>
+            </a:endParaRPr>
+          </a:p>
+          <a:p>
+            <a:r>
+              <a:rPr lang="en-US" sz="1400" b="1" dirty="0" err="1">
+                <a:solidFill>
+                  <a:srgbClr val="008000"/>
+                </a:solidFill>
+                <a:latin typeface="Consolas"/>
+                <a:cs typeface="Consolas"/>
+              </a:rPr>
+              <a:t>voms</a:t>
+            </a:r>
+            <a:r>
+              <a:rPr lang="en-US" sz="1400" b="1" dirty="0">
+                <a:solidFill>
+                  <a:srgbClr val="008000"/>
+                </a:solidFill>
+                <a:latin typeface="Consolas"/>
+                <a:cs typeface="Consolas"/>
+              </a:rPr>
+              <a:t>-proxy-</a:t>
+            </a:r>
+            <a:r>
+              <a:rPr lang="en-US" sz="1400" b="1" dirty="0" err="1">
+                <a:solidFill>
+                  <a:srgbClr val="008000"/>
+                </a:solidFill>
+                <a:latin typeface="Consolas"/>
+                <a:cs typeface="Consolas"/>
+              </a:rPr>
+              <a:t>init</a:t>
+            </a:r>
+            <a:r>
+              <a:rPr lang="en-US" sz="1400" b="1" dirty="0">
+                <a:solidFill>
+                  <a:srgbClr val="008000"/>
+                </a:solidFill>
+                <a:latin typeface="Consolas"/>
+                <a:cs typeface="Consolas"/>
+              </a:rPr>
+              <a:t> -</a:t>
+            </a:r>
+            <a:r>
+              <a:rPr lang="en-US" sz="1400" b="1" dirty="0" err="1">
+                <a:solidFill>
+                  <a:srgbClr val="008000"/>
+                </a:solidFill>
+                <a:latin typeface="Consolas"/>
+                <a:cs typeface="Consolas"/>
+              </a:rPr>
+              <a:t>voms</a:t>
+            </a:r>
+            <a:r>
+              <a:rPr lang="en-US" sz="1400" b="1" dirty="0">
+                <a:solidFill>
+                  <a:srgbClr val="008000"/>
+                </a:solidFill>
+                <a:latin typeface="Consolas"/>
+                <a:cs typeface="Consolas"/>
+              </a:rPr>
+              <a:t> atlas</a:t>
+            </a:r>
+          </a:p>
+        </p:txBody>
+      </p:sp>
+      <p:sp>
+        <p:nvSpPr>
+          <p:cNvPr id="9" name="Rectangle 8"/>
+          <p:cNvSpPr/>
+          <p:nvPr/>
+        </p:nvSpPr>
+        <p:spPr>
+          <a:xfrm>
+            <a:off x="988456" y="3229774"/>
+            <a:ext cx="7926944" cy="307777"/>
+          </a:xfrm>
+          <a:prstGeom prst="rect">
+            <a:avLst/>
+          </a:prstGeom>
+        </p:spPr>
+        <p:style>
+          <a:lnRef idx="2">
+            <a:schemeClr val="dk1">
+              <a:shade val="50000"/>
+            </a:schemeClr>
+          </a:lnRef>
+          <a:fillRef idx="1">
+            <a:schemeClr val="dk1"/>
+          </a:fillRef>
+          <a:effectRef idx="0">
+            <a:schemeClr val="dk1"/>
+          </a:effectRef>
+          <a:fontRef idx="minor">
+            <a:schemeClr val="lt1"/>
+          </a:fontRef>
+        </p:style>
+        <p:txBody>
+          <a:bodyPr wrap="square">
+            <a:spAutoFit/>
+          </a:bodyPr>
+          <a:lstStyle/>
+          <a:p>
+            <a:r>
+              <a:rPr lang="en-US" sz="1400" b="1" dirty="0" err="1" smtClean="0">
+                <a:solidFill>
+                  <a:srgbClr val="008000"/>
+                </a:solidFill>
+                <a:latin typeface="Consolas"/>
+                <a:cs typeface="Consolas"/>
+              </a:rPr>
+              <a:t>voms</a:t>
+            </a:r>
+            <a:r>
+              <a:rPr lang="en-US" sz="1400" b="1" dirty="0">
+                <a:solidFill>
+                  <a:srgbClr val="008000"/>
+                </a:solidFill>
+                <a:latin typeface="Consolas"/>
+                <a:cs typeface="Consolas"/>
+              </a:rPr>
+              <a:t>-proxy-</a:t>
+            </a:r>
+            <a:r>
+              <a:rPr lang="en-US" sz="1400" b="1" dirty="0" err="1">
+                <a:solidFill>
+                  <a:srgbClr val="008000"/>
+                </a:solidFill>
+                <a:latin typeface="Consolas"/>
+                <a:cs typeface="Consolas"/>
+              </a:rPr>
+              <a:t>init</a:t>
+            </a:r>
+            <a:r>
+              <a:rPr lang="en-US" sz="1400" b="1" dirty="0">
+                <a:solidFill>
+                  <a:srgbClr val="008000"/>
+                </a:solidFill>
+                <a:latin typeface="Consolas"/>
+                <a:cs typeface="Consolas"/>
+              </a:rPr>
+              <a:t> -</a:t>
+            </a:r>
+            <a:r>
+              <a:rPr lang="en-US" sz="1400" b="1" dirty="0" err="1">
+                <a:solidFill>
+                  <a:srgbClr val="008000"/>
+                </a:solidFill>
+                <a:latin typeface="Consolas"/>
+                <a:cs typeface="Consolas"/>
+              </a:rPr>
+              <a:t>voms</a:t>
+            </a:r>
+            <a:r>
+              <a:rPr lang="en-US" sz="1400" b="1" dirty="0">
+                <a:solidFill>
+                  <a:srgbClr val="008000"/>
+                </a:solidFill>
+                <a:latin typeface="Consolas"/>
+                <a:cs typeface="Consolas"/>
+              </a:rPr>
+              <a:t> </a:t>
+            </a:r>
+            <a:r>
+              <a:rPr lang="en-US" sz="1400" b="1" dirty="0" smtClean="0">
+                <a:solidFill>
+                  <a:srgbClr val="008000"/>
+                </a:solidFill>
+                <a:latin typeface="Consolas"/>
+                <a:cs typeface="Consolas"/>
+              </a:rPr>
+              <a:t>atlas </a:t>
+            </a:r>
+            <a:r>
+              <a:rPr lang="es-ES_tradnl" sz="1400" b="1" dirty="0">
+                <a:solidFill>
+                  <a:srgbClr val="008000"/>
+                </a:solidFill>
+                <a:latin typeface="Consolas"/>
+                <a:cs typeface="Consolas"/>
+              </a:rPr>
+              <a:t>-</a:t>
+            </a:r>
+            <a:r>
+              <a:rPr lang="es-ES_tradnl" sz="1400" b="1" dirty="0" err="1">
+                <a:solidFill>
+                  <a:srgbClr val="008000"/>
+                </a:solidFill>
+                <a:latin typeface="Consolas"/>
+                <a:cs typeface="Consolas"/>
+              </a:rPr>
+              <a:t>valid</a:t>
+            </a:r>
+            <a:r>
+              <a:rPr lang="es-ES_tradnl" sz="1400" b="1" dirty="0">
+                <a:solidFill>
+                  <a:srgbClr val="008000"/>
+                </a:solidFill>
+                <a:latin typeface="Consolas"/>
+                <a:cs typeface="Consolas"/>
+              </a:rPr>
+              <a:t> 96:0 -</a:t>
+            </a:r>
+            <a:r>
+              <a:rPr lang="es-ES_tradnl" sz="1400" b="1" dirty="0" err="1">
+                <a:solidFill>
+                  <a:srgbClr val="008000"/>
+                </a:solidFill>
+                <a:latin typeface="Consolas"/>
+                <a:cs typeface="Consolas"/>
+              </a:rPr>
+              <a:t>pwstdin</a:t>
+            </a:r>
+            <a:r>
+              <a:rPr lang="es-ES_tradnl" sz="1400" b="1" dirty="0">
+                <a:solidFill>
+                  <a:srgbClr val="008000"/>
+                </a:solidFill>
+                <a:latin typeface="Consolas"/>
+                <a:cs typeface="Consolas"/>
+              </a:rPr>
+              <a:t> &lt; </a:t>
+            </a:r>
+            <a:r>
+              <a:rPr lang="es-ES_tradnl" sz="1400" b="1" dirty="0" smtClean="0">
+                <a:solidFill>
+                  <a:srgbClr val="008000"/>
+                </a:solidFill>
+                <a:latin typeface="Consolas"/>
+                <a:cs typeface="Consolas"/>
+              </a:rPr>
+              <a:t>$HOME/.</a:t>
+            </a:r>
+            <a:r>
+              <a:rPr lang="es-ES_tradnl" sz="1400" b="1" dirty="0" err="1" smtClean="0">
+                <a:solidFill>
+                  <a:srgbClr val="008000"/>
+                </a:solidFill>
+                <a:latin typeface="Consolas"/>
+                <a:cs typeface="Consolas"/>
+              </a:rPr>
+              <a:t>myPassword</a:t>
+            </a:r>
+            <a:endParaRPr lang="en-US" sz="1400" b="1" dirty="0">
+              <a:solidFill>
+                <a:srgbClr val="008000"/>
+              </a:solidFill>
+              <a:latin typeface="Consolas"/>
+              <a:cs typeface="Consolas"/>
+            </a:endParaRPr>
+          </a:p>
+        </p:txBody>
+      </p:sp>
+      <p:sp>
+        <p:nvSpPr>
+          <p:cNvPr id="11" name="Rectangle 10"/>
+          <p:cNvSpPr/>
+          <p:nvPr/>
+        </p:nvSpPr>
+        <p:spPr>
+          <a:xfrm>
+            <a:off x="988456" y="4050045"/>
+            <a:ext cx="7926944" cy="307777"/>
+          </a:xfrm>
+          <a:prstGeom prst="rect">
+            <a:avLst/>
+          </a:prstGeom>
+        </p:spPr>
+        <p:style>
+          <a:lnRef idx="2">
+            <a:schemeClr val="dk1">
+              <a:shade val="50000"/>
+            </a:schemeClr>
+          </a:lnRef>
+          <a:fillRef idx="1">
+            <a:schemeClr val="dk1"/>
+          </a:fillRef>
+          <a:effectRef idx="0">
+            <a:schemeClr val="dk1"/>
+          </a:effectRef>
+          <a:fontRef idx="minor">
+            <a:schemeClr val="lt1"/>
+          </a:fontRef>
+        </p:style>
+        <p:txBody>
+          <a:bodyPr wrap="square">
+            <a:spAutoFit/>
+          </a:bodyPr>
+          <a:lstStyle/>
+          <a:p>
+            <a:r>
+              <a:rPr lang="en-US" sz="1400" b="1" dirty="0">
+                <a:solidFill>
+                  <a:srgbClr val="008000"/>
+                </a:solidFill>
+                <a:latin typeface="Consolas"/>
+                <a:cs typeface="Consolas"/>
+              </a:rPr>
+              <a:t>source /</a:t>
+            </a:r>
+            <a:r>
+              <a:rPr lang="en-US" sz="1400" b="1" dirty="0" err="1">
+                <a:solidFill>
+                  <a:srgbClr val="008000"/>
+                </a:solidFill>
+                <a:latin typeface="Consolas"/>
+                <a:cs typeface="Consolas"/>
+              </a:rPr>
+              <a:t>afs</a:t>
+            </a:r>
+            <a:r>
+              <a:rPr lang="en-US" sz="1400" b="1" dirty="0">
+                <a:solidFill>
+                  <a:srgbClr val="008000"/>
+                </a:solidFill>
+                <a:latin typeface="Consolas"/>
+                <a:cs typeface="Consolas"/>
+              </a:rPr>
+              <a:t>/</a:t>
+            </a:r>
+            <a:r>
+              <a:rPr lang="en-US" sz="1400" b="1" dirty="0" err="1">
+                <a:solidFill>
+                  <a:srgbClr val="008000"/>
+                </a:solidFill>
+                <a:latin typeface="Consolas"/>
+                <a:cs typeface="Consolas"/>
+              </a:rPr>
+              <a:t>cern.ch</a:t>
+            </a:r>
+            <a:r>
+              <a:rPr lang="en-US" sz="1400" b="1" dirty="0">
+                <a:solidFill>
+                  <a:srgbClr val="008000"/>
+                </a:solidFill>
+                <a:latin typeface="Consolas"/>
+                <a:cs typeface="Consolas"/>
+              </a:rPr>
+              <a:t>/atlas/offline/external/GRID/</a:t>
+            </a:r>
+            <a:r>
+              <a:rPr lang="en-US" sz="1400" b="1" dirty="0" err="1">
+                <a:solidFill>
+                  <a:srgbClr val="008000"/>
+                </a:solidFill>
+                <a:latin typeface="Consolas"/>
+                <a:cs typeface="Consolas"/>
+              </a:rPr>
+              <a:t>ddm</a:t>
+            </a:r>
+            <a:r>
+              <a:rPr lang="en-US" sz="1400" b="1" dirty="0">
+                <a:solidFill>
+                  <a:srgbClr val="008000"/>
+                </a:solidFill>
+                <a:latin typeface="Consolas"/>
+                <a:cs typeface="Consolas"/>
+              </a:rPr>
+              <a:t>/DQ2Clients/</a:t>
+            </a:r>
+            <a:r>
+              <a:rPr lang="en-US" sz="1400" b="1" dirty="0" err="1">
+                <a:solidFill>
+                  <a:srgbClr val="008000"/>
+                </a:solidFill>
+                <a:latin typeface="Consolas"/>
+                <a:cs typeface="Consolas"/>
+              </a:rPr>
+              <a:t>setup.zsh</a:t>
+            </a:r>
+            <a:endParaRPr lang="en-US" sz="1400" b="1" dirty="0">
+              <a:solidFill>
+                <a:srgbClr val="008000"/>
+              </a:solidFill>
+              <a:latin typeface="Consolas"/>
+              <a:cs typeface="Consolas"/>
+            </a:endParaRPr>
+          </a:p>
+        </p:txBody>
+      </p:sp>
     </p:spTree>
     <p:extLst>
       <p:ext uri="{BB962C8B-B14F-4D97-AF65-F5344CB8AC3E}">
-        <p14:creationId xmlns:p14="http://schemas.microsoft.com/office/powerpoint/2010/main" val="1739604678"/>
+        <p14:creationId xmlns:p14="http://schemas.microsoft.com/office/powerpoint/2010/main" val="3836362796"/>
       </p:ext>
     </p:extLst>
   </p:cSld>
   <p:clrMapOvr>
     <a:masterClrMapping/>
   </p:clrMapOvr>
+  <p:timing>
+    <p:tnLst>
+      <p:par>
+        <p:cTn xmlns:p14="http://schemas.microsoft.com/office/powerpoint/2010/main" id="1" dur="indefinite" restart="never" nodeType="tmRoot"/>
+      </p:par>
+    </p:tnLst>
+  </p:timing>
 </p:sld>
 </file>
 
@@ -24255,8 +24950,81 @@
           <a:lstStyle/>
           <a:p>
             <a:r>
+              <a:rPr lang="en-US" dirty="0" err="1" smtClean="0"/>
+              <a:t>Ttreecache</a:t>
+            </a:r>
+            <a:r>
               <a:rPr lang="en-US" dirty="0" smtClean="0"/>
-              <a:t>Setting up root only</a:t>
+              <a:t> longer story</a:t>
+            </a:r>
+            <a:endParaRPr lang="en-US" dirty="0"/>
+          </a:p>
+        </p:txBody>
+      </p:sp>
+      <p:sp>
+        <p:nvSpPr>
+          <p:cNvPr id="3" name="Content Placeholder 2"/>
+          <p:cNvSpPr>
+            <a:spLocks noGrp="1"/>
+          </p:cNvSpPr>
+          <p:nvPr>
+            <p:ph idx="1"/>
+          </p:nvPr>
+        </p:nvSpPr>
+        <p:spPr/>
+        <p:txBody>
+          <a:bodyPr/>
+          <a:lstStyle/>
+          <a:p>
+            <a:r>
+              <a:rPr lang="en-US" dirty="0" err="1" smtClean="0"/>
+              <a:t>TTreeCache</a:t>
+            </a:r>
+            <a:r>
+              <a:rPr lang="en-US" dirty="0" smtClean="0"/>
+              <a:t> tries to guess which </a:t>
+            </a:r>
+            <a:r>
+              <a:rPr lang="en-US" dirty="0" err="1" smtClean="0"/>
+              <a:t>TBranches</a:t>
+            </a:r>
+            <a:r>
+              <a:rPr lang="en-US" dirty="0" smtClean="0"/>
+              <a:t> you want and read only these and in large chunks.</a:t>
+            </a:r>
+          </a:p>
+          <a:p>
+            <a:r>
+              <a:rPr lang="en-US" dirty="0" smtClean="0"/>
+              <a:t>During first 100 events it learns which variables you read</a:t>
+            </a:r>
+          </a:p>
+          <a:p>
+            <a:pPr lvl="1"/>
+            <a:r>
+              <a:rPr lang="en-US" dirty="0" smtClean="0"/>
+              <a:t>Learning phase can still be expensive. </a:t>
+            </a:r>
+          </a:p>
+          <a:p>
+            <a:pPr lvl="1"/>
+            <a:r>
+              <a:rPr lang="en-US" dirty="0" smtClean="0"/>
+              <a:t>If you know what branches you’ll need, enable them only and turn it off. </a:t>
+            </a:r>
+          </a:p>
+          <a:p>
+            <a:r>
+              <a:rPr lang="en-US" dirty="0" smtClean="0"/>
+              <a:t>If you do tree-&gt;</a:t>
+            </a:r>
+            <a:r>
+              <a:rPr lang="en-US" dirty="0" err="1" smtClean="0"/>
+              <a:t>GetEvent</a:t>
+            </a:r>
+            <a:r>
+              <a:rPr lang="en-US" dirty="0" smtClean="0"/>
+              <a:t>() it learns that you want to read all branches.</a:t>
             </a:r>
             <a:endParaRPr lang="en-US" dirty="0"/>
           </a:p>
@@ -24281,7 +25049,7 @@
               <a:rPr lang="en-US" smtClean="0"/>
               <a:t>7/11/13</a:t>
             </a:fld>
-            <a:endParaRPr lang="en-US" dirty="0"/>
+            <a:endParaRPr lang="en-US"/>
           </a:p>
         </p:txBody>
       </p:sp>
@@ -24326,6 +25094,128 @@
             <a:fld id="{149F3054-76AD-E84D-A86E-7938130C5973}" type="slidenum">
               <a:rPr lang="en-US" smtClean="0"/>
               <a:t>21</a:t>
+            </a:fld>
+            <a:endParaRPr lang="en-US"/>
+          </a:p>
+        </p:txBody>
+      </p:sp>
+    </p:spTree>
+    <p:extLst>
+      <p:ext uri="{BB962C8B-B14F-4D97-AF65-F5344CB8AC3E}">
+        <p14:creationId xmlns:p14="http://schemas.microsoft.com/office/powerpoint/2010/main" val="1739604678"/>
+      </p:ext>
+    </p:extLst>
+  </p:cSld>
+  <p:clrMapOvr>
+    <a:masterClrMapping/>
+  </p:clrMapOvr>
+</p:sld>
+</file>
+
+<file path=ppt/slides/slide22.xml><?xml version="1.0" encoding="utf-8"?>
+<p:sld xmlns:a="http://schemas.openxmlformats.org/drawingml/2006/main" xmlns:r="http://schemas.openxmlformats.org/officeDocument/2006/relationships" xmlns:p="http://schemas.openxmlformats.org/presentationml/2006/main">
+  <p:cSld>
+    <p:spTree>
+      <p:nvGrpSpPr>
+        <p:cNvPr id="1" name=""/>
+        <p:cNvGrpSpPr/>
+        <p:nvPr/>
+      </p:nvGrpSpPr>
+      <p:grpSpPr>
+        <a:xfrm>
+          <a:off x="0" y="0"/>
+          <a:ext cx="0" cy="0"/>
+          <a:chOff x="0" y="0"/>
+          <a:chExt cx="0" cy="0"/>
+        </a:xfrm>
+      </p:grpSpPr>
+      <p:sp>
+        <p:nvSpPr>
+          <p:cNvPr id="2" name="Title 1"/>
+          <p:cNvSpPr>
+            <a:spLocks noGrp="1"/>
+          </p:cNvSpPr>
+          <p:nvPr>
+            <p:ph type="title"/>
+          </p:nvPr>
+        </p:nvSpPr>
+        <p:spPr/>
+        <p:txBody>
+          <a:bodyPr/>
+          <a:lstStyle/>
+          <a:p>
+            <a:r>
+              <a:rPr lang="en-US" dirty="0" smtClean="0"/>
+              <a:t>Setting up root only</a:t>
+            </a:r>
+            <a:endParaRPr lang="en-US" dirty="0"/>
+          </a:p>
+        </p:txBody>
+      </p:sp>
+      <p:sp>
+        <p:nvSpPr>
+          <p:cNvPr id="4" name="Date Placeholder 3"/>
+          <p:cNvSpPr>
+            <a:spLocks noGrp="1"/>
+          </p:cNvSpPr>
+          <p:nvPr>
+            <p:ph type="dt" sz="half" idx="10"/>
+          </p:nvPr>
+        </p:nvSpPr>
+        <p:spPr/>
+        <p:txBody>
+          <a:bodyPr/>
+          <a:lstStyle/>
+          <a:p>
+            <a:fld id="{7DA83AE1-CB64-784C-9A8F-13236E608BC8}" type="datetime1">
+              <a:rPr lang="en-US" smtClean="0"/>
+              <a:t>7/11/13</a:t>
+            </a:fld>
+            <a:endParaRPr lang="en-US" dirty="0"/>
+          </a:p>
+        </p:txBody>
+      </p:sp>
+      <p:sp>
+        <p:nvSpPr>
+          <p:cNvPr id="5" name="Footer Placeholder 4"/>
+          <p:cNvSpPr>
+            <a:spLocks noGrp="1"/>
+          </p:cNvSpPr>
+          <p:nvPr>
+            <p:ph type="ftr" sz="quarter" idx="11"/>
+          </p:nvPr>
+        </p:nvSpPr>
+        <p:spPr/>
+        <p:txBody>
+          <a:bodyPr/>
+          <a:lstStyle/>
+          <a:p>
+            <a:r>
+              <a:rPr lang="en-US" smtClean="0"/>
+              <a:t>Ilija Vukotic ivukotic@uchicago.edu</a:t>
+            </a:r>
+            <a:endParaRPr lang="en-US"/>
+          </a:p>
+        </p:txBody>
+      </p:sp>
+      <p:sp>
+        <p:nvSpPr>
+          <p:cNvPr id="6" name="Slide Number Placeholder 5"/>
+          <p:cNvSpPr>
+            <a:spLocks noGrp="1"/>
+          </p:cNvSpPr>
+          <p:nvPr>
+            <p:ph type="sldNum" sz="quarter" idx="12"/>
+          </p:nvPr>
+        </p:nvSpPr>
+        <p:spPr/>
+        <p:txBody>
+          <a:bodyPr/>
+          <a:lstStyle/>
+          <a:p>
+            <a:fld id="{149F3054-76AD-E84D-A86E-7938130C5973}" type="slidenum">
+              <a:rPr lang="en-US" smtClean="0"/>
+              <a:t>22</a:t>
             </a:fld>
             <a:endParaRPr lang="en-US"/>
           </a:p>
@@ -25634,7 +26524,7 @@
         </p:nvSpPr>
         <p:spPr>
           <a:xfrm>
-            <a:off x="685801" y="4868881"/>
+            <a:off x="685801" y="4400987"/>
             <a:ext cx="7596951" cy="646331"/>
           </a:xfrm>
           <a:prstGeom prst="rect">
@@ -25670,8 +26560,8 @@
         </p:nvSpPr>
         <p:spPr>
           <a:xfrm>
-            <a:off x="685801" y="5371140"/>
-            <a:ext cx="7965420" cy="523220"/>
+            <a:off x="685801" y="4786364"/>
+            <a:ext cx="7965420" cy="1169551"/>
           </a:xfrm>
           <a:prstGeom prst="rect">
             <a:avLst/>
@@ -25705,20 +26595,30 @@
                 <a:latin typeface="Consolas"/>
                 <a:cs typeface="Consolas"/>
               </a:rPr>
-              <a:t>curl http://</a:t>
-            </a:r>
-            <a:r>
-              <a:rPr lang="en-US" sz="1400" b="1" dirty="0" err="1">
+              <a:t>curl </a:t>
+            </a:r>
+            <a:r>
+              <a:rPr lang="en-US" sz="1400" b="1" dirty="0" smtClean="0">
                 <a:solidFill>
                   <a:schemeClr val="bg1"/>
                 </a:solidFill>
                 <a:latin typeface="Consolas"/>
                 <a:cs typeface="Consolas"/>
               </a:rPr>
+              <a:t>http://</a:t>
+            </a:r>
+            <a:r>
+              <a:rPr lang="en-US" sz="1400" b="1" dirty="0" err="1" smtClean="0">
+                <a:solidFill>
+                  <a:schemeClr val="bg1"/>
+                </a:solidFill>
+                <a:latin typeface="Consolas"/>
+                <a:cs typeface="Consolas"/>
+              </a:rPr>
               <a:t>ivukotic.web.cern.ch</a:t>
             </a:r>
             <a:r>
-              <a:rPr lang="en-US" sz="1400" b="1" dirty="0">
+              <a:rPr lang="en-US" sz="1400" b="1" dirty="0" smtClean="0">
                 <a:solidFill>
                   <a:schemeClr val="bg1"/>
                 </a:solidFill>
@@ -25728,7 +26628,7 @@
               <a:t>/</a:t>
             </a:r>
             <a:r>
-              <a:rPr lang="en-US" sz="1400" b="1" dirty="0" err="1">
+              <a:rPr lang="en-US" sz="1400" b="1" dirty="0" err="1" smtClean="0">
                 <a:solidFill>
                   <a:schemeClr val="bg1"/>
                 </a:solidFill>
@@ -25738,7 +26638,7 @@
               <a:t>ivukotic</a:t>
             </a:r>
             <a:r>
-              <a:rPr lang="en-US" sz="1400" b="1" dirty="0">
+              <a:rPr lang="en-US" sz="1400" b="1" dirty="0" smtClean="0">
                 <a:solidFill>
                   <a:schemeClr val="bg1"/>
                 </a:solidFill>
@@ -25748,7 +26648,7 @@
               <a:t>/</a:t>
             </a:r>
             <a:r>
-              <a:rPr lang="en-US" sz="1400" b="1" dirty="0" err="1">
+              <a:rPr lang="en-US" sz="1400" b="1" dirty="0" err="1" smtClean="0">
                 <a:solidFill>
                   <a:schemeClr val="bg1"/>
                 </a:solidFill>
@@ -25758,7 +26658,7 @@
               <a:t>dropbox</a:t>
             </a:r>
             <a:r>
-              <a:rPr lang="en-US" sz="1400" b="1" dirty="0">
+              <a:rPr lang="en-US" sz="1400" b="1" dirty="0" smtClean="0">
                 <a:solidFill>
                   <a:schemeClr val="bg1"/>
                 </a:solidFill>
@@ -25768,7 +26668,7 @@
               <a:t>/</a:t>
             </a:r>
             <a:r>
-              <a:rPr lang="en-US" sz="1400" b="1" dirty="0" err="1">
+              <a:rPr lang="en-US" sz="1400" b="1" dirty="0" err="1" smtClean="0">
                 <a:solidFill>
                   <a:schemeClr val="bg1"/>
                 </a:solidFill>
@@ -25778,7 +26678,7 @@
               <a:t>Tutorial.tar</a:t>
             </a:r>
             <a:r>
-              <a:rPr lang="en-US" sz="1400" b="1" dirty="0">
+              <a:rPr lang="en-US" sz="1400" b="1" dirty="0" smtClean="0">
                 <a:solidFill>
                   <a:schemeClr val="bg1"/>
                 </a:solidFill>
@@ -25837,7 +26737,7 @@
               <a:t> </a:t>
             </a:r>
             <a:r>
-              <a:rPr lang="en-US" sz="1400" b="1" dirty="0" err="1">
+              <a:rPr lang="en-US" sz="1400" b="1" dirty="0" err="1" smtClean="0">
                 <a:solidFill>
                   <a:schemeClr val="bg1"/>
                 </a:solidFill>
@@ -25845,6 +26745,90 @@
                 <a:cs typeface="Consolas"/>
               </a:rPr>
               <a:t>Tutorial.tar</a:t>
+            </a:r>
+            <a:endParaRPr lang="en-US" sz="1400" b="1" dirty="0">
+              <a:solidFill>
+                <a:schemeClr val="bg1"/>
+              </a:solidFill>
+              <a:latin typeface="Consolas"/>
+              <a:cs typeface="Consolas"/>
+            </a:endParaRPr>
+          </a:p>
+          <a:p>
+            <a:pPr algn="ctr"/>
+            <a:r>
+              <a:rPr lang="en-US" sz="1400" b="1" dirty="0">
+                <a:solidFill>
+                  <a:schemeClr val="bg1"/>
+                </a:solidFill>
+                <a:latin typeface="Consolas"/>
+                <a:cs typeface="Consolas"/>
+              </a:rPr>
+              <a:t>o</a:t>
+            </a:r>
+            <a:r>
+              <a:rPr lang="en-US" sz="1400" b="1" dirty="0" smtClean="0">
+                <a:solidFill>
+                  <a:schemeClr val="bg1"/>
+                </a:solidFill>
+                <a:latin typeface="Consolas"/>
+                <a:cs typeface="Consolas"/>
+              </a:rPr>
+              <a:t>r </a:t>
+            </a:r>
+          </a:p>
+          <a:p>
+            <a:r>
+              <a:rPr lang="en-US" sz="1400" b="1" dirty="0">
+                <a:solidFill>
+                  <a:schemeClr val="bg1"/>
+                </a:solidFill>
+                <a:latin typeface="Consolas"/>
+                <a:cs typeface="Consolas"/>
+              </a:rPr>
+              <a:t>curl -L -O  https://github.com/ivukotic/Tutorial/archive/</a:t>
+            </a:r>
+            <a:r>
+              <a:rPr lang="en-US" sz="1400" b="1" dirty="0" smtClean="0">
+                <a:solidFill>
+                  <a:schemeClr val="bg1"/>
+                </a:solidFill>
+                <a:latin typeface="Consolas"/>
+                <a:cs typeface="Consolas"/>
+              </a:rPr>
+              <a:t>master.zip</a:t>
+            </a:r>
+          </a:p>
+          <a:p>
+            <a:r>
+              <a:rPr lang="en-US" sz="1400" b="1" dirty="0" smtClean="0">
+                <a:solidFill>
+                  <a:schemeClr val="bg1"/>
+                </a:solidFill>
+                <a:latin typeface="Consolas"/>
+                <a:cs typeface="Consolas"/>
+              </a:rPr>
+              <a:t>u</a:t>
+            </a:r>
+            <a:r>
+              <a:rPr lang="en-US" sz="1400" b="1" dirty="0" smtClean="0">
+                <a:solidFill>
+                  <a:schemeClr val="bg1"/>
+                </a:solidFill>
+                <a:latin typeface="Consolas"/>
+                <a:cs typeface="Consolas"/>
+              </a:rPr>
+              <a:t>nzip </a:t>
+            </a:r>
+            <a:r>
+              <a:rPr lang="en-US" sz="1400" b="1" dirty="0" err="1" smtClean="0">
+                <a:solidFill>
+                  <a:schemeClr val="bg1"/>
+                </a:solidFill>
+                <a:latin typeface="Consolas"/>
+                <a:cs typeface="Consolas"/>
+              </a:rPr>
+              <a:t>master.zip</a:t>
             </a:r>
             <a:endParaRPr lang="en-US" sz="1400" b="1" dirty="0">
               <a:solidFill>
@@ -26372,7 +27356,17 @@
                 <a:latin typeface="Consolas"/>
                 <a:cs typeface="Consolas"/>
               </a:rPr>
-              <a:t> ~</a:t>
+              <a:t> </a:t>
+            </a:r>
+            <a:r>
+              <a:rPr lang="en-US" sz="1400" b="1" dirty="0" smtClean="0">
+                <a:solidFill>
+                  <a:srgbClr val="E3A743"/>
+                </a:solidFill>
+                <a:latin typeface="Consolas"/>
+                <a:cs typeface="Consolas"/>
+              </a:rPr>
+              <a:t>export </a:t>
             </a:r>
             <a:r>
               <a:rPr lang="en-US" sz="1400" b="1" dirty="0">
@@ -26382,7 +27376,7 @@
                 <a:latin typeface="Consolas"/>
                 <a:cs typeface="Consolas"/>
               </a:rPr>
-              <a:t>&gt; export X509_USER_PROXY</a:t>
+              <a:t>X509_USER_PROXY</a:t>
             </a:r>
             <a:r>
               <a:rPr lang="en-US" sz="1400" b="1" dirty="0" smtClean="0">
@@ -26629,7 +27623,11 @@
           <a:p>
             <a:r>
               <a:rPr lang="en-US" dirty="0" smtClean="0"/>
-              <a:t>Get </a:t>
+              <a:t>Need</a:t>
+            </a:r>
+            <a:r>
+              <a:rPr lang="en-US" dirty="0" smtClean="0"/>
+              <a:t> </a:t>
             </a:r>
             <a:r>
               <a:rPr lang="en-US" dirty="0" err="1"/>
@@ -26641,8 +27639,9 @@
             </a:r>
             <a:r>
               <a:rPr lang="en-US" dirty="0" smtClean="0"/>
-              <a:t>from here:</a:t>
-            </a:r>
+              <a:t>script</a:t>
+            </a:r>
+            <a:endParaRPr lang="en-US" dirty="0" smtClean="0"/>
           </a:p>
           <a:p>
             <a:endParaRPr lang="en-US" dirty="0" smtClean="0"/>
@@ -26875,8 +27874,8 @@
         </p:nvSpPr>
         <p:spPr>
           <a:xfrm>
-            <a:off x="988456" y="3272302"/>
-            <a:ext cx="7926944" cy="523220"/>
+            <a:off x="988456" y="3205462"/>
+            <a:ext cx="7926944" cy="738664"/>
           </a:xfrm>
           <a:prstGeom prst="rect">
             <a:avLst/>
@@ -26905,35 +27904,15 @@
           <a:lstStyle/>
           <a:p>
             <a:r>
-              <a:rPr lang="en-US" sz="1400" b="1" dirty="0" err="1">
-                <a:solidFill>
-                  <a:srgbClr val="E3A743"/>
-                </a:solidFill>
-                <a:latin typeface="Consolas"/>
-                <a:cs typeface="Consolas"/>
-              </a:rPr>
-              <a:t>wget</a:t>
-            </a:r>
-            <a:r>
               <a:rPr lang="en-US" sz="1400" b="1" dirty="0">
                 <a:solidFill>
                   <a:srgbClr val="E3A743"/>
                 </a:solidFill>
                 <a:latin typeface="Consolas"/>
                 <a:cs typeface="Consolas"/>
-              </a:rPr>
-              <a:t> </a:t>
-            </a:r>
-            <a:r>
-              <a:rPr lang="en-US" sz="1400" b="1" dirty="0">
-                <a:solidFill>
-                  <a:srgbClr val="E3A743"/>
-                </a:solidFill>
-                <a:latin typeface="Consolas"/>
-                <a:cs typeface="Consolas"/>
                 <a:hlinkClick r:id="rId3"/>
               </a:rPr>
-              <a:t>http://ivukotic.web.cern.ch/ivukotic/dropbox/</a:t>
+              <a:t>https://twiki.cern.ch/twiki/pub/Atlas/UsingFAXforEndUsers/</a:t>
             </a:r>
             <a:r>
               <a:rPr lang="en-US" sz="1400" b="1" dirty="0" smtClean="0">
@@ -26944,37 +27923,7 @@
                 <a:cs typeface="Consolas"/>
                 <a:hlinkClick r:id="rId3"/>
               </a:rPr>
-              <a:t>isDSinFAX.py</a:t>
-            </a:r>
-            <a:r>
-              <a:rPr lang="en-US" sz="1400" b="1" dirty="0" smtClean="0">
-                <a:solidFill>
-                  <a:srgbClr val="E3A743"/>
-                </a:solidFill>
-                <a:latin typeface="Consolas"/>
-                <a:cs typeface="Consolas"/>
-              </a:rPr>
-              <a:t> -</a:t>
-            </a:r>
-            <a:r>
-              <a:rPr lang="en-US" sz="1400" b="1" dirty="0">
-                <a:solidFill>
-                  <a:srgbClr val="E3A743"/>
-                </a:solidFill>
-                <a:latin typeface="Consolas"/>
-                <a:cs typeface="Consolas"/>
-              </a:rPr>
-              <a:t>O  </a:t>
-            </a:r>
-            <a:r>
-              <a:rPr lang="en-US" sz="1400" b="1" dirty="0" err="1" smtClean="0">
-                <a:solidFill>
-                  <a:srgbClr val="E3A743"/>
-                </a:solidFill>
-                <a:latin typeface="Consolas"/>
-                <a:cs typeface="Consolas"/>
-              </a:rPr>
-              <a:t>isDSinFAX.py</a:t>
+              <a:t>isDSinFAX.py.txt</a:t>
             </a:r>
             <a:endParaRPr lang="en-US" sz="1400" b="1" dirty="0" smtClean="0">
               <a:solidFill>
@@ -26985,6 +27934,61 @@
             </a:endParaRPr>
           </a:p>
           <a:p>
+            <a:pPr algn="ctr"/>
+            <a:r>
+              <a:rPr lang="en-US" sz="1400" b="1" dirty="0" smtClean="0">
+                <a:solidFill>
+                  <a:srgbClr val="E3A743"/>
+                </a:solidFill>
+                <a:latin typeface="Consolas"/>
+                <a:cs typeface="Consolas"/>
+              </a:rPr>
+              <a:t>or</a:t>
+            </a:r>
+          </a:p>
+          <a:p>
+            <a:r>
+              <a:rPr lang="en-US" sz="1400" b="1" dirty="0" smtClean="0">
+                <a:solidFill>
+                  <a:srgbClr val="E3A743"/>
+                </a:solidFill>
+                <a:latin typeface="Consolas"/>
+                <a:cs typeface="Consolas"/>
+              </a:rPr>
+              <a:t>curl </a:t>
+            </a:r>
+            <a:r>
+              <a:rPr lang="en-US" sz="1400" b="1" dirty="0" smtClean="0">
+                <a:solidFill>
+                  <a:srgbClr val="E3A743"/>
+                </a:solidFill>
+                <a:latin typeface="Consolas"/>
+                <a:cs typeface="Consolas"/>
+                <a:hlinkClick r:id="rId4"/>
+              </a:rPr>
+              <a:t>–</a:t>
+            </a:r>
+            <a:r>
+              <a:rPr lang="en-US" sz="1400" b="1" dirty="0" smtClean="0">
+                <a:solidFill>
+                  <a:srgbClr val="E3A743"/>
+                </a:solidFill>
+                <a:latin typeface="Consolas"/>
+                <a:cs typeface="Consolas"/>
+              </a:rPr>
+              <a:t>O </a:t>
+            </a:r>
+            <a:r>
+              <a:rPr lang="en-US" sz="1400" b="1" dirty="0" smtClean="0">
+                <a:solidFill>
+                  <a:srgbClr val="E3A743"/>
+                </a:solidFill>
+                <a:latin typeface="Consolas"/>
+                <a:cs typeface="Consolas"/>
+                <a:hlinkClick r:id="rId4"/>
+              </a:rPr>
+              <a:t>http</a:t>
+            </a:r>
             <a:r>
               <a:rPr lang="en-US" sz="1400" b="1" dirty="0">
                 <a:solidFill>
@@ -26992,8 +27996,20 @@
                 </a:solidFill>
                 <a:latin typeface="Consolas"/>
                 <a:cs typeface="Consolas"/>
-              </a:rPr>
-              <a:t>curl </a:t>
+                <a:hlinkClick r:id="rId4"/>
+              </a:rPr>
+              <a:t>://</a:t>
+            </a:r>
+            <a:r>
+              <a:rPr lang="en-US" sz="1400" b="1" u="sng" dirty="0">
+                <a:solidFill>
+                  <a:srgbClr val="E3A743"/>
+                </a:solidFill>
+                <a:latin typeface="Consolas"/>
+                <a:cs typeface="Consolas"/>
+                <a:hlinkClick r:id="rId4"/>
+              </a:rPr>
+              <a:t>ivukotic.web.cern.ch</a:t>
             </a:r>
             <a:r>
               <a:rPr lang="en-US" sz="1400" b="1" dirty="0">
@@ -27002,9 +28018,9 @@
                 </a:solidFill>
                 <a:latin typeface="Consolas"/>
                 <a:cs typeface="Consolas"/>
-                <a:hlinkClick r:id="rId3"/>
-              </a:rPr>
-              <a:t>http://ivukotic.web.cern.ch/ivukotic/dropbox/</a:t>
+                <a:hlinkClick r:id="rId4"/>
+              </a:rPr>
+              <a:t>/ivukotic/dropbox/</a:t>
             </a:r>
             <a:r>
               <a:rPr lang="en-US" sz="1400" b="1" dirty="0" smtClean="0">
@@ -27013,27 +28029,7 @@
                 </a:solidFill>
                 <a:latin typeface="Consolas"/>
                 <a:cs typeface="Consolas"/>
-                <a:hlinkClick r:id="rId3"/>
-              </a:rPr>
-              <a:t>isDSinFAX.py</a:t>
-            </a:r>
-            <a:r>
-              <a:rPr lang="en-US" sz="1400" b="1" dirty="0" smtClean="0">
-                <a:solidFill>
-                  <a:srgbClr val="E3A743"/>
-                </a:solidFill>
-                <a:latin typeface="Consolas"/>
-                <a:cs typeface="Consolas"/>
-              </a:rPr>
-              <a:t> &gt; </a:t>
-            </a:r>
-            <a:r>
-              <a:rPr lang="en-US" sz="1400" b="1" dirty="0" err="1" smtClean="0">
-                <a:solidFill>
-                  <a:srgbClr val="E3A743"/>
-                </a:solidFill>
-                <a:latin typeface="Consolas"/>
-                <a:cs typeface="Consolas"/>
+                <a:hlinkClick r:id="rId4"/>
               </a:rPr>
               <a:t>isDSinFAX.py</a:t>
             </a:r>
@@ -27233,7 +28229,7 @@
         </p:nvSpPr>
         <p:spPr>
           <a:xfrm>
-            <a:off x="3200400" y="6011602"/>
+            <a:off x="3657600" y="6025063"/>
             <a:ext cx="5257800" cy="369332"/>
           </a:xfrm>
           <a:prstGeom prst="rect">
@@ -27307,12 +28303,12 @@
               <a:t>Tutorial</a:t>
             </a:r>
             <a:r>
-              <a:rPr lang="en-US" dirty="0" smtClean="0"/>
+              <a:rPr lang="en-US" dirty="0"/>
               <a:t>/</a:t>
             </a:r>
             <a:r>
-              <a:rPr lang="en-US" dirty="0" err="1" smtClean="0"/>
-              <a:t>CreateFileList</a:t>
+              <a:rPr lang="en-US" dirty="0" err="1"/>
+              <a:t>WhereIsTheDS</a:t>
             </a:r>
             <a:endParaRPr lang="en-US" dirty="0"/>
           </a:p>
@@ -27999,7 +28995,7 @@
                 <a:latin typeface="Consolas"/>
                 <a:cs typeface="Consolas"/>
               </a:rPr>
-              <a:t>~&gt; export </a:t>
+              <a:t>export </a:t>
             </a:r>
             <a:r>
               <a:rPr lang="en-US" sz="1400" b="1" dirty="0">
@@ -28030,7 +29026,7 @@
                 <a:latin typeface="Consolas"/>
                 <a:cs typeface="Consolas"/>
               </a:rPr>
-              <a:t>~&gt; dq2</a:t>
+              <a:t>dq2</a:t>
             </a:r>
             <a:r>
               <a:rPr lang="en-US" sz="1400" b="1" dirty="0">
@@ -28069,6 +29065,57 @@
               <a:latin typeface="Consolas"/>
               <a:cs typeface="Consolas"/>
             </a:endParaRPr>
+          </a:p>
+        </p:txBody>
+      </p:sp>
+      <p:sp>
+        <p:nvSpPr>
+          <p:cNvPr id="9" name="Rectangle 8"/>
+          <p:cNvSpPr/>
+          <p:nvPr/>
+        </p:nvSpPr>
+        <p:spPr>
+          <a:xfrm>
+            <a:off x="6649091" y="21269"/>
+            <a:ext cx="2471022" cy="369332"/>
+          </a:xfrm>
+          <a:prstGeom prst="rect">
+            <a:avLst/>
+          </a:prstGeom>
+        </p:spPr>
+        <p:style>
+          <a:lnRef idx="1">
+            <a:schemeClr val="dk1"/>
+          </a:lnRef>
+          <a:fillRef idx="2">
+            <a:schemeClr val="dk1"/>
+          </a:fillRef>
+          <a:effectRef idx="1">
+            <a:schemeClr val="dk1"/>
+          </a:effectRef>
+          <a:fontRef idx="minor">
+            <a:schemeClr val="dk1"/>
+          </a:fontRef>
+        </p:style>
+        <p:txBody>
+          <a:bodyPr wrap="square">
+            <a:spAutoFit/>
+          </a:bodyPr>
+          <a:lstStyle/>
+          <a:p>
+            <a:r>
+              <a:rPr lang="en-US" dirty="0"/>
+              <a:t>Tutorial</a:t>
+            </a:r>
+            <a:r>
+              <a:rPr lang="en-US" dirty="0" smtClean="0"/>
+              <a:t>/</a:t>
+            </a:r>
+            <a:r>
+              <a:rPr lang="en-US" dirty="0" err="1" smtClean="0"/>
+              <a:t>CreateFileList</a:t>
+            </a:r>
+            <a:endParaRPr lang="en-US" dirty="0"/>
           </a:p>
         </p:txBody>
       </p:sp>

--- a/Tutorial.pptx
+++ b/Tutorial.pptx
@@ -5,10 +5,10 @@
     <p:sldMasterId id="2147483834" r:id="rId1"/>
   </p:sldMasterIdLst>
   <p:notesMasterIdLst>
-    <p:notesMasterId r:id="rId27"/>
+    <p:notesMasterId r:id="rId28"/>
   </p:notesMasterIdLst>
   <p:handoutMasterIdLst>
-    <p:handoutMasterId r:id="rId28"/>
+    <p:handoutMasterId r:id="rId29"/>
   </p:handoutMasterIdLst>
   <p:sldIdLst>
     <p:sldId id="256" r:id="rId2"/>
@@ -31,11 +31,12 @@
     <p:sldId id="342" r:id="rId19"/>
     <p:sldId id="355" r:id="rId20"/>
     <p:sldId id="358" r:id="rId21"/>
-    <p:sldId id="352" r:id="rId22"/>
-    <p:sldId id="350" r:id="rId23"/>
-    <p:sldId id="346" r:id="rId24"/>
-    <p:sldId id="349" r:id="rId25"/>
-    <p:sldId id="351" r:id="rId26"/>
+    <p:sldId id="360" r:id="rId22"/>
+    <p:sldId id="352" r:id="rId23"/>
+    <p:sldId id="350" r:id="rId24"/>
+    <p:sldId id="346" r:id="rId25"/>
+    <p:sldId id="349" r:id="rId26"/>
+    <p:sldId id="351" r:id="rId27"/>
   </p:sldIdLst>
   <p:sldSz cx="9144000" cy="6858000" type="screen4x3"/>
   <p:notesSz cx="6858000" cy="9144000"/>
@@ -219,7 +220,7 @@
           <a:p>
             <a:fld id="{92E9B281-BA54-794C-ACD8-2D743C591A6A}" type="datetime1">
               <a:rPr lang="en-US" smtClean="0"/>
-              <a:t>7/15/13</a:t>
+              <a:t>7/16/13</a:t>
             </a:fld>
             <a:endParaRPr lang="en-US"/>
           </a:p>
@@ -385,7 +386,7 @@
           <a:p>
             <a:fld id="{B19DBBA3-98AD-944B-8B8B-5B9FFC955A4F}" type="datetime1">
               <a:rPr lang="en-US" smtClean="0"/>
-              <a:t>7/15/13</a:t>
+              <a:t>7/16/13</a:t>
             </a:fld>
             <a:endParaRPr lang="en-US"/>
           </a:p>
@@ -3056,7 +3057,7 @@
           <a:p>
             <a:fld id="{5A777D2D-388A-5249-B920-6B487891E39C}" type="datetime1">
               <a:rPr lang="en-US" smtClean="0"/>
-              <a:t>7/15/13</a:t>
+              <a:t>7/16/13</a:t>
             </a:fld>
             <a:endParaRPr lang="en-US"/>
           </a:p>
@@ -4165,7 +4166,7 @@
           <a:p>
             <a:fld id="{B3706F72-1B1B-7D49-8F06-553DBF27354F}" type="datetime1">
               <a:rPr lang="en-US" smtClean="0"/>
-              <a:t>7/15/13</a:t>
+              <a:t>7/16/13</a:t>
             </a:fld>
             <a:endParaRPr lang="en-US"/>
           </a:p>
@@ -5282,7 +5283,7 @@
           <a:p>
             <a:fld id="{33868D22-1979-9941-89D2-960890592796}" type="datetime1">
               <a:rPr lang="en-US" smtClean="0"/>
-              <a:t>7/15/13</a:t>
+              <a:t>7/16/13</a:t>
             </a:fld>
             <a:endParaRPr lang="en-US"/>
           </a:p>
@@ -6394,7 +6395,7 @@
           <a:p>
             <a:fld id="{7DA83AE1-CB64-784C-9A8F-13236E608BC8}" type="datetime1">
               <a:rPr lang="en-US" smtClean="0"/>
-              <a:t>7/15/13</a:t>
+              <a:t>7/16/13</a:t>
             </a:fld>
             <a:endParaRPr lang="en-US"/>
           </a:p>
@@ -7991,7 +7992,7 @@
           <a:p>
             <a:fld id="{706B2D66-2453-CA4D-911E-49DA97530D5E}" type="datetime1">
               <a:rPr lang="en-US" smtClean="0"/>
-              <a:t>7/15/13</a:t>
+              <a:t>7/16/13</a:t>
             </a:fld>
             <a:endParaRPr lang="en-US"/>
           </a:p>
@@ -9053,7 +9054,7 @@
           <a:p>
             <a:fld id="{90FEEE81-71E4-A542-ADFF-2E09FBD3072E}" type="datetime1">
               <a:rPr lang="en-US" smtClean="0"/>
-              <a:t>7/15/13</a:t>
+              <a:t>7/16/13</a:t>
             </a:fld>
             <a:endParaRPr lang="en-US"/>
           </a:p>
@@ -10384,7 +10385,7 @@
           <a:p>
             <a:fld id="{62BDF073-ACE3-A84C-B243-6B11C0476D96}" type="datetime1">
               <a:rPr lang="en-US" smtClean="0"/>
-              <a:t>7/15/13</a:t>
+              <a:t>7/16/13</a:t>
             </a:fld>
             <a:endParaRPr lang="en-US"/>
           </a:p>
@@ -11525,7 +11526,7 @@
           <a:p>
             <a:fld id="{A4440ACC-86DF-6048-A4D0-BE1043AA6C73}" type="datetime1">
               <a:rPr lang="en-US" smtClean="0"/>
-              <a:t>7/15/13</a:t>
+              <a:t>7/16/13</a:t>
             </a:fld>
             <a:endParaRPr lang="en-US"/>
           </a:p>
@@ -12585,7 +12586,7 @@
           <a:p>
             <a:fld id="{78CB6171-CF12-4A4C-B605-2C23CF5C25F9}" type="datetime1">
               <a:rPr lang="en-US" smtClean="0"/>
-              <a:t>7/15/13</a:t>
+              <a:t>7/16/13</a:t>
             </a:fld>
             <a:endParaRPr lang="en-US"/>
           </a:p>
@@ -13627,7 +13628,7 @@
           <a:p>
             <a:fld id="{B5B4C014-2DF0-6A4A-A8CD-F451B1E6A4CA}" type="datetime1">
               <a:rPr lang="en-US" smtClean="0"/>
-              <a:t>7/15/13</a:t>
+              <a:t>7/16/13</a:t>
             </a:fld>
             <a:endParaRPr lang="en-US"/>
           </a:p>
@@ -14866,7 +14867,7 @@
           <a:p>
             <a:fld id="{62AE354E-D8E4-5F49-A393-E13667096BD7}" type="datetime1">
               <a:rPr lang="en-US" smtClean="0"/>
-              <a:t>7/15/13</a:t>
+              <a:t>7/16/13</a:t>
             </a:fld>
             <a:endParaRPr lang="en-US"/>
           </a:p>
@@ -15223,7 +15224,7 @@
           <a:p>
             <a:fld id="{11FB6A6A-2DD6-924E-9F0A-D95C6BF58861}" type="datetime1">
               <a:rPr lang="en-US" smtClean="0"/>
-              <a:t>7/15/13</a:t>
+              <a:t>7/16/13</a:t>
             </a:fld>
             <a:endParaRPr lang="en-US"/>
           </a:p>
@@ -15970,7 +15971,7 @@
           <a:p>
             <a:fld id="{D9EC7038-F29E-FB43-80D2-9BA032D63C30}" type="datetime1">
               <a:rPr lang="en-US" smtClean="0"/>
-              <a:t>7/15/13</a:t>
+              <a:t>7/16/13</a:t>
             </a:fld>
             <a:endParaRPr lang="en-US"/>
           </a:p>
@@ -16371,7 +16372,15 @@
             </a:pPr>
             <a:r>
               <a:rPr lang="en-US" dirty="0" smtClean="0"/>
-              <a:t>Select a green endpoint or redirector closest to you from list here: </a:t>
+              <a:t>Select a green endpoint or </a:t>
+            </a:r>
+            <a:r>
+              <a:rPr lang="en-US" dirty="0" smtClean="0"/>
+              <a:t> a redirector </a:t>
+            </a:r>
+            <a:r>
+              <a:rPr lang="en-US" dirty="0" smtClean="0"/>
+              <a:t>closest to you from list here: </a:t>
             </a:r>
             <a:r>
               <a:rPr lang="en-US" dirty="0" smtClean="0">
@@ -16444,7 +16453,7 @@
           <a:p>
             <a:fld id="{D9EC7038-F29E-FB43-80D2-9BA032D63C30}" type="datetime1">
               <a:rPr lang="en-US" smtClean="0"/>
-              <a:t>7/15/13</a:t>
+              <a:t>7/16/13</a:t>
             </a:fld>
             <a:endParaRPr lang="en-US"/>
           </a:p>
@@ -16823,7 +16832,6 @@
               <a:rPr lang="en-US" dirty="0"/>
               <a:t>)</a:t>
             </a:r>
-            <a:endParaRPr lang="en-US" dirty="0"/>
           </a:p>
           <a:p>
             <a:pPr lvl="1"/>
@@ -16894,7 +16902,7 @@
           <a:p>
             <a:fld id="{CDA00D33-FDA7-AD4E-9672-FAE71C1B59B7}" type="datetime1">
               <a:rPr lang="en-US" smtClean="0"/>
-              <a:t>7/15/13</a:t>
+              <a:t>7/16/13</a:t>
             </a:fld>
             <a:endParaRPr lang="en-US"/>
           </a:p>
@@ -17860,7 +17868,7 @@
           <a:p>
             <a:fld id="{044211E0-D98E-5D49-A016-8C1B10EEECE0}" type="datetime1">
               <a:rPr lang="en-US" smtClean="0"/>
-              <a:t>7/15/13</a:t>
+              <a:t>7/16/13</a:t>
             </a:fld>
             <a:endParaRPr lang="en-US"/>
           </a:p>
@@ -19324,7 +19332,7 @@
           <a:p>
             <a:fld id="{7DA83AE1-CB64-784C-9A8F-13236E608BC8}" type="datetime1">
               <a:rPr lang="en-US" smtClean="0"/>
-              <a:t>7/15/13</a:t>
+              <a:t>7/16/13</a:t>
             </a:fld>
             <a:endParaRPr lang="en-US"/>
           </a:p>
@@ -20172,7 +20180,7 @@
           <a:p>
             <a:fld id="{7DA83AE1-CB64-784C-9A8F-13236E608BC8}" type="datetime1">
               <a:rPr lang="en-US" smtClean="0"/>
-              <a:t>7/15/13</a:t>
+              <a:t>7/16/13</a:t>
             </a:fld>
             <a:endParaRPr lang="en-US"/>
           </a:p>
@@ -20872,7 +20880,7 @@
           <a:p>
             <a:fld id="{7DA83AE1-CB64-784C-9A8F-13236E608BC8}" type="datetime1">
               <a:rPr lang="en-US" smtClean="0"/>
-              <a:t>7/15/13</a:t>
+              <a:t>7/16/13</a:t>
             </a:fld>
             <a:endParaRPr lang="en-US"/>
           </a:p>
@@ -21501,7 +21509,7 @@
           <a:p>
             <a:fld id="{75BE49D8-2F20-4D48-A630-E158AC0D08EF}" type="datetime1">
               <a:rPr lang="en-US" smtClean="0"/>
-              <a:t>7/15/13</a:t>
+              <a:t>7/16/13</a:t>
             </a:fld>
             <a:endParaRPr lang="en-US"/>
           </a:p>
@@ -22606,7 +22614,7 @@
           <a:p>
             <a:fld id="{6BFAC227-F055-EF47-8A9B-BE5B836CAA5B}" type="datetime1">
               <a:rPr lang="en-US" smtClean="0"/>
-              <a:t>7/15/13</a:t>
+              <a:t>7/16/13</a:t>
             </a:fld>
             <a:endParaRPr lang="en-US"/>
           </a:p>
@@ -23421,7 +23429,7 @@
           <a:p>
             <a:fld id="{6BFAC227-F055-EF47-8A9B-BE5B836CAA5B}" type="datetime1">
               <a:rPr lang="en-US" smtClean="0"/>
-              <a:t>7/15/13</a:t>
+              <a:t>7/16/13</a:t>
             </a:fld>
             <a:endParaRPr lang="en-US"/>
           </a:p>
@@ -24668,7 +24676,7 @@
           <a:p>
             <a:fld id="{D329B981-814D-754C-B17B-7D2D90287C7C}" type="datetime1">
               <a:rPr lang="en-US" smtClean="0"/>
-              <a:t>7/15/13</a:t>
+              <a:t>7/16/13</a:t>
             </a:fld>
             <a:endParaRPr lang="en-US"/>
           </a:p>
@@ -24781,7 +24789,7 @@
         </p:nvSpPr>
         <p:spPr>
           <a:xfrm>
-            <a:off x="914822" y="4293951"/>
+            <a:off x="966874" y="4293951"/>
             <a:ext cx="3061849" cy="2564049"/>
           </a:xfrm>
           <a:prstGeom prst="rect">
@@ -24872,7 +24880,11 @@
           <a:p>
             <a:r>
               <a:rPr lang="en-US" dirty="0" smtClean="0"/>
-              <a:t>Performance example</a:t>
+              <a:t>Performance </a:t>
+            </a:r>
+            <a:r>
+              <a:rPr lang="en-US" dirty="0" smtClean="0"/>
+              <a:t>example – skim SLIM</a:t>
             </a:r>
             <a:endParaRPr lang="en-US" dirty="0"/>
           </a:p>
@@ -24895,7 +24907,7 @@
           <a:p>
             <a:fld id="{7DA83AE1-CB64-784C-9A8F-13236E608BC8}" type="datetime1">
               <a:rPr lang="en-US" smtClean="0"/>
-              <a:t>7/15/13</a:t>
+              <a:t>7/16/13</a:t>
             </a:fld>
             <a:endParaRPr lang="en-US"/>
           </a:p>
@@ -24926,7 +24938,7 @@
       </p:sp>
       <p:pic>
         <p:nvPicPr>
-          <p:cNvPr id="8" name="Picture 7" descr="Screen Shot 2013-07-14 at 11.07.54 .png"/>
+          <p:cNvPr id="11" name="Picture 10" descr="Screen Shot 2013-07-14 at 12.37.51 .png"/>
           <p:cNvPicPr>
             <a:picLocks noChangeAspect="1"/>
           </p:cNvPicPr>
@@ -24934,36 +24946,6 @@
         </p:nvPicPr>
         <p:blipFill>
           <a:blip r:embed="rId2">
-            <a:extLst>
-              <a:ext uri="{28A0092B-C50C-407E-A947-70E740481C1C}">
-                <a14:useLocalDpi xmlns:a14="http://schemas.microsoft.com/office/drawing/2010/main" val="0"/>
-              </a:ext>
-            </a:extLst>
-          </a:blip>
-          <a:stretch>
-            <a:fillRect/>
-          </a:stretch>
-        </p:blipFill>
-        <p:spPr>
-          <a:xfrm>
-            <a:off x="4900728" y="1417637"/>
-            <a:ext cx="4014672" cy="2262886"/>
-          </a:xfrm>
-          <a:prstGeom prst="rect">
-            <a:avLst/>
-          </a:prstGeom>
-        </p:spPr>
-      </p:pic>
-      <p:pic>
-        <p:nvPicPr>
-          <p:cNvPr id="11" name="Picture 10" descr="Screen Shot 2013-07-14 at 12.37.51 .png"/>
-          <p:cNvPicPr>
-            <a:picLocks noChangeAspect="1"/>
-          </p:cNvPicPr>
-          <p:nvPr/>
-        </p:nvPicPr>
-        <p:blipFill>
-          <a:blip r:embed="rId3">
             <a:extLst>
               <a:ext uri="{28A0092B-C50C-407E-A947-70E740481C1C}">
                 <a14:useLocalDpi xmlns:a14="http://schemas.microsoft.com/office/drawing/2010/main" val="0"/>
@@ -24996,8 +24978,8 @@
         </p:nvSpPr>
         <p:spPr>
           <a:xfrm>
-            <a:off x="4900728" y="4164250"/>
-            <a:ext cx="4014672" cy="1884324"/>
+            <a:off x="5090562" y="4293951"/>
+            <a:ext cx="3262698" cy="562174"/>
           </a:xfrm>
           <a:solidFill>
             <a:schemeClr val="bg1">
@@ -25009,7 +24991,7 @@
         </p:spPr>
         <p:txBody>
           <a:bodyPr>
-            <a:normAutofit fontScale="85000" lnSpcReduction="20000"/>
+            <a:normAutofit fontScale="92500" lnSpcReduction="10000"/>
           </a:bodyPr>
           <a:lstStyle/>
           <a:p>
@@ -25018,81 +25000,24 @@
             </a:pPr>
             <a:r>
               <a:rPr lang="en-US" sz="1800" dirty="0" smtClean="0"/>
-              <a:t>200 SMWZ </a:t>
-            </a:r>
-            <a:r>
-              <a:rPr lang="en-US" sz="1800" dirty="0" err="1" smtClean="0"/>
-              <a:t>SkimSlim</a:t>
+              <a:t>Performance </a:t>
             </a:r>
             <a:r>
               <a:rPr lang="en-US" sz="1800" dirty="0" smtClean="0"/>
-              <a:t> jobs from UC Tier3 </a:t>
-            </a:r>
-          </a:p>
-          <a:p>
-            <a:pPr marL="68580" indent="0">
-              <a:buNone/>
-            </a:pPr>
-            <a:r>
-              <a:rPr lang="en-US" sz="1800" dirty="0"/>
-              <a:t>D</a:t>
+              <a:t>will vary with </a:t>
             </a:r>
             <a:r>
               <a:rPr lang="en-US" sz="1800" dirty="0" smtClean="0"/>
-              <a:t>ata were at MWT2</a:t>
-            </a:r>
-            <a:endParaRPr lang="en-US" sz="1800" dirty="0"/>
-          </a:p>
-          <a:p>
-            <a:pPr marL="68580" indent="0">
-              <a:buNone/>
-            </a:pPr>
-            <a:endParaRPr lang="en-US" sz="1800" dirty="0"/>
-          </a:p>
-          <a:p>
-            <a:pPr marL="68580" indent="0">
-              <a:buNone/>
-            </a:pPr>
+              <a:t>available bandwidth </a:t>
+            </a:r>
             <a:r>
               <a:rPr lang="en-US" sz="1800" dirty="0" smtClean="0"/>
-              <a:t>500 jobs at UC3 data at AGLT2</a:t>
-            </a:r>
-          </a:p>
-          <a:p>
-            <a:pPr marL="68580" indent="0">
-              <a:buNone/>
-            </a:pPr>
-            <a:endParaRPr lang="en-US" sz="1800" dirty="0"/>
-          </a:p>
-          <a:p>
-            <a:pPr marL="68580" indent="0">
-              <a:buNone/>
-            </a:pPr>
+              <a:t>between sites</a:t>
+            </a:r>
             <a:r>
               <a:rPr lang="en-US" sz="1800" dirty="0" smtClean="0"/>
-              <a:t>Performance will vary with bandwidth between sites.</a:t>
-            </a:r>
-            <a:endParaRPr lang="en-US" sz="1800" dirty="0" smtClean="0"/>
-          </a:p>
-          <a:p>
-            <a:endParaRPr lang="en-US" sz="1800" dirty="0"/>
-          </a:p>
-          <a:p>
-            <a:endParaRPr lang="en-US" sz="1800" dirty="0" smtClean="0"/>
-          </a:p>
-          <a:p>
-            <a:endParaRPr lang="en-US" sz="1800" dirty="0"/>
-          </a:p>
-          <a:p>
-            <a:endParaRPr lang="en-US" sz="1800" dirty="0" smtClean="0"/>
-          </a:p>
-          <a:p>
-            <a:endParaRPr lang="en-US" sz="1800" dirty="0"/>
-          </a:p>
-          <a:p>
-            <a:endParaRPr lang="en-US" sz="1800" dirty="0" smtClean="0"/>
-          </a:p>
-          <a:p>
+              <a:t>. </a:t>
+            </a:r>
             <a:endParaRPr lang="en-US" sz="1800" dirty="0"/>
           </a:p>
           <a:p>
@@ -25109,7 +25034,7 @@
           <p:nvPr/>
         </p:nvPicPr>
         <p:blipFill>
-          <a:blip r:embed="rId4">
+          <a:blip r:embed="rId3">
             <a:extLst>
               <a:ext uri="{28A0092B-C50C-407E-A947-70E740481C1C}">
                 <a14:useLocalDpi xmlns:a14="http://schemas.microsoft.com/office/drawing/2010/main" val="0"/>
@@ -25122,7 +25047,7 @@
         </p:blipFill>
         <p:spPr>
           <a:xfrm>
-            <a:off x="966874" y="4339397"/>
+            <a:off x="1018926" y="4339397"/>
             <a:ext cx="2685813" cy="2518603"/>
           </a:xfrm>
           <a:prstGeom prst="rect">
@@ -25130,6 +25055,652 @@
           </a:prstGeom>
         </p:spPr>
       </p:pic>
+      <p:sp>
+        <p:nvSpPr>
+          <p:cNvPr id="13" name="Content Placeholder 2"/>
+          <p:cNvSpPr txBox="1">
+            <a:spLocks/>
+          </p:cNvSpPr>
+          <p:nvPr/>
+        </p:nvSpPr>
+        <p:spPr>
+          <a:xfrm>
+            <a:off x="1336704" y="1417637"/>
+            <a:ext cx="3254164" cy="524291"/>
+          </a:xfrm>
+          <a:prstGeom prst="rect">
+            <a:avLst/>
+          </a:prstGeom>
+          <a:solidFill>
+            <a:schemeClr val="bg1">
+              <a:lumMod val="95000"/>
+              <a:lumOff val="5000"/>
+              <a:alpha val="28000"/>
+            </a:schemeClr>
+          </a:solidFill>
+        </p:spPr>
+        <p:txBody>
+          <a:bodyPr vert="horz" lIns="0" tIns="45720" rIns="0" bIns="45720" rtlCol="0">
+            <a:normAutofit fontScale="77500" lnSpcReduction="20000"/>
+          </a:bodyPr>
+          <a:lstStyle>
+            <a:lvl1pPr marL="342900" indent="-274320" algn="l" defTabSz="914400" rtl="0" eaLnBrk="1" latinLnBrk="0" hangingPunct="1">
+              <a:lnSpc>
+                <a:spcPct val="100000"/>
+              </a:lnSpc>
+              <a:spcBef>
+                <a:spcPts val="700"/>
+              </a:spcBef>
+              <a:buClr>
+                <a:schemeClr val="accent1"/>
+              </a:buClr>
+              <a:buSzPct val="85000"/>
+              <a:buFont typeface="Wingdings 3" pitchFamily="18" charset="2"/>
+              <a:buChar char=""/>
+              <a:defRPr sz="2000" kern="1200" baseline="0">
+                <a:solidFill>
+                  <a:schemeClr val="tx1"/>
+                </a:solidFill>
+                <a:latin typeface="+mn-lt"/>
+                <a:ea typeface="+mn-ea"/>
+                <a:cs typeface="+mn-cs"/>
+              </a:defRPr>
+            </a:lvl1pPr>
+            <a:lvl2pPr marL="742950" indent="-274320" algn="l" defTabSz="914400" rtl="0" eaLnBrk="1" latinLnBrk="0" hangingPunct="1">
+              <a:lnSpc>
+                <a:spcPct val="100000"/>
+              </a:lnSpc>
+              <a:spcBef>
+                <a:spcPts val="700"/>
+              </a:spcBef>
+              <a:buClr>
+                <a:schemeClr val="accent1"/>
+              </a:buClr>
+              <a:buSzPct val="85000"/>
+              <a:buFont typeface="Wingdings 3" pitchFamily="18" charset="2"/>
+              <a:buChar char=""/>
+              <a:defRPr sz="1600" kern="1200" baseline="0">
+                <a:solidFill>
+                  <a:schemeClr val="tx1"/>
+                </a:solidFill>
+                <a:latin typeface="+mn-lt"/>
+                <a:ea typeface="+mn-ea"/>
+                <a:cs typeface="+mn-cs"/>
+              </a:defRPr>
+            </a:lvl2pPr>
+            <a:lvl3pPr marL="1143000" indent="-274320" algn="l" defTabSz="914400" rtl="0" eaLnBrk="1" latinLnBrk="0" hangingPunct="1">
+              <a:lnSpc>
+                <a:spcPct val="100000"/>
+              </a:lnSpc>
+              <a:spcBef>
+                <a:spcPts val="700"/>
+              </a:spcBef>
+              <a:buClr>
+                <a:schemeClr val="accent1"/>
+              </a:buClr>
+              <a:buSzPct val="85000"/>
+              <a:buFont typeface="Wingdings 3" pitchFamily="18" charset="2"/>
+              <a:buChar char=""/>
+              <a:defRPr sz="1400" kern="1200" baseline="0">
+                <a:solidFill>
+                  <a:schemeClr val="tx1"/>
+                </a:solidFill>
+                <a:latin typeface="+mn-lt"/>
+                <a:ea typeface="+mn-ea"/>
+                <a:cs typeface="+mn-cs"/>
+              </a:defRPr>
+            </a:lvl3pPr>
+            <a:lvl4pPr marL="1600200" indent="-274320" algn="l" defTabSz="914400" rtl="0" eaLnBrk="1" latinLnBrk="0" hangingPunct="1">
+              <a:lnSpc>
+                <a:spcPct val="100000"/>
+              </a:lnSpc>
+              <a:spcBef>
+                <a:spcPts val="700"/>
+              </a:spcBef>
+              <a:buClr>
+                <a:schemeClr val="accent1"/>
+              </a:buClr>
+              <a:buSzPct val="85000"/>
+              <a:buFont typeface="Wingdings 3" pitchFamily="18" charset="2"/>
+              <a:buChar char=""/>
+              <a:defRPr sz="1400" kern="1200" baseline="0">
+                <a:solidFill>
+                  <a:schemeClr val="tx1"/>
+                </a:solidFill>
+                <a:latin typeface="+mn-lt"/>
+                <a:ea typeface="+mn-ea"/>
+                <a:cs typeface="+mn-cs"/>
+              </a:defRPr>
+            </a:lvl4pPr>
+            <a:lvl5pPr marL="2057400" indent="-274320" algn="l" defTabSz="914400" rtl="0" eaLnBrk="1" latinLnBrk="0" hangingPunct="1">
+              <a:lnSpc>
+                <a:spcPct val="100000"/>
+              </a:lnSpc>
+              <a:spcBef>
+                <a:spcPts val="700"/>
+              </a:spcBef>
+              <a:buClr>
+                <a:schemeClr val="accent1"/>
+              </a:buClr>
+              <a:buSzPct val="85000"/>
+              <a:buFont typeface="Wingdings 3" pitchFamily="18" charset="2"/>
+              <a:buChar char=""/>
+              <a:defRPr sz="1400" kern="1200" baseline="0">
+                <a:solidFill>
+                  <a:schemeClr val="tx1"/>
+                </a:solidFill>
+                <a:latin typeface="+mn-lt"/>
+                <a:ea typeface="+mn-ea"/>
+                <a:cs typeface="+mn-cs"/>
+              </a:defRPr>
+            </a:lvl5pPr>
+            <a:lvl6pPr marL="2514600" indent="-274320" algn="l" defTabSz="914400" rtl="0" eaLnBrk="1" latinLnBrk="0" hangingPunct="1">
+              <a:lnSpc>
+                <a:spcPct val="100000"/>
+              </a:lnSpc>
+              <a:spcBef>
+                <a:spcPts val="700"/>
+              </a:spcBef>
+              <a:buClr>
+                <a:schemeClr val="accent1"/>
+              </a:buClr>
+              <a:buSzPct val="85000"/>
+              <a:buFont typeface="Wingdings 3" pitchFamily="18" charset="2"/>
+              <a:buChar char=""/>
+              <a:defRPr sz="1400" kern="1200">
+                <a:solidFill>
+                  <a:schemeClr val="tx1"/>
+                </a:solidFill>
+                <a:latin typeface="+mn-lt"/>
+                <a:ea typeface="+mn-ea"/>
+                <a:cs typeface="+mn-cs"/>
+              </a:defRPr>
+            </a:lvl6pPr>
+            <a:lvl7pPr marL="2971800" indent="-274320" algn="l" defTabSz="914400" rtl="0" eaLnBrk="1" latinLnBrk="0" hangingPunct="1">
+              <a:lnSpc>
+                <a:spcPct val="100000"/>
+              </a:lnSpc>
+              <a:spcBef>
+                <a:spcPts val="700"/>
+              </a:spcBef>
+              <a:buClr>
+                <a:schemeClr val="accent1"/>
+              </a:buClr>
+              <a:buSzPct val="85000"/>
+              <a:buFont typeface="Wingdings 3" pitchFamily="18" charset="2"/>
+              <a:buChar char=""/>
+              <a:defRPr sz="1400" kern="1200">
+                <a:solidFill>
+                  <a:schemeClr val="tx1"/>
+                </a:solidFill>
+                <a:latin typeface="+mn-lt"/>
+                <a:ea typeface="+mn-ea"/>
+                <a:cs typeface="+mn-cs"/>
+              </a:defRPr>
+            </a:lvl7pPr>
+            <a:lvl8pPr marL="3429000" indent="-274320" algn="l" defTabSz="914400" rtl="0" eaLnBrk="1" latinLnBrk="0" hangingPunct="1">
+              <a:lnSpc>
+                <a:spcPct val="100000"/>
+              </a:lnSpc>
+              <a:spcBef>
+                <a:spcPts val="700"/>
+              </a:spcBef>
+              <a:buClr>
+                <a:schemeClr val="accent1"/>
+              </a:buClr>
+              <a:buSzPct val="85000"/>
+              <a:buFont typeface="Wingdings 3" pitchFamily="18" charset="2"/>
+              <a:buChar char=""/>
+              <a:defRPr sz="1400" kern="1200">
+                <a:solidFill>
+                  <a:schemeClr val="tx1"/>
+                </a:solidFill>
+                <a:latin typeface="+mn-lt"/>
+                <a:ea typeface="+mn-ea"/>
+                <a:cs typeface="+mn-cs"/>
+              </a:defRPr>
+            </a:lvl8pPr>
+            <a:lvl9pPr marL="3886200" indent="-274320" algn="l" defTabSz="914400" rtl="0" eaLnBrk="1" latinLnBrk="0" hangingPunct="1">
+              <a:lnSpc>
+                <a:spcPct val="100000"/>
+              </a:lnSpc>
+              <a:spcBef>
+                <a:spcPts val="700"/>
+              </a:spcBef>
+              <a:buClr>
+                <a:schemeClr val="accent1"/>
+              </a:buClr>
+              <a:buSzPct val="85000"/>
+              <a:buFont typeface="Wingdings 3" pitchFamily="18" charset="2"/>
+              <a:buChar char=""/>
+              <a:defRPr sz="1400" kern="1200">
+                <a:solidFill>
+                  <a:schemeClr val="tx1"/>
+                </a:solidFill>
+                <a:latin typeface="+mn-lt"/>
+                <a:ea typeface="+mn-ea"/>
+                <a:cs typeface="+mn-cs"/>
+              </a:defRPr>
+            </a:lvl9pPr>
+          </a:lstStyle>
+          <a:p>
+            <a:pPr marL="68580" indent="0">
+              <a:buFont typeface="Wingdings 3" pitchFamily="18" charset="2"/>
+              <a:buNone/>
+            </a:pPr>
+            <a:r>
+              <a:rPr lang="en-US" sz="1800" dirty="0" smtClean="0"/>
+              <a:t>200 SMWZ </a:t>
+            </a:r>
+            <a:r>
+              <a:rPr lang="en-US" sz="1800" dirty="0" err="1" smtClean="0"/>
+              <a:t>SkimSlim</a:t>
+            </a:r>
+            <a:r>
+              <a:rPr lang="en-US" sz="1800" dirty="0" smtClean="0"/>
+              <a:t> jobs from UC Tier3 </a:t>
+            </a:r>
+          </a:p>
+          <a:p>
+            <a:pPr marL="68580" indent="0">
+              <a:buFont typeface="Wingdings 3" pitchFamily="18" charset="2"/>
+              <a:buNone/>
+            </a:pPr>
+            <a:r>
+              <a:rPr lang="en-US" sz="1800" dirty="0" smtClean="0"/>
+              <a:t>Data were at MWT2</a:t>
+            </a:r>
+          </a:p>
+          <a:p>
+            <a:endParaRPr lang="en-US" sz="1800" dirty="0" smtClean="0"/>
+          </a:p>
+          <a:p>
+            <a:endParaRPr lang="en-US" sz="1800" dirty="0" smtClean="0"/>
+          </a:p>
+          <a:p>
+            <a:endParaRPr lang="en-US" sz="1800" dirty="0" smtClean="0"/>
+          </a:p>
+          <a:p>
+            <a:endParaRPr lang="en-US" sz="1800" dirty="0" smtClean="0"/>
+          </a:p>
+          <a:p>
+            <a:endParaRPr lang="en-US" sz="1800" dirty="0" smtClean="0"/>
+          </a:p>
+          <a:p>
+            <a:endParaRPr lang="en-US" sz="1800" dirty="0" smtClean="0"/>
+          </a:p>
+          <a:p>
+            <a:endParaRPr lang="en-US" sz="1800" dirty="0" smtClean="0"/>
+          </a:p>
+        </p:txBody>
+      </p:sp>
+      <p:sp>
+        <p:nvSpPr>
+          <p:cNvPr id="14" name="Content Placeholder 2"/>
+          <p:cNvSpPr txBox="1">
+            <a:spLocks/>
+          </p:cNvSpPr>
+          <p:nvPr/>
+        </p:nvSpPr>
+        <p:spPr>
+          <a:xfrm>
+            <a:off x="1388756" y="4305375"/>
+            <a:ext cx="2639967" cy="269663"/>
+          </a:xfrm>
+          <a:prstGeom prst="rect">
+            <a:avLst/>
+          </a:prstGeom>
+          <a:solidFill>
+            <a:schemeClr val="bg1">
+              <a:lumMod val="95000"/>
+              <a:lumOff val="5000"/>
+              <a:alpha val="28000"/>
+            </a:schemeClr>
+          </a:solidFill>
+        </p:spPr>
+        <p:txBody>
+          <a:bodyPr vert="horz" lIns="0" tIns="45720" rIns="0" bIns="45720" rtlCol="0">
+            <a:normAutofit fontScale="77500" lnSpcReduction="20000"/>
+          </a:bodyPr>
+          <a:lstStyle>
+            <a:lvl1pPr marL="342900" indent="-274320" algn="l" defTabSz="914400" rtl="0" eaLnBrk="1" latinLnBrk="0" hangingPunct="1">
+              <a:lnSpc>
+                <a:spcPct val="100000"/>
+              </a:lnSpc>
+              <a:spcBef>
+                <a:spcPts val="700"/>
+              </a:spcBef>
+              <a:buClr>
+                <a:schemeClr val="accent1"/>
+              </a:buClr>
+              <a:buSzPct val="85000"/>
+              <a:buFont typeface="Wingdings 3" pitchFamily="18" charset="2"/>
+              <a:buChar char=""/>
+              <a:defRPr sz="2000" kern="1200" baseline="0">
+                <a:solidFill>
+                  <a:schemeClr val="tx1"/>
+                </a:solidFill>
+                <a:latin typeface="+mn-lt"/>
+                <a:ea typeface="+mn-ea"/>
+                <a:cs typeface="+mn-cs"/>
+              </a:defRPr>
+            </a:lvl1pPr>
+            <a:lvl2pPr marL="742950" indent="-274320" algn="l" defTabSz="914400" rtl="0" eaLnBrk="1" latinLnBrk="0" hangingPunct="1">
+              <a:lnSpc>
+                <a:spcPct val="100000"/>
+              </a:lnSpc>
+              <a:spcBef>
+                <a:spcPts val="700"/>
+              </a:spcBef>
+              <a:buClr>
+                <a:schemeClr val="accent1"/>
+              </a:buClr>
+              <a:buSzPct val="85000"/>
+              <a:buFont typeface="Wingdings 3" pitchFamily="18" charset="2"/>
+              <a:buChar char=""/>
+              <a:defRPr sz="1600" kern="1200" baseline="0">
+                <a:solidFill>
+                  <a:schemeClr val="tx1"/>
+                </a:solidFill>
+                <a:latin typeface="+mn-lt"/>
+                <a:ea typeface="+mn-ea"/>
+                <a:cs typeface="+mn-cs"/>
+              </a:defRPr>
+            </a:lvl2pPr>
+            <a:lvl3pPr marL="1143000" indent="-274320" algn="l" defTabSz="914400" rtl="0" eaLnBrk="1" latinLnBrk="0" hangingPunct="1">
+              <a:lnSpc>
+                <a:spcPct val="100000"/>
+              </a:lnSpc>
+              <a:spcBef>
+                <a:spcPts val="700"/>
+              </a:spcBef>
+              <a:buClr>
+                <a:schemeClr val="accent1"/>
+              </a:buClr>
+              <a:buSzPct val="85000"/>
+              <a:buFont typeface="Wingdings 3" pitchFamily="18" charset="2"/>
+              <a:buChar char=""/>
+              <a:defRPr sz="1400" kern="1200" baseline="0">
+                <a:solidFill>
+                  <a:schemeClr val="tx1"/>
+                </a:solidFill>
+                <a:latin typeface="+mn-lt"/>
+                <a:ea typeface="+mn-ea"/>
+                <a:cs typeface="+mn-cs"/>
+              </a:defRPr>
+            </a:lvl3pPr>
+            <a:lvl4pPr marL="1600200" indent="-274320" algn="l" defTabSz="914400" rtl="0" eaLnBrk="1" latinLnBrk="0" hangingPunct="1">
+              <a:lnSpc>
+                <a:spcPct val="100000"/>
+              </a:lnSpc>
+              <a:spcBef>
+                <a:spcPts val="700"/>
+              </a:spcBef>
+              <a:buClr>
+                <a:schemeClr val="accent1"/>
+              </a:buClr>
+              <a:buSzPct val="85000"/>
+              <a:buFont typeface="Wingdings 3" pitchFamily="18" charset="2"/>
+              <a:buChar char=""/>
+              <a:defRPr sz="1400" kern="1200" baseline="0">
+                <a:solidFill>
+                  <a:schemeClr val="tx1"/>
+                </a:solidFill>
+                <a:latin typeface="+mn-lt"/>
+                <a:ea typeface="+mn-ea"/>
+                <a:cs typeface="+mn-cs"/>
+              </a:defRPr>
+            </a:lvl4pPr>
+            <a:lvl5pPr marL="2057400" indent="-274320" algn="l" defTabSz="914400" rtl="0" eaLnBrk="1" latinLnBrk="0" hangingPunct="1">
+              <a:lnSpc>
+                <a:spcPct val="100000"/>
+              </a:lnSpc>
+              <a:spcBef>
+                <a:spcPts val="700"/>
+              </a:spcBef>
+              <a:buClr>
+                <a:schemeClr val="accent1"/>
+              </a:buClr>
+              <a:buSzPct val="85000"/>
+              <a:buFont typeface="Wingdings 3" pitchFamily="18" charset="2"/>
+              <a:buChar char=""/>
+              <a:defRPr sz="1400" kern="1200" baseline="0">
+                <a:solidFill>
+                  <a:schemeClr val="tx1"/>
+                </a:solidFill>
+                <a:latin typeface="+mn-lt"/>
+                <a:ea typeface="+mn-ea"/>
+                <a:cs typeface="+mn-cs"/>
+              </a:defRPr>
+            </a:lvl5pPr>
+            <a:lvl6pPr marL="2514600" indent="-274320" algn="l" defTabSz="914400" rtl="0" eaLnBrk="1" latinLnBrk="0" hangingPunct="1">
+              <a:lnSpc>
+                <a:spcPct val="100000"/>
+              </a:lnSpc>
+              <a:spcBef>
+                <a:spcPts val="700"/>
+              </a:spcBef>
+              <a:buClr>
+                <a:schemeClr val="accent1"/>
+              </a:buClr>
+              <a:buSzPct val="85000"/>
+              <a:buFont typeface="Wingdings 3" pitchFamily="18" charset="2"/>
+              <a:buChar char=""/>
+              <a:defRPr sz="1400" kern="1200">
+                <a:solidFill>
+                  <a:schemeClr val="tx1"/>
+                </a:solidFill>
+                <a:latin typeface="+mn-lt"/>
+                <a:ea typeface="+mn-ea"/>
+                <a:cs typeface="+mn-cs"/>
+              </a:defRPr>
+            </a:lvl6pPr>
+            <a:lvl7pPr marL="2971800" indent="-274320" algn="l" defTabSz="914400" rtl="0" eaLnBrk="1" latinLnBrk="0" hangingPunct="1">
+              <a:lnSpc>
+                <a:spcPct val="100000"/>
+              </a:lnSpc>
+              <a:spcBef>
+                <a:spcPts val="700"/>
+              </a:spcBef>
+              <a:buClr>
+                <a:schemeClr val="accent1"/>
+              </a:buClr>
+              <a:buSzPct val="85000"/>
+              <a:buFont typeface="Wingdings 3" pitchFamily="18" charset="2"/>
+              <a:buChar char=""/>
+              <a:defRPr sz="1400" kern="1200">
+                <a:solidFill>
+                  <a:schemeClr val="tx1"/>
+                </a:solidFill>
+                <a:latin typeface="+mn-lt"/>
+                <a:ea typeface="+mn-ea"/>
+                <a:cs typeface="+mn-cs"/>
+              </a:defRPr>
+            </a:lvl7pPr>
+            <a:lvl8pPr marL="3429000" indent="-274320" algn="l" defTabSz="914400" rtl="0" eaLnBrk="1" latinLnBrk="0" hangingPunct="1">
+              <a:lnSpc>
+                <a:spcPct val="100000"/>
+              </a:lnSpc>
+              <a:spcBef>
+                <a:spcPts val="700"/>
+              </a:spcBef>
+              <a:buClr>
+                <a:schemeClr val="accent1"/>
+              </a:buClr>
+              <a:buSzPct val="85000"/>
+              <a:buFont typeface="Wingdings 3" pitchFamily="18" charset="2"/>
+              <a:buChar char=""/>
+              <a:defRPr sz="1400" kern="1200">
+                <a:solidFill>
+                  <a:schemeClr val="tx1"/>
+                </a:solidFill>
+                <a:latin typeface="+mn-lt"/>
+                <a:ea typeface="+mn-ea"/>
+                <a:cs typeface="+mn-cs"/>
+              </a:defRPr>
+            </a:lvl8pPr>
+            <a:lvl9pPr marL="3886200" indent="-274320" algn="l" defTabSz="914400" rtl="0" eaLnBrk="1" latinLnBrk="0" hangingPunct="1">
+              <a:lnSpc>
+                <a:spcPct val="100000"/>
+              </a:lnSpc>
+              <a:spcBef>
+                <a:spcPts val="700"/>
+              </a:spcBef>
+              <a:buClr>
+                <a:schemeClr val="accent1"/>
+              </a:buClr>
+              <a:buSzPct val="85000"/>
+              <a:buFont typeface="Wingdings 3" pitchFamily="18" charset="2"/>
+              <a:buChar char=""/>
+              <a:defRPr sz="1400" kern="1200">
+                <a:solidFill>
+                  <a:schemeClr val="tx1"/>
+                </a:solidFill>
+                <a:latin typeface="+mn-lt"/>
+                <a:ea typeface="+mn-ea"/>
+                <a:cs typeface="+mn-cs"/>
+              </a:defRPr>
+            </a:lvl9pPr>
+          </a:lstStyle>
+          <a:p>
+            <a:pPr marL="68580" indent="0">
+              <a:buFont typeface="Wingdings 3" pitchFamily="18" charset="2"/>
+              <a:buNone/>
+            </a:pPr>
+            <a:r>
+              <a:rPr lang="en-US" sz="1800" dirty="0" smtClean="0"/>
+              <a:t>500 jobs at UC3 data at AGLT2</a:t>
+            </a:r>
+          </a:p>
+          <a:p>
+            <a:endParaRPr lang="en-US" sz="1800" dirty="0" smtClean="0"/>
+          </a:p>
+          <a:p>
+            <a:endParaRPr lang="en-US" sz="1800" dirty="0" smtClean="0"/>
+          </a:p>
+          <a:p>
+            <a:endParaRPr lang="en-US" sz="1800" dirty="0" smtClean="0"/>
+          </a:p>
+          <a:p>
+            <a:endParaRPr lang="en-US" sz="1800" dirty="0" smtClean="0"/>
+          </a:p>
+          <a:p>
+            <a:endParaRPr lang="en-US" sz="1800" dirty="0" smtClean="0"/>
+          </a:p>
+          <a:p>
+            <a:endParaRPr lang="en-US" sz="1800" dirty="0" smtClean="0"/>
+          </a:p>
+          <a:p>
+            <a:endParaRPr lang="en-US" sz="1800" dirty="0" smtClean="0"/>
+          </a:p>
+        </p:txBody>
+      </p:sp>
+      <p:pic>
+        <p:nvPicPr>
+          <p:cNvPr id="10" name="Picture 9"/>
+          <p:cNvPicPr>
+            <a:picLocks noChangeAspect="1"/>
+          </p:cNvPicPr>
+          <p:nvPr/>
+        </p:nvPicPr>
+        <p:blipFill>
+          <a:blip r:embed="rId4"/>
+          <a:stretch>
+            <a:fillRect/>
+          </a:stretch>
+        </p:blipFill>
+        <p:spPr>
+          <a:xfrm>
+            <a:off x="5090562" y="1417638"/>
+            <a:ext cx="3262698" cy="2743160"/>
+          </a:xfrm>
+          <a:prstGeom prst="rect">
+            <a:avLst/>
+          </a:prstGeom>
+        </p:spPr>
+      </p:pic>
+      <p:sp>
+        <p:nvSpPr>
+          <p:cNvPr id="16" name="TextBox 15"/>
+          <p:cNvSpPr txBox="1"/>
+          <p:nvPr/>
+        </p:nvSpPr>
+        <p:spPr>
+          <a:xfrm>
+            <a:off x="5946274" y="3973596"/>
+            <a:ext cx="1517761" cy="172355"/>
+          </a:xfrm>
+          <a:prstGeom prst="rect">
+            <a:avLst/>
+          </a:prstGeom>
+          <a:solidFill>
+            <a:schemeClr val="tx1"/>
+          </a:solidFill>
+        </p:spPr>
+        <p:txBody>
+          <a:bodyPr wrap="square" tIns="9144" bIns="9144" rtlCol="0">
+            <a:spAutoFit/>
+          </a:bodyPr>
+          <a:lstStyle/>
+          <a:p>
+            <a:pPr algn="ctr"/>
+            <a:r>
+              <a:rPr lang="en-US" sz="1000" b="1" dirty="0" smtClean="0">
+                <a:solidFill>
+                  <a:srgbClr val="000000"/>
+                </a:solidFill>
+              </a:rPr>
+              <a:t>BNL to CERN</a:t>
+            </a:r>
+            <a:endParaRPr lang="en-US" sz="1000" b="1" dirty="0">
+              <a:solidFill>
+                <a:srgbClr val="000000"/>
+              </a:solidFill>
+            </a:endParaRPr>
+          </a:p>
+        </p:txBody>
+      </p:sp>
+      <p:sp>
+        <p:nvSpPr>
+          <p:cNvPr id="17" name="TextBox 16"/>
+          <p:cNvSpPr txBox="1"/>
+          <p:nvPr/>
+        </p:nvSpPr>
+        <p:spPr>
+          <a:xfrm rot="16200000">
+            <a:off x="4765406" y="2653000"/>
+            <a:ext cx="809714" cy="141577"/>
+          </a:xfrm>
+          <a:prstGeom prst="rect">
+            <a:avLst/>
+          </a:prstGeom>
+          <a:solidFill>
+            <a:schemeClr val="tx1"/>
+          </a:solidFill>
+        </p:spPr>
+        <p:txBody>
+          <a:bodyPr wrap="square" tIns="9144" bIns="9144" rtlCol="0">
+            <a:spAutoFit/>
+          </a:bodyPr>
+          <a:lstStyle/>
+          <a:p>
+            <a:pPr algn="ctr"/>
+            <a:r>
+              <a:rPr lang="en-US" sz="800" b="1" dirty="0" smtClean="0">
+                <a:solidFill>
+                  <a:srgbClr val="000000"/>
+                </a:solidFill>
+              </a:rPr>
+              <a:t>MB/s</a:t>
+            </a:r>
+            <a:endParaRPr lang="en-US" sz="800" b="1" dirty="0">
+              <a:solidFill>
+                <a:srgbClr val="000000"/>
+              </a:solidFill>
+            </a:endParaRPr>
+          </a:p>
+        </p:txBody>
+      </p:sp>
     </p:spTree>
     <p:extLst>
       <p:ext uri="{BB962C8B-B14F-4D97-AF65-F5344CB8AC3E}">
@@ -25169,6 +25740,88 @@
       </p:grpSpPr>
       <p:sp>
         <p:nvSpPr>
+          <p:cNvPr id="12" name="Rectangle 11"/>
+          <p:cNvSpPr/>
+          <p:nvPr/>
+        </p:nvSpPr>
+        <p:spPr>
+          <a:xfrm>
+            <a:off x="124287" y="4236260"/>
+            <a:ext cx="4831571" cy="2564049"/>
+          </a:xfrm>
+          <a:prstGeom prst="rect">
+            <a:avLst/>
+          </a:prstGeom>
+          <a:solidFill>
+            <a:schemeClr val="tx1"/>
+          </a:solidFill>
+        </p:spPr>
+        <p:style>
+          <a:lnRef idx="1">
+            <a:schemeClr val="accent1"/>
+          </a:lnRef>
+          <a:fillRef idx="3">
+            <a:schemeClr val="accent1"/>
+          </a:fillRef>
+          <a:effectRef idx="2">
+            <a:schemeClr val="accent1"/>
+          </a:effectRef>
+          <a:fontRef idx="minor">
+            <a:schemeClr val="lt1"/>
+          </a:fontRef>
+        </p:style>
+        <p:txBody>
+          <a:bodyPr rtlCol="0" anchor="ctr"/>
+          <a:lstStyle/>
+          <a:p>
+            <a:pPr algn="ctr"/>
+            <a:endParaRPr lang="en-US"/>
+          </a:p>
+        </p:txBody>
+      </p:sp>
+      <p:sp>
+        <p:nvSpPr>
+          <p:cNvPr id="7" name="Rectangle 6"/>
+          <p:cNvSpPr/>
+          <p:nvPr/>
+        </p:nvSpPr>
+        <p:spPr>
+          <a:xfrm>
+            <a:off x="124287" y="1412088"/>
+            <a:ext cx="3447022" cy="2746613"/>
+          </a:xfrm>
+          <a:prstGeom prst="rect">
+            <a:avLst/>
+          </a:prstGeom>
+          <a:solidFill>
+            <a:schemeClr val="tx1"/>
+          </a:solidFill>
+        </p:spPr>
+        <p:style>
+          <a:lnRef idx="1">
+            <a:schemeClr val="accent1"/>
+          </a:lnRef>
+          <a:fillRef idx="3">
+            <a:schemeClr val="accent1"/>
+          </a:fillRef>
+          <a:effectRef idx="2">
+            <a:schemeClr val="accent1"/>
+          </a:effectRef>
+          <a:fontRef idx="minor">
+            <a:schemeClr val="lt1"/>
+          </a:fontRef>
+        </p:style>
+        <p:txBody>
+          <a:bodyPr rtlCol="0" anchor="ctr"/>
+          <a:lstStyle/>
+          <a:p>
+            <a:pPr algn="ctr"/>
+            <a:endParaRPr lang="en-US"/>
+          </a:p>
+        </p:txBody>
+      </p:sp>
+      <p:sp>
+        <p:nvSpPr>
           <p:cNvPr id="2" name="Title 1"/>
           <p:cNvSpPr>
             <a:spLocks noGrp="1"/>
@@ -25184,183 +25837,8 @@
           <a:p>
             <a:r>
               <a:rPr lang="en-US" dirty="0" smtClean="0"/>
-              <a:t>FOR REFERENCE</a:t>
-            </a:r>
-            <a:endParaRPr lang="en-US" dirty="0"/>
-          </a:p>
-        </p:txBody>
-      </p:sp>
-      <p:sp>
-        <p:nvSpPr>
-          <p:cNvPr id="3" name="Content Placeholder 2"/>
-          <p:cNvSpPr>
-            <a:spLocks noGrp="1"/>
-          </p:cNvSpPr>
-          <p:nvPr>
-            <p:ph idx="1"/>
-          </p:nvPr>
-        </p:nvSpPr>
-        <p:spPr/>
-        <p:txBody>
-          <a:bodyPr/>
-          <a:lstStyle/>
-          <a:p>
-            <a:r>
-              <a:rPr lang="en-US" dirty="0" smtClean="0"/>
-              <a:t>Short </a:t>
-            </a:r>
-            <a:r>
-              <a:rPr lang="en-US" dirty="0"/>
-              <a:t>users instructions </a:t>
-            </a:r>
-            <a:r>
-              <a:rPr lang="en-US" dirty="0">
-                <a:hlinkClick r:id="rId2"/>
-              </a:rPr>
-              <a:t>https://twiki.cern.ch/twiki/bin/view/Atlas/</a:t>
-            </a:r>
-            <a:r>
-              <a:rPr lang="en-US" dirty="0" smtClean="0">
-                <a:hlinkClick r:id="rId2"/>
-              </a:rPr>
-              <a:t>UsingFAXforEndUsers</a:t>
-            </a:r>
-            <a:endParaRPr lang="en-US" dirty="0" smtClean="0"/>
-          </a:p>
-          <a:p>
-            <a:r>
-              <a:rPr lang="en-US" dirty="0" smtClean="0"/>
-              <a:t>Example codes and scripts </a:t>
-            </a:r>
-            <a:r>
-              <a:rPr lang="en-US" dirty="0" smtClean="0">
-                <a:solidFill>
-                  <a:schemeClr val="bg1"/>
-                </a:solidFill>
-                <a:cs typeface="Consolas"/>
-                <a:hlinkClick r:id="rId3"/>
-              </a:rPr>
-              <a:t>http</a:t>
-            </a:r>
-            <a:r>
-              <a:rPr lang="en-US" dirty="0">
-                <a:solidFill>
-                  <a:schemeClr val="bg1"/>
-                </a:solidFill>
-                <a:cs typeface="Consolas"/>
-                <a:hlinkClick r:id="rId3"/>
-              </a:rPr>
-              <a:t>://</a:t>
-            </a:r>
-            <a:r>
-              <a:rPr lang="en-US" dirty="0" err="1">
-                <a:solidFill>
-                  <a:schemeClr val="bg1"/>
-                </a:solidFill>
-                <a:cs typeface="Consolas"/>
-                <a:hlinkClick r:id="rId3"/>
-              </a:rPr>
-              <a:t>ivukotic.web.cern.ch</a:t>
-            </a:r>
-            <a:r>
-              <a:rPr lang="en-US" dirty="0">
-                <a:solidFill>
-                  <a:schemeClr val="bg1"/>
-                </a:solidFill>
-                <a:cs typeface="Consolas"/>
-                <a:hlinkClick r:id="rId3"/>
-              </a:rPr>
-              <a:t>/</a:t>
-            </a:r>
-            <a:r>
-              <a:rPr lang="en-US" dirty="0" err="1">
-                <a:solidFill>
-                  <a:schemeClr val="bg1"/>
-                </a:solidFill>
-                <a:cs typeface="Consolas"/>
-                <a:hlinkClick r:id="rId3"/>
-              </a:rPr>
-              <a:t>ivukotic</a:t>
-            </a:r>
-            <a:r>
-              <a:rPr lang="en-US" dirty="0">
-                <a:solidFill>
-                  <a:schemeClr val="bg1"/>
-                </a:solidFill>
-                <a:cs typeface="Consolas"/>
-                <a:hlinkClick r:id="rId3"/>
-              </a:rPr>
-              <a:t>/</a:t>
-            </a:r>
-            <a:r>
-              <a:rPr lang="en-US" dirty="0" err="1">
-                <a:solidFill>
-                  <a:schemeClr val="bg1"/>
-                </a:solidFill>
-                <a:cs typeface="Consolas"/>
-                <a:hlinkClick r:id="rId3"/>
-              </a:rPr>
-              <a:t>dropbox</a:t>
-            </a:r>
-            <a:r>
-              <a:rPr lang="en-US" dirty="0">
-                <a:solidFill>
-                  <a:schemeClr val="bg1"/>
-                </a:solidFill>
-                <a:cs typeface="Consolas"/>
-                <a:hlinkClick r:id="rId3"/>
-              </a:rPr>
-              <a:t>/</a:t>
-            </a:r>
-            <a:r>
-              <a:rPr lang="en-US" dirty="0" err="1">
-                <a:solidFill>
-                  <a:schemeClr val="bg1"/>
-                </a:solidFill>
-                <a:cs typeface="Consolas"/>
-                <a:hlinkClick r:id="rId3"/>
-              </a:rPr>
-              <a:t>Tutorial.tar</a:t>
-            </a:r>
-            <a:r>
-              <a:rPr lang="en-US" dirty="0">
-                <a:solidFill>
-                  <a:schemeClr val="bg1"/>
-                </a:solidFill>
-                <a:cs typeface="Consolas"/>
-              </a:rPr>
-              <a:t> </a:t>
-            </a:r>
-            <a:endParaRPr lang="en-US" dirty="0" smtClean="0"/>
-          </a:p>
-          <a:p>
-            <a:r>
-              <a:rPr lang="en-US" dirty="0" smtClean="0"/>
-              <a:t>Questions, problems, ideas                 </a:t>
-            </a:r>
-            <a:r>
-              <a:rPr lang="en-US" dirty="0" smtClean="0">
-                <a:hlinkClick r:id="rId4"/>
-              </a:rPr>
-              <a:t>https://its.cern.ch/jira/browse/FAX</a:t>
-            </a:r>
-            <a:r>
-              <a:rPr lang="en-US" dirty="0" smtClean="0"/>
-              <a:t> or mail </a:t>
-            </a:r>
-            <a:r>
-              <a:rPr lang="en-US" dirty="0" err="1" smtClean="0"/>
-              <a:t>to</a:t>
-            </a:r>
-            <a:r>
-              <a:rPr lang="en-US" dirty="0" err="1" smtClean="0">
-                <a:hlinkClick r:id="rId5"/>
-              </a:rPr>
-              <a:t>atlas-adc-federated-xrootd@cern.ch</a:t>
-            </a:r>
-            <a:endParaRPr lang="en-US" dirty="0" smtClean="0"/>
-          </a:p>
-          <a:p>
+              <a:t>Performance example</a:t>
+            </a:r>
             <a:endParaRPr lang="en-US" dirty="0"/>
           </a:p>
         </p:txBody>
@@ -25382,31 +25860,8 @@
           <a:p>
             <a:fld id="{7DA83AE1-CB64-784C-9A8F-13236E608BC8}" type="datetime1">
               <a:rPr lang="en-US" smtClean="0"/>
-              <a:t>7/15/13</a:t>
+              <a:t>7/16/13</a:t>
             </a:fld>
-            <a:endParaRPr lang="en-US"/>
-          </a:p>
-        </p:txBody>
-      </p:sp>
-      <p:sp>
-        <p:nvSpPr>
-          <p:cNvPr id="5" name="Footer Placeholder 4"/>
-          <p:cNvSpPr>
-            <a:spLocks noGrp="1"/>
-          </p:cNvSpPr>
-          <p:nvPr>
-            <p:ph type="ftr" sz="quarter" idx="11"/>
-          </p:nvPr>
-        </p:nvSpPr>
-        <p:spPr/>
-        <p:txBody>
-          <a:bodyPr/>
-          <a:lstStyle/>
-          <a:p>
-            <a:r>
-              <a:rPr lang="en-US" smtClean="0"/>
-              <a:t>Ilija Vukotic ivukotic@uchicago.edu</a:t>
-            </a:r>
             <a:endParaRPr lang="en-US"/>
           </a:p>
         </p:txBody>
@@ -25434,10 +25889,461 @@
           </a:p>
         </p:txBody>
       </p:sp>
+      <p:pic>
+        <p:nvPicPr>
+          <p:cNvPr id="10" name="Picture 9" descr="Screen Shot 2013-07-16 at 14.23.45 .png"/>
+          <p:cNvPicPr>
+            <a:picLocks noChangeAspect="1"/>
+          </p:cNvPicPr>
+          <p:nvPr/>
+        </p:nvPicPr>
+        <p:blipFill>
+          <a:blip r:embed="rId2">
+            <a:extLst>
+              <a:ext uri="{28A0092B-C50C-407E-A947-70E740481C1C}">
+                <a14:useLocalDpi xmlns:a14="http://schemas.microsoft.com/office/drawing/2010/main" val="0"/>
+              </a:ext>
+            </a:extLst>
+          </a:blip>
+          <a:stretch>
+            <a:fillRect/>
+          </a:stretch>
+        </p:blipFill>
+        <p:spPr>
+          <a:xfrm>
+            <a:off x="176342" y="1443323"/>
+            <a:ext cx="1573197" cy="2670550"/>
+          </a:xfrm>
+          <a:prstGeom prst="rect">
+            <a:avLst/>
+          </a:prstGeom>
+        </p:spPr>
+      </p:pic>
+      <p:sp>
+        <p:nvSpPr>
+          <p:cNvPr id="13" name="TextBox 12"/>
+          <p:cNvSpPr txBox="1"/>
+          <p:nvPr/>
+        </p:nvSpPr>
+        <p:spPr>
+          <a:xfrm>
+            <a:off x="1830248" y="1785079"/>
+            <a:ext cx="1840969" cy="1569660"/>
+          </a:xfrm>
+          <a:prstGeom prst="rect">
+            <a:avLst/>
+          </a:prstGeom>
+          <a:noFill/>
+        </p:spPr>
+        <p:txBody>
+          <a:bodyPr wrap="none" rtlCol="0">
+            <a:spAutoFit/>
+          </a:bodyPr>
+          <a:lstStyle/>
+          <a:p>
+            <a:r>
+              <a:rPr lang="en-US" sz="1600" b="1" dirty="0">
+                <a:solidFill>
+                  <a:schemeClr val="bg1"/>
+                </a:solidFill>
+              </a:rPr>
+              <a:t>From MWT2</a:t>
+            </a:r>
+          </a:p>
+          <a:p>
+            <a:r>
+              <a:rPr lang="en-US" sz="1600" b="1" dirty="0" smtClean="0">
+                <a:solidFill>
+                  <a:schemeClr val="bg1"/>
+                </a:solidFill>
+              </a:rPr>
+              <a:t>500 cores at UC3</a:t>
+            </a:r>
+          </a:p>
+          <a:p>
+            <a:r>
+              <a:rPr lang="en-US" sz="1600" b="1" dirty="0" smtClean="0">
+                <a:solidFill>
+                  <a:schemeClr val="bg1"/>
+                </a:solidFill>
+              </a:rPr>
+              <a:t>Reading 2.6TB</a:t>
+            </a:r>
+          </a:p>
+          <a:p>
+            <a:r>
+              <a:rPr lang="en-US" sz="1600" b="1" dirty="0" smtClean="0">
+                <a:solidFill>
+                  <a:schemeClr val="bg1"/>
+                </a:solidFill>
+              </a:rPr>
+              <a:t>1.5 GB/s </a:t>
+            </a:r>
+          </a:p>
+          <a:p>
+            <a:r>
+              <a:rPr lang="en-US" sz="1600" b="1" dirty="0" smtClean="0">
+                <a:solidFill>
+                  <a:schemeClr val="bg1"/>
+                </a:solidFill>
+              </a:rPr>
+              <a:t>3MB/s/core</a:t>
+            </a:r>
+            <a:endParaRPr lang="en-US" sz="1600" b="1" dirty="0">
+              <a:solidFill>
+                <a:schemeClr val="bg1"/>
+              </a:solidFill>
+            </a:endParaRPr>
+          </a:p>
+          <a:p>
+            <a:endParaRPr lang="en-US" sz="1600" b="1" dirty="0">
+              <a:solidFill>
+                <a:schemeClr val="bg1"/>
+              </a:solidFill>
+            </a:endParaRPr>
+          </a:p>
+        </p:txBody>
+      </p:sp>
+      <p:sp>
+        <p:nvSpPr>
+          <p:cNvPr id="15" name="TextBox 14"/>
+          <p:cNvSpPr txBox="1"/>
+          <p:nvPr/>
+        </p:nvSpPr>
+        <p:spPr>
+          <a:xfrm>
+            <a:off x="3092446" y="4644153"/>
+            <a:ext cx="1863412" cy="1569660"/>
+          </a:xfrm>
+          <a:prstGeom prst="rect">
+            <a:avLst/>
+          </a:prstGeom>
+          <a:noFill/>
+        </p:spPr>
+        <p:txBody>
+          <a:bodyPr wrap="square" rtlCol="0">
+            <a:spAutoFit/>
+          </a:bodyPr>
+          <a:lstStyle/>
+          <a:p>
+            <a:r>
+              <a:rPr lang="en-US" sz="1600" b="1" dirty="0">
+                <a:solidFill>
+                  <a:schemeClr val="bg1"/>
+                </a:solidFill>
+              </a:rPr>
+              <a:t>From </a:t>
+            </a:r>
+            <a:r>
+              <a:rPr lang="en-US" sz="1600" b="1" dirty="0" smtClean="0">
+                <a:solidFill>
+                  <a:schemeClr val="bg1"/>
+                </a:solidFill>
+              </a:rPr>
+              <a:t>AGLT2</a:t>
+            </a:r>
+            <a:endParaRPr lang="en-US" sz="1600" b="1" dirty="0">
+              <a:solidFill>
+                <a:schemeClr val="bg1"/>
+              </a:solidFill>
+            </a:endParaRPr>
+          </a:p>
+          <a:p>
+            <a:r>
+              <a:rPr lang="en-US" sz="1600" b="1" dirty="0" smtClean="0">
+                <a:solidFill>
+                  <a:schemeClr val="bg1"/>
+                </a:solidFill>
+              </a:rPr>
+              <a:t>500 cores at UC3</a:t>
+            </a:r>
+          </a:p>
+          <a:p>
+            <a:r>
+              <a:rPr lang="en-US" sz="1600" b="1" dirty="0" smtClean="0">
+                <a:solidFill>
+                  <a:schemeClr val="bg1"/>
+                </a:solidFill>
+              </a:rPr>
+              <a:t>Reading 2.6TB</a:t>
+            </a:r>
+          </a:p>
+          <a:p>
+            <a:r>
+              <a:rPr lang="en-US" sz="1600" b="1" dirty="0" smtClean="0">
+                <a:solidFill>
+                  <a:schemeClr val="bg1"/>
+                </a:solidFill>
+              </a:rPr>
+              <a:t>300 </a:t>
+            </a:r>
+            <a:r>
+              <a:rPr lang="en-US" sz="1600" b="1" dirty="0">
+                <a:solidFill>
+                  <a:schemeClr val="bg1"/>
+                </a:solidFill>
+              </a:rPr>
+              <a:t>M</a:t>
+            </a:r>
+            <a:r>
+              <a:rPr lang="en-US" sz="1600" b="1" dirty="0" smtClean="0">
+                <a:solidFill>
+                  <a:schemeClr val="bg1"/>
+                </a:solidFill>
+              </a:rPr>
+              <a:t>B/s </a:t>
+            </a:r>
+          </a:p>
+          <a:p>
+            <a:r>
+              <a:rPr lang="en-US" sz="1600" b="1" dirty="0" smtClean="0">
+                <a:solidFill>
+                  <a:schemeClr val="bg1"/>
+                </a:solidFill>
+              </a:rPr>
+              <a:t>0.6MB/s/core</a:t>
+            </a:r>
+            <a:endParaRPr lang="en-US" sz="1600" b="1" dirty="0">
+              <a:solidFill>
+                <a:schemeClr val="bg1"/>
+              </a:solidFill>
+            </a:endParaRPr>
+          </a:p>
+          <a:p>
+            <a:endParaRPr lang="en-US" sz="1600" b="1" dirty="0">
+              <a:solidFill>
+                <a:schemeClr val="bg1"/>
+              </a:solidFill>
+            </a:endParaRPr>
+          </a:p>
+        </p:txBody>
+      </p:sp>
+      <p:pic>
+        <p:nvPicPr>
+          <p:cNvPr id="16" name="Picture 15" descr="Screen Shot 2013-07-16 at 16.09.23 .png"/>
+          <p:cNvPicPr>
+            <a:picLocks noChangeAspect="1"/>
+          </p:cNvPicPr>
+          <p:nvPr/>
+        </p:nvPicPr>
+        <p:blipFill>
+          <a:blip r:embed="rId3">
+            <a:extLst>
+              <a:ext uri="{28A0092B-C50C-407E-A947-70E740481C1C}">
+                <a14:useLocalDpi xmlns:a14="http://schemas.microsoft.com/office/drawing/2010/main" val="0"/>
+              </a:ext>
+            </a:extLst>
+          </a:blip>
+          <a:stretch>
+            <a:fillRect/>
+          </a:stretch>
+        </p:blipFill>
+        <p:spPr>
+          <a:xfrm>
+            <a:off x="170871" y="4377238"/>
+            <a:ext cx="2755012" cy="2232355"/>
+          </a:xfrm>
+          <a:prstGeom prst="rect">
+            <a:avLst/>
+          </a:prstGeom>
+        </p:spPr>
+      </p:pic>
+      <p:sp>
+        <p:nvSpPr>
+          <p:cNvPr id="17" name="Rectangle 16"/>
+          <p:cNvSpPr/>
+          <p:nvPr/>
+        </p:nvSpPr>
+        <p:spPr>
+          <a:xfrm>
+            <a:off x="3985014" y="1412088"/>
+            <a:ext cx="4831571" cy="2564049"/>
+          </a:xfrm>
+          <a:prstGeom prst="rect">
+            <a:avLst/>
+          </a:prstGeom>
+          <a:solidFill>
+            <a:schemeClr val="tx1"/>
+          </a:solidFill>
+        </p:spPr>
+        <p:style>
+          <a:lnRef idx="1">
+            <a:schemeClr val="accent1"/>
+          </a:lnRef>
+          <a:fillRef idx="3">
+            <a:schemeClr val="accent1"/>
+          </a:fillRef>
+          <a:effectRef idx="2">
+            <a:schemeClr val="accent1"/>
+          </a:effectRef>
+          <a:fontRef idx="minor">
+            <a:schemeClr val="lt1"/>
+          </a:fontRef>
+        </p:style>
+        <p:txBody>
+          <a:bodyPr rtlCol="0" anchor="ctr"/>
+          <a:lstStyle/>
+          <a:p>
+            <a:pPr algn="ctr"/>
+            <a:endParaRPr lang="en-US"/>
+          </a:p>
+        </p:txBody>
+      </p:sp>
+      <p:sp>
+        <p:nvSpPr>
+          <p:cNvPr id="18" name="TextBox 17"/>
+          <p:cNvSpPr txBox="1"/>
+          <p:nvPr/>
+        </p:nvSpPr>
+        <p:spPr>
+          <a:xfrm>
+            <a:off x="6953173" y="1819981"/>
+            <a:ext cx="1863412" cy="1569660"/>
+          </a:xfrm>
+          <a:prstGeom prst="rect">
+            <a:avLst/>
+          </a:prstGeom>
+          <a:noFill/>
+        </p:spPr>
+        <p:txBody>
+          <a:bodyPr wrap="square" rtlCol="0">
+            <a:spAutoFit/>
+          </a:bodyPr>
+          <a:lstStyle/>
+          <a:p>
+            <a:r>
+              <a:rPr lang="en-US" sz="1600" b="1" dirty="0">
+                <a:solidFill>
+                  <a:schemeClr val="bg1"/>
+                </a:solidFill>
+              </a:rPr>
+              <a:t>From W</a:t>
+            </a:r>
+            <a:r>
+              <a:rPr lang="en-US" sz="1600" b="1" dirty="0" smtClean="0">
+                <a:solidFill>
+                  <a:schemeClr val="bg1"/>
+                </a:solidFill>
+              </a:rPr>
+              <a:t>T2</a:t>
+            </a:r>
+            <a:endParaRPr lang="en-US" sz="1600" b="1" dirty="0">
+              <a:solidFill>
+                <a:schemeClr val="bg1"/>
+              </a:solidFill>
+            </a:endParaRPr>
+          </a:p>
+          <a:p>
+            <a:r>
+              <a:rPr lang="en-US" sz="1600" b="1" dirty="0" smtClean="0">
+                <a:solidFill>
+                  <a:schemeClr val="bg1"/>
+                </a:solidFill>
+              </a:rPr>
+              <a:t>500 cores at UC3</a:t>
+            </a:r>
+          </a:p>
+          <a:p>
+            <a:r>
+              <a:rPr lang="en-US" sz="1600" b="1" dirty="0" smtClean="0">
+                <a:solidFill>
+                  <a:schemeClr val="bg1"/>
+                </a:solidFill>
+              </a:rPr>
+              <a:t>Reading 2.6TB</a:t>
+            </a:r>
+          </a:p>
+          <a:p>
+            <a:r>
+              <a:rPr lang="en-US" sz="1600" b="1" dirty="0" smtClean="0">
+                <a:solidFill>
+                  <a:schemeClr val="bg1"/>
+                </a:solidFill>
+              </a:rPr>
+              <a:t>Xxx MB/s </a:t>
+            </a:r>
+          </a:p>
+          <a:p>
+            <a:r>
+              <a:rPr lang="en-US" sz="1600" b="1" dirty="0" smtClean="0">
+                <a:solidFill>
+                  <a:schemeClr val="bg1"/>
+                </a:solidFill>
+              </a:rPr>
+              <a:t>Xx MB/s/core</a:t>
+            </a:r>
+            <a:endParaRPr lang="en-US" sz="1600" b="1" dirty="0">
+              <a:solidFill>
+                <a:schemeClr val="bg1"/>
+              </a:solidFill>
+            </a:endParaRPr>
+          </a:p>
+          <a:p>
+            <a:endParaRPr lang="en-US" sz="1600" b="1" dirty="0">
+              <a:solidFill>
+                <a:schemeClr val="bg1"/>
+              </a:solidFill>
+            </a:endParaRPr>
+          </a:p>
+        </p:txBody>
+      </p:sp>
+      <p:sp>
+        <p:nvSpPr>
+          <p:cNvPr id="20" name="TextBox 19"/>
+          <p:cNvSpPr txBox="1"/>
+          <p:nvPr/>
+        </p:nvSpPr>
+        <p:spPr>
+          <a:xfrm>
+            <a:off x="5251429" y="4255839"/>
+            <a:ext cx="2954655" cy="584776"/>
+          </a:xfrm>
+          <a:prstGeom prst="rect">
+            <a:avLst/>
+          </a:prstGeom>
+          <a:noFill/>
+        </p:spPr>
+        <p:txBody>
+          <a:bodyPr wrap="none" rtlCol="0">
+            <a:spAutoFit/>
+          </a:bodyPr>
+          <a:lstStyle/>
+          <a:p>
+            <a:r>
+              <a:rPr lang="en-US" sz="1600" b="1" dirty="0" smtClean="0">
+                <a:solidFill>
+                  <a:schemeClr val="bg1"/>
+                </a:solidFill>
+              </a:rPr>
+              <a:t>Each test writing to </a:t>
+            </a:r>
+            <a:r>
+              <a:rPr lang="en-US" sz="1600" b="1" dirty="0" err="1" smtClean="0">
+                <a:solidFill>
+                  <a:schemeClr val="bg1"/>
+                </a:solidFill>
+              </a:rPr>
+              <a:t>FAXbox</a:t>
+            </a:r>
+            <a:endParaRPr lang="en-US" sz="1600" b="1" dirty="0">
+              <a:solidFill>
+                <a:schemeClr val="bg1"/>
+              </a:solidFill>
+            </a:endParaRPr>
+          </a:p>
+          <a:p>
+            <a:endParaRPr lang="en-US" sz="1600" b="1" dirty="0">
+              <a:solidFill>
+                <a:schemeClr val="bg1"/>
+              </a:solidFill>
+            </a:endParaRPr>
+          </a:p>
+        </p:txBody>
+      </p:sp>
     </p:spTree>
     <p:extLst>
       <p:ext uri="{BB962C8B-B14F-4D97-AF65-F5344CB8AC3E}">
-        <p14:creationId xmlns:p14="http://schemas.microsoft.com/office/powerpoint/2010/main" val="249802815"/>
+        <p14:creationId xmlns:p14="http://schemas.microsoft.com/office/powerpoint/2010/main" val="969810150"/>
       </p:ext>
     </p:extLst>
   </p:cSld>
@@ -25487,9 +26393,10 @@
           <a:lstStyle/>
           <a:p>
             <a:r>
-              <a:rPr lang="en-US" dirty="0"/>
-              <a:t>Reserve</a:t>
-            </a:r>
+              <a:rPr lang="en-US" dirty="0" smtClean="0"/>
+              <a:t>FOR REFERENCE</a:t>
+            </a:r>
+            <a:endParaRPr lang="en-US" dirty="0"/>
           </a:p>
         </p:txBody>
       </p:sp>
@@ -25508,7 +26415,163 @@
           <a:bodyPr/>
           <a:lstStyle/>
           <a:p>
-            <a:endParaRPr lang="en-US"/>
+            <a:r>
+              <a:rPr lang="en-US" dirty="0" smtClean="0"/>
+              <a:t>Short </a:t>
+            </a:r>
+            <a:r>
+              <a:rPr lang="en-US" dirty="0"/>
+              <a:t>users instructions </a:t>
+            </a:r>
+            <a:r>
+              <a:rPr lang="en-US" dirty="0">
+                <a:hlinkClick r:id="rId2"/>
+              </a:rPr>
+              <a:t>https://twiki.cern.ch/twiki/bin/view/Atlas/</a:t>
+            </a:r>
+            <a:r>
+              <a:rPr lang="en-US" dirty="0" smtClean="0">
+                <a:hlinkClick r:id="rId2"/>
+              </a:rPr>
+              <a:t>UsingFAXforEndUsers</a:t>
+            </a:r>
+            <a:endParaRPr lang="en-US" dirty="0" smtClean="0"/>
+          </a:p>
+          <a:p>
+            <a:r>
+              <a:rPr lang="en-US" dirty="0" smtClean="0"/>
+              <a:t>Example codes and scripts </a:t>
+            </a:r>
+            <a:r>
+              <a:rPr lang="en-US" dirty="0" smtClean="0">
+                <a:solidFill>
+                  <a:schemeClr val="bg1"/>
+                </a:solidFill>
+                <a:cs typeface="Consolas"/>
+                <a:hlinkClick r:id="rId3"/>
+              </a:rPr>
+              <a:t>http</a:t>
+            </a:r>
+            <a:r>
+              <a:rPr lang="en-US" dirty="0">
+                <a:solidFill>
+                  <a:schemeClr val="bg1"/>
+                </a:solidFill>
+                <a:cs typeface="Consolas"/>
+                <a:hlinkClick r:id="rId3"/>
+              </a:rPr>
+              <a:t>://</a:t>
+            </a:r>
+            <a:r>
+              <a:rPr lang="en-US" dirty="0" err="1">
+                <a:solidFill>
+                  <a:schemeClr val="bg1"/>
+                </a:solidFill>
+                <a:cs typeface="Consolas"/>
+                <a:hlinkClick r:id="rId3"/>
+              </a:rPr>
+              <a:t>ivukotic.web.cern.ch</a:t>
+            </a:r>
+            <a:r>
+              <a:rPr lang="en-US" dirty="0">
+                <a:solidFill>
+                  <a:schemeClr val="bg1"/>
+                </a:solidFill>
+                <a:cs typeface="Consolas"/>
+                <a:hlinkClick r:id="rId3"/>
+              </a:rPr>
+              <a:t>/</a:t>
+            </a:r>
+            <a:r>
+              <a:rPr lang="en-US" dirty="0" err="1">
+                <a:solidFill>
+                  <a:schemeClr val="bg1"/>
+                </a:solidFill>
+                <a:cs typeface="Consolas"/>
+                <a:hlinkClick r:id="rId3"/>
+              </a:rPr>
+              <a:t>ivukotic</a:t>
+            </a:r>
+            <a:r>
+              <a:rPr lang="en-US" dirty="0">
+                <a:solidFill>
+                  <a:schemeClr val="bg1"/>
+                </a:solidFill>
+                <a:cs typeface="Consolas"/>
+                <a:hlinkClick r:id="rId3"/>
+              </a:rPr>
+              <a:t>/</a:t>
+            </a:r>
+            <a:r>
+              <a:rPr lang="en-US" dirty="0" err="1">
+                <a:solidFill>
+                  <a:schemeClr val="bg1"/>
+                </a:solidFill>
+                <a:cs typeface="Consolas"/>
+                <a:hlinkClick r:id="rId3"/>
+              </a:rPr>
+              <a:t>dropbox</a:t>
+            </a:r>
+            <a:r>
+              <a:rPr lang="en-US" dirty="0">
+                <a:solidFill>
+                  <a:schemeClr val="bg1"/>
+                </a:solidFill>
+                <a:cs typeface="Consolas"/>
+                <a:hlinkClick r:id="rId3"/>
+              </a:rPr>
+              <a:t>/</a:t>
+            </a:r>
+            <a:r>
+              <a:rPr lang="en-US" dirty="0" err="1">
+                <a:solidFill>
+                  <a:schemeClr val="bg1"/>
+                </a:solidFill>
+                <a:cs typeface="Consolas"/>
+                <a:hlinkClick r:id="rId3"/>
+              </a:rPr>
+              <a:t>Tutorial.tar</a:t>
+            </a:r>
+            <a:r>
+              <a:rPr lang="en-US" dirty="0">
+                <a:solidFill>
+                  <a:schemeClr val="bg1"/>
+                </a:solidFill>
+                <a:cs typeface="Consolas"/>
+              </a:rPr>
+              <a:t> </a:t>
+            </a:r>
+            <a:endParaRPr lang="en-US" dirty="0" smtClean="0"/>
+          </a:p>
+          <a:p>
+            <a:r>
+              <a:rPr lang="en-US" dirty="0" smtClean="0"/>
+              <a:t>Questions, problems, ideas                 </a:t>
+            </a:r>
+            <a:r>
+              <a:rPr lang="en-US" dirty="0" smtClean="0">
+                <a:hlinkClick r:id="rId4"/>
+              </a:rPr>
+              <a:t>https://its.cern.ch/jira/browse/FAX</a:t>
+            </a:r>
+            <a:r>
+              <a:rPr lang="en-US" dirty="0" smtClean="0"/>
+              <a:t> or mail </a:t>
+            </a:r>
+            <a:r>
+              <a:rPr lang="en-US" dirty="0" err="1" smtClean="0"/>
+              <a:t>to</a:t>
+            </a:r>
+            <a:r>
+              <a:rPr lang="en-US" dirty="0" err="1" smtClean="0">
+                <a:hlinkClick r:id="rId5"/>
+              </a:rPr>
+              <a:t>atlas-adc-federated-xrootd@cern.ch</a:t>
+            </a:r>
+            <a:endParaRPr lang="en-US" dirty="0" smtClean="0"/>
+          </a:p>
+          <a:p>
+            <a:endParaRPr lang="en-US" dirty="0"/>
           </a:p>
         </p:txBody>
       </p:sp>
@@ -25529,7 +26592,7 @@
           <a:p>
             <a:fld id="{7DA83AE1-CB64-784C-9A8F-13236E608BC8}" type="datetime1">
               <a:rPr lang="en-US" smtClean="0"/>
-              <a:t>7/15/13</a:t>
+              <a:t>7/16/13</a:t>
             </a:fld>
             <a:endParaRPr lang="en-US"/>
           </a:p>
@@ -25584,7 +26647,7 @@
     </p:spTree>
     <p:extLst>
       <p:ext uri="{BB962C8B-B14F-4D97-AF65-F5344CB8AC3E}">
-        <p14:creationId xmlns:p14="http://schemas.microsoft.com/office/powerpoint/2010/main" val="3951611835"/>
+        <p14:creationId xmlns:p14="http://schemas.microsoft.com/office/powerpoint/2010/main" val="249802815"/>
       </p:ext>
     </p:extLst>
   </p:cSld>
@@ -25633,7 +26696,10 @@
           <a:bodyPr/>
           <a:lstStyle/>
           <a:p>
-            <a:endParaRPr lang="en-US" dirty="0"/>
+            <a:r>
+              <a:rPr lang="en-US" dirty="0"/>
+              <a:t>Reserve</a:t>
+            </a:r>
           </a:p>
         </p:txBody>
       </p:sp>
@@ -25652,34 +26718,7 @@
           <a:bodyPr/>
           <a:lstStyle/>
           <a:p>
-            <a:r>
-              <a:rPr lang="en-US" dirty="0" smtClean="0"/>
-              <a:t>Setting proxy from AFS</a:t>
-            </a:r>
-          </a:p>
-          <a:p>
-            <a:endParaRPr lang="en-US" dirty="0"/>
-          </a:p>
-          <a:p>
-            <a:endParaRPr lang="en-US" dirty="0" smtClean="0"/>
-          </a:p>
-          <a:p>
-            <a:r>
-              <a:rPr lang="en-US" dirty="0" smtClean="0"/>
-              <a:t>Making proxy valid for 96 hours and not ask for password</a:t>
-            </a:r>
-          </a:p>
-          <a:p>
-            <a:endParaRPr lang="en-US" dirty="0"/>
-          </a:p>
-          <a:p>
-            <a:r>
-              <a:rPr lang="en-US" dirty="0" smtClean="0"/>
-              <a:t>Setting dq2 from AFS</a:t>
-            </a:r>
-          </a:p>
-          <a:p>
-            <a:endParaRPr lang="en-US" dirty="0"/>
+            <a:endParaRPr lang="en-US"/>
           </a:p>
         </p:txBody>
       </p:sp>
@@ -25700,7 +26739,7 @@
           <a:p>
             <a:fld id="{7DA83AE1-CB64-784C-9A8F-13236E608BC8}" type="datetime1">
               <a:rPr lang="en-US" smtClean="0"/>
-              <a:t>7/15/13</a:t>
+              <a:t>7/16/13</a:t>
             </a:fld>
             <a:endParaRPr lang="en-US"/>
           </a:p>
@@ -25752,553 +26791,10 @@
           </a:p>
         </p:txBody>
       </p:sp>
-      <p:sp>
-        <p:nvSpPr>
-          <p:cNvPr id="8" name="Rectangle 7"/>
-          <p:cNvSpPr/>
-          <p:nvPr/>
-        </p:nvSpPr>
-        <p:spPr>
-          <a:xfrm>
-            <a:off x="988456" y="2048195"/>
-            <a:ext cx="7926944" cy="523220"/>
-          </a:xfrm>
-          <a:prstGeom prst="rect">
-            <a:avLst/>
-          </a:prstGeom>
-        </p:spPr>
-        <p:style>
-          <a:lnRef idx="2">
-            <a:schemeClr val="dk1">
-              <a:shade val="50000"/>
-            </a:schemeClr>
-          </a:lnRef>
-          <a:fillRef idx="1">
-            <a:schemeClr val="dk1"/>
-          </a:fillRef>
-          <a:effectRef idx="0">
-            <a:schemeClr val="dk1"/>
-          </a:effectRef>
-          <a:fontRef idx="minor">
-            <a:schemeClr val="lt1"/>
-          </a:fontRef>
-        </p:style>
-        <p:txBody>
-          <a:bodyPr wrap="square">
-            <a:spAutoFit/>
-          </a:bodyPr>
-          <a:lstStyle/>
-          <a:p>
-            <a:r>
-              <a:rPr lang="en-US" sz="1400" b="1" dirty="0">
-                <a:solidFill>
-                  <a:srgbClr val="008000"/>
-                </a:solidFill>
-                <a:latin typeface="Consolas"/>
-                <a:cs typeface="Consolas"/>
-              </a:rPr>
-              <a:t>source /</a:t>
-            </a:r>
-            <a:r>
-              <a:rPr lang="en-US" sz="1400" b="1" dirty="0" err="1">
-                <a:solidFill>
-                  <a:srgbClr val="008000"/>
-                </a:solidFill>
-                <a:latin typeface="Consolas"/>
-                <a:cs typeface="Consolas"/>
-              </a:rPr>
-              <a:t>afs</a:t>
-            </a:r>
-            <a:r>
-              <a:rPr lang="en-US" sz="1400" b="1" dirty="0">
-                <a:solidFill>
-                  <a:srgbClr val="008000"/>
-                </a:solidFill>
-                <a:latin typeface="Consolas"/>
-                <a:cs typeface="Consolas"/>
-              </a:rPr>
-              <a:t>/</a:t>
-            </a:r>
-            <a:r>
-              <a:rPr lang="en-US" sz="1400" b="1" dirty="0" err="1">
-                <a:solidFill>
-                  <a:srgbClr val="008000"/>
-                </a:solidFill>
-                <a:latin typeface="Consolas"/>
-                <a:cs typeface="Consolas"/>
-              </a:rPr>
-              <a:t>cern.ch</a:t>
-            </a:r>
-            <a:r>
-              <a:rPr lang="en-US" sz="1400" b="1" dirty="0">
-                <a:solidFill>
-                  <a:srgbClr val="008000"/>
-                </a:solidFill>
-                <a:latin typeface="Consolas"/>
-                <a:cs typeface="Consolas"/>
-              </a:rPr>
-              <a:t>/project/</a:t>
-            </a:r>
-            <a:r>
-              <a:rPr lang="en-US" sz="1400" b="1" dirty="0" err="1">
-                <a:solidFill>
-                  <a:srgbClr val="008000"/>
-                </a:solidFill>
-                <a:latin typeface="Consolas"/>
-                <a:cs typeface="Consolas"/>
-              </a:rPr>
-              <a:t>gd</a:t>
-            </a:r>
-            <a:r>
-              <a:rPr lang="en-US" sz="1400" b="1" dirty="0">
-                <a:solidFill>
-                  <a:srgbClr val="008000"/>
-                </a:solidFill>
-                <a:latin typeface="Consolas"/>
-                <a:cs typeface="Consolas"/>
-              </a:rPr>
-              <a:t>/LCG-share/current_3.2/</a:t>
-            </a:r>
-            <a:r>
-              <a:rPr lang="en-US" sz="1400" b="1" dirty="0" err="1">
-                <a:solidFill>
-                  <a:srgbClr val="008000"/>
-                </a:solidFill>
-                <a:latin typeface="Consolas"/>
-                <a:cs typeface="Consolas"/>
-              </a:rPr>
-              <a:t>etc</a:t>
-            </a:r>
-            <a:r>
-              <a:rPr lang="en-US" sz="1400" b="1" dirty="0">
-                <a:solidFill>
-                  <a:srgbClr val="008000"/>
-                </a:solidFill>
-                <a:latin typeface="Consolas"/>
-                <a:cs typeface="Consolas"/>
-              </a:rPr>
-              <a:t>/</a:t>
-            </a:r>
-            <a:r>
-              <a:rPr lang="en-US" sz="1400" b="1" dirty="0" err="1">
-                <a:solidFill>
-                  <a:srgbClr val="008000"/>
-                </a:solidFill>
-                <a:latin typeface="Consolas"/>
-                <a:cs typeface="Consolas"/>
-              </a:rPr>
-              <a:t>profile.d</a:t>
-            </a:r>
-            <a:r>
-              <a:rPr lang="en-US" sz="1400" b="1" dirty="0">
-                <a:solidFill>
-                  <a:srgbClr val="008000"/>
-                </a:solidFill>
-                <a:latin typeface="Consolas"/>
-                <a:cs typeface="Consolas"/>
-              </a:rPr>
-              <a:t>/</a:t>
-            </a:r>
-            <a:r>
-              <a:rPr lang="en-US" sz="1400" b="1" dirty="0" err="1" smtClean="0">
-                <a:solidFill>
-                  <a:srgbClr val="008000"/>
-                </a:solidFill>
-                <a:latin typeface="Consolas"/>
-                <a:cs typeface="Consolas"/>
-              </a:rPr>
-              <a:t>grid_env.sh</a:t>
-            </a:r>
-            <a:endParaRPr lang="en-US" sz="1400" b="1" dirty="0">
-              <a:solidFill>
-                <a:srgbClr val="008000"/>
-              </a:solidFill>
-              <a:latin typeface="Consolas"/>
-              <a:cs typeface="Consolas"/>
-            </a:endParaRPr>
-          </a:p>
-          <a:p>
-            <a:r>
-              <a:rPr lang="en-US" sz="1400" b="1" dirty="0" err="1">
-                <a:solidFill>
-                  <a:srgbClr val="008000"/>
-                </a:solidFill>
-                <a:latin typeface="Consolas"/>
-                <a:cs typeface="Consolas"/>
-              </a:rPr>
-              <a:t>voms</a:t>
-            </a:r>
-            <a:r>
-              <a:rPr lang="en-US" sz="1400" b="1" dirty="0">
-                <a:solidFill>
-                  <a:srgbClr val="008000"/>
-                </a:solidFill>
-                <a:latin typeface="Consolas"/>
-                <a:cs typeface="Consolas"/>
-              </a:rPr>
-              <a:t>-proxy-</a:t>
-            </a:r>
-            <a:r>
-              <a:rPr lang="en-US" sz="1400" b="1" dirty="0" err="1">
-                <a:solidFill>
-                  <a:srgbClr val="008000"/>
-                </a:solidFill>
-                <a:latin typeface="Consolas"/>
-                <a:cs typeface="Consolas"/>
-              </a:rPr>
-              <a:t>init</a:t>
-            </a:r>
-            <a:r>
-              <a:rPr lang="en-US" sz="1400" b="1" dirty="0">
-                <a:solidFill>
-                  <a:srgbClr val="008000"/>
-                </a:solidFill>
-                <a:latin typeface="Consolas"/>
-                <a:cs typeface="Consolas"/>
-              </a:rPr>
-              <a:t> -</a:t>
-            </a:r>
-            <a:r>
-              <a:rPr lang="en-US" sz="1400" b="1" dirty="0" err="1">
-                <a:solidFill>
-                  <a:srgbClr val="008000"/>
-                </a:solidFill>
-                <a:latin typeface="Consolas"/>
-                <a:cs typeface="Consolas"/>
-              </a:rPr>
-              <a:t>voms</a:t>
-            </a:r>
-            <a:r>
-              <a:rPr lang="en-US" sz="1400" b="1" dirty="0">
-                <a:solidFill>
-                  <a:srgbClr val="008000"/>
-                </a:solidFill>
-                <a:latin typeface="Consolas"/>
-                <a:cs typeface="Consolas"/>
-              </a:rPr>
-              <a:t> atlas</a:t>
-            </a:r>
-          </a:p>
-        </p:txBody>
-      </p:sp>
-      <p:sp>
-        <p:nvSpPr>
-          <p:cNvPr id="9" name="Rectangle 8"/>
-          <p:cNvSpPr/>
-          <p:nvPr/>
-        </p:nvSpPr>
-        <p:spPr>
-          <a:xfrm>
-            <a:off x="988456" y="3229774"/>
-            <a:ext cx="7926944" cy="307777"/>
-          </a:xfrm>
-          <a:prstGeom prst="rect">
-            <a:avLst/>
-          </a:prstGeom>
-        </p:spPr>
-        <p:style>
-          <a:lnRef idx="2">
-            <a:schemeClr val="dk1">
-              <a:shade val="50000"/>
-            </a:schemeClr>
-          </a:lnRef>
-          <a:fillRef idx="1">
-            <a:schemeClr val="dk1"/>
-          </a:fillRef>
-          <a:effectRef idx="0">
-            <a:schemeClr val="dk1"/>
-          </a:effectRef>
-          <a:fontRef idx="minor">
-            <a:schemeClr val="lt1"/>
-          </a:fontRef>
-        </p:style>
-        <p:txBody>
-          <a:bodyPr wrap="square">
-            <a:spAutoFit/>
-          </a:bodyPr>
-          <a:lstStyle/>
-          <a:p>
-            <a:r>
-              <a:rPr lang="en-US" sz="1400" b="1" dirty="0" err="1" smtClean="0">
-                <a:solidFill>
-                  <a:srgbClr val="008000"/>
-                </a:solidFill>
-                <a:latin typeface="Consolas"/>
-                <a:cs typeface="Consolas"/>
-              </a:rPr>
-              <a:t>voms</a:t>
-            </a:r>
-            <a:r>
-              <a:rPr lang="en-US" sz="1400" b="1" dirty="0">
-                <a:solidFill>
-                  <a:srgbClr val="008000"/>
-                </a:solidFill>
-                <a:latin typeface="Consolas"/>
-                <a:cs typeface="Consolas"/>
-              </a:rPr>
-              <a:t>-proxy-</a:t>
-            </a:r>
-            <a:r>
-              <a:rPr lang="en-US" sz="1400" b="1" dirty="0" err="1">
-                <a:solidFill>
-                  <a:srgbClr val="008000"/>
-                </a:solidFill>
-                <a:latin typeface="Consolas"/>
-                <a:cs typeface="Consolas"/>
-              </a:rPr>
-              <a:t>init</a:t>
-            </a:r>
-            <a:r>
-              <a:rPr lang="en-US" sz="1400" b="1" dirty="0">
-                <a:solidFill>
-                  <a:srgbClr val="008000"/>
-                </a:solidFill>
-                <a:latin typeface="Consolas"/>
-                <a:cs typeface="Consolas"/>
-              </a:rPr>
-              <a:t> -</a:t>
-            </a:r>
-            <a:r>
-              <a:rPr lang="en-US" sz="1400" b="1" dirty="0" err="1">
-                <a:solidFill>
-                  <a:srgbClr val="008000"/>
-                </a:solidFill>
-                <a:latin typeface="Consolas"/>
-                <a:cs typeface="Consolas"/>
-              </a:rPr>
-              <a:t>voms</a:t>
-            </a:r>
-            <a:r>
-              <a:rPr lang="en-US" sz="1400" b="1" dirty="0">
-                <a:solidFill>
-                  <a:srgbClr val="008000"/>
-                </a:solidFill>
-                <a:latin typeface="Consolas"/>
-                <a:cs typeface="Consolas"/>
-              </a:rPr>
-              <a:t> </a:t>
-            </a:r>
-            <a:r>
-              <a:rPr lang="en-US" sz="1400" b="1" dirty="0" smtClean="0">
-                <a:solidFill>
-                  <a:srgbClr val="008000"/>
-                </a:solidFill>
-                <a:latin typeface="Consolas"/>
-                <a:cs typeface="Consolas"/>
-              </a:rPr>
-              <a:t>atlas </a:t>
-            </a:r>
-            <a:r>
-              <a:rPr lang="es-ES_tradnl" sz="1400" b="1" dirty="0">
-                <a:solidFill>
-                  <a:srgbClr val="008000"/>
-                </a:solidFill>
-                <a:latin typeface="Consolas"/>
-                <a:cs typeface="Consolas"/>
-              </a:rPr>
-              <a:t>-</a:t>
-            </a:r>
-            <a:r>
-              <a:rPr lang="es-ES_tradnl" sz="1400" b="1" dirty="0" err="1">
-                <a:solidFill>
-                  <a:srgbClr val="008000"/>
-                </a:solidFill>
-                <a:latin typeface="Consolas"/>
-                <a:cs typeface="Consolas"/>
-              </a:rPr>
-              <a:t>valid</a:t>
-            </a:r>
-            <a:r>
-              <a:rPr lang="es-ES_tradnl" sz="1400" b="1" dirty="0">
-                <a:solidFill>
-                  <a:srgbClr val="008000"/>
-                </a:solidFill>
-                <a:latin typeface="Consolas"/>
-                <a:cs typeface="Consolas"/>
-              </a:rPr>
-              <a:t> 96:0 -</a:t>
-            </a:r>
-            <a:r>
-              <a:rPr lang="es-ES_tradnl" sz="1400" b="1" dirty="0" err="1">
-                <a:solidFill>
-                  <a:srgbClr val="008000"/>
-                </a:solidFill>
-                <a:latin typeface="Consolas"/>
-                <a:cs typeface="Consolas"/>
-              </a:rPr>
-              <a:t>pwstdin</a:t>
-            </a:r>
-            <a:r>
-              <a:rPr lang="es-ES_tradnl" sz="1400" b="1" dirty="0">
-                <a:solidFill>
-                  <a:srgbClr val="008000"/>
-                </a:solidFill>
-                <a:latin typeface="Consolas"/>
-                <a:cs typeface="Consolas"/>
-              </a:rPr>
-              <a:t> &lt; </a:t>
-            </a:r>
-            <a:r>
-              <a:rPr lang="es-ES_tradnl" sz="1400" b="1" dirty="0" smtClean="0">
-                <a:solidFill>
-                  <a:srgbClr val="008000"/>
-                </a:solidFill>
-                <a:latin typeface="Consolas"/>
-                <a:cs typeface="Consolas"/>
-              </a:rPr>
-              <a:t>$HOME/.</a:t>
-            </a:r>
-            <a:r>
-              <a:rPr lang="es-ES_tradnl" sz="1400" b="1" dirty="0" err="1" smtClean="0">
-                <a:solidFill>
-                  <a:srgbClr val="008000"/>
-                </a:solidFill>
-                <a:latin typeface="Consolas"/>
-                <a:cs typeface="Consolas"/>
-              </a:rPr>
-              <a:t>myPassword</a:t>
-            </a:r>
-            <a:endParaRPr lang="en-US" sz="1400" b="1" dirty="0">
-              <a:solidFill>
-                <a:srgbClr val="008000"/>
-              </a:solidFill>
-              <a:latin typeface="Consolas"/>
-              <a:cs typeface="Consolas"/>
-            </a:endParaRPr>
-          </a:p>
-        </p:txBody>
-      </p:sp>
-      <p:sp>
-        <p:nvSpPr>
-          <p:cNvPr id="11" name="Rectangle 10"/>
-          <p:cNvSpPr/>
-          <p:nvPr/>
-        </p:nvSpPr>
-        <p:spPr>
-          <a:xfrm>
-            <a:off x="988456" y="4050045"/>
-            <a:ext cx="7926944" cy="307777"/>
-          </a:xfrm>
-          <a:prstGeom prst="rect">
-            <a:avLst/>
-          </a:prstGeom>
-        </p:spPr>
-        <p:style>
-          <a:lnRef idx="2">
-            <a:schemeClr val="dk1">
-              <a:shade val="50000"/>
-            </a:schemeClr>
-          </a:lnRef>
-          <a:fillRef idx="1">
-            <a:schemeClr val="dk1"/>
-          </a:fillRef>
-          <a:effectRef idx="0">
-            <a:schemeClr val="dk1"/>
-          </a:effectRef>
-          <a:fontRef idx="minor">
-            <a:schemeClr val="lt1"/>
-          </a:fontRef>
-        </p:style>
-        <p:txBody>
-          <a:bodyPr wrap="square">
-            <a:spAutoFit/>
-          </a:bodyPr>
-          <a:lstStyle/>
-          <a:p>
-            <a:r>
-              <a:rPr lang="en-US" sz="1400" b="1" dirty="0">
-                <a:solidFill>
-                  <a:srgbClr val="008000"/>
-                </a:solidFill>
-                <a:latin typeface="Consolas"/>
-                <a:cs typeface="Consolas"/>
-              </a:rPr>
-              <a:t>source /</a:t>
-            </a:r>
-            <a:r>
-              <a:rPr lang="en-US" sz="1400" b="1" dirty="0" err="1">
-                <a:solidFill>
-                  <a:srgbClr val="008000"/>
-                </a:solidFill>
-                <a:latin typeface="Consolas"/>
-                <a:cs typeface="Consolas"/>
-              </a:rPr>
-              <a:t>afs</a:t>
-            </a:r>
-            <a:r>
-              <a:rPr lang="en-US" sz="1400" b="1" dirty="0">
-                <a:solidFill>
-                  <a:srgbClr val="008000"/>
-                </a:solidFill>
-                <a:latin typeface="Consolas"/>
-                <a:cs typeface="Consolas"/>
-              </a:rPr>
-              <a:t>/</a:t>
-            </a:r>
-            <a:r>
-              <a:rPr lang="en-US" sz="1400" b="1" dirty="0" err="1">
-                <a:solidFill>
-                  <a:srgbClr val="008000"/>
-                </a:solidFill>
-                <a:latin typeface="Consolas"/>
-                <a:cs typeface="Consolas"/>
-              </a:rPr>
-              <a:t>cern.ch</a:t>
-            </a:r>
-            <a:r>
-              <a:rPr lang="en-US" sz="1400" b="1" dirty="0">
-                <a:solidFill>
-                  <a:srgbClr val="008000"/>
-                </a:solidFill>
-                <a:latin typeface="Consolas"/>
-                <a:cs typeface="Consolas"/>
-              </a:rPr>
-              <a:t>/atlas/offline/external/GRID/</a:t>
-            </a:r>
-            <a:r>
-              <a:rPr lang="en-US" sz="1400" b="1" dirty="0" err="1">
-                <a:solidFill>
-                  <a:srgbClr val="008000"/>
-                </a:solidFill>
-                <a:latin typeface="Consolas"/>
-                <a:cs typeface="Consolas"/>
-              </a:rPr>
-              <a:t>ddm</a:t>
-            </a:r>
-            <a:r>
-              <a:rPr lang="en-US" sz="1400" b="1" dirty="0">
-                <a:solidFill>
-                  <a:srgbClr val="008000"/>
-                </a:solidFill>
-                <a:latin typeface="Consolas"/>
-                <a:cs typeface="Consolas"/>
-              </a:rPr>
-              <a:t>/DQ2Clients/</a:t>
-            </a:r>
-            <a:r>
-              <a:rPr lang="en-US" sz="1400" b="1" dirty="0" err="1">
-                <a:solidFill>
-                  <a:srgbClr val="008000"/>
-                </a:solidFill>
-                <a:latin typeface="Consolas"/>
-                <a:cs typeface="Consolas"/>
-              </a:rPr>
-              <a:t>setup.zsh</a:t>
-            </a:r>
-            <a:endParaRPr lang="en-US" sz="1400" b="1" dirty="0">
-              <a:solidFill>
-                <a:srgbClr val="008000"/>
-              </a:solidFill>
-              <a:latin typeface="Consolas"/>
-              <a:cs typeface="Consolas"/>
-            </a:endParaRPr>
-          </a:p>
-        </p:txBody>
-      </p:sp>
     </p:spTree>
     <p:extLst>
       <p:ext uri="{BB962C8B-B14F-4D97-AF65-F5344CB8AC3E}">
-        <p14:creationId xmlns:p14="http://schemas.microsoft.com/office/powerpoint/2010/main" val="3836362796"/>
+        <p14:creationId xmlns:p14="http://schemas.microsoft.com/office/powerpoint/2010/main" val="3951611835"/>
       </p:ext>
     </p:extLst>
   </p:cSld>
@@ -26347,14 +26843,6 @@
           <a:bodyPr/>
           <a:lstStyle/>
           <a:p>
-            <a:r>
-              <a:rPr lang="en-US" dirty="0" err="1" smtClean="0"/>
-              <a:t>Ttreecache</a:t>
-            </a:r>
-            <a:r>
-              <a:rPr lang="en-US" dirty="0" smtClean="0"/>
-              <a:t> longer story</a:t>
-            </a:r>
             <a:endParaRPr lang="en-US" dirty="0"/>
           </a:p>
         </p:txBody>
@@ -26375,55 +26863,32 @@
           <a:lstStyle/>
           <a:p>
             <a:r>
-              <a:rPr lang="en-US" dirty="0" err="1" smtClean="0"/>
-              <a:t>TTreeCache</a:t>
-            </a:r>
-            <a:r>
               <a:rPr lang="en-US" dirty="0" smtClean="0"/>
-              <a:t> tries to guess which </a:t>
-            </a:r>
-            <a:r>
-              <a:rPr lang="en-US" dirty="0" err="1" smtClean="0"/>
-              <a:t>TBranches</a:t>
-            </a:r>
+              <a:t>Setting proxy from AFS</a:t>
+            </a:r>
+          </a:p>
+          <a:p>
+            <a:endParaRPr lang="en-US" dirty="0"/>
+          </a:p>
+          <a:p>
+            <a:endParaRPr lang="en-US" dirty="0" smtClean="0"/>
+          </a:p>
+          <a:p>
             <a:r>
               <a:rPr lang="en-US" dirty="0" smtClean="0"/>
-              <a:t> you want and read only these and in large chunks.</a:t>
-            </a:r>
+              <a:t>Making proxy valid for 96 hours and not ask for password</a:t>
+            </a:r>
+          </a:p>
+          <a:p>
+            <a:endParaRPr lang="en-US" dirty="0"/>
           </a:p>
           <a:p>
             <a:r>
               <a:rPr lang="en-US" dirty="0" smtClean="0"/>
-              <a:t>During first 100 events it learns which variables you read</a:t>
-            </a:r>
-          </a:p>
-          <a:p>
-            <a:pPr lvl="1"/>
-            <a:r>
-              <a:rPr lang="en-US" dirty="0" smtClean="0"/>
-              <a:t>Learning phase can still be expensive. </a:t>
-            </a:r>
-          </a:p>
-          <a:p>
-            <a:pPr lvl="1"/>
-            <a:r>
-              <a:rPr lang="en-US" dirty="0" smtClean="0"/>
-              <a:t>If you know what branches you’ll need, enable them only and turn it off. </a:t>
-            </a:r>
-          </a:p>
-          <a:p>
-            <a:r>
-              <a:rPr lang="en-US" dirty="0" smtClean="0"/>
-              <a:t>If you do tree-&gt;</a:t>
-            </a:r>
-            <a:r>
-              <a:rPr lang="en-US" dirty="0" err="1" smtClean="0"/>
-              <a:t>GetEvent</a:t>
-            </a:r>
-            <a:r>
-              <a:rPr lang="en-US" dirty="0" smtClean="0"/>
-              <a:t>() it learns that you want to read all branches.</a:t>
-            </a:r>
+              <a:t>Setting dq2 from AFS</a:t>
+            </a:r>
+          </a:p>
+          <a:p>
             <a:endParaRPr lang="en-US" dirty="0"/>
           </a:p>
         </p:txBody>
@@ -26445,7 +26910,7 @@
           <a:p>
             <a:fld id="{7DA83AE1-CB64-784C-9A8F-13236E608BC8}" type="datetime1">
               <a:rPr lang="en-US" smtClean="0"/>
-              <a:t>7/15/13</a:t>
+              <a:t>7/16/13</a:t>
             </a:fld>
             <a:endParaRPr lang="en-US"/>
           </a:p>
@@ -26497,16 +26962,566 @@
           </a:p>
         </p:txBody>
       </p:sp>
+      <p:sp>
+        <p:nvSpPr>
+          <p:cNvPr id="8" name="Rectangle 7"/>
+          <p:cNvSpPr/>
+          <p:nvPr/>
+        </p:nvSpPr>
+        <p:spPr>
+          <a:xfrm>
+            <a:off x="988456" y="2048195"/>
+            <a:ext cx="7926944" cy="523220"/>
+          </a:xfrm>
+          <a:prstGeom prst="rect">
+            <a:avLst/>
+          </a:prstGeom>
+        </p:spPr>
+        <p:style>
+          <a:lnRef idx="2">
+            <a:schemeClr val="dk1">
+              <a:shade val="50000"/>
+            </a:schemeClr>
+          </a:lnRef>
+          <a:fillRef idx="1">
+            <a:schemeClr val="dk1"/>
+          </a:fillRef>
+          <a:effectRef idx="0">
+            <a:schemeClr val="dk1"/>
+          </a:effectRef>
+          <a:fontRef idx="minor">
+            <a:schemeClr val="lt1"/>
+          </a:fontRef>
+        </p:style>
+        <p:txBody>
+          <a:bodyPr wrap="square">
+            <a:spAutoFit/>
+          </a:bodyPr>
+          <a:lstStyle/>
+          <a:p>
+            <a:r>
+              <a:rPr lang="en-US" sz="1400" b="1" dirty="0">
+                <a:solidFill>
+                  <a:srgbClr val="008000"/>
+                </a:solidFill>
+                <a:latin typeface="Consolas"/>
+                <a:cs typeface="Consolas"/>
+              </a:rPr>
+              <a:t>source /</a:t>
+            </a:r>
+            <a:r>
+              <a:rPr lang="en-US" sz="1400" b="1" dirty="0" err="1">
+                <a:solidFill>
+                  <a:srgbClr val="008000"/>
+                </a:solidFill>
+                <a:latin typeface="Consolas"/>
+                <a:cs typeface="Consolas"/>
+              </a:rPr>
+              <a:t>afs</a:t>
+            </a:r>
+            <a:r>
+              <a:rPr lang="en-US" sz="1400" b="1" dirty="0">
+                <a:solidFill>
+                  <a:srgbClr val="008000"/>
+                </a:solidFill>
+                <a:latin typeface="Consolas"/>
+                <a:cs typeface="Consolas"/>
+              </a:rPr>
+              <a:t>/</a:t>
+            </a:r>
+            <a:r>
+              <a:rPr lang="en-US" sz="1400" b="1" dirty="0" err="1">
+                <a:solidFill>
+                  <a:srgbClr val="008000"/>
+                </a:solidFill>
+                <a:latin typeface="Consolas"/>
+                <a:cs typeface="Consolas"/>
+              </a:rPr>
+              <a:t>cern.ch</a:t>
+            </a:r>
+            <a:r>
+              <a:rPr lang="en-US" sz="1400" b="1" dirty="0">
+                <a:solidFill>
+                  <a:srgbClr val="008000"/>
+                </a:solidFill>
+                <a:latin typeface="Consolas"/>
+                <a:cs typeface="Consolas"/>
+              </a:rPr>
+              <a:t>/project/</a:t>
+            </a:r>
+            <a:r>
+              <a:rPr lang="en-US" sz="1400" b="1" dirty="0" err="1">
+                <a:solidFill>
+                  <a:srgbClr val="008000"/>
+                </a:solidFill>
+                <a:latin typeface="Consolas"/>
+                <a:cs typeface="Consolas"/>
+              </a:rPr>
+              <a:t>gd</a:t>
+            </a:r>
+            <a:r>
+              <a:rPr lang="en-US" sz="1400" b="1" dirty="0">
+                <a:solidFill>
+                  <a:srgbClr val="008000"/>
+                </a:solidFill>
+                <a:latin typeface="Consolas"/>
+                <a:cs typeface="Consolas"/>
+              </a:rPr>
+              <a:t>/LCG-share/current_3.2/</a:t>
+            </a:r>
+            <a:r>
+              <a:rPr lang="en-US" sz="1400" b="1" dirty="0" err="1">
+                <a:solidFill>
+                  <a:srgbClr val="008000"/>
+                </a:solidFill>
+                <a:latin typeface="Consolas"/>
+                <a:cs typeface="Consolas"/>
+              </a:rPr>
+              <a:t>etc</a:t>
+            </a:r>
+            <a:r>
+              <a:rPr lang="en-US" sz="1400" b="1" dirty="0">
+                <a:solidFill>
+                  <a:srgbClr val="008000"/>
+                </a:solidFill>
+                <a:latin typeface="Consolas"/>
+                <a:cs typeface="Consolas"/>
+              </a:rPr>
+              <a:t>/</a:t>
+            </a:r>
+            <a:r>
+              <a:rPr lang="en-US" sz="1400" b="1" dirty="0" err="1">
+                <a:solidFill>
+                  <a:srgbClr val="008000"/>
+                </a:solidFill>
+                <a:latin typeface="Consolas"/>
+                <a:cs typeface="Consolas"/>
+              </a:rPr>
+              <a:t>profile.d</a:t>
+            </a:r>
+            <a:r>
+              <a:rPr lang="en-US" sz="1400" b="1" dirty="0">
+                <a:solidFill>
+                  <a:srgbClr val="008000"/>
+                </a:solidFill>
+                <a:latin typeface="Consolas"/>
+                <a:cs typeface="Consolas"/>
+              </a:rPr>
+              <a:t>/</a:t>
+            </a:r>
+            <a:r>
+              <a:rPr lang="en-US" sz="1400" b="1" dirty="0" err="1" smtClean="0">
+                <a:solidFill>
+                  <a:srgbClr val="008000"/>
+                </a:solidFill>
+                <a:latin typeface="Consolas"/>
+                <a:cs typeface="Consolas"/>
+              </a:rPr>
+              <a:t>grid_env.sh</a:t>
+            </a:r>
+            <a:endParaRPr lang="en-US" sz="1400" b="1" dirty="0">
+              <a:solidFill>
+                <a:srgbClr val="008000"/>
+              </a:solidFill>
+              <a:latin typeface="Consolas"/>
+              <a:cs typeface="Consolas"/>
+            </a:endParaRPr>
+          </a:p>
+          <a:p>
+            <a:r>
+              <a:rPr lang="en-US" sz="1400" b="1" dirty="0" err="1">
+                <a:solidFill>
+                  <a:srgbClr val="008000"/>
+                </a:solidFill>
+                <a:latin typeface="Consolas"/>
+                <a:cs typeface="Consolas"/>
+              </a:rPr>
+              <a:t>voms</a:t>
+            </a:r>
+            <a:r>
+              <a:rPr lang="en-US" sz="1400" b="1" dirty="0">
+                <a:solidFill>
+                  <a:srgbClr val="008000"/>
+                </a:solidFill>
+                <a:latin typeface="Consolas"/>
+                <a:cs typeface="Consolas"/>
+              </a:rPr>
+              <a:t>-proxy-</a:t>
+            </a:r>
+            <a:r>
+              <a:rPr lang="en-US" sz="1400" b="1" dirty="0" err="1">
+                <a:solidFill>
+                  <a:srgbClr val="008000"/>
+                </a:solidFill>
+                <a:latin typeface="Consolas"/>
+                <a:cs typeface="Consolas"/>
+              </a:rPr>
+              <a:t>init</a:t>
+            </a:r>
+            <a:r>
+              <a:rPr lang="en-US" sz="1400" b="1" dirty="0">
+                <a:solidFill>
+                  <a:srgbClr val="008000"/>
+                </a:solidFill>
+                <a:latin typeface="Consolas"/>
+                <a:cs typeface="Consolas"/>
+              </a:rPr>
+              <a:t> -</a:t>
+            </a:r>
+            <a:r>
+              <a:rPr lang="en-US" sz="1400" b="1" dirty="0" err="1">
+                <a:solidFill>
+                  <a:srgbClr val="008000"/>
+                </a:solidFill>
+                <a:latin typeface="Consolas"/>
+                <a:cs typeface="Consolas"/>
+              </a:rPr>
+              <a:t>voms</a:t>
+            </a:r>
+            <a:r>
+              <a:rPr lang="en-US" sz="1400" b="1" dirty="0">
+                <a:solidFill>
+                  <a:srgbClr val="008000"/>
+                </a:solidFill>
+                <a:latin typeface="Consolas"/>
+                <a:cs typeface="Consolas"/>
+              </a:rPr>
+              <a:t> atlas</a:t>
+            </a:r>
+          </a:p>
+        </p:txBody>
+      </p:sp>
+      <p:sp>
+        <p:nvSpPr>
+          <p:cNvPr id="9" name="Rectangle 8"/>
+          <p:cNvSpPr/>
+          <p:nvPr/>
+        </p:nvSpPr>
+        <p:spPr>
+          <a:xfrm>
+            <a:off x="988456" y="3229774"/>
+            <a:ext cx="7926944" cy="307777"/>
+          </a:xfrm>
+          <a:prstGeom prst="rect">
+            <a:avLst/>
+          </a:prstGeom>
+        </p:spPr>
+        <p:style>
+          <a:lnRef idx="2">
+            <a:schemeClr val="dk1">
+              <a:shade val="50000"/>
+            </a:schemeClr>
+          </a:lnRef>
+          <a:fillRef idx="1">
+            <a:schemeClr val="dk1"/>
+          </a:fillRef>
+          <a:effectRef idx="0">
+            <a:schemeClr val="dk1"/>
+          </a:effectRef>
+          <a:fontRef idx="minor">
+            <a:schemeClr val="lt1"/>
+          </a:fontRef>
+        </p:style>
+        <p:txBody>
+          <a:bodyPr wrap="square">
+            <a:spAutoFit/>
+          </a:bodyPr>
+          <a:lstStyle/>
+          <a:p>
+            <a:r>
+              <a:rPr lang="en-US" sz="1400" b="1" dirty="0" err="1" smtClean="0">
+                <a:solidFill>
+                  <a:srgbClr val="008000"/>
+                </a:solidFill>
+                <a:latin typeface="Consolas"/>
+                <a:cs typeface="Consolas"/>
+              </a:rPr>
+              <a:t>voms</a:t>
+            </a:r>
+            <a:r>
+              <a:rPr lang="en-US" sz="1400" b="1" dirty="0">
+                <a:solidFill>
+                  <a:srgbClr val="008000"/>
+                </a:solidFill>
+                <a:latin typeface="Consolas"/>
+                <a:cs typeface="Consolas"/>
+              </a:rPr>
+              <a:t>-proxy-</a:t>
+            </a:r>
+            <a:r>
+              <a:rPr lang="en-US" sz="1400" b="1" dirty="0" err="1">
+                <a:solidFill>
+                  <a:srgbClr val="008000"/>
+                </a:solidFill>
+                <a:latin typeface="Consolas"/>
+                <a:cs typeface="Consolas"/>
+              </a:rPr>
+              <a:t>init</a:t>
+            </a:r>
+            <a:r>
+              <a:rPr lang="en-US" sz="1400" b="1" dirty="0">
+                <a:solidFill>
+                  <a:srgbClr val="008000"/>
+                </a:solidFill>
+                <a:latin typeface="Consolas"/>
+                <a:cs typeface="Consolas"/>
+              </a:rPr>
+              <a:t> -</a:t>
+            </a:r>
+            <a:r>
+              <a:rPr lang="en-US" sz="1400" b="1" dirty="0" err="1">
+                <a:solidFill>
+                  <a:srgbClr val="008000"/>
+                </a:solidFill>
+                <a:latin typeface="Consolas"/>
+                <a:cs typeface="Consolas"/>
+              </a:rPr>
+              <a:t>voms</a:t>
+            </a:r>
+            <a:r>
+              <a:rPr lang="en-US" sz="1400" b="1" dirty="0">
+                <a:solidFill>
+                  <a:srgbClr val="008000"/>
+                </a:solidFill>
+                <a:latin typeface="Consolas"/>
+                <a:cs typeface="Consolas"/>
+              </a:rPr>
+              <a:t> </a:t>
+            </a:r>
+            <a:r>
+              <a:rPr lang="en-US" sz="1400" b="1" dirty="0" smtClean="0">
+                <a:solidFill>
+                  <a:srgbClr val="008000"/>
+                </a:solidFill>
+                <a:latin typeface="Consolas"/>
+                <a:cs typeface="Consolas"/>
+              </a:rPr>
+              <a:t>atlas </a:t>
+            </a:r>
+            <a:r>
+              <a:rPr lang="es-ES_tradnl" sz="1400" b="1" dirty="0">
+                <a:solidFill>
+                  <a:srgbClr val="008000"/>
+                </a:solidFill>
+                <a:latin typeface="Consolas"/>
+                <a:cs typeface="Consolas"/>
+              </a:rPr>
+              <a:t>-</a:t>
+            </a:r>
+            <a:r>
+              <a:rPr lang="es-ES_tradnl" sz="1400" b="1" dirty="0" err="1">
+                <a:solidFill>
+                  <a:srgbClr val="008000"/>
+                </a:solidFill>
+                <a:latin typeface="Consolas"/>
+                <a:cs typeface="Consolas"/>
+              </a:rPr>
+              <a:t>valid</a:t>
+            </a:r>
+            <a:r>
+              <a:rPr lang="es-ES_tradnl" sz="1400" b="1" dirty="0">
+                <a:solidFill>
+                  <a:srgbClr val="008000"/>
+                </a:solidFill>
+                <a:latin typeface="Consolas"/>
+                <a:cs typeface="Consolas"/>
+              </a:rPr>
+              <a:t> 96:0 -</a:t>
+            </a:r>
+            <a:r>
+              <a:rPr lang="es-ES_tradnl" sz="1400" b="1" dirty="0" err="1">
+                <a:solidFill>
+                  <a:srgbClr val="008000"/>
+                </a:solidFill>
+                <a:latin typeface="Consolas"/>
+                <a:cs typeface="Consolas"/>
+              </a:rPr>
+              <a:t>pwstdin</a:t>
+            </a:r>
+            <a:r>
+              <a:rPr lang="es-ES_tradnl" sz="1400" b="1" dirty="0">
+                <a:solidFill>
+                  <a:srgbClr val="008000"/>
+                </a:solidFill>
+                <a:latin typeface="Consolas"/>
+                <a:cs typeface="Consolas"/>
+              </a:rPr>
+              <a:t> &lt; </a:t>
+            </a:r>
+            <a:r>
+              <a:rPr lang="es-ES_tradnl" sz="1400" b="1" dirty="0" smtClean="0">
+                <a:solidFill>
+                  <a:srgbClr val="008000"/>
+                </a:solidFill>
+                <a:latin typeface="Consolas"/>
+                <a:cs typeface="Consolas"/>
+              </a:rPr>
+              <a:t>$HOME/.</a:t>
+            </a:r>
+            <a:r>
+              <a:rPr lang="es-ES_tradnl" sz="1400" b="1" dirty="0" err="1" smtClean="0">
+                <a:solidFill>
+                  <a:srgbClr val="008000"/>
+                </a:solidFill>
+                <a:latin typeface="Consolas"/>
+                <a:cs typeface="Consolas"/>
+              </a:rPr>
+              <a:t>myPassword</a:t>
+            </a:r>
+            <a:endParaRPr lang="en-US" sz="1400" b="1" dirty="0">
+              <a:solidFill>
+                <a:srgbClr val="008000"/>
+              </a:solidFill>
+              <a:latin typeface="Consolas"/>
+              <a:cs typeface="Consolas"/>
+            </a:endParaRPr>
+          </a:p>
+        </p:txBody>
+      </p:sp>
+      <p:sp>
+        <p:nvSpPr>
+          <p:cNvPr id="11" name="Rectangle 10"/>
+          <p:cNvSpPr/>
+          <p:nvPr/>
+        </p:nvSpPr>
+        <p:spPr>
+          <a:xfrm>
+            <a:off x="988456" y="4050045"/>
+            <a:ext cx="7926944" cy="307777"/>
+          </a:xfrm>
+          <a:prstGeom prst="rect">
+            <a:avLst/>
+          </a:prstGeom>
+        </p:spPr>
+        <p:style>
+          <a:lnRef idx="2">
+            <a:schemeClr val="dk1">
+              <a:shade val="50000"/>
+            </a:schemeClr>
+          </a:lnRef>
+          <a:fillRef idx="1">
+            <a:schemeClr val="dk1"/>
+          </a:fillRef>
+          <a:effectRef idx="0">
+            <a:schemeClr val="dk1"/>
+          </a:effectRef>
+          <a:fontRef idx="minor">
+            <a:schemeClr val="lt1"/>
+          </a:fontRef>
+        </p:style>
+        <p:txBody>
+          <a:bodyPr wrap="square">
+            <a:spAutoFit/>
+          </a:bodyPr>
+          <a:lstStyle/>
+          <a:p>
+            <a:r>
+              <a:rPr lang="en-US" sz="1400" b="1" dirty="0">
+                <a:solidFill>
+                  <a:srgbClr val="008000"/>
+                </a:solidFill>
+                <a:latin typeface="Consolas"/>
+                <a:cs typeface="Consolas"/>
+              </a:rPr>
+              <a:t>source /</a:t>
+            </a:r>
+            <a:r>
+              <a:rPr lang="en-US" sz="1400" b="1" dirty="0" err="1">
+                <a:solidFill>
+                  <a:srgbClr val="008000"/>
+                </a:solidFill>
+                <a:latin typeface="Consolas"/>
+                <a:cs typeface="Consolas"/>
+              </a:rPr>
+              <a:t>afs</a:t>
+            </a:r>
+            <a:r>
+              <a:rPr lang="en-US" sz="1400" b="1" dirty="0">
+                <a:solidFill>
+                  <a:srgbClr val="008000"/>
+                </a:solidFill>
+                <a:latin typeface="Consolas"/>
+                <a:cs typeface="Consolas"/>
+              </a:rPr>
+              <a:t>/</a:t>
+            </a:r>
+            <a:r>
+              <a:rPr lang="en-US" sz="1400" b="1" dirty="0" err="1">
+                <a:solidFill>
+                  <a:srgbClr val="008000"/>
+                </a:solidFill>
+                <a:latin typeface="Consolas"/>
+                <a:cs typeface="Consolas"/>
+              </a:rPr>
+              <a:t>cern.ch</a:t>
+            </a:r>
+            <a:r>
+              <a:rPr lang="en-US" sz="1400" b="1" dirty="0">
+                <a:solidFill>
+                  <a:srgbClr val="008000"/>
+                </a:solidFill>
+                <a:latin typeface="Consolas"/>
+                <a:cs typeface="Consolas"/>
+              </a:rPr>
+              <a:t>/atlas/offline/external/GRID/</a:t>
+            </a:r>
+            <a:r>
+              <a:rPr lang="en-US" sz="1400" b="1" dirty="0" err="1">
+                <a:solidFill>
+                  <a:srgbClr val="008000"/>
+                </a:solidFill>
+                <a:latin typeface="Consolas"/>
+                <a:cs typeface="Consolas"/>
+              </a:rPr>
+              <a:t>ddm</a:t>
+            </a:r>
+            <a:r>
+              <a:rPr lang="en-US" sz="1400" b="1" dirty="0">
+                <a:solidFill>
+                  <a:srgbClr val="008000"/>
+                </a:solidFill>
+                <a:latin typeface="Consolas"/>
+                <a:cs typeface="Consolas"/>
+              </a:rPr>
+              <a:t>/DQ2Clients/</a:t>
+            </a:r>
+            <a:r>
+              <a:rPr lang="en-US" sz="1400" b="1" dirty="0" err="1">
+                <a:solidFill>
+                  <a:srgbClr val="008000"/>
+                </a:solidFill>
+                <a:latin typeface="Consolas"/>
+                <a:cs typeface="Consolas"/>
+              </a:rPr>
+              <a:t>setup.zsh</a:t>
+            </a:r>
+            <a:endParaRPr lang="en-US" sz="1400" b="1" dirty="0">
+              <a:solidFill>
+                <a:srgbClr val="008000"/>
+              </a:solidFill>
+              <a:latin typeface="Consolas"/>
+              <a:cs typeface="Consolas"/>
+            </a:endParaRPr>
+          </a:p>
+        </p:txBody>
+      </p:sp>
     </p:spTree>
     <p:extLst>
       <p:ext uri="{BB962C8B-B14F-4D97-AF65-F5344CB8AC3E}">
-        <p14:creationId xmlns:p14="http://schemas.microsoft.com/office/powerpoint/2010/main" val="1739604678"/>
+        <p14:creationId xmlns:p14="http://schemas.microsoft.com/office/powerpoint/2010/main" val="3836362796"/>
       </p:ext>
     </p:extLst>
   </p:cSld>
   <p:clrMapOvr>
     <a:masterClrMapping/>
   </p:clrMapOvr>
+  <p:timing>
+    <p:tnLst>
+      <p:par>
+        <p:cTn xmlns:p14="http://schemas.microsoft.com/office/powerpoint/2010/main" id="1" dur="indefinite" restart="never" nodeType="tmRoot"/>
+      </p:par>
+    </p:tnLst>
+  </p:timing>
 </p:sld>
 </file>
 
@@ -26543,8 +27558,81 @@
           <a:lstStyle/>
           <a:p>
             <a:r>
+              <a:rPr lang="en-US" dirty="0" err="1" smtClean="0"/>
+              <a:t>Ttreecache</a:t>
+            </a:r>
+            <a:r>
               <a:rPr lang="en-US" dirty="0" smtClean="0"/>
-              <a:t>Setting up root only</a:t>
+              <a:t> longer story</a:t>
+            </a:r>
+            <a:endParaRPr lang="en-US" dirty="0"/>
+          </a:p>
+        </p:txBody>
+      </p:sp>
+      <p:sp>
+        <p:nvSpPr>
+          <p:cNvPr id="3" name="Content Placeholder 2"/>
+          <p:cNvSpPr>
+            <a:spLocks noGrp="1"/>
+          </p:cNvSpPr>
+          <p:nvPr>
+            <p:ph idx="1"/>
+          </p:nvPr>
+        </p:nvSpPr>
+        <p:spPr/>
+        <p:txBody>
+          <a:bodyPr/>
+          <a:lstStyle/>
+          <a:p>
+            <a:r>
+              <a:rPr lang="en-US" dirty="0" err="1" smtClean="0"/>
+              <a:t>TTreeCache</a:t>
+            </a:r>
+            <a:r>
+              <a:rPr lang="en-US" dirty="0" smtClean="0"/>
+              <a:t> tries to guess which </a:t>
+            </a:r>
+            <a:r>
+              <a:rPr lang="en-US" dirty="0" err="1" smtClean="0"/>
+              <a:t>TBranches</a:t>
+            </a:r>
+            <a:r>
+              <a:rPr lang="en-US" dirty="0" smtClean="0"/>
+              <a:t> you want and read only these and in large chunks.</a:t>
+            </a:r>
+          </a:p>
+          <a:p>
+            <a:r>
+              <a:rPr lang="en-US" dirty="0" smtClean="0"/>
+              <a:t>During first 100 events it learns which variables you read</a:t>
+            </a:r>
+          </a:p>
+          <a:p>
+            <a:pPr lvl="1"/>
+            <a:r>
+              <a:rPr lang="en-US" dirty="0" smtClean="0"/>
+              <a:t>Learning phase can still be expensive. </a:t>
+            </a:r>
+          </a:p>
+          <a:p>
+            <a:pPr lvl="1"/>
+            <a:r>
+              <a:rPr lang="en-US" dirty="0" smtClean="0"/>
+              <a:t>If you know what branches you’ll need, enable them only and turn it off. </a:t>
+            </a:r>
+          </a:p>
+          <a:p>
+            <a:r>
+              <a:rPr lang="en-US" dirty="0" smtClean="0"/>
+              <a:t>If you do tree-&gt;</a:t>
+            </a:r>
+            <a:r>
+              <a:rPr lang="en-US" dirty="0" err="1" smtClean="0"/>
+              <a:t>GetEvent</a:t>
+            </a:r>
+            <a:r>
+              <a:rPr lang="en-US" dirty="0" smtClean="0"/>
+              <a:t>() it learns that you want to read all branches.</a:t>
             </a:r>
             <a:endParaRPr lang="en-US" dirty="0"/>
           </a:p>
@@ -26567,9 +27655,9 @@
           <a:p>
             <a:fld id="{7DA83AE1-CB64-784C-9A8F-13236E608BC8}" type="datetime1">
               <a:rPr lang="en-US" smtClean="0"/>
-              <a:t>7/15/13</a:t>
+              <a:t>7/16/13</a:t>
             </a:fld>
-            <a:endParaRPr lang="en-US" dirty="0"/>
+            <a:endParaRPr lang="en-US"/>
           </a:p>
         </p:txBody>
       </p:sp>
@@ -26614,6 +27702,128 @@
             <a:fld id="{149F3054-76AD-E84D-A86E-7938130C5973}" type="slidenum">
               <a:rPr lang="en-US" smtClean="0"/>
               <a:t>25</a:t>
+            </a:fld>
+            <a:endParaRPr lang="en-US"/>
+          </a:p>
+        </p:txBody>
+      </p:sp>
+    </p:spTree>
+    <p:extLst>
+      <p:ext uri="{BB962C8B-B14F-4D97-AF65-F5344CB8AC3E}">
+        <p14:creationId xmlns:p14="http://schemas.microsoft.com/office/powerpoint/2010/main" val="1739604678"/>
+      </p:ext>
+    </p:extLst>
+  </p:cSld>
+  <p:clrMapOvr>
+    <a:masterClrMapping/>
+  </p:clrMapOvr>
+</p:sld>
+</file>
+
+<file path=ppt/slides/slide26.xml><?xml version="1.0" encoding="utf-8"?>
+<p:sld xmlns:a="http://schemas.openxmlformats.org/drawingml/2006/main" xmlns:r="http://schemas.openxmlformats.org/officeDocument/2006/relationships" xmlns:p="http://schemas.openxmlformats.org/presentationml/2006/main">
+  <p:cSld>
+    <p:spTree>
+      <p:nvGrpSpPr>
+        <p:cNvPr id="1" name=""/>
+        <p:cNvGrpSpPr/>
+        <p:nvPr/>
+      </p:nvGrpSpPr>
+      <p:grpSpPr>
+        <a:xfrm>
+          <a:off x="0" y="0"/>
+          <a:ext cx="0" cy="0"/>
+          <a:chOff x="0" y="0"/>
+          <a:chExt cx="0" cy="0"/>
+        </a:xfrm>
+      </p:grpSpPr>
+      <p:sp>
+        <p:nvSpPr>
+          <p:cNvPr id="2" name="Title 1"/>
+          <p:cNvSpPr>
+            <a:spLocks noGrp="1"/>
+          </p:cNvSpPr>
+          <p:nvPr>
+            <p:ph type="title"/>
+          </p:nvPr>
+        </p:nvSpPr>
+        <p:spPr/>
+        <p:txBody>
+          <a:bodyPr/>
+          <a:lstStyle/>
+          <a:p>
+            <a:r>
+              <a:rPr lang="en-US" dirty="0" smtClean="0"/>
+              <a:t>Setting up root only</a:t>
+            </a:r>
+            <a:endParaRPr lang="en-US" dirty="0"/>
+          </a:p>
+        </p:txBody>
+      </p:sp>
+      <p:sp>
+        <p:nvSpPr>
+          <p:cNvPr id="4" name="Date Placeholder 3"/>
+          <p:cNvSpPr>
+            <a:spLocks noGrp="1"/>
+          </p:cNvSpPr>
+          <p:nvPr>
+            <p:ph type="dt" sz="half" idx="10"/>
+          </p:nvPr>
+        </p:nvSpPr>
+        <p:spPr/>
+        <p:txBody>
+          <a:bodyPr/>
+          <a:lstStyle/>
+          <a:p>
+            <a:fld id="{7DA83AE1-CB64-784C-9A8F-13236E608BC8}" type="datetime1">
+              <a:rPr lang="en-US" smtClean="0"/>
+              <a:t>7/16/13</a:t>
+            </a:fld>
+            <a:endParaRPr lang="en-US" dirty="0"/>
+          </a:p>
+        </p:txBody>
+      </p:sp>
+      <p:sp>
+        <p:nvSpPr>
+          <p:cNvPr id="5" name="Footer Placeholder 4"/>
+          <p:cNvSpPr>
+            <a:spLocks noGrp="1"/>
+          </p:cNvSpPr>
+          <p:nvPr>
+            <p:ph type="ftr" sz="quarter" idx="11"/>
+          </p:nvPr>
+        </p:nvSpPr>
+        <p:spPr/>
+        <p:txBody>
+          <a:bodyPr/>
+          <a:lstStyle/>
+          <a:p>
+            <a:r>
+              <a:rPr lang="en-US" smtClean="0"/>
+              <a:t>Ilija Vukotic ivukotic@uchicago.edu</a:t>
+            </a:r>
+            <a:endParaRPr lang="en-US"/>
+          </a:p>
+        </p:txBody>
+      </p:sp>
+      <p:sp>
+        <p:nvSpPr>
+          <p:cNvPr id="6" name="Slide Number Placeholder 5"/>
+          <p:cNvSpPr>
+            <a:spLocks noGrp="1"/>
+          </p:cNvSpPr>
+          <p:nvPr>
+            <p:ph type="sldNum" sz="quarter" idx="12"/>
+          </p:nvPr>
+        </p:nvSpPr>
+        <p:spPr/>
+        <p:txBody>
+          <a:bodyPr/>
+          <a:lstStyle/>
+          <a:p>
+            <a:fld id="{149F3054-76AD-E84D-A86E-7938130C5973}" type="slidenum">
+              <a:rPr lang="en-US" smtClean="0"/>
+              <a:t>26</a:t>
             </a:fld>
             <a:endParaRPr lang="en-US"/>
           </a:p>
@@ -27383,7 +28593,7 @@
           <a:p>
             <a:fld id="{79C8D36C-4D1A-4A4B-A2DE-3FD323663130}" type="datetime1">
               <a:rPr lang="en-US" smtClean="0"/>
-              <a:t>7/15/13</a:t>
+              <a:t>7/16/13</a:t>
             </a:fld>
             <a:endParaRPr lang="en-US"/>
           </a:p>
@@ -27495,6 +28705,36 @@
           <a:xfrm>
             <a:off x="3480207" y="3627088"/>
             <a:ext cx="5537942" cy="3139376"/>
+          </a:xfrm>
+          <a:prstGeom prst="rect">
+            <a:avLst/>
+          </a:prstGeom>
+        </p:spPr>
+      </p:pic>
+      <p:pic>
+        <p:nvPicPr>
+          <p:cNvPr id="10" name="Picture 9" descr="Screen Shot 2013-07-14 at 11.07.54 .png"/>
+          <p:cNvPicPr>
+            <a:picLocks noChangeAspect="1"/>
+          </p:cNvPicPr>
+          <p:nvPr/>
+        </p:nvPicPr>
+        <p:blipFill>
+          <a:blip r:embed="rId4">
+            <a:extLst>
+              <a:ext uri="{28A0092B-C50C-407E-A947-70E740481C1C}">
+                <a14:useLocalDpi xmlns:a14="http://schemas.microsoft.com/office/drawing/2010/main" val="0"/>
+              </a:ext>
+            </a:extLst>
+          </a:blip>
+          <a:stretch>
+            <a:fillRect/>
+          </a:stretch>
+        </p:blipFill>
+        <p:spPr>
+          <a:xfrm>
+            <a:off x="141945" y="4455747"/>
+            <a:ext cx="3274102" cy="1845461"/>
           </a:xfrm>
           <a:prstGeom prst="rect">
             <a:avLst/>
@@ -27578,7 +28818,7 @@
           <a:p>
             <a:fld id="{7DA83AE1-CB64-784C-9A8F-13236E608BC8}" type="datetime1">
               <a:rPr lang="en-US" smtClean="0"/>
-              <a:t>7/15/13</a:t>
+              <a:t>7/16/13</a:t>
             </a:fld>
             <a:endParaRPr lang="en-US"/>
           </a:p>
@@ -30329,7 +31569,7 @@
           <a:p>
             <a:fld id="{7DA83AE1-CB64-784C-9A8F-13236E608BC8}" type="datetime1">
               <a:rPr lang="en-US" smtClean="0"/>
-              <a:t>7/15/13</a:t>
+              <a:t>7/16/13</a:t>
             </a:fld>
             <a:endParaRPr lang="en-US"/>
           </a:p>
@@ -33238,7 +34478,7 @@
           <a:p>
             <a:fld id="{5A9A4CA0-2DD9-1142-9E89-A008F169B6AB}" type="datetime1">
               <a:rPr lang="en-US" smtClean="0"/>
-              <a:t>7/15/13</a:t>
+              <a:t>7/16/13</a:t>
             </a:fld>
             <a:endParaRPr lang="en-US"/>
           </a:p>
@@ -33426,7 +34666,7 @@
           <a:p>
             <a:fld id="{7DA83AE1-CB64-784C-9A8F-13236E608BC8}" type="datetime1">
               <a:rPr lang="en-US" smtClean="0"/>
-              <a:t>7/15/13</a:t>
+              <a:t>7/16/13</a:t>
             </a:fld>
             <a:endParaRPr lang="en-US"/>
           </a:p>
@@ -33924,7 +35164,7 @@
           <a:p>
             <a:fld id="{7DA83AE1-CB64-784C-9A8F-13236E608BC8}" type="datetime1">
               <a:rPr lang="en-US" smtClean="0"/>
-              <a:t>7/15/13</a:t>
+              <a:t>7/16/13</a:t>
             </a:fld>
             <a:endParaRPr lang="en-US"/>
           </a:p>
@@ -34651,7 +35891,7 @@
           <a:p>
             <a:fld id="{7DA83AE1-CB64-784C-9A8F-13236E608BC8}" type="datetime1">
               <a:rPr lang="en-US" smtClean="0"/>
-              <a:t>7/15/13</a:t>
+              <a:t>7/16/13</a:t>
             </a:fld>
             <a:endParaRPr lang="en-US"/>
           </a:p>

--- a/Tutorial.pptx
+++ b/Tutorial.pptx
@@ -224,7 +224,7 @@
           <a:p>
             <a:fld id="{92E9B281-BA54-794C-ACD8-2D743C591A6A}" type="datetime1">
               <a:rPr lang="en-US" smtClean="0"/>
-              <a:t>7/16/13</a:t>
+              <a:t>11/6/13</a:t>
             </a:fld>
             <a:endParaRPr lang="en-US"/>
           </a:p>
@@ -390,7 +390,7 @@
           <a:p>
             <a:fld id="{B19DBBA3-98AD-944B-8B8B-5B9FFC955A4F}" type="datetime1">
               <a:rPr lang="en-US" smtClean="0"/>
-              <a:t>7/16/13</a:t>
+              <a:t>11/6/13</a:t>
             </a:fld>
             <a:endParaRPr lang="en-US"/>
           </a:p>
@@ -3061,7 +3061,7 @@
           <a:p>
             <a:fld id="{5A777D2D-388A-5249-B920-6B487891E39C}" type="datetime1">
               <a:rPr lang="en-US" smtClean="0"/>
-              <a:t>7/16/13</a:t>
+              <a:t>11/6/13</a:t>
             </a:fld>
             <a:endParaRPr lang="en-US"/>
           </a:p>
@@ -4170,7 +4170,7 @@
           <a:p>
             <a:fld id="{B3706F72-1B1B-7D49-8F06-553DBF27354F}" type="datetime1">
               <a:rPr lang="en-US" smtClean="0"/>
-              <a:t>7/16/13</a:t>
+              <a:t>11/6/13</a:t>
             </a:fld>
             <a:endParaRPr lang="en-US"/>
           </a:p>
@@ -5287,7 +5287,7 @@
           <a:p>
             <a:fld id="{33868D22-1979-9941-89D2-960890592796}" type="datetime1">
               <a:rPr lang="en-US" smtClean="0"/>
-              <a:t>7/16/13</a:t>
+              <a:t>11/6/13</a:t>
             </a:fld>
             <a:endParaRPr lang="en-US"/>
           </a:p>
@@ -6399,7 +6399,7 @@
           <a:p>
             <a:fld id="{7DA83AE1-CB64-784C-9A8F-13236E608BC8}" type="datetime1">
               <a:rPr lang="en-US" smtClean="0"/>
-              <a:t>7/16/13</a:t>
+              <a:t>11/6/13</a:t>
             </a:fld>
             <a:endParaRPr lang="en-US"/>
           </a:p>
@@ -7996,7 +7996,7 @@
           <a:p>
             <a:fld id="{706B2D66-2453-CA4D-911E-49DA97530D5E}" type="datetime1">
               <a:rPr lang="en-US" smtClean="0"/>
-              <a:t>7/16/13</a:t>
+              <a:t>11/6/13</a:t>
             </a:fld>
             <a:endParaRPr lang="en-US"/>
           </a:p>
@@ -9058,7 +9058,7 @@
           <a:p>
             <a:fld id="{90FEEE81-71E4-A542-ADFF-2E09FBD3072E}" type="datetime1">
               <a:rPr lang="en-US" smtClean="0"/>
-              <a:t>7/16/13</a:t>
+              <a:t>11/6/13</a:t>
             </a:fld>
             <a:endParaRPr lang="en-US"/>
           </a:p>
@@ -10389,7 +10389,7 @@
           <a:p>
             <a:fld id="{62BDF073-ACE3-A84C-B243-6B11C0476D96}" type="datetime1">
               <a:rPr lang="en-US" smtClean="0"/>
-              <a:t>7/16/13</a:t>
+              <a:t>11/6/13</a:t>
             </a:fld>
             <a:endParaRPr lang="en-US"/>
           </a:p>
@@ -11530,7 +11530,7 @@
           <a:p>
             <a:fld id="{A4440ACC-86DF-6048-A4D0-BE1043AA6C73}" type="datetime1">
               <a:rPr lang="en-US" smtClean="0"/>
-              <a:t>7/16/13</a:t>
+              <a:t>11/6/13</a:t>
             </a:fld>
             <a:endParaRPr lang="en-US"/>
           </a:p>
@@ -12590,7 +12590,7 @@
           <a:p>
             <a:fld id="{78CB6171-CF12-4A4C-B605-2C23CF5C25F9}" type="datetime1">
               <a:rPr lang="en-US" smtClean="0"/>
-              <a:t>7/16/13</a:t>
+              <a:t>11/6/13</a:t>
             </a:fld>
             <a:endParaRPr lang="en-US"/>
           </a:p>
@@ -13632,7 +13632,7 @@
           <a:p>
             <a:fld id="{B5B4C014-2DF0-6A4A-A8CD-F451B1E6A4CA}" type="datetime1">
               <a:rPr lang="en-US" smtClean="0"/>
-              <a:t>7/16/13</a:t>
+              <a:t>11/6/13</a:t>
             </a:fld>
             <a:endParaRPr lang="en-US"/>
           </a:p>
@@ -14871,7 +14871,7 @@
           <a:p>
             <a:fld id="{62AE354E-D8E4-5F49-A393-E13667096BD7}" type="datetime1">
               <a:rPr lang="en-US" smtClean="0"/>
-              <a:t>7/16/13</a:t>
+              <a:t>11/6/13</a:t>
             </a:fld>
             <a:endParaRPr lang="en-US"/>
           </a:p>
@@ -15228,7 +15228,7 @@
           <a:p>
             <a:fld id="{11FB6A6A-2DD6-924E-9F0A-D95C6BF58861}" type="datetime1">
               <a:rPr lang="en-US" smtClean="0"/>
-              <a:t>7/16/13</a:t>
+              <a:t>11/6/13</a:t>
             </a:fld>
             <a:endParaRPr lang="en-US"/>
           </a:p>
@@ -15840,11 +15840,7 @@
           <a:p>
             <a:r>
               <a:rPr lang="en-US" b="1" dirty="0" smtClean="0"/>
-              <a:t>University </a:t>
-            </a:r>
-            <a:r>
-              <a:rPr lang="en-US" b="1" dirty="0" smtClean="0"/>
-              <a:t>of Chicago</a:t>
+              <a:t>University of Chicago</a:t>
             </a:r>
           </a:p>
           <a:p>
@@ -15992,7 +15988,7 @@
           <a:p>
             <a:fld id="{7DA83AE1-CB64-784C-9A8F-13236E608BC8}" type="datetime1">
               <a:rPr lang="en-US" smtClean="0"/>
-              <a:t>7/16/13</a:t>
+              <a:t>11/6/13</a:t>
             </a:fld>
             <a:endParaRPr lang="en-US"/>
           </a:p>
@@ -16259,7 +16255,7 @@
                 <a:latin typeface="Consolas"/>
                 <a:cs typeface="Consolas"/>
               </a:rPr>
-              <a:t>localSetupGLite</a:t>
+              <a:t>localSetupEmi</a:t>
             </a:r>
             <a:endParaRPr lang="en-US" sz="1400" b="1" dirty="0">
               <a:solidFill>
@@ -16719,7 +16715,7 @@
           <a:p>
             <a:fld id="{7DA83AE1-CB64-784C-9A8F-13236E608BC8}" type="datetime1">
               <a:rPr lang="en-US" smtClean="0"/>
-              <a:t>7/16/13</a:t>
+              <a:t>11/6/13</a:t>
             </a:fld>
             <a:endParaRPr lang="en-US"/>
           </a:p>
@@ -17523,7 +17519,7 @@
           <a:p>
             <a:fld id="{D9EC7038-F29E-FB43-80D2-9BA032D63C30}" type="datetime1">
               <a:rPr lang="en-US" smtClean="0"/>
-              <a:t>7/16/13</a:t>
+              <a:t>11/6/13</a:t>
             </a:fld>
             <a:endParaRPr lang="en-US"/>
           </a:p>
@@ -17930,15 +17926,7 @@
             </a:pPr>
             <a:r>
               <a:rPr lang="en-US" sz="1800" dirty="0" smtClean="0"/>
-              <a:t>Ideally </a:t>
-            </a:r>
-            <a:r>
-              <a:rPr lang="en-US" sz="1800" dirty="0" smtClean="0"/>
-              <a:t>choose the nearest Tier 2 or Tier </a:t>
-            </a:r>
-            <a:r>
-              <a:rPr lang="en-US" sz="1800" dirty="0" smtClean="0"/>
-              <a:t>1</a:t>
+              <a:t>Ideally choose the nearest Tier 2 or Tier 1</a:t>
             </a:r>
           </a:p>
           <a:p>
@@ -17953,13 +17941,8 @@
             </a:pPr>
             <a:r>
               <a:rPr lang="en-US" sz="1800" dirty="0" smtClean="0"/>
-              <a:t>If not </a:t>
-            </a:r>
-            <a:r>
-              <a:rPr lang="en-US" sz="1800" dirty="0" smtClean="0"/>
-              <a:t>sure, you can use </a:t>
-            </a:r>
-            <a:endParaRPr lang="en-US" sz="1800" dirty="0" smtClean="0"/>
+              <a:t>If not sure, you can use </a:t>
+            </a:r>
           </a:p>
           <a:p>
             <a:pPr marL="68580" indent="0">
@@ -17967,11 +17950,7 @@
             </a:pPr>
             <a:r>
               <a:rPr lang="en-US" sz="1800" dirty="0" smtClean="0"/>
-              <a:t>root</a:t>
-            </a:r>
-            <a:r>
-              <a:rPr lang="en-US" sz="1800" dirty="0" smtClean="0"/>
-              <a:t>://glrd.usatlas.org</a:t>
+              <a:t>root://glrd.usatlas.org</a:t>
             </a:r>
             <a:r>
               <a:rPr lang="en-US" sz="1800" dirty="0"/>
@@ -18035,7 +18014,7 @@
           <a:p>
             <a:fld id="{D9EC7038-F29E-FB43-80D2-9BA032D63C30}" type="datetime1">
               <a:rPr lang="en-US" smtClean="0"/>
-              <a:t>7/16/13</a:t>
+              <a:t>11/6/13</a:t>
             </a:fld>
             <a:endParaRPr lang="en-US"/>
           </a:p>
@@ -18624,11 +18603,7 @@
                     <a:p>
                       <a:r>
                         <a:rPr lang="en-US" sz="1400" b="1" dirty="0" smtClean="0"/>
-                        <a:t>BNL </a:t>
-                      </a:r>
-                      <a:r>
-                        <a:rPr lang="en-US" sz="1400" b="1" dirty="0" smtClean="0"/>
-                        <a:t>Tier1</a:t>
+                        <a:t>BNL Tier1</a:t>
                       </a:r>
                       <a:endParaRPr lang="en-US" sz="1400" b="1" dirty="0"/>
                     </a:p>
@@ -18644,7 +18619,6 @@
                         <a:rPr lang="en-US" sz="1400" b="1" dirty="0" smtClean="0"/>
                         <a:t>dcdoor11.usatlas.bnl.gov</a:t>
                       </a:r>
-                      <a:endParaRPr lang="en-US" sz="1400" b="1" dirty="0" smtClean="0"/>
                     </a:p>
                   </a:txBody>
                   <a:tcPr/>
@@ -18736,7 +18710,7 @@
           <a:p>
             <a:fld id="{7DA83AE1-CB64-784C-9A8F-13236E608BC8}" type="datetime1">
               <a:rPr lang="en-US" smtClean="0"/>
-              <a:t>7/16/13</a:t>
+              <a:t>11/6/13</a:t>
             </a:fld>
             <a:endParaRPr lang="en-US"/>
           </a:p>
@@ -19089,7 +19063,7 @@
           <a:p>
             <a:fld id="{CDA00D33-FDA7-AD4E-9672-FAE71C1B59B7}" type="datetime1">
               <a:rPr lang="en-US" smtClean="0"/>
-              <a:t>7/16/13</a:t>
+              <a:t>11/6/13</a:t>
             </a:fld>
             <a:endParaRPr lang="en-US"/>
           </a:p>
@@ -20053,7 +20027,7 @@
           <a:p>
             <a:fld id="{044211E0-D98E-5D49-A016-8C1B10EEECE0}" type="datetime1">
               <a:rPr lang="en-US" smtClean="0"/>
-              <a:t>7/16/13</a:t>
+              <a:t>11/6/13</a:t>
             </a:fld>
             <a:endParaRPr lang="en-US"/>
           </a:p>
@@ -21517,7 +21491,7 @@
           <a:p>
             <a:fld id="{7DA83AE1-CB64-784C-9A8F-13236E608BC8}" type="datetime1">
               <a:rPr lang="en-US" smtClean="0"/>
-              <a:t>7/16/13</a:t>
+              <a:t>11/6/13</a:t>
             </a:fld>
             <a:endParaRPr lang="en-US"/>
           </a:p>
@@ -22371,7 +22345,7 @@
           <a:p>
             <a:fld id="{7DA83AE1-CB64-784C-9A8F-13236E608BC8}" type="datetime1">
               <a:rPr lang="en-US" smtClean="0"/>
-              <a:t>7/16/13</a:t>
+              <a:t>11/6/13</a:t>
             </a:fld>
             <a:endParaRPr lang="en-US"/>
           </a:p>
@@ -22994,7 +22968,7 @@
           <a:p>
             <a:fld id="{7DA83AE1-CB64-784C-9A8F-13236E608BC8}" type="datetime1">
               <a:rPr lang="en-US" smtClean="0"/>
-              <a:t>7/16/13</a:t>
+              <a:t>11/6/13</a:t>
             </a:fld>
             <a:endParaRPr lang="en-US"/>
           </a:p>
@@ -23204,7 +23178,7 @@
           <a:p>
             <a:fld id="{D329B981-814D-754C-B17B-7D2D90287C7C}" type="datetime1">
               <a:rPr lang="en-US" smtClean="0"/>
-              <a:t>7/16/13</a:t>
+              <a:t>11/6/13</a:t>
             </a:fld>
             <a:endParaRPr lang="en-US"/>
           </a:p>
@@ -23422,7 +23396,7 @@
           <a:p>
             <a:fld id="{7DA83AE1-CB64-784C-9A8F-13236E608BC8}" type="datetime1">
               <a:rPr lang="en-US" smtClean="0"/>
-              <a:t>7/16/13</a:t>
+              <a:t>11/6/13</a:t>
             </a:fld>
             <a:endParaRPr lang="en-US"/>
           </a:p>
@@ -24051,7 +24025,7 @@
           <a:p>
             <a:fld id="{75BE49D8-2F20-4D48-A630-E158AC0D08EF}" type="datetime1">
               <a:rPr lang="en-US" smtClean="0"/>
-              <a:t>7/16/13</a:t>
+              <a:t>11/6/13</a:t>
             </a:fld>
             <a:endParaRPr lang="en-US"/>
           </a:p>
@@ -25156,7 +25130,7 @@
           <a:p>
             <a:fld id="{6BFAC227-F055-EF47-8A9B-BE5B836CAA5B}" type="datetime1">
               <a:rPr lang="en-US" smtClean="0"/>
-              <a:t>7/16/13</a:t>
+              <a:t>11/6/13</a:t>
             </a:fld>
             <a:endParaRPr lang="en-US"/>
           </a:p>
@@ -25975,7 +25949,7 @@
           <a:p>
             <a:fld id="{6BFAC227-F055-EF47-8A9B-BE5B836CAA5B}" type="datetime1">
               <a:rPr lang="en-US" smtClean="0"/>
-              <a:t>7/16/13</a:t>
+              <a:t>11/6/13</a:t>
             </a:fld>
             <a:endParaRPr lang="en-US"/>
           </a:p>
@@ -27256,7 +27230,7 @@
           <a:p>
             <a:fld id="{7DA83AE1-CB64-784C-9A8F-13236E608BC8}" type="datetime1">
               <a:rPr lang="en-US" smtClean="0"/>
-              <a:t>7/16/13</a:t>
+              <a:t>11/6/13</a:t>
             </a:fld>
             <a:endParaRPr lang="en-US"/>
           </a:p>
@@ -28193,7 +28167,7 @@
           <a:p>
             <a:fld id="{7DA83AE1-CB64-784C-9A8F-13236E608BC8}" type="datetime1">
               <a:rPr lang="en-US" smtClean="0"/>
-              <a:t>7/16/13</a:t>
+              <a:t>11/6/13</a:t>
             </a:fld>
             <a:endParaRPr lang="en-US"/>
           </a:p>
@@ -28593,33 +28567,17 @@
                   <a:schemeClr val="bg1"/>
                 </a:solidFill>
               </a:rPr>
-              <a:t>190 MB</a:t>
-            </a:r>
+              <a:t>190 MB/s </a:t>
+            </a:r>
+          </a:p>
+          <a:p>
             <a:r>
               <a:rPr lang="en-US" sz="1600" b="1" dirty="0" smtClean="0">
                 <a:solidFill>
                   <a:schemeClr val="bg1"/>
                 </a:solidFill>
               </a:rPr>
-              <a:t>/s </a:t>
-            </a:r>
-          </a:p>
-          <a:p>
-            <a:r>
-              <a:rPr lang="en-US" sz="1600" b="1" dirty="0" smtClean="0">
-                <a:solidFill>
-                  <a:schemeClr val="bg1"/>
-                </a:solidFill>
-              </a:rPr>
-              <a:t>0.38 MB</a:t>
-            </a:r>
-            <a:r>
-              <a:rPr lang="en-US" sz="1600" b="1" dirty="0" smtClean="0">
-                <a:solidFill>
-                  <a:schemeClr val="bg1"/>
-                </a:solidFill>
-              </a:rPr>
-              <a:t>/s/core</a:t>
+              <a:t>0.38 MB/s/core</a:t>
             </a:r>
             <a:endParaRPr lang="en-US" sz="1600" b="1" dirty="0">
               <a:solidFill>
@@ -28945,7 +28903,13 @@
               <a:rPr lang="en-US" dirty="0" err="1" smtClean="0">
                 <a:hlinkClick r:id="rId5"/>
               </a:rPr>
-              <a:t>atlas-adc-federated-xrootd@cern.ch</a:t>
+              <a:t>atlas-adc</a:t>
+            </a:r>
+            <a:r>
+              <a:rPr lang="en-US" dirty="0" err="1" smtClean="0">
+                <a:hlinkClick r:id="rId5"/>
+              </a:rPr>
+              <a:t>-fax-operations@cern.ch</a:t>
             </a:r>
             <a:endParaRPr lang="en-US" dirty="0" smtClean="0"/>
           </a:p>
@@ -28971,7 +28935,7 @@
           <a:p>
             <a:fld id="{7DA83AE1-CB64-784C-9A8F-13236E608BC8}" type="datetime1">
               <a:rPr lang="en-US" smtClean="0"/>
-              <a:t>7/16/13</a:t>
+              <a:t>11/6/13</a:t>
             </a:fld>
             <a:endParaRPr lang="en-US"/>
           </a:p>
@@ -29099,7 +29063,7 @@
           <a:p>
             <a:fld id="{7DA83AE1-CB64-784C-9A8F-13236E608BC8}" type="datetime1">
               <a:rPr lang="en-US" smtClean="0"/>
-              <a:t>7/16/13</a:t>
+              <a:t>11/6/13</a:t>
             </a:fld>
             <a:endParaRPr lang="en-US"/>
           </a:p>
@@ -29270,7 +29234,7 @@
           <a:p>
             <a:fld id="{7DA83AE1-CB64-784C-9A8F-13236E608BC8}" type="datetime1">
               <a:rPr lang="en-US" smtClean="0"/>
-              <a:t>7/16/13</a:t>
+              <a:t>11/6/13</a:t>
             </a:fld>
             <a:endParaRPr lang="en-US"/>
           </a:p>
@@ -30015,7 +29979,7 @@
           <a:p>
             <a:fld id="{7DA83AE1-CB64-784C-9A8F-13236E608BC8}" type="datetime1">
               <a:rPr lang="en-US" smtClean="0"/>
-              <a:t>7/16/13</a:t>
+              <a:t>11/6/13</a:t>
             </a:fld>
             <a:endParaRPr lang="en-US"/>
           </a:p>
@@ -30179,7 +30143,15 @@
           <a:p>
             <a:r>
               <a:rPr lang="en-US" dirty="0" smtClean="0"/>
-              <a:t>Currently 40 sites are part of FAX (all </a:t>
+              <a:t>Currently </a:t>
+            </a:r>
+            <a:r>
+              <a:rPr lang="en-US" dirty="0" smtClean="0"/>
+              <a:t>44 </a:t>
+            </a:r>
+            <a:r>
+              <a:rPr lang="en-US" dirty="0" smtClean="0"/>
+              <a:t>sites are part of FAX (all </a:t>
             </a:r>
             <a:r>
               <a:rPr lang="en-US" dirty="0"/>
@@ -30216,7 +30188,7 @@
           <a:p>
             <a:fld id="{79C8D36C-4D1A-4A4B-A2DE-3FD323663130}" type="datetime1">
               <a:rPr lang="en-US" smtClean="0"/>
-              <a:t>7/16/13</a:t>
+              <a:t>11/6/13</a:t>
             </a:fld>
             <a:endParaRPr lang="en-US"/>
           </a:p>
@@ -30421,7 +30393,7 @@
           <a:p>
             <a:fld id="{7DA83AE1-CB64-784C-9A8F-13236E608BC8}" type="datetime1">
               <a:rPr lang="en-US" smtClean="0"/>
-              <a:t>7/16/13</a:t>
+              <a:t>11/6/13</a:t>
             </a:fld>
             <a:endParaRPr lang="en-US" dirty="0"/>
           </a:p>
@@ -31157,7 +31129,7 @@
           <a:p>
             <a:fld id="{7DA83AE1-CB64-784C-9A8F-13236E608BC8}" type="datetime1">
               <a:rPr lang="en-US" smtClean="0"/>
-              <a:t>7/16/13</a:t>
+              <a:t>11/6/13</a:t>
             </a:fld>
             <a:endParaRPr lang="en-US"/>
           </a:p>
@@ -31326,7 +31298,7 @@
           <a:p>
             <a:fld id="{7DA83AE1-CB64-784C-9A8F-13236E608BC8}" type="datetime1">
               <a:rPr lang="en-US" smtClean="0"/>
-              <a:t>7/16/13</a:t>
+              <a:t>11/6/13</a:t>
             </a:fld>
             <a:endParaRPr lang="en-US"/>
           </a:p>
@@ -34087,7 +34059,7 @@
           <a:p>
             <a:fld id="{7DA83AE1-CB64-784C-9A8F-13236E608BC8}" type="datetime1">
               <a:rPr lang="en-US" smtClean="0"/>
-              <a:t>7/16/13</a:t>
+              <a:t>11/6/13</a:t>
             </a:fld>
             <a:endParaRPr lang="en-US"/>
           </a:p>
@@ -37038,7 +37010,7 @@
           <a:p>
             <a:fld id="{5A9A4CA0-2DD9-1142-9E89-A008F169B6AB}" type="datetime1">
               <a:rPr lang="en-US" smtClean="0"/>
-              <a:t>7/16/13</a:t>
+              <a:t>11/6/13</a:t>
             </a:fld>
             <a:endParaRPr lang="en-US"/>
           </a:p>
@@ -37234,7 +37206,7 @@
           <a:p>
             <a:fld id="{7DA83AE1-CB64-784C-9A8F-13236E608BC8}" type="datetime1">
               <a:rPr lang="en-US" smtClean="0"/>
-              <a:t>7/16/13</a:t>
+              <a:t>11/6/13</a:t>
             </a:fld>
             <a:endParaRPr lang="en-US"/>
           </a:p>
@@ -37470,7 +37442,7 @@
           <a:p>
             <a:fld id="{7DA83AE1-CB64-784C-9A8F-13236E608BC8}" type="datetime1">
               <a:rPr lang="en-US" smtClean="0"/>
-              <a:t>7/16/13</a:t>
+              <a:t>11/6/13</a:t>
             </a:fld>
             <a:endParaRPr lang="en-US"/>
           </a:p>
